--- a/Sockets.pptx
+++ b/Sockets.pptx
@@ -5,7 +5,7 @@
     <p:sldMasterId id="2147483648" r:id="rId1"/>
   </p:sldMasterIdLst>
   <p:notesMasterIdLst>
-    <p:notesMasterId r:id="rId38"/>
+    <p:notesMasterId r:id="rId40"/>
   </p:notesMasterIdLst>
   <p:sldIdLst>
     <p:sldId id="257" r:id="rId2"/>
@@ -43,7 +43,9 @@
     <p:sldId id="291" r:id="rId34"/>
     <p:sldId id="293" r:id="rId35"/>
     <p:sldId id="292" r:id="rId36"/>
-    <p:sldId id="294" r:id="rId37"/>
+    <p:sldId id="295" r:id="rId37"/>
+    <p:sldId id="296" r:id="rId38"/>
+    <p:sldId id="294" r:id="rId39"/>
   </p:sldIdLst>
   <p:sldSz cx="12192000" cy="6858000"/>
   <p:notesSz cx="6858000" cy="9144000"/>
@@ -232,7 +234,7 @@
           <a:p>
             <a:fld id="{60C2344A-5F44-9247-953C-2A7A155124F0}" type="datetimeFigureOut">
               <a:rPr lang="ru-RU" smtClean="0"/>
-              <a:t>28.03.2025</a:t>
+              <a:t>14.04.2025</a:t>
             </a:fld>
             <a:endParaRPr lang="ru-RU"/>
           </a:p>
@@ -2090,7 +2092,7 @@
           <a:p>
             <a:fld id="{4121567C-448C-7948-ABE2-6D095D07F811}" type="datetimeFigureOut">
               <a:rPr lang="ru-RU" smtClean="0"/>
-              <a:t>28.03.2025</a:t>
+              <a:t>14.04.2025</a:t>
             </a:fld>
             <a:endParaRPr lang="ru-RU"/>
           </a:p>
@@ -2288,7 +2290,7 @@
           <a:p>
             <a:fld id="{4121567C-448C-7948-ABE2-6D095D07F811}" type="datetimeFigureOut">
               <a:rPr lang="ru-RU" smtClean="0"/>
-              <a:t>28.03.2025</a:t>
+              <a:t>14.04.2025</a:t>
             </a:fld>
             <a:endParaRPr lang="ru-RU"/>
           </a:p>
@@ -2496,7 +2498,7 @@
           <a:p>
             <a:fld id="{4121567C-448C-7948-ABE2-6D095D07F811}" type="datetimeFigureOut">
               <a:rPr lang="ru-RU" smtClean="0"/>
-              <a:t>28.03.2025</a:t>
+              <a:t>14.04.2025</a:t>
             </a:fld>
             <a:endParaRPr lang="ru-RU"/>
           </a:p>
@@ -2898,7 +2900,7 @@
           <a:p>
             <a:fld id="{4121567C-448C-7948-ABE2-6D095D07F811}" type="datetimeFigureOut">
               <a:rPr lang="ru-RU" smtClean="0"/>
-              <a:t>28.03.2025</a:t>
+              <a:t>14.04.2025</a:t>
             </a:fld>
             <a:endParaRPr lang="ru-RU"/>
           </a:p>
@@ -3163,7 +3165,7 @@
           <a:p>
             <a:fld id="{4121567C-448C-7948-ABE2-6D095D07F811}" type="datetimeFigureOut">
               <a:rPr lang="ru-RU" smtClean="0"/>
-              <a:t>28.03.2025</a:t>
+              <a:t>14.04.2025</a:t>
             </a:fld>
             <a:endParaRPr lang="ru-RU"/>
           </a:p>
@@ -3575,7 +3577,7 @@
           <a:p>
             <a:fld id="{4121567C-448C-7948-ABE2-6D095D07F811}" type="datetimeFigureOut">
               <a:rPr lang="ru-RU" smtClean="0"/>
-              <a:t>28.03.2025</a:t>
+              <a:t>14.04.2025</a:t>
             </a:fld>
             <a:endParaRPr lang="ru-RU"/>
           </a:p>
@@ -3716,7 +3718,7 @@
           <a:p>
             <a:fld id="{4121567C-448C-7948-ABE2-6D095D07F811}" type="datetimeFigureOut">
               <a:rPr lang="ru-RU" smtClean="0"/>
-              <a:t>28.03.2025</a:t>
+              <a:t>14.04.2025</a:t>
             </a:fld>
             <a:endParaRPr lang="ru-RU"/>
           </a:p>
@@ -3829,7 +3831,7 @@
           <a:p>
             <a:fld id="{4121567C-448C-7948-ABE2-6D095D07F811}" type="datetimeFigureOut">
               <a:rPr lang="ru-RU" smtClean="0"/>
-              <a:t>28.03.2025</a:t>
+              <a:t>14.04.2025</a:t>
             </a:fld>
             <a:endParaRPr lang="ru-RU"/>
           </a:p>
@@ -4140,7 +4142,7 @@
           <a:p>
             <a:fld id="{4121567C-448C-7948-ABE2-6D095D07F811}" type="datetimeFigureOut">
               <a:rPr lang="ru-RU" smtClean="0"/>
-              <a:t>28.03.2025</a:t>
+              <a:t>14.04.2025</a:t>
             </a:fld>
             <a:endParaRPr lang="ru-RU"/>
           </a:p>
@@ -4428,7 +4430,7 @@
           <a:p>
             <a:fld id="{4121567C-448C-7948-ABE2-6D095D07F811}" type="datetimeFigureOut">
               <a:rPr lang="ru-RU" smtClean="0"/>
-              <a:t>28.03.2025</a:t>
+              <a:t>14.04.2025</a:t>
             </a:fld>
             <a:endParaRPr lang="ru-RU"/>
           </a:p>
@@ -4669,7 +4671,7 @@
           <a:p>
             <a:fld id="{4121567C-448C-7948-ABE2-6D095D07F811}" type="datetimeFigureOut">
               <a:rPr lang="ru-RU" smtClean="0"/>
-              <a:t>28.03.2025</a:t>
+              <a:t>14.04.2025</a:t>
             </a:fld>
             <a:endParaRPr lang="ru-RU"/>
           </a:p>
@@ -16967,7 +16969,7 @@
         </p:nvSpPr>
         <p:spPr>
           <a:xfrm>
-            <a:off x="677426" y="1149138"/>
+            <a:off x="397506" y="1149138"/>
             <a:ext cx="7733044" cy="4427697"/>
           </a:xfrm>
           <a:solidFill>
@@ -17645,7 +17647,7 @@
         </p:nvSpPr>
         <p:spPr>
           <a:xfrm>
-            <a:off x="5503722" y="5847920"/>
+            <a:off x="754440" y="5955146"/>
             <a:ext cx="6099348" cy="646331"/>
           </a:xfrm>
           <a:prstGeom prst="rect">
@@ -17705,8 +17707,8 @@
         </p:nvSpPr>
         <p:spPr>
           <a:xfrm>
-            <a:off x="5360796" y="1077840"/>
-            <a:ext cx="6099348" cy="3416320"/>
+            <a:off x="8289169" y="1077839"/>
+            <a:ext cx="3781530" cy="4498995"/>
           </a:xfrm>
           <a:prstGeom prst="rect">
             <a:avLst/>
@@ -34657,6 +34659,1204 @@
       </p:grpSpPr>
       <p:sp>
         <p:nvSpPr>
+          <p:cNvPr id="2" name="Заголовок 1">
+            <a:extLst>
+              <a:ext uri="{FF2B5EF4-FFF2-40B4-BE49-F238E27FC236}">
+                <a16:creationId xmlns:a16="http://schemas.microsoft.com/office/drawing/2014/main" id="{374D1B64-184B-7602-7008-76FAE2ECE2DB}"/>
+              </a:ext>
+            </a:extLst>
+          </p:cNvPr>
+          <p:cNvSpPr>
+            <a:spLocks noGrp="1"/>
+          </p:cNvSpPr>
+          <p:nvPr>
+            <p:ph type="title"/>
+          </p:nvPr>
+        </p:nvSpPr>
+        <p:spPr/>
+        <p:txBody>
+          <a:bodyPr/>
+          <a:lstStyle/>
+          <a:p>
+            <a:r>
+              <a:rPr lang="ru-RU" dirty="0"/>
+              <a:t>Что такое </a:t>
+            </a:r>
+            <a:r>
+              <a:rPr lang="en" dirty="0"/>
+              <a:t>asyncio?</a:t>
+            </a:r>
+            <a:endParaRPr lang="ru-RU" dirty="0"/>
+          </a:p>
+        </p:txBody>
+      </p:sp>
+      <p:sp>
+        <p:nvSpPr>
+          <p:cNvPr id="3" name="Объект 2">
+            <a:extLst>
+              <a:ext uri="{FF2B5EF4-FFF2-40B4-BE49-F238E27FC236}">
+                <a16:creationId xmlns:a16="http://schemas.microsoft.com/office/drawing/2014/main" id="{21F7B02E-89B8-4BD4-4B80-C97629CE9731}"/>
+              </a:ext>
+            </a:extLst>
+          </p:cNvPr>
+          <p:cNvSpPr>
+            <a:spLocks noGrp="1"/>
+          </p:cNvSpPr>
+          <p:nvPr>
+            <p:ph idx="1"/>
+          </p:nvPr>
+        </p:nvSpPr>
+        <p:spPr>
+          <a:xfrm>
+            <a:off x="838200" y="1027599"/>
+            <a:ext cx="10515600" cy="3447419"/>
+          </a:xfrm>
+        </p:spPr>
+        <p:txBody>
+          <a:bodyPr/>
+          <a:lstStyle/>
+          <a:p>
+            <a:pPr marL="0" indent="0">
+              <a:buNone/>
+            </a:pPr>
+            <a:r>
+              <a:rPr lang="en" sz="2000" b="1" dirty="0"/>
+              <a:t>asyncio</a:t>
+            </a:r>
+            <a:r>
+              <a:rPr lang="en" sz="2000" dirty="0"/>
+              <a:t> — </a:t>
+            </a:r>
+            <a:r>
+              <a:rPr lang="ru-RU" sz="2000" dirty="0"/>
+              <a:t>это стандартная библиотека </a:t>
+            </a:r>
+            <a:r>
+              <a:rPr lang="en" sz="2000" dirty="0"/>
+              <a:t>Python </a:t>
+            </a:r>
+            <a:r>
+              <a:rPr lang="ru-RU" sz="2000" dirty="0"/>
+              <a:t>для </a:t>
+            </a:r>
+            <a:r>
+              <a:rPr lang="ru-RU" sz="2000" b="1" dirty="0"/>
+              <a:t>асинхронного программирования</a:t>
+            </a:r>
+            <a:r>
+              <a:rPr lang="ru-RU" sz="2000" dirty="0"/>
+              <a:t>.</a:t>
+            </a:r>
+          </a:p>
+          <a:p>
+            <a:pPr>
+              <a:buFont typeface="Arial" panose="020B0604020202020204" pitchFamily="34" charset="0"/>
+              <a:buChar char="•"/>
+            </a:pPr>
+            <a:r>
+              <a:rPr lang="ru-RU" sz="2000" dirty="0"/>
+              <a:t>Позволяет писать </a:t>
+            </a:r>
+            <a:r>
+              <a:rPr lang="ru-RU" sz="2000" b="1" dirty="0"/>
+              <a:t>однопоточные, неблокирующие</a:t>
+            </a:r>
+            <a:r>
+              <a:rPr lang="ru-RU" sz="2000" dirty="0"/>
+              <a:t> приложения: идеально для сетевых задач, ввода-вывода, ботов и серверов.</a:t>
+            </a:r>
+          </a:p>
+          <a:p>
+            <a:pPr>
+              <a:buFont typeface="Arial" panose="020B0604020202020204" pitchFamily="34" charset="0"/>
+              <a:buChar char="•"/>
+            </a:pPr>
+            <a:r>
+              <a:rPr lang="ru-RU" sz="2000" dirty="0"/>
+              <a:t>Основан на </a:t>
+            </a:r>
+            <a:r>
+              <a:rPr lang="ru-RU" sz="2000" b="1" dirty="0"/>
+              <a:t>корутинах</a:t>
+            </a:r>
+            <a:r>
+              <a:rPr lang="ru-RU" sz="2000" dirty="0"/>
+              <a:t> (</a:t>
+            </a:r>
+            <a:r>
+              <a:rPr lang="en" sz="2000" dirty="0">
+                <a:latin typeface="Consolas" panose="020B0609020204030204" pitchFamily="49" charset="0"/>
+                <a:cs typeface="Consolas" panose="020B0609020204030204" pitchFamily="49" charset="0"/>
+              </a:rPr>
+              <a:t>async def / await</a:t>
+            </a:r>
+            <a:r>
+              <a:rPr lang="en" sz="2000" dirty="0"/>
+              <a:t>) </a:t>
+            </a:r>
+            <a:r>
+              <a:rPr lang="ru-RU" sz="2000" dirty="0"/>
+              <a:t>и </a:t>
+            </a:r>
+            <a:r>
+              <a:rPr lang="ru-RU" sz="2000" b="1" dirty="0"/>
+              <a:t>цикле событий</a:t>
+            </a:r>
+            <a:r>
+              <a:rPr lang="ru-RU" sz="2000" dirty="0"/>
+              <a:t> (</a:t>
+            </a:r>
+            <a:r>
+              <a:rPr lang="en" sz="2000" dirty="0"/>
+              <a:t>event loop).</a:t>
+            </a:r>
+          </a:p>
+          <a:p>
+            <a:pPr>
+              <a:buNone/>
+            </a:pPr>
+            <a:r>
+              <a:rPr lang="ru-RU" sz="2000" b="1" dirty="0"/>
+              <a:t>Основные концепции </a:t>
+            </a:r>
+            <a:r>
+              <a:rPr lang="en" sz="2000" b="1" dirty="0"/>
+              <a:t>asyncio</a:t>
+            </a:r>
+            <a:r>
+              <a:rPr lang="en-US" sz="2000" b="1" dirty="0"/>
+              <a:t>:</a:t>
+            </a:r>
+            <a:endParaRPr lang="en" sz="2000" b="1" dirty="0"/>
+          </a:p>
+          <a:p>
+            <a:pPr>
+              <a:buFont typeface="Arial" panose="020B0604020202020204" pitchFamily="34" charset="0"/>
+              <a:buChar char="•"/>
+            </a:pPr>
+            <a:r>
+              <a:rPr lang="ru-RU" sz="2000" b="1" dirty="0"/>
+              <a:t>Корутины</a:t>
+            </a:r>
+            <a:r>
+              <a:rPr lang="ru-RU" sz="2000" dirty="0"/>
+              <a:t>: функции, которые могут приостанавливать выполнение (</a:t>
+            </a:r>
+            <a:r>
+              <a:rPr lang="en" sz="2000" dirty="0"/>
+              <a:t>await) </a:t>
+            </a:r>
+            <a:r>
+              <a:rPr lang="ru-RU" sz="2000" dirty="0"/>
+              <a:t>и продолжать позже.</a:t>
+            </a:r>
+          </a:p>
+          <a:p>
+            <a:pPr>
+              <a:buFont typeface="Arial" panose="020B0604020202020204" pitchFamily="34" charset="0"/>
+              <a:buChar char="•"/>
+            </a:pPr>
+            <a:r>
+              <a:rPr lang="ru-RU" sz="2000" b="1" dirty="0"/>
+              <a:t>Событийный цикл</a:t>
+            </a:r>
+            <a:r>
+              <a:rPr lang="ru-RU" sz="2000" dirty="0"/>
+              <a:t>: управляет исполнением всех задач.</a:t>
+            </a:r>
+          </a:p>
+          <a:p>
+            <a:pPr>
+              <a:buFont typeface="Arial" panose="020B0604020202020204" pitchFamily="34" charset="0"/>
+              <a:buChar char="•"/>
+            </a:pPr>
+            <a:r>
+              <a:rPr lang="en" sz="2000" b="1" dirty="0"/>
+              <a:t>await</a:t>
+            </a:r>
+            <a:r>
+              <a:rPr lang="en" sz="2000" dirty="0"/>
+              <a:t>: </a:t>
+            </a:r>
+            <a:r>
+              <a:rPr lang="ru-RU" sz="2000" dirty="0"/>
+              <a:t>говорит “подожди результат, не блокируя всё приложение”.</a:t>
+            </a:r>
+          </a:p>
+          <a:p>
+            <a:pPr marL="0" indent="0">
+              <a:buNone/>
+            </a:pPr>
+            <a:endParaRPr lang="ru-RU" sz="2000" dirty="0"/>
+          </a:p>
+        </p:txBody>
+      </p:sp>
+      <p:sp>
+        <p:nvSpPr>
+          <p:cNvPr id="5" name="TextBox 4">
+            <a:extLst>
+              <a:ext uri="{FF2B5EF4-FFF2-40B4-BE49-F238E27FC236}">
+                <a16:creationId xmlns:a16="http://schemas.microsoft.com/office/drawing/2014/main" id="{763EEEE8-B01B-18D3-D85A-E45A8C1AC226}"/>
+              </a:ext>
+            </a:extLst>
+          </p:cNvPr>
+          <p:cNvSpPr txBox="1"/>
+          <p:nvPr/>
+        </p:nvSpPr>
+        <p:spPr>
+          <a:xfrm>
+            <a:off x="838200" y="4475018"/>
+            <a:ext cx="3864429" cy="2031325"/>
+          </a:xfrm>
+          <a:prstGeom prst="rect">
+            <a:avLst/>
+          </a:prstGeom>
+          <a:solidFill>
+            <a:schemeClr val="bg2"/>
+          </a:solidFill>
+        </p:spPr>
+        <p:txBody>
+          <a:bodyPr wrap="square">
+            <a:spAutoFit/>
+          </a:bodyPr>
+          <a:lstStyle/>
+          <a:p>
+            <a:r>
+              <a:rPr lang="en" b="1" noProof="1">
+                <a:solidFill>
+                  <a:srgbClr val="0C450D"/>
+                </a:solidFill>
+                <a:effectLst/>
+                <a:latin typeface="Consolas" panose="020B0609020204030204" pitchFamily="49" charset="0"/>
+                <a:cs typeface="Consolas" panose="020B0609020204030204" pitchFamily="49" charset="0"/>
+              </a:rPr>
+              <a:t>import</a:t>
+            </a:r>
+            <a:r>
+              <a:rPr lang="en" noProof="1">
+                <a:effectLst/>
+                <a:latin typeface="Consolas" panose="020B0609020204030204" pitchFamily="49" charset="0"/>
+                <a:cs typeface="Consolas" panose="020B0609020204030204" pitchFamily="49" charset="0"/>
+              </a:rPr>
+              <a:t> asyncio</a:t>
+            </a:r>
+            <a:br>
+              <a:rPr lang="en" noProof="1">
+                <a:effectLst/>
+                <a:latin typeface="Consolas" panose="020B0609020204030204" pitchFamily="49" charset="0"/>
+                <a:cs typeface="Consolas" panose="020B0609020204030204" pitchFamily="49" charset="0"/>
+              </a:rPr>
+            </a:br>
+            <a:br>
+              <a:rPr lang="en" noProof="1">
+                <a:effectLst/>
+                <a:latin typeface="Consolas" panose="020B0609020204030204" pitchFamily="49" charset="0"/>
+                <a:cs typeface="Consolas" panose="020B0609020204030204" pitchFamily="49" charset="0"/>
+              </a:rPr>
+            </a:br>
+            <a:r>
+              <a:rPr lang="en" b="1" noProof="1">
+                <a:solidFill>
+                  <a:srgbClr val="0000FF"/>
+                </a:solidFill>
+                <a:effectLst/>
+                <a:latin typeface="Consolas" panose="020B0609020204030204" pitchFamily="49" charset="0"/>
+                <a:cs typeface="Consolas" panose="020B0609020204030204" pitchFamily="49" charset="0"/>
+              </a:rPr>
+              <a:t>async</a:t>
+            </a:r>
+            <a:r>
+              <a:rPr lang="en" noProof="1">
+                <a:effectLst/>
+                <a:latin typeface="Consolas" panose="020B0609020204030204" pitchFamily="49" charset="0"/>
+                <a:cs typeface="Consolas" panose="020B0609020204030204" pitchFamily="49" charset="0"/>
+              </a:rPr>
+              <a:t> </a:t>
+            </a:r>
+            <a:r>
+              <a:rPr lang="en" b="1" noProof="1">
+                <a:solidFill>
+                  <a:srgbClr val="0000FF"/>
+                </a:solidFill>
+                <a:effectLst/>
+                <a:latin typeface="Consolas" panose="020B0609020204030204" pitchFamily="49" charset="0"/>
+                <a:cs typeface="Consolas" panose="020B0609020204030204" pitchFamily="49" charset="0"/>
+              </a:rPr>
+              <a:t>def</a:t>
+            </a:r>
+            <a:r>
+              <a:rPr lang="en" noProof="1">
+                <a:effectLst/>
+                <a:latin typeface="Consolas" panose="020B0609020204030204" pitchFamily="49" charset="0"/>
+                <a:cs typeface="Consolas" panose="020B0609020204030204" pitchFamily="49" charset="0"/>
+              </a:rPr>
+              <a:t> </a:t>
+            </a:r>
+            <a:r>
+              <a:rPr lang="en" b="1" noProof="1">
+                <a:solidFill>
+                  <a:srgbClr val="0000A2"/>
+                </a:solidFill>
+                <a:effectLst/>
+                <a:latin typeface="Consolas" panose="020B0609020204030204" pitchFamily="49" charset="0"/>
+                <a:cs typeface="Consolas" panose="020B0609020204030204" pitchFamily="49" charset="0"/>
+              </a:rPr>
+              <a:t>say_hello</a:t>
+            </a:r>
+            <a:r>
+              <a:rPr lang="en" noProof="1">
+                <a:effectLst/>
+                <a:latin typeface="Consolas" panose="020B0609020204030204" pitchFamily="49" charset="0"/>
+                <a:cs typeface="Consolas" panose="020B0609020204030204" pitchFamily="49" charset="0"/>
+              </a:rPr>
+              <a:t>():</a:t>
+            </a:r>
+            <a:br>
+              <a:rPr lang="en" noProof="1">
+                <a:effectLst/>
+                <a:latin typeface="Consolas" panose="020B0609020204030204" pitchFamily="49" charset="0"/>
+                <a:cs typeface="Consolas" panose="020B0609020204030204" pitchFamily="49" charset="0"/>
+              </a:rPr>
+            </a:br>
+            <a:r>
+              <a:rPr lang="en" noProof="1">
+                <a:effectLst/>
+                <a:latin typeface="Consolas" panose="020B0609020204030204" pitchFamily="49" charset="0"/>
+                <a:cs typeface="Consolas" panose="020B0609020204030204" pitchFamily="49" charset="0"/>
+              </a:rPr>
+              <a:t>    </a:t>
+            </a:r>
+            <a:r>
+              <a:rPr lang="en" b="1" noProof="1">
+                <a:solidFill>
+                  <a:srgbClr val="0000FF"/>
+                </a:solidFill>
+                <a:effectLst/>
+                <a:latin typeface="Consolas" panose="020B0609020204030204" pitchFamily="49" charset="0"/>
+                <a:cs typeface="Consolas" panose="020B0609020204030204" pitchFamily="49" charset="0"/>
+              </a:rPr>
+              <a:t>await</a:t>
+            </a:r>
+            <a:r>
+              <a:rPr lang="en" noProof="1">
+                <a:effectLst/>
+                <a:latin typeface="Consolas" panose="020B0609020204030204" pitchFamily="49" charset="0"/>
+                <a:cs typeface="Consolas" panose="020B0609020204030204" pitchFamily="49" charset="0"/>
+              </a:rPr>
+              <a:t> asyncio.sleep(</a:t>
+            </a:r>
+            <a:r>
+              <a:rPr lang="en" noProof="1">
+                <a:solidFill>
+                  <a:srgbClr val="0000CD"/>
+                </a:solidFill>
+                <a:effectLst/>
+                <a:latin typeface="Consolas" panose="020B0609020204030204" pitchFamily="49" charset="0"/>
+                <a:cs typeface="Consolas" panose="020B0609020204030204" pitchFamily="49" charset="0"/>
+              </a:rPr>
+              <a:t>1</a:t>
+            </a:r>
+            <a:r>
+              <a:rPr lang="en" noProof="1">
+                <a:effectLst/>
+                <a:latin typeface="Consolas" panose="020B0609020204030204" pitchFamily="49" charset="0"/>
+                <a:cs typeface="Consolas" panose="020B0609020204030204" pitchFamily="49" charset="0"/>
+              </a:rPr>
+              <a:t>)</a:t>
+            </a:r>
+            <a:br>
+              <a:rPr lang="en" noProof="1">
+                <a:effectLst/>
+                <a:latin typeface="Consolas" panose="020B0609020204030204" pitchFamily="49" charset="0"/>
+                <a:cs typeface="Consolas" panose="020B0609020204030204" pitchFamily="49" charset="0"/>
+              </a:rPr>
+            </a:br>
+            <a:r>
+              <a:rPr lang="en" noProof="1">
+                <a:effectLst/>
+                <a:latin typeface="Consolas" panose="020B0609020204030204" pitchFamily="49" charset="0"/>
+                <a:cs typeface="Consolas" panose="020B0609020204030204" pitchFamily="49" charset="0"/>
+              </a:rPr>
+              <a:t>    </a:t>
+            </a:r>
+            <a:r>
+              <a:rPr lang="en" b="1" noProof="1">
+                <a:solidFill>
+                  <a:srgbClr val="3C4C72"/>
+                </a:solidFill>
+                <a:effectLst/>
+                <a:latin typeface="Consolas" panose="020B0609020204030204" pitchFamily="49" charset="0"/>
+                <a:cs typeface="Consolas" panose="020B0609020204030204" pitchFamily="49" charset="0"/>
+              </a:rPr>
+              <a:t>print</a:t>
+            </a:r>
+            <a:r>
+              <a:rPr lang="en" noProof="1">
+                <a:effectLst/>
+                <a:latin typeface="Consolas" panose="020B0609020204030204" pitchFamily="49" charset="0"/>
+                <a:cs typeface="Consolas" panose="020B0609020204030204" pitchFamily="49" charset="0"/>
+              </a:rPr>
+              <a:t>(</a:t>
+            </a:r>
+            <a:r>
+              <a:rPr lang="en" noProof="1">
+                <a:solidFill>
+                  <a:srgbClr val="036A07"/>
+                </a:solidFill>
+                <a:effectLst/>
+                <a:latin typeface="Consolas" panose="020B0609020204030204" pitchFamily="49" charset="0"/>
+                <a:cs typeface="Consolas" panose="020B0609020204030204" pitchFamily="49" charset="0"/>
+              </a:rPr>
+              <a:t>"Hello, world!"</a:t>
+            </a:r>
+            <a:r>
+              <a:rPr lang="en" noProof="1">
+                <a:effectLst/>
+                <a:latin typeface="Consolas" panose="020B0609020204030204" pitchFamily="49" charset="0"/>
+                <a:cs typeface="Consolas" panose="020B0609020204030204" pitchFamily="49" charset="0"/>
+              </a:rPr>
+              <a:t>)</a:t>
+            </a:r>
+            <a:br>
+              <a:rPr lang="en" noProof="1">
+                <a:effectLst/>
+                <a:latin typeface="Consolas" panose="020B0609020204030204" pitchFamily="49" charset="0"/>
+                <a:cs typeface="Consolas" panose="020B0609020204030204" pitchFamily="49" charset="0"/>
+              </a:rPr>
+            </a:br>
+            <a:br>
+              <a:rPr lang="en" noProof="1">
+                <a:effectLst/>
+                <a:latin typeface="Consolas" panose="020B0609020204030204" pitchFamily="49" charset="0"/>
+                <a:cs typeface="Consolas" panose="020B0609020204030204" pitchFamily="49" charset="0"/>
+              </a:rPr>
+            </a:br>
+            <a:r>
+              <a:rPr lang="en" noProof="1">
+                <a:effectLst/>
+                <a:latin typeface="Consolas" panose="020B0609020204030204" pitchFamily="49" charset="0"/>
+                <a:cs typeface="Consolas" panose="020B0609020204030204" pitchFamily="49" charset="0"/>
+              </a:rPr>
+              <a:t>asyncio.run(say_hello())</a:t>
+            </a:r>
+          </a:p>
+        </p:txBody>
+      </p:sp>
+      <p:pic>
+        <p:nvPicPr>
+          <p:cNvPr id="1026" name="Picture 2" descr="Coroutine (корутины): что это за сопрограммы, как работают ...">
+            <a:extLst>
+              <a:ext uri="{FF2B5EF4-FFF2-40B4-BE49-F238E27FC236}">
+                <a16:creationId xmlns:a16="http://schemas.microsoft.com/office/drawing/2014/main" id="{AE910300-23FF-5380-3F2C-1B8554BC77FA}"/>
+              </a:ext>
+            </a:extLst>
+          </p:cNvPr>
+          <p:cNvPicPr>
+            <a:picLocks noChangeAspect="1" noChangeArrowheads="1"/>
+          </p:cNvPicPr>
+          <p:nvPr/>
+        </p:nvPicPr>
+        <p:blipFill rotWithShape="1">
+          <a:blip r:embed="rId2">
+            <a:extLst>
+              <a:ext uri="{28A0092B-C50C-407E-A947-70E740481C1C}">
+                <a14:useLocalDpi xmlns:a14="http://schemas.microsoft.com/office/drawing/2010/main" val="0"/>
+              </a:ext>
+            </a:extLst>
+          </a:blip>
+          <a:srcRect l="6875" t="8027" r="6875" b="5249"/>
+          <a:stretch/>
+        </p:blipFill>
+        <p:spPr bwMode="auto">
+          <a:xfrm>
+            <a:off x="7979229" y="4660032"/>
+            <a:ext cx="4212771" cy="2197968"/>
+          </a:xfrm>
+          <a:prstGeom prst="rect">
+            <a:avLst/>
+          </a:prstGeom>
+          <a:noFill/>
+          <a:extLst>
+            <a:ext uri="{909E8E84-426E-40DD-AFC4-6F175D3DCCD1}">
+              <a14:hiddenFill xmlns:a14="http://schemas.microsoft.com/office/drawing/2010/main">
+                <a:solidFill>
+                  <a:srgbClr val="FFFFFF"/>
+                </a:solidFill>
+              </a14:hiddenFill>
+            </a:ext>
+          </a:extLst>
+        </p:spPr>
+      </p:pic>
+    </p:spTree>
+    <p:extLst>
+      <p:ext uri="{BB962C8B-B14F-4D97-AF65-F5344CB8AC3E}">
+        <p14:creationId xmlns:p14="http://schemas.microsoft.com/office/powerpoint/2010/main" val="2998434921"/>
+      </p:ext>
+    </p:extLst>
+  </p:cSld>
+  <p:clrMapOvr>
+    <a:masterClrMapping/>
+  </p:clrMapOvr>
+</p:sld>
+</file>
+
+<file path=ppt/slides/slide37.xml><?xml version="1.0" encoding="utf-8"?>
+<p:sld xmlns:a="http://schemas.openxmlformats.org/drawingml/2006/main" xmlns:r="http://schemas.openxmlformats.org/officeDocument/2006/relationships" xmlns:p="http://schemas.openxmlformats.org/presentationml/2006/main">
+  <p:cSld>
+    <p:spTree>
+      <p:nvGrpSpPr>
+        <p:cNvPr id="1" name=""/>
+        <p:cNvGrpSpPr/>
+        <p:nvPr/>
+      </p:nvGrpSpPr>
+      <p:grpSpPr>
+        <a:xfrm>
+          <a:off x="0" y="0"/>
+          <a:ext cx="0" cy="0"/>
+          <a:chOff x="0" y="0"/>
+          <a:chExt cx="0" cy="0"/>
+        </a:xfrm>
+      </p:grpSpPr>
+      <p:sp>
+        <p:nvSpPr>
+          <p:cNvPr id="2" name="Заголовок 1">
+            <a:extLst>
+              <a:ext uri="{FF2B5EF4-FFF2-40B4-BE49-F238E27FC236}">
+                <a16:creationId xmlns:a16="http://schemas.microsoft.com/office/drawing/2014/main" id="{3F956277-BD75-3915-D39E-628FD79BB64F}"/>
+              </a:ext>
+            </a:extLst>
+          </p:cNvPr>
+          <p:cNvSpPr>
+            <a:spLocks noGrp="1"/>
+          </p:cNvSpPr>
+          <p:nvPr>
+            <p:ph type="title"/>
+          </p:nvPr>
+        </p:nvSpPr>
+        <p:spPr/>
+        <p:txBody>
+          <a:bodyPr>
+            <a:normAutofit/>
+          </a:bodyPr>
+          <a:lstStyle/>
+          <a:p>
+            <a:r>
+              <a:rPr lang="ru-RU" dirty="0"/>
+              <a:t>Событийный цикл (</a:t>
+            </a:r>
+            <a:r>
+              <a:rPr lang="en" dirty="0"/>
+              <a:t>Event Loop</a:t>
+            </a:r>
+            <a:r>
+              <a:rPr lang="ru-RU" dirty="0"/>
+              <a:t>)</a:t>
+            </a:r>
+            <a:r>
+              <a:rPr lang="en" dirty="0"/>
+              <a:t> </a:t>
+            </a:r>
+            <a:r>
+              <a:rPr lang="ru-RU" dirty="0"/>
+              <a:t>в </a:t>
+            </a:r>
+            <a:r>
+              <a:rPr lang="en" dirty="0"/>
+              <a:t>asyncio</a:t>
+            </a:r>
+            <a:endParaRPr lang="ru-RU" dirty="0"/>
+          </a:p>
+        </p:txBody>
+      </p:sp>
+      <p:sp>
+        <p:nvSpPr>
+          <p:cNvPr id="3" name="Объект 2">
+            <a:extLst>
+              <a:ext uri="{FF2B5EF4-FFF2-40B4-BE49-F238E27FC236}">
+                <a16:creationId xmlns:a16="http://schemas.microsoft.com/office/drawing/2014/main" id="{4886A7A6-06FB-59CC-1C3F-65B4632DEC1F}"/>
+              </a:ext>
+            </a:extLst>
+          </p:cNvPr>
+          <p:cNvSpPr>
+            <a:spLocks noGrp="1"/>
+          </p:cNvSpPr>
+          <p:nvPr>
+            <p:ph idx="1"/>
+          </p:nvPr>
+        </p:nvSpPr>
+        <p:spPr>
+          <a:xfrm>
+            <a:off x="838200" y="1169234"/>
+            <a:ext cx="10515600" cy="2945566"/>
+          </a:xfrm>
+        </p:spPr>
+        <p:txBody>
+          <a:bodyPr/>
+          <a:lstStyle/>
+          <a:p>
+            <a:pPr marL="0" indent="0">
+              <a:buNone/>
+            </a:pPr>
+            <a:r>
+              <a:rPr lang="ru-RU" sz="2000" b="1" dirty="0"/>
+              <a:t>Сердце </a:t>
+            </a:r>
+            <a:r>
+              <a:rPr lang="en" sz="2000" b="1" dirty="0"/>
+              <a:t>asyncio</a:t>
+            </a:r>
+            <a:r>
+              <a:rPr lang="en" sz="2000" dirty="0"/>
+              <a:t> — </a:t>
+            </a:r>
+            <a:r>
+              <a:rPr lang="ru-RU" sz="2000" dirty="0"/>
+              <a:t>событийный цикл. Он управляет:</a:t>
+            </a:r>
+          </a:p>
+          <a:p>
+            <a:pPr>
+              <a:lnSpc>
+                <a:spcPct val="100000"/>
+              </a:lnSpc>
+              <a:spcBef>
+                <a:spcPts val="0"/>
+              </a:spcBef>
+              <a:buFont typeface="Arial" panose="020B0604020202020204" pitchFamily="34" charset="0"/>
+              <a:buChar char="•"/>
+            </a:pPr>
+            <a:r>
+              <a:rPr lang="ru-RU" sz="2000" dirty="0"/>
+              <a:t>запуском корутин</a:t>
+            </a:r>
+          </a:p>
+          <a:p>
+            <a:pPr>
+              <a:lnSpc>
+                <a:spcPct val="100000"/>
+              </a:lnSpc>
+              <a:spcBef>
+                <a:spcPts val="0"/>
+              </a:spcBef>
+              <a:buFont typeface="Arial" panose="020B0604020202020204" pitchFamily="34" charset="0"/>
+              <a:buChar char="•"/>
+            </a:pPr>
+            <a:r>
+              <a:rPr lang="ru-RU" sz="2000" dirty="0"/>
+              <a:t>переключением между задачами</a:t>
+            </a:r>
+          </a:p>
+          <a:p>
+            <a:pPr>
+              <a:lnSpc>
+                <a:spcPct val="100000"/>
+              </a:lnSpc>
+              <a:spcBef>
+                <a:spcPts val="0"/>
+              </a:spcBef>
+              <a:buFont typeface="Arial" panose="020B0604020202020204" pitchFamily="34" charset="0"/>
+              <a:buChar char="•"/>
+            </a:pPr>
+            <a:r>
+              <a:rPr lang="ru-RU" sz="2000" dirty="0"/>
+              <a:t>выполнением отложенных операций (таймеров, сетевых событий и т.д.)</a:t>
+            </a:r>
+          </a:p>
+          <a:p>
+            <a:pPr marL="0" indent="0">
+              <a:lnSpc>
+                <a:spcPct val="100000"/>
+              </a:lnSpc>
+              <a:buNone/>
+            </a:pPr>
+            <a:r>
+              <a:rPr lang="ru-RU" sz="2000" dirty="0"/>
+              <a:t>Цикл работает как диспетчер:</a:t>
+            </a:r>
+          </a:p>
+          <a:p>
+            <a:pPr>
+              <a:lnSpc>
+                <a:spcPct val="100000"/>
+              </a:lnSpc>
+              <a:spcBef>
+                <a:spcPts val="0"/>
+              </a:spcBef>
+              <a:buFont typeface="Arial" panose="020B0604020202020204" pitchFamily="34" charset="0"/>
+              <a:buChar char="•"/>
+            </a:pPr>
+            <a:r>
+              <a:rPr lang="ru-RU" sz="2000" dirty="0"/>
+              <a:t>Запускает корутину до первого </a:t>
+            </a:r>
+            <a:r>
+              <a:rPr lang="en" sz="2000" dirty="0"/>
+              <a:t>await</a:t>
+            </a:r>
+          </a:p>
+          <a:p>
+            <a:pPr>
+              <a:lnSpc>
+                <a:spcPct val="100000"/>
+              </a:lnSpc>
+              <a:spcBef>
+                <a:spcPts val="0"/>
+              </a:spcBef>
+              <a:buFont typeface="Arial" panose="020B0604020202020204" pitchFamily="34" charset="0"/>
+              <a:buChar char="•"/>
+            </a:pPr>
+            <a:r>
+              <a:rPr lang="ru-RU" sz="2000" dirty="0"/>
+              <a:t>Пока задача </a:t>
+            </a:r>
+            <a:r>
+              <a:rPr lang="en-US" sz="2000" dirty="0"/>
+              <a:t>«</a:t>
+            </a:r>
+            <a:r>
+              <a:rPr lang="ru-RU" sz="2000" dirty="0"/>
+              <a:t>ждёт</a:t>
+            </a:r>
+            <a:r>
+              <a:rPr lang="en-US" sz="2000" dirty="0"/>
+              <a:t>»</a:t>
+            </a:r>
+            <a:r>
+              <a:rPr lang="ru-RU" sz="2000" dirty="0"/>
+              <a:t>, запускает другие задачи</a:t>
+            </a:r>
+          </a:p>
+          <a:p>
+            <a:pPr>
+              <a:lnSpc>
+                <a:spcPct val="100000"/>
+              </a:lnSpc>
+              <a:spcBef>
+                <a:spcPts val="0"/>
+              </a:spcBef>
+              <a:buFont typeface="Arial" panose="020B0604020202020204" pitchFamily="34" charset="0"/>
+              <a:buChar char="•"/>
+            </a:pPr>
+            <a:r>
+              <a:rPr lang="ru-RU" sz="2000" dirty="0"/>
+              <a:t>Как только результат готов — продолжает выполнение</a:t>
+            </a:r>
+          </a:p>
+          <a:p>
+            <a:pPr>
+              <a:lnSpc>
+                <a:spcPct val="100000"/>
+              </a:lnSpc>
+              <a:spcBef>
+                <a:spcPts val="0"/>
+              </a:spcBef>
+              <a:buFont typeface="Arial" panose="020B0604020202020204" pitchFamily="34" charset="0"/>
+              <a:buChar char="•"/>
+            </a:pPr>
+            <a:r>
+              <a:rPr lang="ru-RU" sz="2000" dirty="0"/>
+              <a:t>Пример (ручное управление циклом):</a:t>
+            </a:r>
+          </a:p>
+          <a:p>
+            <a:pPr marL="0" indent="0">
+              <a:buNone/>
+            </a:pPr>
+            <a:endParaRPr lang="ru-RU" sz="2000" dirty="0"/>
+          </a:p>
+        </p:txBody>
+      </p:sp>
+      <p:sp>
+        <p:nvSpPr>
+          <p:cNvPr id="5" name="TextBox 4">
+            <a:extLst>
+              <a:ext uri="{FF2B5EF4-FFF2-40B4-BE49-F238E27FC236}">
+                <a16:creationId xmlns:a16="http://schemas.microsoft.com/office/drawing/2014/main" id="{BBD4AE60-CCC5-EFCD-05C7-7650F633877F}"/>
+              </a:ext>
+            </a:extLst>
+          </p:cNvPr>
+          <p:cNvSpPr txBox="1"/>
+          <p:nvPr/>
+        </p:nvSpPr>
+        <p:spPr>
+          <a:xfrm>
+            <a:off x="838200" y="4256436"/>
+            <a:ext cx="3744685" cy="2308324"/>
+          </a:xfrm>
+          <a:prstGeom prst="rect">
+            <a:avLst/>
+          </a:prstGeom>
+          <a:solidFill>
+            <a:schemeClr val="bg2"/>
+          </a:solidFill>
+        </p:spPr>
+        <p:txBody>
+          <a:bodyPr wrap="square">
+            <a:spAutoFit/>
+          </a:bodyPr>
+          <a:lstStyle/>
+          <a:p>
+            <a:r>
+              <a:rPr lang="en" b="1" noProof="1">
+                <a:solidFill>
+                  <a:srgbClr val="0C450D"/>
+                </a:solidFill>
+                <a:effectLst/>
+                <a:latin typeface="Consolas" panose="020B0609020204030204" pitchFamily="49" charset="0"/>
+                <a:cs typeface="Consolas" panose="020B0609020204030204" pitchFamily="49" charset="0"/>
+              </a:rPr>
+              <a:t>import</a:t>
+            </a:r>
+            <a:r>
+              <a:rPr lang="en" noProof="1">
+                <a:effectLst/>
+                <a:latin typeface="Consolas" panose="020B0609020204030204" pitchFamily="49" charset="0"/>
+                <a:cs typeface="Consolas" panose="020B0609020204030204" pitchFamily="49" charset="0"/>
+              </a:rPr>
+              <a:t> asyncio</a:t>
+            </a:r>
+            <a:br>
+              <a:rPr lang="en" noProof="1">
+                <a:effectLst/>
+                <a:latin typeface="Consolas" panose="020B0609020204030204" pitchFamily="49" charset="0"/>
+                <a:cs typeface="Consolas" panose="020B0609020204030204" pitchFamily="49" charset="0"/>
+              </a:rPr>
+            </a:br>
+            <a:br>
+              <a:rPr lang="en" noProof="1">
+                <a:effectLst/>
+                <a:latin typeface="Consolas" panose="020B0609020204030204" pitchFamily="49" charset="0"/>
+                <a:cs typeface="Consolas" panose="020B0609020204030204" pitchFamily="49" charset="0"/>
+              </a:rPr>
+            </a:br>
+            <a:r>
+              <a:rPr lang="en" b="1" noProof="1">
+                <a:solidFill>
+                  <a:srgbClr val="0000FF"/>
+                </a:solidFill>
+                <a:effectLst/>
+                <a:latin typeface="Consolas" panose="020B0609020204030204" pitchFamily="49" charset="0"/>
+                <a:cs typeface="Consolas" panose="020B0609020204030204" pitchFamily="49" charset="0"/>
+              </a:rPr>
+              <a:t>async</a:t>
+            </a:r>
+            <a:r>
+              <a:rPr lang="en" noProof="1">
+                <a:effectLst/>
+                <a:latin typeface="Consolas" panose="020B0609020204030204" pitchFamily="49" charset="0"/>
+                <a:cs typeface="Consolas" panose="020B0609020204030204" pitchFamily="49" charset="0"/>
+              </a:rPr>
+              <a:t> </a:t>
+            </a:r>
+            <a:r>
+              <a:rPr lang="en" b="1" noProof="1">
+                <a:solidFill>
+                  <a:srgbClr val="0000FF"/>
+                </a:solidFill>
+                <a:effectLst/>
+                <a:latin typeface="Consolas" panose="020B0609020204030204" pitchFamily="49" charset="0"/>
+                <a:cs typeface="Consolas" panose="020B0609020204030204" pitchFamily="49" charset="0"/>
+              </a:rPr>
+              <a:t>def</a:t>
+            </a:r>
+            <a:r>
+              <a:rPr lang="en" noProof="1">
+                <a:effectLst/>
+                <a:latin typeface="Consolas" panose="020B0609020204030204" pitchFamily="49" charset="0"/>
+                <a:cs typeface="Consolas" panose="020B0609020204030204" pitchFamily="49" charset="0"/>
+              </a:rPr>
+              <a:t> </a:t>
+            </a:r>
+            <a:r>
+              <a:rPr lang="en" b="1" noProof="1">
+                <a:solidFill>
+                  <a:srgbClr val="0000A2"/>
+                </a:solidFill>
+                <a:effectLst/>
+                <a:latin typeface="Consolas" panose="020B0609020204030204" pitchFamily="49" charset="0"/>
+                <a:cs typeface="Consolas" panose="020B0609020204030204" pitchFamily="49" charset="0"/>
+              </a:rPr>
+              <a:t>say_hello</a:t>
+            </a:r>
+            <a:r>
+              <a:rPr lang="en" noProof="1">
+                <a:effectLst/>
+                <a:latin typeface="Consolas" panose="020B0609020204030204" pitchFamily="49" charset="0"/>
+                <a:cs typeface="Consolas" panose="020B0609020204030204" pitchFamily="49" charset="0"/>
+              </a:rPr>
+              <a:t>():</a:t>
+            </a:r>
+            <a:br>
+              <a:rPr lang="en" noProof="1">
+                <a:effectLst/>
+                <a:latin typeface="Consolas" panose="020B0609020204030204" pitchFamily="49" charset="0"/>
+                <a:cs typeface="Consolas" panose="020B0609020204030204" pitchFamily="49" charset="0"/>
+              </a:rPr>
+            </a:br>
+            <a:r>
+              <a:rPr lang="en" noProof="1">
+                <a:effectLst/>
+                <a:latin typeface="Consolas" panose="020B0609020204030204" pitchFamily="49" charset="0"/>
+                <a:cs typeface="Consolas" panose="020B0609020204030204" pitchFamily="49" charset="0"/>
+              </a:rPr>
+              <a:t>    </a:t>
+            </a:r>
+            <a:r>
+              <a:rPr lang="en" b="1" noProof="1">
+                <a:solidFill>
+                  <a:srgbClr val="3C4C72"/>
+                </a:solidFill>
+                <a:effectLst/>
+                <a:latin typeface="Consolas" panose="020B0609020204030204" pitchFamily="49" charset="0"/>
+                <a:cs typeface="Consolas" panose="020B0609020204030204" pitchFamily="49" charset="0"/>
+              </a:rPr>
+              <a:t>print</a:t>
+            </a:r>
+            <a:r>
+              <a:rPr lang="en" noProof="1">
+                <a:effectLst/>
+                <a:latin typeface="Consolas" panose="020B0609020204030204" pitchFamily="49" charset="0"/>
+                <a:cs typeface="Consolas" panose="020B0609020204030204" pitchFamily="49" charset="0"/>
+              </a:rPr>
+              <a:t>(</a:t>
+            </a:r>
+            <a:r>
+              <a:rPr lang="en" noProof="1">
+                <a:solidFill>
+                  <a:srgbClr val="036A07"/>
+                </a:solidFill>
+                <a:effectLst/>
+                <a:latin typeface="Consolas" panose="020B0609020204030204" pitchFamily="49" charset="0"/>
+                <a:cs typeface="Consolas" panose="020B0609020204030204" pitchFamily="49" charset="0"/>
+              </a:rPr>
+              <a:t>"Start"</a:t>
+            </a:r>
+            <a:r>
+              <a:rPr lang="en" noProof="1">
+                <a:effectLst/>
+                <a:latin typeface="Consolas" panose="020B0609020204030204" pitchFamily="49" charset="0"/>
+                <a:cs typeface="Consolas" panose="020B0609020204030204" pitchFamily="49" charset="0"/>
+              </a:rPr>
+              <a:t>)</a:t>
+            </a:r>
+            <a:br>
+              <a:rPr lang="en" noProof="1">
+                <a:effectLst/>
+                <a:latin typeface="Consolas" panose="020B0609020204030204" pitchFamily="49" charset="0"/>
+                <a:cs typeface="Consolas" panose="020B0609020204030204" pitchFamily="49" charset="0"/>
+              </a:rPr>
+            </a:br>
+            <a:r>
+              <a:rPr lang="en" noProof="1">
+                <a:effectLst/>
+                <a:latin typeface="Consolas" panose="020B0609020204030204" pitchFamily="49" charset="0"/>
+                <a:cs typeface="Consolas" panose="020B0609020204030204" pitchFamily="49" charset="0"/>
+              </a:rPr>
+              <a:t>    </a:t>
+            </a:r>
+            <a:r>
+              <a:rPr lang="en" b="1" noProof="1">
+                <a:solidFill>
+                  <a:srgbClr val="0000FF"/>
+                </a:solidFill>
+                <a:effectLst/>
+                <a:latin typeface="Consolas" panose="020B0609020204030204" pitchFamily="49" charset="0"/>
+                <a:cs typeface="Consolas" panose="020B0609020204030204" pitchFamily="49" charset="0"/>
+              </a:rPr>
+              <a:t>await</a:t>
+            </a:r>
+            <a:r>
+              <a:rPr lang="en" noProof="1">
+                <a:effectLst/>
+                <a:latin typeface="Consolas" panose="020B0609020204030204" pitchFamily="49" charset="0"/>
+                <a:cs typeface="Consolas" panose="020B0609020204030204" pitchFamily="49" charset="0"/>
+              </a:rPr>
+              <a:t> asyncio.sleep(</a:t>
+            </a:r>
+            <a:r>
+              <a:rPr lang="en" noProof="1">
+                <a:solidFill>
+                  <a:srgbClr val="0000CD"/>
+                </a:solidFill>
+                <a:effectLst/>
+                <a:latin typeface="Consolas" panose="020B0609020204030204" pitchFamily="49" charset="0"/>
+                <a:cs typeface="Consolas" panose="020B0609020204030204" pitchFamily="49" charset="0"/>
+              </a:rPr>
+              <a:t>1</a:t>
+            </a:r>
+            <a:r>
+              <a:rPr lang="en" noProof="1">
+                <a:effectLst/>
+                <a:latin typeface="Consolas" panose="020B0609020204030204" pitchFamily="49" charset="0"/>
+                <a:cs typeface="Consolas" panose="020B0609020204030204" pitchFamily="49" charset="0"/>
+              </a:rPr>
+              <a:t>)</a:t>
+            </a:r>
+            <a:br>
+              <a:rPr lang="en" noProof="1">
+                <a:effectLst/>
+                <a:latin typeface="Consolas" panose="020B0609020204030204" pitchFamily="49" charset="0"/>
+                <a:cs typeface="Consolas" panose="020B0609020204030204" pitchFamily="49" charset="0"/>
+              </a:rPr>
+            </a:br>
+            <a:r>
+              <a:rPr lang="en" noProof="1">
+                <a:effectLst/>
+                <a:latin typeface="Consolas" panose="020B0609020204030204" pitchFamily="49" charset="0"/>
+                <a:cs typeface="Consolas" panose="020B0609020204030204" pitchFamily="49" charset="0"/>
+              </a:rPr>
+              <a:t>    </a:t>
+            </a:r>
+            <a:r>
+              <a:rPr lang="en" b="1" noProof="1">
+                <a:solidFill>
+                  <a:srgbClr val="3C4C72"/>
+                </a:solidFill>
+                <a:effectLst/>
+                <a:latin typeface="Consolas" panose="020B0609020204030204" pitchFamily="49" charset="0"/>
+                <a:cs typeface="Consolas" panose="020B0609020204030204" pitchFamily="49" charset="0"/>
+              </a:rPr>
+              <a:t>print</a:t>
+            </a:r>
+            <a:r>
+              <a:rPr lang="en" noProof="1">
+                <a:effectLst/>
+                <a:latin typeface="Consolas" panose="020B0609020204030204" pitchFamily="49" charset="0"/>
+                <a:cs typeface="Consolas" panose="020B0609020204030204" pitchFamily="49" charset="0"/>
+              </a:rPr>
+              <a:t>(</a:t>
+            </a:r>
+            <a:r>
+              <a:rPr lang="en" noProof="1">
+                <a:solidFill>
+                  <a:srgbClr val="036A07"/>
+                </a:solidFill>
+                <a:effectLst/>
+                <a:latin typeface="Consolas" panose="020B0609020204030204" pitchFamily="49" charset="0"/>
+                <a:cs typeface="Consolas" panose="020B0609020204030204" pitchFamily="49" charset="0"/>
+              </a:rPr>
+              <a:t>"End"</a:t>
+            </a:r>
+            <a:r>
+              <a:rPr lang="en" noProof="1">
+                <a:effectLst/>
+                <a:latin typeface="Consolas" panose="020B0609020204030204" pitchFamily="49" charset="0"/>
+                <a:cs typeface="Consolas" panose="020B0609020204030204" pitchFamily="49" charset="0"/>
+              </a:rPr>
+              <a:t>)</a:t>
+            </a:r>
+            <a:br>
+              <a:rPr lang="en" noProof="1">
+                <a:effectLst/>
+                <a:latin typeface="Consolas" panose="020B0609020204030204" pitchFamily="49" charset="0"/>
+                <a:cs typeface="Consolas" panose="020B0609020204030204" pitchFamily="49" charset="0"/>
+              </a:rPr>
+            </a:br>
+            <a:r>
+              <a:rPr lang="en" noProof="1">
+                <a:effectLst/>
+                <a:latin typeface="Consolas" panose="020B0609020204030204" pitchFamily="49" charset="0"/>
+                <a:cs typeface="Consolas" panose="020B0609020204030204" pitchFamily="49" charset="0"/>
+              </a:rPr>
+              <a:t>    </a:t>
+            </a:r>
+            <a:br>
+              <a:rPr lang="en" noProof="1">
+                <a:effectLst/>
+                <a:latin typeface="Consolas" panose="020B0609020204030204" pitchFamily="49" charset="0"/>
+                <a:cs typeface="Consolas" panose="020B0609020204030204" pitchFamily="49" charset="0"/>
+              </a:rPr>
+            </a:br>
+            <a:r>
+              <a:rPr lang="en" noProof="1">
+                <a:effectLst/>
+                <a:latin typeface="Consolas" panose="020B0609020204030204" pitchFamily="49" charset="0"/>
+                <a:cs typeface="Consolas" panose="020B0609020204030204" pitchFamily="49" charset="0"/>
+              </a:rPr>
+              <a:t>asyncio.run(say_hello())</a:t>
+            </a:r>
+          </a:p>
+        </p:txBody>
+      </p:sp>
+      <p:pic>
+        <p:nvPicPr>
+          <p:cNvPr id="2050" name="Picture 2" descr="Getting started with Python ASYNCIO [Part-1] | by Noor Al Din Ahmed | Medium">
+            <a:extLst>
+              <a:ext uri="{FF2B5EF4-FFF2-40B4-BE49-F238E27FC236}">
+                <a16:creationId xmlns:a16="http://schemas.microsoft.com/office/drawing/2014/main" id="{83071460-7AFA-3E47-9790-19F67C5DCAA7}"/>
+              </a:ext>
+            </a:extLst>
+          </p:cNvPr>
+          <p:cNvPicPr>
+            <a:picLocks noChangeAspect="1" noChangeArrowheads="1"/>
+          </p:cNvPicPr>
+          <p:nvPr/>
+        </p:nvPicPr>
+        <p:blipFill>
+          <a:blip r:embed="rId2">
+            <a:extLst>
+              <a:ext uri="{28A0092B-C50C-407E-A947-70E740481C1C}">
+                <a14:useLocalDpi xmlns:a14="http://schemas.microsoft.com/office/drawing/2010/main" val="0"/>
+              </a:ext>
+            </a:extLst>
+          </a:blip>
+          <a:srcRect/>
+          <a:stretch>
+            <a:fillRect/>
+          </a:stretch>
+        </p:blipFill>
+        <p:spPr bwMode="auto">
+          <a:xfrm>
+            <a:off x="5377543" y="4438082"/>
+            <a:ext cx="6302828" cy="2126678"/>
+          </a:xfrm>
+          <a:prstGeom prst="rect">
+            <a:avLst/>
+          </a:prstGeom>
+          <a:noFill/>
+          <a:extLst>
+            <a:ext uri="{909E8E84-426E-40DD-AFC4-6F175D3DCCD1}">
+              <a14:hiddenFill xmlns:a14="http://schemas.microsoft.com/office/drawing/2010/main">
+                <a:solidFill>
+                  <a:srgbClr val="FFFFFF"/>
+                </a:solidFill>
+              </a14:hiddenFill>
+            </a:ext>
+          </a:extLst>
+        </p:spPr>
+      </p:pic>
+    </p:spTree>
+    <p:extLst>
+      <p:ext uri="{BB962C8B-B14F-4D97-AF65-F5344CB8AC3E}">
+        <p14:creationId xmlns:p14="http://schemas.microsoft.com/office/powerpoint/2010/main" val="796976378"/>
+      </p:ext>
+    </p:extLst>
+  </p:cSld>
+  <p:clrMapOvr>
+    <a:masterClrMapping/>
+  </p:clrMapOvr>
+</p:sld>
+</file>
+
+<file path=ppt/slides/slide38.xml><?xml version="1.0" encoding="utf-8"?>
+<p:sld xmlns:a="http://schemas.openxmlformats.org/drawingml/2006/main" xmlns:r="http://schemas.openxmlformats.org/officeDocument/2006/relationships" xmlns:p="http://schemas.openxmlformats.org/presentationml/2006/main">
+  <p:cSld>
+    <p:spTree>
+      <p:nvGrpSpPr>
+        <p:cNvPr id="1" name=""/>
+        <p:cNvGrpSpPr/>
+        <p:nvPr/>
+      </p:nvGrpSpPr>
+      <p:grpSpPr>
+        <a:xfrm>
+          <a:off x="0" y="0"/>
+          <a:ext cx="0" cy="0"/>
+          <a:chOff x="0" y="0"/>
+          <a:chExt cx="0" cy="0"/>
+        </a:xfrm>
+      </p:grpSpPr>
+      <p:sp>
+        <p:nvSpPr>
           <p:cNvPr id="3" name="Объект 2">
             <a:extLst>
               <a:ext uri="{FF2B5EF4-FFF2-40B4-BE49-F238E27FC236}">
@@ -34673,8 +35873,8 @@
         </p:nvSpPr>
         <p:spPr>
           <a:xfrm>
-            <a:off x="233680" y="0"/>
-            <a:ext cx="11704320" cy="6857999"/>
+            <a:off x="213360" y="0"/>
+            <a:ext cx="11978640" cy="6857999"/>
           </a:xfrm>
         </p:spPr>
         <p:txBody>
@@ -34685,7 +35885,7 @@
               <a:buNone/>
             </a:pPr>
             <a:r>
-              <a:rPr lang="en" sz="1600" b="1" noProof="1">
+              <a:rPr lang="en" sz="1800" b="1" noProof="1">
                 <a:solidFill>
                   <a:srgbClr val="0C450D"/>
                 </a:solidFill>
@@ -34696,7 +35896,7 @@
               <a:t>import</a:t>
             </a:r>
             <a:r>
-              <a:rPr lang="en" sz="1600" noProof="1">
+              <a:rPr lang="en" sz="1800" noProof="1">
                 <a:effectLst/>
                 <a:latin typeface="Consolas" panose="020B0609020204030204" pitchFamily="49" charset="0"/>
                 <a:cs typeface="Consolas" panose="020B0609020204030204" pitchFamily="49" charset="0"/>
@@ -34704,21 +35904,14 @@
               <a:t> asyncio</a:t>
             </a:r>
             <a:br>
-              <a:rPr lang="en" sz="1600" noProof="1">
-                <a:effectLst/>
-                <a:latin typeface="Consolas" panose="020B0609020204030204" pitchFamily="49" charset="0"/>
-                <a:cs typeface="Consolas" panose="020B0609020204030204" pitchFamily="49" charset="0"/>
-              </a:rPr>
-            </a:br>
-            <a:br>
-              <a:rPr lang="en" sz="1600" noProof="1">
-                <a:effectLst/>
-                <a:latin typeface="Consolas" panose="020B0609020204030204" pitchFamily="49" charset="0"/>
-                <a:cs typeface="Consolas" panose="020B0609020204030204" pitchFamily="49" charset="0"/>
-              </a:rPr>
-            </a:br>
-            <a:r>
-              <a:rPr lang="en" sz="1600" b="1" noProof="1">
+              <a:rPr lang="en" sz="1800" noProof="1">
+                <a:effectLst/>
+                <a:latin typeface="Consolas" panose="020B0609020204030204" pitchFamily="49" charset="0"/>
+                <a:cs typeface="Consolas" panose="020B0609020204030204" pitchFamily="49" charset="0"/>
+              </a:rPr>
+            </a:br>
+            <a:r>
+              <a:rPr lang="en" sz="1800" b="1" noProof="1">
                 <a:solidFill>
                   <a:srgbClr val="C5060B"/>
                 </a:solidFill>
@@ -34729,7 +35922,7 @@
               <a:t>HOST</a:t>
             </a:r>
             <a:r>
-              <a:rPr lang="en" sz="1600" noProof="1">
+              <a:rPr lang="en" sz="1800" noProof="1">
                 <a:effectLst/>
                 <a:latin typeface="Consolas" panose="020B0609020204030204" pitchFamily="49" charset="0"/>
                 <a:cs typeface="Consolas" panose="020B0609020204030204" pitchFamily="49" charset="0"/>
@@ -34737,7 +35930,7 @@
               <a:t>, </a:t>
             </a:r>
             <a:r>
-              <a:rPr lang="en" sz="1600" b="1" noProof="1">
+              <a:rPr lang="en" sz="1800" b="1" noProof="1">
                 <a:solidFill>
                   <a:srgbClr val="C5060B"/>
                 </a:solidFill>
@@ -34748,7 +35941,7 @@
               <a:t>PORT</a:t>
             </a:r>
             <a:r>
-              <a:rPr lang="en" sz="1600" noProof="1">
+              <a:rPr lang="en" sz="1800" noProof="1">
                 <a:effectLst/>
                 <a:latin typeface="Consolas" panose="020B0609020204030204" pitchFamily="49" charset="0"/>
                 <a:cs typeface="Consolas" panose="020B0609020204030204" pitchFamily="49" charset="0"/>
@@ -34756,7 +35949,7 @@
               <a:t> </a:t>
             </a:r>
             <a:r>
-              <a:rPr lang="en" sz="1600" b="1" noProof="1">
+              <a:rPr lang="en" sz="1800" b="1" noProof="1">
                 <a:solidFill>
                   <a:srgbClr val="0000FF"/>
                 </a:solidFill>
@@ -34767,7 +35960,7 @@
               <a:t>=</a:t>
             </a:r>
             <a:r>
-              <a:rPr lang="en" sz="1600" noProof="1">
+              <a:rPr lang="en" sz="1800" noProof="1">
                 <a:effectLst/>
                 <a:latin typeface="Consolas" panose="020B0609020204030204" pitchFamily="49" charset="0"/>
                 <a:cs typeface="Consolas" panose="020B0609020204030204" pitchFamily="49" charset="0"/>
@@ -34775,7 +35968,7 @@
               <a:t> (</a:t>
             </a:r>
             <a:r>
-              <a:rPr lang="en" sz="1600" noProof="1">
+              <a:rPr lang="en" sz="1800" noProof="1">
                 <a:solidFill>
                   <a:srgbClr val="036A07"/>
                 </a:solidFill>
@@ -34786,7 +35979,7 @@
               <a:t>'localhost'</a:t>
             </a:r>
             <a:r>
-              <a:rPr lang="en" sz="1600" noProof="1">
+              <a:rPr lang="en" sz="1800" noProof="1">
                 <a:effectLst/>
                 <a:latin typeface="Consolas" panose="020B0609020204030204" pitchFamily="49" charset="0"/>
                 <a:cs typeface="Consolas" panose="020B0609020204030204" pitchFamily="49" charset="0"/>
@@ -34794,7 +35987,7 @@
               <a:t>, </a:t>
             </a:r>
             <a:r>
-              <a:rPr lang="en" sz="1600" noProof="1">
+              <a:rPr lang="en" sz="1800" noProof="1">
                 <a:solidFill>
                   <a:srgbClr val="0000CD"/>
                 </a:solidFill>
@@ -34805,7 +35998,7 @@
               <a:t>12345</a:t>
             </a:r>
             <a:r>
-              <a:rPr lang="en" sz="1600" noProof="1">
+              <a:rPr lang="en" sz="1800" noProof="1">
                 <a:effectLst/>
                 <a:latin typeface="Consolas" panose="020B0609020204030204" pitchFamily="49" charset="0"/>
                 <a:cs typeface="Consolas" panose="020B0609020204030204" pitchFamily="49" charset="0"/>
@@ -34813,21 +36006,21 @@
               <a:t>)</a:t>
             </a:r>
             <a:br>
-              <a:rPr lang="en" sz="1600" noProof="1">
-                <a:effectLst/>
-                <a:latin typeface="Consolas" panose="020B0609020204030204" pitchFamily="49" charset="0"/>
-                <a:cs typeface="Consolas" panose="020B0609020204030204" pitchFamily="49" charset="0"/>
-              </a:rPr>
-            </a:br>
-            <a:br>
-              <a:rPr lang="en" sz="1600" noProof="1">
-                <a:effectLst/>
-                <a:latin typeface="Consolas" panose="020B0609020204030204" pitchFamily="49" charset="0"/>
-                <a:cs typeface="Consolas" panose="020B0609020204030204" pitchFamily="49" charset="0"/>
-              </a:rPr>
-            </a:br>
-            <a:r>
-              <a:rPr lang="en" sz="1600" b="1" noProof="1">
+              <a:rPr lang="en" sz="1800" noProof="1">
+                <a:effectLst/>
+                <a:latin typeface="Consolas" panose="020B0609020204030204" pitchFamily="49" charset="0"/>
+                <a:cs typeface="Consolas" panose="020B0609020204030204" pitchFamily="49" charset="0"/>
+              </a:rPr>
+            </a:br>
+            <a:br>
+              <a:rPr lang="en" sz="1800" noProof="1">
+                <a:effectLst/>
+                <a:latin typeface="Consolas" panose="020B0609020204030204" pitchFamily="49" charset="0"/>
+                <a:cs typeface="Consolas" panose="020B0609020204030204" pitchFamily="49" charset="0"/>
+              </a:rPr>
+            </a:br>
+            <a:r>
+              <a:rPr lang="en" sz="1800" b="1" noProof="1">
                 <a:solidFill>
                   <a:srgbClr val="0000FF"/>
                 </a:solidFill>
@@ -34838,7 +36031,7 @@
               <a:t>async</a:t>
             </a:r>
             <a:r>
-              <a:rPr lang="en" sz="1600" noProof="1">
+              <a:rPr lang="en" sz="1800" noProof="1">
                 <a:effectLst/>
                 <a:latin typeface="Consolas" panose="020B0609020204030204" pitchFamily="49" charset="0"/>
                 <a:cs typeface="Consolas" panose="020B0609020204030204" pitchFamily="49" charset="0"/>
@@ -34846,7 +36039,7 @@
               <a:t> </a:t>
             </a:r>
             <a:r>
-              <a:rPr lang="en" sz="1600" b="1" noProof="1">
+              <a:rPr lang="en" sz="1800" b="1" noProof="1">
                 <a:solidFill>
                   <a:srgbClr val="0000FF"/>
                 </a:solidFill>
@@ -34857,7 +36050,7 @@
               <a:t>def</a:t>
             </a:r>
             <a:r>
-              <a:rPr lang="en" sz="1600" noProof="1">
+              <a:rPr lang="en" sz="1800" noProof="1">
                 <a:effectLst/>
                 <a:latin typeface="Consolas" panose="020B0609020204030204" pitchFamily="49" charset="0"/>
                 <a:cs typeface="Consolas" panose="020B0609020204030204" pitchFamily="49" charset="0"/>
@@ -34865,7 +36058,7 @@
               <a:t> </a:t>
             </a:r>
             <a:r>
-              <a:rPr lang="en" sz="1600" b="1" noProof="1">
+              <a:rPr lang="en" sz="1800" b="1" noProof="1">
                 <a:solidFill>
                   <a:srgbClr val="0000A2"/>
                 </a:solidFill>
@@ -34876,7 +36069,7 @@
               <a:t>handle_connection</a:t>
             </a:r>
             <a:r>
-              <a:rPr lang="en" sz="1600" noProof="1">
+              <a:rPr lang="en" sz="1800" noProof="1">
                 <a:effectLst/>
                 <a:latin typeface="Consolas" panose="020B0609020204030204" pitchFamily="49" charset="0"/>
                 <a:cs typeface="Consolas" panose="020B0609020204030204" pitchFamily="49" charset="0"/>
@@ -34884,14 +36077,14 @@
               <a:t>(reader, writer):</a:t>
             </a:r>
             <a:br>
-              <a:rPr lang="en" sz="1600" noProof="1">
-                <a:effectLst/>
-                <a:latin typeface="Consolas" panose="020B0609020204030204" pitchFamily="49" charset="0"/>
-                <a:cs typeface="Consolas" panose="020B0609020204030204" pitchFamily="49" charset="0"/>
-              </a:rPr>
-            </a:br>
-            <a:r>
-              <a:rPr lang="en" sz="1600" noProof="1">
+              <a:rPr lang="en" sz="1800" noProof="1">
+                <a:effectLst/>
+                <a:latin typeface="Consolas" panose="020B0609020204030204" pitchFamily="49" charset="0"/>
+                <a:cs typeface="Consolas" panose="020B0609020204030204" pitchFamily="49" charset="0"/>
+              </a:rPr>
+            </a:br>
+            <a:r>
+              <a:rPr lang="en" sz="1800" noProof="1">
                 <a:effectLst/>
                 <a:latin typeface="Consolas" panose="020B0609020204030204" pitchFamily="49" charset="0"/>
                 <a:cs typeface="Consolas" panose="020B0609020204030204" pitchFamily="49" charset="0"/>
@@ -34899,7 +36092,7 @@
               <a:t>    addr </a:t>
             </a:r>
             <a:r>
-              <a:rPr lang="en" sz="1600" b="1" noProof="1">
+              <a:rPr lang="en" sz="1800" b="1" noProof="1">
                 <a:solidFill>
                   <a:srgbClr val="0000FF"/>
                 </a:solidFill>
@@ -34910,7 +36103,7 @@
               <a:t>=</a:t>
             </a:r>
             <a:r>
-              <a:rPr lang="en" sz="1600" noProof="1">
+              <a:rPr lang="en" sz="1800" noProof="1">
                 <a:effectLst/>
                 <a:latin typeface="Consolas" panose="020B0609020204030204" pitchFamily="49" charset="0"/>
                 <a:cs typeface="Consolas" panose="020B0609020204030204" pitchFamily="49" charset="0"/>
@@ -34918,7 +36111,7 @@
               <a:t> writer.get_extra_info(</a:t>
             </a:r>
             <a:r>
-              <a:rPr lang="en" sz="1600" noProof="1">
+              <a:rPr lang="en" sz="1800" noProof="1">
                 <a:solidFill>
                   <a:srgbClr val="036A07"/>
                 </a:solidFill>
@@ -34929,7 +36122,7 @@
               <a:t>"peername"</a:t>
             </a:r>
             <a:r>
-              <a:rPr lang="en" sz="1600" noProof="1">
+              <a:rPr lang="en" sz="1800" noProof="1">
                 <a:effectLst/>
                 <a:latin typeface="Consolas" panose="020B0609020204030204" pitchFamily="49" charset="0"/>
                 <a:cs typeface="Consolas" panose="020B0609020204030204" pitchFamily="49" charset="0"/>
@@ -34937,14 +36130,14 @@
               <a:t>)</a:t>
             </a:r>
             <a:br>
-              <a:rPr lang="en" sz="1600" noProof="1">
-                <a:effectLst/>
-                <a:latin typeface="Consolas" panose="020B0609020204030204" pitchFamily="49" charset="0"/>
-                <a:cs typeface="Consolas" panose="020B0609020204030204" pitchFamily="49" charset="0"/>
-              </a:rPr>
-            </a:br>
-            <a:r>
-              <a:rPr lang="en" sz="1600" noProof="1">
+              <a:rPr lang="en" sz="1800" noProof="1">
+                <a:effectLst/>
+                <a:latin typeface="Consolas" panose="020B0609020204030204" pitchFamily="49" charset="0"/>
+                <a:cs typeface="Consolas" panose="020B0609020204030204" pitchFamily="49" charset="0"/>
+              </a:rPr>
+            </a:br>
+            <a:r>
+              <a:rPr lang="en" sz="1800" noProof="1">
                 <a:effectLst/>
                 <a:latin typeface="Consolas" panose="020B0609020204030204" pitchFamily="49" charset="0"/>
                 <a:cs typeface="Consolas" panose="020B0609020204030204" pitchFamily="49" charset="0"/>
@@ -34952,7 +36145,7 @@
               <a:t>    </a:t>
             </a:r>
             <a:r>
-              <a:rPr lang="en" sz="1600" b="1" noProof="1">
+              <a:rPr lang="en" sz="1800" b="1" noProof="1">
                 <a:solidFill>
                   <a:srgbClr val="3C4C72"/>
                 </a:solidFill>
@@ -34963,7 +36156,7 @@
               <a:t>print</a:t>
             </a:r>
             <a:r>
-              <a:rPr lang="en" sz="1600" noProof="1">
+              <a:rPr lang="en" sz="1800" noProof="1">
                 <a:effectLst/>
                 <a:latin typeface="Consolas" panose="020B0609020204030204" pitchFamily="49" charset="0"/>
                 <a:cs typeface="Consolas" panose="020B0609020204030204" pitchFamily="49" charset="0"/>
@@ -34971,7 +36164,7 @@
               <a:t>(</a:t>
             </a:r>
             <a:r>
-              <a:rPr lang="en" sz="1600" noProof="1">
+              <a:rPr lang="en" sz="1800" noProof="1">
                 <a:solidFill>
                   <a:srgbClr val="036A07"/>
                 </a:solidFill>
@@ -34982,7 +36175,7 @@
               <a:t>"Connected by"</a:t>
             </a:r>
             <a:r>
-              <a:rPr lang="en" sz="1600" noProof="1">
+              <a:rPr lang="en" sz="1800" noProof="1">
                 <a:effectLst/>
                 <a:latin typeface="Consolas" panose="020B0609020204030204" pitchFamily="49" charset="0"/>
                 <a:cs typeface="Consolas" panose="020B0609020204030204" pitchFamily="49" charset="0"/>
@@ -34990,14 +36183,14 @@
               <a:t>, addr)</a:t>
             </a:r>
             <a:br>
-              <a:rPr lang="en" sz="1600" noProof="1">
-                <a:effectLst/>
-                <a:latin typeface="Consolas" panose="020B0609020204030204" pitchFamily="49" charset="0"/>
-                <a:cs typeface="Consolas" panose="020B0609020204030204" pitchFamily="49" charset="0"/>
-              </a:rPr>
-            </a:br>
-            <a:r>
-              <a:rPr lang="en" sz="1600" noProof="1">
+              <a:rPr lang="en" sz="1800" noProof="1">
+                <a:effectLst/>
+                <a:latin typeface="Consolas" panose="020B0609020204030204" pitchFamily="49" charset="0"/>
+                <a:cs typeface="Consolas" panose="020B0609020204030204" pitchFamily="49" charset="0"/>
+              </a:rPr>
+            </a:br>
+            <a:r>
+              <a:rPr lang="en" sz="1800" noProof="1">
                 <a:effectLst/>
                 <a:latin typeface="Consolas" panose="020B0609020204030204" pitchFamily="49" charset="0"/>
                 <a:cs typeface="Consolas" panose="020B0609020204030204" pitchFamily="49" charset="0"/>
@@ -35005,7 +36198,7 @@
               <a:t>    </a:t>
             </a:r>
             <a:r>
-              <a:rPr lang="en" sz="1600" b="1" noProof="1">
+              <a:rPr lang="en" sz="1800" b="1" noProof="1">
                 <a:solidFill>
                   <a:srgbClr val="0000FF"/>
                 </a:solidFill>
@@ -35016,7 +36209,7 @@
               <a:t>while</a:t>
             </a:r>
             <a:r>
-              <a:rPr lang="en" sz="1600" noProof="1">
+              <a:rPr lang="en" sz="1800" noProof="1">
                 <a:effectLst/>
                 <a:latin typeface="Consolas" panose="020B0609020204030204" pitchFamily="49" charset="0"/>
                 <a:cs typeface="Consolas" panose="020B0609020204030204" pitchFamily="49" charset="0"/>
@@ -35024,7 +36217,7 @@
               <a:t> </a:t>
             </a:r>
             <a:r>
-              <a:rPr lang="en" sz="1600" b="1" noProof="1">
+              <a:rPr lang="en" sz="1800" b="1" noProof="1">
                 <a:solidFill>
                   <a:srgbClr val="585CF6"/>
                 </a:solidFill>
@@ -35035,7 +36228,7 @@
               <a:t>True</a:t>
             </a:r>
             <a:r>
-              <a:rPr lang="en" sz="1600" noProof="1">
+              <a:rPr lang="en" sz="1800" noProof="1">
                 <a:effectLst/>
                 <a:latin typeface="Consolas" panose="020B0609020204030204" pitchFamily="49" charset="0"/>
                 <a:cs typeface="Consolas" panose="020B0609020204030204" pitchFamily="49" charset="0"/>
@@ -35043,14 +36236,14 @@
               <a:t>:</a:t>
             </a:r>
             <a:br>
-              <a:rPr lang="en" sz="1600" noProof="1">
-                <a:effectLst/>
-                <a:latin typeface="Consolas" panose="020B0609020204030204" pitchFamily="49" charset="0"/>
-                <a:cs typeface="Consolas" panose="020B0609020204030204" pitchFamily="49" charset="0"/>
-              </a:rPr>
-            </a:br>
-            <a:r>
-              <a:rPr lang="en" sz="1600" noProof="1">
+              <a:rPr lang="en" sz="1800" noProof="1">
+                <a:effectLst/>
+                <a:latin typeface="Consolas" panose="020B0609020204030204" pitchFamily="49" charset="0"/>
+                <a:cs typeface="Consolas" panose="020B0609020204030204" pitchFamily="49" charset="0"/>
+              </a:rPr>
+            </a:br>
+            <a:r>
+              <a:rPr lang="en" sz="1800" noProof="1">
                 <a:effectLst/>
                 <a:latin typeface="Consolas" panose="020B0609020204030204" pitchFamily="49" charset="0"/>
                 <a:cs typeface="Consolas" panose="020B0609020204030204" pitchFamily="49" charset="0"/>
@@ -35058,7 +36251,7 @@
               <a:t>        </a:t>
             </a:r>
             <a:r>
-              <a:rPr lang="en" sz="1600" noProof="1">
+              <a:rPr lang="en" sz="1800" noProof="1">
                 <a:solidFill>
                   <a:srgbClr val="0066FF"/>
                 </a:solidFill>
@@ -35069,7 +36262,7 @@
               <a:t># Receive</a:t>
             </a:r>
             <a:br>
-              <a:rPr lang="en" sz="1600" noProof="1">
+              <a:rPr lang="en" sz="1800" noProof="1">
                 <a:solidFill>
                   <a:srgbClr val="0066FF"/>
                 </a:solidFill>
@@ -35079,7 +36272,7 @@
               </a:rPr>
             </a:br>
             <a:r>
-              <a:rPr lang="en" sz="1600" noProof="1">
+              <a:rPr lang="en" sz="1800" noProof="1">
                 <a:effectLst/>
                 <a:latin typeface="Consolas" panose="020B0609020204030204" pitchFamily="49" charset="0"/>
                 <a:cs typeface="Consolas" panose="020B0609020204030204" pitchFamily="49" charset="0"/>
@@ -35087,7 +36280,7 @@
               <a:t>        </a:t>
             </a:r>
             <a:r>
-              <a:rPr lang="en" sz="1600" b="1" noProof="1">
+              <a:rPr lang="en" sz="1800" b="1" noProof="1">
                 <a:solidFill>
                   <a:srgbClr val="0000FF"/>
                 </a:solidFill>
@@ -35098,7 +36291,7 @@
               <a:t>try</a:t>
             </a:r>
             <a:r>
-              <a:rPr lang="en" sz="1600" noProof="1">
+              <a:rPr lang="en" sz="1800" noProof="1">
                 <a:effectLst/>
                 <a:latin typeface="Consolas" panose="020B0609020204030204" pitchFamily="49" charset="0"/>
                 <a:cs typeface="Consolas" panose="020B0609020204030204" pitchFamily="49" charset="0"/>
@@ -35106,14 +36299,14 @@
               <a:t>:</a:t>
             </a:r>
             <a:br>
-              <a:rPr lang="en" sz="1600" noProof="1">
-                <a:effectLst/>
-                <a:latin typeface="Consolas" panose="020B0609020204030204" pitchFamily="49" charset="0"/>
-                <a:cs typeface="Consolas" panose="020B0609020204030204" pitchFamily="49" charset="0"/>
-              </a:rPr>
-            </a:br>
-            <a:r>
-              <a:rPr lang="en" sz="1600" noProof="1">
+              <a:rPr lang="en" sz="1800" noProof="1">
+                <a:effectLst/>
+                <a:latin typeface="Consolas" panose="020B0609020204030204" pitchFamily="49" charset="0"/>
+                <a:cs typeface="Consolas" panose="020B0609020204030204" pitchFamily="49" charset="0"/>
+              </a:rPr>
+            </a:br>
+            <a:r>
+              <a:rPr lang="en" sz="1800" noProof="1">
                 <a:effectLst/>
                 <a:latin typeface="Consolas" panose="020B0609020204030204" pitchFamily="49" charset="0"/>
                 <a:cs typeface="Consolas" panose="020B0609020204030204" pitchFamily="49" charset="0"/>
@@ -35121,7 +36314,7 @@
               <a:t>            data </a:t>
             </a:r>
             <a:r>
-              <a:rPr lang="en" sz="1600" b="1" noProof="1">
+              <a:rPr lang="en" sz="1800" b="1" noProof="1">
                 <a:solidFill>
                   <a:srgbClr val="0000FF"/>
                 </a:solidFill>
@@ -35132,7 +36325,7 @@
               <a:t>=</a:t>
             </a:r>
             <a:r>
-              <a:rPr lang="en" sz="1600" noProof="1">
+              <a:rPr lang="en" sz="1800" noProof="1">
                 <a:effectLst/>
                 <a:latin typeface="Consolas" panose="020B0609020204030204" pitchFamily="49" charset="0"/>
                 <a:cs typeface="Consolas" panose="020B0609020204030204" pitchFamily="49" charset="0"/>
@@ -35140,7 +36333,7 @@
               <a:t> </a:t>
             </a:r>
             <a:r>
-              <a:rPr lang="en" sz="1600" b="1" noProof="1">
+              <a:rPr lang="en" sz="1800" b="1" noProof="1">
                 <a:solidFill>
                   <a:srgbClr val="0000FF"/>
                 </a:solidFill>
@@ -35151,7 +36344,7 @@
               <a:t>await</a:t>
             </a:r>
             <a:r>
-              <a:rPr lang="en" sz="1600" noProof="1">
+              <a:rPr lang="en" sz="1800" noProof="1">
                 <a:effectLst/>
                 <a:latin typeface="Consolas" panose="020B0609020204030204" pitchFamily="49" charset="0"/>
                 <a:cs typeface="Consolas" panose="020B0609020204030204" pitchFamily="49" charset="0"/>
@@ -35159,7 +36352,7 @@
               <a:t> reader.read(</a:t>
             </a:r>
             <a:r>
-              <a:rPr lang="en" sz="1600" noProof="1">
+              <a:rPr lang="en" sz="1800" noProof="1">
                 <a:solidFill>
                   <a:srgbClr val="0000CD"/>
                 </a:solidFill>
@@ -35170,7 +36363,7 @@
               <a:t>1024</a:t>
             </a:r>
             <a:r>
-              <a:rPr lang="en" sz="1600" noProof="1">
+              <a:rPr lang="en" sz="1800" noProof="1">
                 <a:effectLst/>
                 <a:latin typeface="Consolas" panose="020B0609020204030204" pitchFamily="49" charset="0"/>
                 <a:cs typeface="Consolas" panose="020B0609020204030204" pitchFamily="49" charset="0"/>
@@ -35178,7 +36371,7 @@
               <a:t>)</a:t>
             </a:r>
             <a:br>
-              <a:rPr lang="en" sz="1600" noProof="1">
+              <a:rPr lang="en" sz="1800" noProof="1">
                 <a:solidFill>
                   <a:srgbClr val="0066FF"/>
                 </a:solidFill>
@@ -35188,7 +36381,7 @@
               </a:rPr>
             </a:br>
             <a:r>
-              <a:rPr lang="en" sz="1600" noProof="1">
+              <a:rPr lang="en" sz="1800" noProof="1">
                 <a:effectLst/>
                 <a:latin typeface="Consolas" panose="020B0609020204030204" pitchFamily="49" charset="0"/>
                 <a:cs typeface="Consolas" panose="020B0609020204030204" pitchFamily="49" charset="0"/>
@@ -35196,7 +36389,7 @@
               <a:t>        </a:t>
             </a:r>
             <a:r>
-              <a:rPr lang="en" sz="1600" b="1" noProof="1">
+              <a:rPr lang="en" sz="1800" b="1" noProof="1">
                 <a:solidFill>
                   <a:srgbClr val="0000FF"/>
                 </a:solidFill>
@@ -35207,7 +36400,7 @@
               <a:t>except</a:t>
             </a:r>
             <a:r>
-              <a:rPr lang="en" sz="1600" noProof="1">
+              <a:rPr lang="en" sz="1800" noProof="1">
                 <a:effectLst/>
                 <a:latin typeface="Consolas" panose="020B0609020204030204" pitchFamily="49" charset="0"/>
                 <a:cs typeface="Consolas" panose="020B0609020204030204" pitchFamily="49" charset="0"/>
@@ -35215,7 +36408,7 @@
               <a:t> </a:t>
             </a:r>
             <a:r>
-              <a:rPr lang="en" sz="1600" b="1" noProof="1">
+              <a:rPr lang="en" sz="1800" b="1" noProof="1">
                 <a:solidFill>
                   <a:srgbClr val="6D79DE"/>
                 </a:solidFill>
@@ -35226,7 +36419,7 @@
               <a:t>ConnectionError</a:t>
             </a:r>
             <a:r>
-              <a:rPr lang="en" sz="1600" noProof="1">
+              <a:rPr lang="en" sz="1800" noProof="1">
                 <a:effectLst/>
                 <a:latin typeface="Consolas" panose="020B0609020204030204" pitchFamily="49" charset="0"/>
                 <a:cs typeface="Consolas" panose="020B0609020204030204" pitchFamily="49" charset="0"/>
@@ -35234,14 +36427,14 @@
               <a:t>:</a:t>
             </a:r>
             <a:br>
-              <a:rPr lang="en" sz="1600" noProof="1">
-                <a:effectLst/>
-                <a:latin typeface="Consolas" panose="020B0609020204030204" pitchFamily="49" charset="0"/>
-                <a:cs typeface="Consolas" panose="020B0609020204030204" pitchFamily="49" charset="0"/>
-              </a:rPr>
-            </a:br>
-            <a:r>
-              <a:rPr lang="en" sz="1600" noProof="1">
+              <a:rPr lang="en" sz="1800" noProof="1">
+                <a:effectLst/>
+                <a:latin typeface="Consolas" panose="020B0609020204030204" pitchFamily="49" charset="0"/>
+                <a:cs typeface="Consolas" panose="020B0609020204030204" pitchFamily="49" charset="0"/>
+              </a:rPr>
+            </a:br>
+            <a:r>
+              <a:rPr lang="en" sz="1800" noProof="1">
                 <a:effectLst/>
                 <a:latin typeface="Consolas" panose="020B0609020204030204" pitchFamily="49" charset="0"/>
                 <a:cs typeface="Consolas" panose="020B0609020204030204" pitchFamily="49" charset="0"/>
@@ -35249,7 +36442,44 @@
               <a:t>            </a:t>
             </a:r>
             <a:r>
-              <a:rPr lang="en" sz="1600" b="1" noProof="1">
+              <a:rPr lang="en" sz="1800" b="1" noProof="1">
+                <a:solidFill>
+                  <a:srgbClr val="0000FF"/>
+                </a:solidFill>
+                <a:effectLst/>
+                <a:latin typeface="Consolas" panose="020B0609020204030204" pitchFamily="49" charset="0"/>
+                <a:cs typeface="Consolas" panose="020B0609020204030204" pitchFamily="49" charset="0"/>
+              </a:rPr>
+              <a:t>break </a:t>
+            </a:r>
+            <a:r>
+              <a:rPr lang="en" sz="1800" noProof="1">
+                <a:solidFill>
+                  <a:srgbClr val="0066FF"/>
+                </a:solidFill>
+                <a:effectLst/>
+                <a:latin typeface="Consolas" panose="020B0609020204030204" pitchFamily="49" charset="0"/>
+                <a:cs typeface="Consolas" panose="020B0609020204030204" pitchFamily="49" charset="0"/>
+              </a:rPr>
+              <a:t># Closed</a:t>
+            </a:r>
+            <a:br>
+              <a:rPr lang="en" sz="1800" noProof="1">
+                <a:effectLst/>
+                <a:latin typeface="Consolas" panose="020B0609020204030204" pitchFamily="49" charset="0"/>
+                <a:cs typeface="Consolas" panose="020B0609020204030204" pitchFamily="49" charset="0"/>
+              </a:rPr>
+            </a:br>
+            <a:r>
+              <a:rPr lang="en" sz="1800" noProof="1">
+                <a:effectLst/>
+                <a:latin typeface="Consolas" panose="020B0609020204030204" pitchFamily="49" charset="0"/>
+                <a:cs typeface="Consolas" panose="020B0609020204030204" pitchFamily="49" charset="0"/>
+              </a:rPr>
+              <a:t>        </a:t>
+            </a:r>
+            <a:r>
+              <a:rPr lang="en" sz="1800" b="1" noProof="1">
                 <a:solidFill>
                   <a:srgbClr val="3C4C72"/>
                 </a:solidFill>
@@ -35260,7 +36490,7 @@
               <a:t>print</a:t>
             </a:r>
             <a:r>
-              <a:rPr lang="en" sz="1600" noProof="1">
+              <a:rPr lang="en" sz="1800" noProof="1">
                 <a:effectLst/>
                 <a:latin typeface="Consolas" panose="020B0609020204030204" pitchFamily="49" charset="0"/>
                 <a:cs typeface="Consolas" panose="020B0609020204030204" pitchFamily="49" charset="0"/>
@@ -35268,7 +36498,7 @@
               <a:t>(f</a:t>
             </a:r>
             <a:r>
-              <a:rPr lang="en" sz="1600" noProof="1">
+              <a:rPr lang="en" sz="1800" noProof="1">
                 <a:solidFill>
                   <a:srgbClr val="036A07"/>
                 </a:solidFill>
@@ -35276,20 +36506,376 @@
                 <a:latin typeface="Consolas" panose="020B0609020204030204" pitchFamily="49" charset="0"/>
                 <a:cs typeface="Consolas" panose="020B0609020204030204" pitchFamily="49" charset="0"/>
               </a:rPr>
-              <a:t>"closed</a:t>
-            </a:r>
-            <a:r>
-              <a:rPr lang="en-US" sz="1600" noProof="1">
+              <a:t>"Received </a:t>
+            </a:r>
+            <a:r>
+              <a:rPr lang="en" sz="1800" b="1" noProof="1">
+                <a:solidFill>
+                  <a:srgbClr val="C5060B"/>
+                </a:solidFill>
+                <a:effectLst/>
+                <a:latin typeface="Consolas" panose="020B0609020204030204" pitchFamily="49" charset="0"/>
+                <a:cs typeface="Consolas" panose="020B0609020204030204" pitchFamily="49" charset="0"/>
+              </a:rPr>
+              <a:t>{data}</a:t>
+            </a:r>
+            <a:r>
+              <a:rPr lang="en" sz="1800" noProof="1">
                 <a:solidFill>
                   <a:srgbClr val="036A07"/>
                 </a:solidFill>
+                <a:effectLst/>
+                <a:latin typeface="Consolas" panose="020B0609020204030204" pitchFamily="49" charset="0"/>
+                <a:cs typeface="Consolas" panose="020B0609020204030204" pitchFamily="49" charset="0"/>
+              </a:rPr>
+              <a:t> fr </a:t>
+            </a:r>
+            <a:r>
+              <a:rPr lang="en" sz="1800" b="1" noProof="1">
+                <a:solidFill>
+                  <a:srgbClr val="C5060B"/>
+                </a:solidFill>
+                <a:effectLst/>
+                <a:latin typeface="Consolas" panose="020B0609020204030204" pitchFamily="49" charset="0"/>
+                <a:cs typeface="Consolas" panose="020B0609020204030204" pitchFamily="49" charset="0"/>
+              </a:rPr>
+              <a:t>{addr}</a:t>
+            </a:r>
+            <a:r>
+              <a:rPr lang="en" sz="1800" noProof="1">
+                <a:solidFill>
+                  <a:srgbClr val="036A07"/>
+                </a:solidFill>
+                <a:effectLst/>
+                <a:latin typeface="Consolas" panose="020B0609020204030204" pitchFamily="49" charset="0"/>
+                <a:cs typeface="Consolas" panose="020B0609020204030204" pitchFamily="49" charset="0"/>
+              </a:rPr>
+              <a:t>"</a:t>
+            </a:r>
+            <a:r>
+              <a:rPr lang="en" sz="1800" noProof="1">
+                <a:effectLst/>
+                <a:latin typeface="Consolas" panose="020B0609020204030204" pitchFamily="49" charset="0"/>
+                <a:cs typeface="Consolas" panose="020B0609020204030204" pitchFamily="49" charset="0"/>
+              </a:rPr>
+              <a:t>)</a:t>
+            </a:r>
+            <a:br>
+              <a:rPr lang="en" sz="1800" noProof="1">
+                <a:effectLst/>
+                <a:latin typeface="Consolas" panose="020B0609020204030204" pitchFamily="49" charset="0"/>
+                <a:cs typeface="Consolas" panose="020B0609020204030204" pitchFamily="49" charset="0"/>
+              </a:rPr>
+            </a:br>
+            <a:r>
+              <a:rPr lang="en" sz="1800" noProof="1">
+                <a:effectLst/>
+                <a:latin typeface="Consolas" panose="020B0609020204030204" pitchFamily="49" charset="0"/>
+                <a:cs typeface="Consolas" panose="020B0609020204030204" pitchFamily="49" charset="0"/>
+              </a:rPr>
+              <a:t>        </a:t>
+            </a:r>
+            <a:r>
+              <a:rPr lang="en" sz="1800" b="1" noProof="1">
+                <a:solidFill>
+                  <a:srgbClr val="0000FF"/>
+                </a:solidFill>
+                <a:effectLst/>
+                <a:latin typeface="Consolas" panose="020B0609020204030204" pitchFamily="49" charset="0"/>
+                <a:cs typeface="Consolas" panose="020B0609020204030204" pitchFamily="49" charset="0"/>
+              </a:rPr>
+              <a:t>if</a:t>
+            </a:r>
+            <a:r>
+              <a:rPr lang="en" sz="1800" noProof="1">
+                <a:effectLst/>
+                <a:latin typeface="Consolas" panose="020B0609020204030204" pitchFamily="49" charset="0"/>
+                <a:cs typeface="Consolas" panose="020B0609020204030204" pitchFamily="49" charset="0"/>
+              </a:rPr>
+              <a:t> </a:t>
+            </a:r>
+            <a:r>
+              <a:rPr lang="en" sz="1800" b="1" noProof="1">
+                <a:solidFill>
+                  <a:srgbClr val="0000FF"/>
+                </a:solidFill>
+                <a:effectLst/>
+                <a:latin typeface="Consolas" panose="020B0609020204030204" pitchFamily="49" charset="0"/>
+                <a:cs typeface="Consolas" panose="020B0609020204030204" pitchFamily="49" charset="0"/>
+              </a:rPr>
+              <a:t>not</a:t>
+            </a:r>
+            <a:r>
+              <a:rPr lang="en" sz="1800" noProof="1">
+                <a:effectLst/>
+                <a:latin typeface="Consolas" panose="020B0609020204030204" pitchFamily="49" charset="0"/>
+                <a:cs typeface="Consolas" panose="020B0609020204030204" pitchFamily="49" charset="0"/>
+              </a:rPr>
+              <a:t> data:</a:t>
+            </a:r>
+            <a:br>
+              <a:rPr lang="en" sz="1800" noProof="1">
+                <a:effectLst/>
+                <a:latin typeface="Consolas" panose="020B0609020204030204" pitchFamily="49" charset="0"/>
+                <a:cs typeface="Consolas" panose="020B0609020204030204" pitchFamily="49" charset="0"/>
+              </a:rPr>
+            </a:br>
+            <a:r>
+              <a:rPr lang="en" sz="1800" noProof="1">
+                <a:effectLst/>
+                <a:latin typeface="Consolas" panose="020B0609020204030204" pitchFamily="49" charset="0"/>
+                <a:cs typeface="Consolas" panose="020B0609020204030204" pitchFamily="49" charset="0"/>
+              </a:rPr>
+              <a:t>            </a:t>
+            </a:r>
+            <a:r>
+              <a:rPr lang="en" sz="1800" b="1" noProof="1">
+                <a:solidFill>
+                  <a:srgbClr val="0000FF"/>
+                </a:solidFill>
+                <a:effectLst/>
+                <a:latin typeface="Consolas" panose="020B0609020204030204" pitchFamily="49" charset="0"/>
+                <a:cs typeface="Consolas" panose="020B0609020204030204" pitchFamily="49" charset="0"/>
+              </a:rPr>
+              <a:t>break</a:t>
+            </a:r>
+            <a:br>
+              <a:rPr lang="en" sz="1800" noProof="1">
+                <a:effectLst/>
+                <a:latin typeface="Consolas" panose="020B0609020204030204" pitchFamily="49" charset="0"/>
+                <a:cs typeface="Consolas" panose="020B0609020204030204" pitchFamily="49" charset="0"/>
+              </a:rPr>
+            </a:br>
+            <a:r>
+              <a:rPr lang="en" sz="1800" noProof="1">
+                <a:effectLst/>
+                <a:latin typeface="Consolas" panose="020B0609020204030204" pitchFamily="49" charset="0"/>
+                <a:cs typeface="Consolas" panose="020B0609020204030204" pitchFamily="49" charset="0"/>
+              </a:rPr>
+              <a:t>        </a:t>
+            </a:r>
+            <a:r>
+              <a:rPr lang="en" sz="1800" noProof="1">
+                <a:solidFill>
+                  <a:srgbClr val="0066FF"/>
+                </a:solidFill>
+                <a:effectLst/>
+                <a:latin typeface="Consolas" panose="020B0609020204030204" pitchFamily="49" charset="0"/>
+                <a:cs typeface="Consolas" panose="020B0609020204030204" pitchFamily="49" charset="0"/>
+              </a:rPr>
+              <a:t># Process</a:t>
+            </a:r>
+            <a:br>
+              <a:rPr lang="en" sz="1800" noProof="1">
+                <a:solidFill>
+                  <a:srgbClr val="0066FF"/>
+                </a:solidFill>
+                <a:effectLst/>
+                <a:latin typeface="Consolas" panose="020B0609020204030204" pitchFamily="49" charset="0"/>
+                <a:cs typeface="Consolas" panose="020B0609020204030204" pitchFamily="49" charset="0"/>
+              </a:rPr>
+            </a:br>
+            <a:r>
+              <a:rPr lang="en" sz="1800" noProof="1">
+                <a:effectLst/>
+                <a:latin typeface="Consolas" panose="020B0609020204030204" pitchFamily="49" charset="0"/>
+                <a:cs typeface="Consolas" panose="020B0609020204030204" pitchFamily="49" charset="0"/>
+              </a:rPr>
+              <a:t>        </a:t>
+            </a:r>
+            <a:r>
+              <a:rPr lang="en" sz="1800" b="1" noProof="1">
+                <a:solidFill>
+                  <a:srgbClr val="0000FF"/>
+                </a:solidFill>
+                <a:effectLst/>
+                <a:latin typeface="Consolas" panose="020B0609020204030204" pitchFamily="49" charset="0"/>
+                <a:cs typeface="Consolas" panose="020B0609020204030204" pitchFamily="49" charset="0"/>
+              </a:rPr>
+              <a:t>if</a:t>
+            </a:r>
+            <a:r>
+              <a:rPr lang="en" sz="1800" noProof="1">
+                <a:effectLst/>
+                <a:latin typeface="Consolas" panose="020B0609020204030204" pitchFamily="49" charset="0"/>
+                <a:cs typeface="Consolas" panose="020B0609020204030204" pitchFamily="49" charset="0"/>
+              </a:rPr>
+              <a:t> data </a:t>
+            </a:r>
+            <a:r>
+              <a:rPr lang="en" sz="1800" b="1" noProof="1">
+                <a:solidFill>
+                  <a:srgbClr val="0000FF"/>
+                </a:solidFill>
+                <a:effectLst/>
+                <a:latin typeface="Consolas" panose="020B0609020204030204" pitchFamily="49" charset="0"/>
+                <a:cs typeface="Consolas" panose="020B0609020204030204" pitchFamily="49" charset="0"/>
+              </a:rPr>
+              <a:t>==</a:t>
+            </a:r>
+            <a:r>
+              <a:rPr lang="en" sz="1800" noProof="1">
+                <a:effectLst/>
+                <a:latin typeface="Consolas" panose="020B0609020204030204" pitchFamily="49" charset="0"/>
+                <a:cs typeface="Consolas" panose="020B0609020204030204" pitchFamily="49" charset="0"/>
+              </a:rPr>
+              <a:t> </a:t>
+            </a:r>
+            <a:r>
+              <a:rPr lang="en" sz="1800" b="1" noProof="1">
+                <a:solidFill>
+                  <a:srgbClr val="0000FF"/>
+                </a:solidFill>
+                <a:effectLst/>
+                <a:latin typeface="Consolas" panose="020B0609020204030204" pitchFamily="49" charset="0"/>
+                <a:cs typeface="Consolas" panose="020B0609020204030204" pitchFamily="49" charset="0"/>
+              </a:rPr>
+              <a:t>b</a:t>
+            </a:r>
+            <a:r>
+              <a:rPr lang="en" sz="1800" noProof="1">
+                <a:solidFill>
+                  <a:srgbClr val="036A07"/>
+                </a:solidFill>
+                <a:effectLst/>
+                <a:latin typeface="Consolas" panose="020B0609020204030204" pitchFamily="49" charset="0"/>
+                <a:cs typeface="Consolas" panose="020B0609020204030204" pitchFamily="49" charset="0"/>
+              </a:rPr>
+              <a:t>"close"</a:t>
+            </a:r>
+            <a:r>
+              <a:rPr lang="en" sz="1800" noProof="1">
+                <a:effectLst/>
                 <a:latin typeface="Consolas" panose="020B0609020204030204" pitchFamily="49" charset="0"/>
                 <a:cs typeface="Consolas" panose="020B0609020204030204" pitchFamily="49" charset="0"/>
               </a:rPr>
               <a:t>:</a:t>
             </a:r>
-            <a:r>
-              <a:rPr lang="en" sz="1600" noProof="1">
+            <a:br>
+              <a:rPr lang="en" sz="1800" noProof="1">
+                <a:effectLst/>
+                <a:latin typeface="Consolas" panose="020B0609020204030204" pitchFamily="49" charset="0"/>
+                <a:cs typeface="Consolas" panose="020B0609020204030204" pitchFamily="49" charset="0"/>
+              </a:rPr>
+            </a:br>
+            <a:r>
+              <a:rPr lang="en" sz="1800" noProof="1">
+                <a:effectLst/>
+                <a:latin typeface="Consolas" panose="020B0609020204030204" pitchFamily="49" charset="0"/>
+                <a:cs typeface="Consolas" panose="020B0609020204030204" pitchFamily="49" charset="0"/>
+              </a:rPr>
+              <a:t>            </a:t>
+            </a:r>
+            <a:r>
+              <a:rPr lang="en" sz="1800" b="1" noProof="1">
+                <a:solidFill>
+                  <a:srgbClr val="0000FF"/>
+                </a:solidFill>
+                <a:effectLst/>
+                <a:latin typeface="Consolas" panose="020B0609020204030204" pitchFamily="49" charset="0"/>
+                <a:cs typeface="Consolas" panose="020B0609020204030204" pitchFamily="49" charset="0"/>
+              </a:rPr>
+              <a:t>break</a:t>
+            </a:r>
+            <a:br>
+              <a:rPr lang="en" sz="1800" noProof="1">
+                <a:effectLst/>
+                <a:latin typeface="Consolas" panose="020B0609020204030204" pitchFamily="49" charset="0"/>
+                <a:cs typeface="Consolas" panose="020B0609020204030204" pitchFamily="49" charset="0"/>
+              </a:rPr>
+            </a:br>
+            <a:r>
+              <a:rPr lang="en" sz="1800" noProof="1">
+                <a:effectLst/>
+                <a:latin typeface="Consolas" panose="020B0609020204030204" pitchFamily="49" charset="0"/>
+                <a:cs typeface="Consolas" panose="020B0609020204030204" pitchFamily="49" charset="0"/>
+              </a:rPr>
+              <a:t>        data </a:t>
+            </a:r>
+            <a:r>
+              <a:rPr lang="en" sz="1800" b="1" noProof="1">
+                <a:solidFill>
+                  <a:srgbClr val="0000FF"/>
+                </a:solidFill>
+                <a:effectLst/>
+                <a:latin typeface="Consolas" panose="020B0609020204030204" pitchFamily="49" charset="0"/>
+                <a:cs typeface="Consolas" panose="020B0609020204030204" pitchFamily="49" charset="0"/>
+              </a:rPr>
+              <a:t>=</a:t>
+            </a:r>
+            <a:r>
+              <a:rPr lang="en" sz="1800" noProof="1">
+                <a:effectLst/>
+                <a:latin typeface="Consolas" panose="020B0609020204030204" pitchFamily="49" charset="0"/>
+                <a:cs typeface="Consolas" panose="020B0609020204030204" pitchFamily="49" charset="0"/>
+              </a:rPr>
+              <a:t> data.upper()</a:t>
+            </a:r>
+            <a:br>
+              <a:rPr lang="en" sz="1800" noProof="1">
+                <a:effectLst/>
+                <a:latin typeface="Consolas" panose="020B0609020204030204" pitchFamily="49" charset="0"/>
+                <a:cs typeface="Consolas" panose="020B0609020204030204" pitchFamily="49" charset="0"/>
+              </a:rPr>
+            </a:br>
+            <a:r>
+              <a:rPr lang="en" sz="1800" noProof="1">
+                <a:effectLst/>
+                <a:latin typeface="Consolas" panose="020B0609020204030204" pitchFamily="49" charset="0"/>
+                <a:cs typeface="Consolas" panose="020B0609020204030204" pitchFamily="49" charset="0"/>
+              </a:rPr>
+              <a:t>        </a:t>
+            </a:r>
+            <a:r>
+              <a:rPr lang="en" sz="1800" noProof="1">
+                <a:solidFill>
+                  <a:srgbClr val="0066FF"/>
+                </a:solidFill>
+                <a:effectLst/>
+                <a:latin typeface="Consolas" panose="020B0609020204030204" pitchFamily="49" charset="0"/>
+                <a:cs typeface="Consolas" panose="020B0609020204030204" pitchFamily="49" charset="0"/>
+              </a:rPr>
+              <a:t># Send</a:t>
+            </a:r>
+            <a:br>
+              <a:rPr lang="en" sz="1800" noProof="1">
+                <a:solidFill>
+                  <a:srgbClr val="0066FF"/>
+                </a:solidFill>
+                <a:effectLst/>
+                <a:latin typeface="Consolas" panose="020B0609020204030204" pitchFamily="49" charset="0"/>
+                <a:cs typeface="Consolas" panose="020B0609020204030204" pitchFamily="49" charset="0"/>
+              </a:rPr>
+            </a:br>
+            <a:r>
+              <a:rPr lang="en" sz="1800" noProof="1">
+                <a:effectLst/>
+                <a:latin typeface="Consolas" panose="020B0609020204030204" pitchFamily="49" charset="0"/>
+                <a:cs typeface="Consolas" panose="020B0609020204030204" pitchFamily="49" charset="0"/>
+              </a:rPr>
+              <a:t>        </a:t>
+            </a:r>
+            <a:r>
+              <a:rPr lang="en" sz="1800" b="1" noProof="1">
+                <a:solidFill>
+                  <a:srgbClr val="3C4C72"/>
+                </a:solidFill>
+                <a:effectLst/>
+                <a:latin typeface="Consolas" panose="020B0609020204030204" pitchFamily="49" charset="0"/>
+                <a:cs typeface="Consolas" panose="020B0609020204030204" pitchFamily="49" charset="0"/>
+              </a:rPr>
+              <a:t>print</a:t>
+            </a:r>
+            <a:r>
+              <a:rPr lang="en" sz="1800" noProof="1">
+                <a:effectLst/>
+                <a:latin typeface="Consolas" panose="020B0609020204030204" pitchFamily="49" charset="0"/>
+                <a:cs typeface="Consolas" panose="020B0609020204030204" pitchFamily="49" charset="0"/>
+              </a:rPr>
+              <a:t>(f</a:t>
+            </a:r>
+            <a:r>
+              <a:rPr lang="en" sz="1800" noProof="1">
                 <a:solidFill>
                   <a:srgbClr val="036A07"/>
                 </a:solidFill>
@@ -35297,10 +36883,573 @@
                 <a:latin typeface="Consolas" panose="020B0609020204030204" pitchFamily="49" charset="0"/>
                 <a:cs typeface="Consolas" panose="020B0609020204030204" pitchFamily="49" charset="0"/>
               </a:rPr>
+              <a:t>"Send: </a:t>
+            </a:r>
+            <a:r>
+              <a:rPr lang="en" sz="1800" b="1" noProof="1">
+                <a:solidFill>
+                  <a:srgbClr val="C5060B"/>
+                </a:solidFill>
+                <a:effectLst/>
+                <a:latin typeface="Consolas" panose="020B0609020204030204" pitchFamily="49" charset="0"/>
+                <a:cs typeface="Consolas" panose="020B0609020204030204" pitchFamily="49" charset="0"/>
+              </a:rPr>
+              <a:t>{data}</a:t>
+            </a:r>
+            <a:r>
+              <a:rPr lang="en" sz="1800" noProof="1">
+                <a:solidFill>
+                  <a:srgbClr val="036A07"/>
+                </a:solidFill>
+                <a:effectLst/>
+                <a:latin typeface="Consolas" panose="020B0609020204030204" pitchFamily="49" charset="0"/>
+                <a:cs typeface="Consolas" panose="020B0609020204030204" pitchFamily="49" charset="0"/>
+              </a:rPr>
+              <a:t> to: </a:t>
+            </a:r>
+            <a:r>
+              <a:rPr lang="en" sz="1800" b="1" noProof="1">
+                <a:solidFill>
+                  <a:srgbClr val="C5060B"/>
+                </a:solidFill>
+                <a:effectLst/>
+                <a:latin typeface="Consolas" panose="020B0609020204030204" pitchFamily="49" charset="0"/>
+                <a:cs typeface="Consolas" panose="020B0609020204030204" pitchFamily="49" charset="0"/>
+              </a:rPr>
+              <a:t>{addr}</a:t>
+            </a:r>
+            <a:r>
+              <a:rPr lang="en" sz="1800" noProof="1">
+                <a:solidFill>
+                  <a:srgbClr val="036A07"/>
+                </a:solidFill>
+                <a:effectLst/>
+                <a:latin typeface="Consolas" panose="020B0609020204030204" pitchFamily="49" charset="0"/>
+                <a:cs typeface="Consolas" panose="020B0609020204030204" pitchFamily="49" charset="0"/>
+              </a:rPr>
+              <a:t>"</a:t>
+            </a:r>
+            <a:r>
+              <a:rPr lang="en" sz="1800" noProof="1">
+                <a:effectLst/>
+                <a:latin typeface="Consolas" panose="020B0609020204030204" pitchFamily="49" charset="0"/>
+                <a:cs typeface="Consolas" panose="020B0609020204030204" pitchFamily="49" charset="0"/>
+              </a:rPr>
+              <a:t>)</a:t>
+            </a:r>
+            <a:br>
+              <a:rPr lang="en" sz="1800" noProof="1">
+                <a:effectLst/>
+                <a:latin typeface="Consolas" panose="020B0609020204030204" pitchFamily="49" charset="0"/>
+                <a:cs typeface="Consolas" panose="020B0609020204030204" pitchFamily="49" charset="0"/>
+              </a:rPr>
+            </a:br>
+            <a:r>
+              <a:rPr lang="en" sz="1800" noProof="1">
+                <a:effectLst/>
+                <a:latin typeface="Consolas" panose="020B0609020204030204" pitchFamily="49" charset="0"/>
+                <a:cs typeface="Consolas" panose="020B0609020204030204" pitchFamily="49" charset="0"/>
+              </a:rPr>
+              <a:t>        </a:t>
+            </a:r>
+            <a:r>
+              <a:rPr lang="en" sz="1800" b="1" noProof="1">
+                <a:solidFill>
+                  <a:srgbClr val="0000FF"/>
+                </a:solidFill>
+                <a:effectLst/>
+                <a:latin typeface="Consolas" panose="020B0609020204030204" pitchFamily="49" charset="0"/>
+                <a:cs typeface="Consolas" panose="020B0609020204030204" pitchFamily="49" charset="0"/>
+              </a:rPr>
+              <a:t>try</a:t>
+            </a:r>
+            <a:r>
+              <a:rPr lang="en" sz="1800" noProof="1">
+                <a:effectLst/>
+                <a:latin typeface="Consolas" panose="020B0609020204030204" pitchFamily="49" charset="0"/>
+                <a:cs typeface="Consolas" panose="020B0609020204030204" pitchFamily="49" charset="0"/>
+              </a:rPr>
+              <a:t>:</a:t>
+            </a:r>
+            <a:br>
+              <a:rPr lang="en" sz="1800" noProof="1">
+                <a:effectLst/>
+                <a:latin typeface="Consolas" panose="020B0609020204030204" pitchFamily="49" charset="0"/>
+                <a:cs typeface="Consolas" panose="020B0609020204030204" pitchFamily="49" charset="0"/>
+              </a:rPr>
+            </a:br>
+            <a:r>
+              <a:rPr lang="en" sz="1800" noProof="1">
+                <a:effectLst/>
+                <a:latin typeface="Consolas" panose="020B0609020204030204" pitchFamily="49" charset="0"/>
+                <a:cs typeface="Consolas" panose="020B0609020204030204" pitchFamily="49" charset="0"/>
+              </a:rPr>
+              <a:t>            writer.write(data)  </a:t>
+            </a:r>
+            <a:r>
+              <a:rPr lang="en" sz="1800" noProof="1">
+                <a:solidFill>
+                  <a:srgbClr val="0066FF"/>
+                </a:solidFill>
+                <a:effectLst/>
+                <a:latin typeface="Consolas" panose="020B0609020204030204" pitchFamily="49" charset="0"/>
+                <a:cs typeface="Consolas" panose="020B0609020204030204" pitchFamily="49" charset="0"/>
+              </a:rPr>
+              <a:t># New</a:t>
+            </a:r>
+            <a:br>
+              <a:rPr lang="en" sz="1800" noProof="1">
+                <a:solidFill>
+                  <a:srgbClr val="0066FF"/>
+                </a:solidFill>
+                <a:effectLst/>
+                <a:latin typeface="Consolas" panose="020B0609020204030204" pitchFamily="49" charset="0"/>
+                <a:cs typeface="Consolas" panose="020B0609020204030204" pitchFamily="49" charset="0"/>
+              </a:rPr>
+            </a:br>
+            <a:r>
+              <a:rPr lang="en" sz="1800" noProof="1">
+                <a:effectLst/>
+                <a:latin typeface="Consolas" panose="020B0609020204030204" pitchFamily="49" charset="0"/>
+                <a:cs typeface="Consolas" panose="020B0609020204030204" pitchFamily="49" charset="0"/>
+              </a:rPr>
+              <a:t>            </a:t>
+            </a:r>
+            <a:r>
+              <a:rPr lang="en" sz="1800" b="1" noProof="1">
+                <a:solidFill>
+                  <a:srgbClr val="0000FF"/>
+                </a:solidFill>
+                <a:effectLst/>
+                <a:latin typeface="Consolas" panose="020B0609020204030204" pitchFamily="49" charset="0"/>
+                <a:cs typeface="Consolas" panose="020B0609020204030204" pitchFamily="49" charset="0"/>
+              </a:rPr>
+              <a:t>await</a:t>
+            </a:r>
+            <a:r>
+              <a:rPr lang="en" sz="1800" noProof="1">
+                <a:effectLst/>
+                <a:latin typeface="Consolas" panose="020B0609020204030204" pitchFamily="49" charset="0"/>
+                <a:cs typeface="Consolas" panose="020B0609020204030204" pitchFamily="49" charset="0"/>
+              </a:rPr>
+              <a:t> writer.drain()</a:t>
+            </a:r>
+            <a:br>
+              <a:rPr lang="en" sz="1800" noProof="1">
+                <a:effectLst/>
+                <a:latin typeface="Consolas" panose="020B0609020204030204" pitchFamily="49" charset="0"/>
+                <a:cs typeface="Consolas" panose="020B0609020204030204" pitchFamily="49" charset="0"/>
+              </a:rPr>
+            </a:br>
+            <a:r>
+              <a:rPr lang="en" sz="1800" noProof="1">
+                <a:effectLst/>
+                <a:latin typeface="Consolas" panose="020B0609020204030204" pitchFamily="49" charset="0"/>
+                <a:cs typeface="Consolas" panose="020B0609020204030204" pitchFamily="49" charset="0"/>
+              </a:rPr>
+              <a:t>        </a:t>
+            </a:r>
+            <a:r>
+              <a:rPr lang="en" sz="1800" b="1" noProof="1">
+                <a:solidFill>
+                  <a:srgbClr val="0000FF"/>
+                </a:solidFill>
+                <a:effectLst/>
+                <a:latin typeface="Consolas" panose="020B0609020204030204" pitchFamily="49" charset="0"/>
+                <a:cs typeface="Consolas" panose="020B0609020204030204" pitchFamily="49" charset="0"/>
+              </a:rPr>
+              <a:t>except</a:t>
+            </a:r>
+            <a:r>
+              <a:rPr lang="en" sz="1800" noProof="1">
+                <a:effectLst/>
+                <a:latin typeface="Consolas" panose="020B0609020204030204" pitchFamily="49" charset="0"/>
+                <a:cs typeface="Consolas" panose="020B0609020204030204" pitchFamily="49" charset="0"/>
+              </a:rPr>
               <a:t> </a:t>
             </a:r>
             <a:r>
-              <a:rPr lang="en" sz="1600" b="1" noProof="1">
+              <a:rPr lang="en" sz="1800" b="1" noProof="1">
+                <a:solidFill>
+                  <a:srgbClr val="6D79DE"/>
+                </a:solidFill>
+                <a:effectLst/>
+                <a:latin typeface="Consolas" panose="020B0609020204030204" pitchFamily="49" charset="0"/>
+                <a:cs typeface="Consolas" panose="020B0609020204030204" pitchFamily="49" charset="0"/>
+              </a:rPr>
+              <a:t>ConnectionError</a:t>
+            </a:r>
+            <a:r>
+              <a:rPr lang="en" sz="1800" noProof="1">
+                <a:effectLst/>
+                <a:latin typeface="Consolas" panose="020B0609020204030204" pitchFamily="49" charset="0"/>
+                <a:cs typeface="Consolas" panose="020B0609020204030204" pitchFamily="49" charset="0"/>
+              </a:rPr>
+              <a:t>:</a:t>
+            </a:r>
+            <a:br>
+              <a:rPr lang="en" sz="1800" noProof="1">
+                <a:effectLst/>
+                <a:latin typeface="Consolas" panose="020B0609020204030204" pitchFamily="49" charset="0"/>
+                <a:cs typeface="Consolas" panose="020B0609020204030204" pitchFamily="49" charset="0"/>
+              </a:rPr>
+            </a:br>
+            <a:r>
+              <a:rPr lang="en" sz="1800" noProof="1">
+                <a:effectLst/>
+                <a:latin typeface="Consolas" panose="020B0609020204030204" pitchFamily="49" charset="0"/>
+                <a:cs typeface="Consolas" panose="020B0609020204030204" pitchFamily="49" charset="0"/>
+              </a:rPr>
+              <a:t>            </a:t>
+            </a:r>
+            <a:r>
+              <a:rPr lang="en" sz="1800" b="1" noProof="1">
+                <a:solidFill>
+                  <a:srgbClr val="0000FF"/>
+                </a:solidFill>
+                <a:effectLst/>
+                <a:latin typeface="Consolas" panose="020B0609020204030204" pitchFamily="49" charset="0"/>
+                <a:cs typeface="Consolas" panose="020B0609020204030204" pitchFamily="49" charset="0"/>
+              </a:rPr>
+              <a:t>break </a:t>
+            </a:r>
+            <a:r>
+              <a:rPr lang="en" sz="1800" noProof="1">
+                <a:solidFill>
+                  <a:srgbClr val="0066FF"/>
+                </a:solidFill>
+                <a:effectLst/>
+                <a:latin typeface="Consolas" panose="020B0609020204030204" pitchFamily="49" charset="0"/>
+                <a:cs typeface="Consolas" panose="020B0609020204030204" pitchFamily="49" charset="0"/>
+              </a:rPr>
+              <a:t># Closed</a:t>
+            </a:r>
+            <a:br>
+              <a:rPr lang="en" sz="1800" noProof="1">
+                <a:effectLst/>
+                <a:latin typeface="Consolas" panose="020B0609020204030204" pitchFamily="49" charset="0"/>
+                <a:cs typeface="Consolas" panose="020B0609020204030204" pitchFamily="49" charset="0"/>
+              </a:rPr>
+            </a:br>
+            <a:r>
+              <a:rPr lang="en" sz="1800" noProof="1">
+                <a:effectLst/>
+                <a:latin typeface="Consolas" panose="020B0609020204030204" pitchFamily="49" charset="0"/>
+                <a:cs typeface="Consolas" panose="020B0609020204030204" pitchFamily="49" charset="0"/>
+              </a:rPr>
+              <a:t>    writer.close()</a:t>
+            </a:r>
+            <a:br>
+              <a:rPr lang="en" sz="1800" noProof="1">
+                <a:effectLst/>
+                <a:latin typeface="Consolas" panose="020B0609020204030204" pitchFamily="49" charset="0"/>
+                <a:cs typeface="Consolas" panose="020B0609020204030204" pitchFamily="49" charset="0"/>
+              </a:rPr>
+            </a:br>
+            <a:r>
+              <a:rPr lang="en" sz="1800" b="1" noProof="1">
+                <a:solidFill>
+                  <a:srgbClr val="0000FF"/>
+                </a:solidFill>
+                <a:effectLst/>
+                <a:latin typeface="Consolas" panose="020B0609020204030204" pitchFamily="49" charset="0"/>
+                <a:cs typeface="Consolas" panose="020B0609020204030204" pitchFamily="49" charset="0"/>
+              </a:rPr>
+              <a:t>async</a:t>
+            </a:r>
+            <a:r>
+              <a:rPr lang="en" sz="1800" noProof="1">
+                <a:effectLst/>
+                <a:latin typeface="Consolas" panose="020B0609020204030204" pitchFamily="49" charset="0"/>
+                <a:cs typeface="Consolas" panose="020B0609020204030204" pitchFamily="49" charset="0"/>
+              </a:rPr>
+              <a:t> </a:t>
+            </a:r>
+            <a:r>
+              <a:rPr lang="en" sz="1800" b="1" noProof="1">
+                <a:solidFill>
+                  <a:srgbClr val="0000FF"/>
+                </a:solidFill>
+                <a:effectLst/>
+                <a:latin typeface="Consolas" panose="020B0609020204030204" pitchFamily="49" charset="0"/>
+                <a:cs typeface="Consolas" panose="020B0609020204030204" pitchFamily="49" charset="0"/>
+              </a:rPr>
+              <a:t>def</a:t>
+            </a:r>
+            <a:r>
+              <a:rPr lang="en" sz="1800" noProof="1">
+                <a:effectLst/>
+                <a:latin typeface="Consolas" panose="020B0609020204030204" pitchFamily="49" charset="0"/>
+                <a:cs typeface="Consolas" panose="020B0609020204030204" pitchFamily="49" charset="0"/>
+              </a:rPr>
+              <a:t> </a:t>
+            </a:r>
+            <a:r>
+              <a:rPr lang="en" sz="1800" b="1" noProof="1">
+                <a:solidFill>
+                  <a:srgbClr val="0000A2"/>
+                </a:solidFill>
+                <a:effectLst/>
+                <a:latin typeface="Consolas" panose="020B0609020204030204" pitchFamily="49" charset="0"/>
+                <a:cs typeface="Consolas" panose="020B0609020204030204" pitchFamily="49" charset="0"/>
+              </a:rPr>
+              <a:t>main</a:t>
+            </a:r>
+            <a:r>
+              <a:rPr lang="en" sz="1800" noProof="1">
+                <a:effectLst/>
+                <a:latin typeface="Consolas" panose="020B0609020204030204" pitchFamily="49" charset="0"/>
+                <a:cs typeface="Consolas" panose="020B0609020204030204" pitchFamily="49" charset="0"/>
+              </a:rPr>
+              <a:t>(host, port):</a:t>
+            </a:r>
+            <a:br>
+              <a:rPr lang="en" sz="1800" noProof="1">
+                <a:effectLst/>
+                <a:latin typeface="Consolas" panose="020B0609020204030204" pitchFamily="49" charset="0"/>
+                <a:cs typeface="Consolas" panose="020B0609020204030204" pitchFamily="49" charset="0"/>
+              </a:rPr>
+            </a:br>
+            <a:r>
+              <a:rPr lang="en" sz="1800" noProof="1">
+                <a:effectLst/>
+                <a:latin typeface="Consolas" panose="020B0609020204030204" pitchFamily="49" charset="0"/>
+                <a:cs typeface="Consolas" panose="020B0609020204030204" pitchFamily="49" charset="0"/>
+              </a:rPr>
+              <a:t>    server </a:t>
+            </a:r>
+            <a:r>
+              <a:rPr lang="en" sz="1800" b="1" noProof="1">
+                <a:solidFill>
+                  <a:srgbClr val="0000FF"/>
+                </a:solidFill>
+                <a:effectLst/>
+                <a:latin typeface="Consolas" panose="020B0609020204030204" pitchFamily="49" charset="0"/>
+                <a:cs typeface="Consolas" panose="020B0609020204030204" pitchFamily="49" charset="0"/>
+              </a:rPr>
+              <a:t>=</a:t>
+            </a:r>
+            <a:r>
+              <a:rPr lang="en" sz="1800" noProof="1">
+                <a:effectLst/>
+                <a:latin typeface="Consolas" panose="020B0609020204030204" pitchFamily="49" charset="0"/>
+                <a:cs typeface="Consolas" panose="020B0609020204030204" pitchFamily="49" charset="0"/>
+              </a:rPr>
+              <a:t> </a:t>
+            </a:r>
+            <a:r>
+              <a:rPr lang="en" sz="1800" b="1" noProof="1">
+                <a:solidFill>
+                  <a:srgbClr val="0000FF"/>
+                </a:solidFill>
+                <a:effectLst/>
+                <a:latin typeface="Consolas" panose="020B0609020204030204" pitchFamily="49" charset="0"/>
+                <a:cs typeface="Consolas" panose="020B0609020204030204" pitchFamily="49" charset="0"/>
+              </a:rPr>
+              <a:t>await</a:t>
+            </a:r>
+            <a:r>
+              <a:rPr lang="en" sz="1800" noProof="1">
+                <a:effectLst/>
+                <a:latin typeface="Consolas" panose="020B0609020204030204" pitchFamily="49" charset="0"/>
+                <a:cs typeface="Consolas" panose="020B0609020204030204" pitchFamily="49" charset="0"/>
+              </a:rPr>
+              <a:t> asyncio.start_server(</a:t>
+            </a:r>
+            <a:br>
+              <a:rPr lang="en" sz="1800" noProof="1">
+                <a:effectLst/>
+                <a:latin typeface="Consolas" panose="020B0609020204030204" pitchFamily="49" charset="0"/>
+                <a:cs typeface="Consolas" panose="020B0609020204030204" pitchFamily="49" charset="0"/>
+              </a:rPr>
+            </a:br>
+            <a:r>
+              <a:rPr lang="en" sz="1800" noProof="1">
+                <a:effectLst/>
+                <a:latin typeface="Consolas" panose="020B0609020204030204" pitchFamily="49" charset="0"/>
+                <a:cs typeface="Consolas" panose="020B0609020204030204" pitchFamily="49" charset="0"/>
+              </a:rPr>
+              <a:t>        handle_connection, host, port</a:t>
+            </a:r>
+            <a:br>
+              <a:rPr lang="en" sz="1800" noProof="1">
+                <a:effectLst/>
+                <a:latin typeface="Consolas" panose="020B0609020204030204" pitchFamily="49" charset="0"/>
+                <a:cs typeface="Consolas" panose="020B0609020204030204" pitchFamily="49" charset="0"/>
+              </a:rPr>
+            </a:br>
+            <a:r>
+              <a:rPr lang="en" sz="1800" noProof="1">
+                <a:effectLst/>
+                <a:latin typeface="Consolas" panose="020B0609020204030204" pitchFamily="49" charset="0"/>
+                <a:cs typeface="Consolas" panose="020B0609020204030204" pitchFamily="49" charset="0"/>
+              </a:rPr>
+              <a:t>    )</a:t>
+            </a:r>
+            <a:br>
+              <a:rPr lang="en" sz="1800" noProof="1">
+                <a:effectLst/>
+                <a:latin typeface="Consolas" panose="020B0609020204030204" pitchFamily="49" charset="0"/>
+                <a:cs typeface="Consolas" panose="020B0609020204030204" pitchFamily="49" charset="0"/>
+              </a:rPr>
+            </a:br>
+            <a:r>
+              <a:rPr lang="en" sz="1800" noProof="1">
+                <a:effectLst/>
+                <a:latin typeface="Consolas" panose="020B0609020204030204" pitchFamily="49" charset="0"/>
+                <a:cs typeface="Consolas" panose="020B0609020204030204" pitchFamily="49" charset="0"/>
+              </a:rPr>
+              <a:t>    </a:t>
+            </a:r>
+            <a:r>
+              <a:rPr lang="en" sz="1800" b="1" noProof="1">
+                <a:solidFill>
+                  <a:srgbClr val="3C4C72"/>
+                </a:solidFill>
+                <a:effectLst/>
+                <a:latin typeface="Consolas" panose="020B0609020204030204" pitchFamily="49" charset="0"/>
+                <a:cs typeface="Consolas" panose="020B0609020204030204" pitchFamily="49" charset="0"/>
+              </a:rPr>
+              <a:t>print</a:t>
+            </a:r>
+            <a:r>
+              <a:rPr lang="en" sz="1800" noProof="1">
+                <a:effectLst/>
+                <a:latin typeface="Consolas" panose="020B0609020204030204" pitchFamily="49" charset="0"/>
+                <a:cs typeface="Consolas" panose="020B0609020204030204" pitchFamily="49" charset="0"/>
+              </a:rPr>
+              <a:t>(f</a:t>
+            </a:r>
+            <a:r>
+              <a:rPr lang="en" sz="1800" noProof="1">
+                <a:solidFill>
+                  <a:srgbClr val="036A07"/>
+                </a:solidFill>
+                <a:effectLst/>
+                <a:latin typeface="Consolas" panose="020B0609020204030204" pitchFamily="49" charset="0"/>
+                <a:cs typeface="Consolas" panose="020B0609020204030204" pitchFamily="49" charset="0"/>
+              </a:rPr>
+              <a:t>"Start server..."</a:t>
+            </a:r>
+            <a:r>
+              <a:rPr lang="en" sz="1800" noProof="1">
+                <a:effectLst/>
+                <a:latin typeface="Consolas" panose="020B0609020204030204" pitchFamily="49" charset="0"/>
+                <a:cs typeface="Consolas" panose="020B0609020204030204" pitchFamily="49" charset="0"/>
+              </a:rPr>
+              <a:t>)</a:t>
+            </a:r>
+            <a:br>
+              <a:rPr lang="en" sz="1800" noProof="1">
+                <a:effectLst/>
+                <a:latin typeface="Consolas" panose="020B0609020204030204" pitchFamily="49" charset="0"/>
+                <a:cs typeface="Consolas" panose="020B0609020204030204" pitchFamily="49" charset="0"/>
+              </a:rPr>
+            </a:br>
+            <a:r>
+              <a:rPr lang="en" sz="1800" noProof="1">
+                <a:effectLst/>
+                <a:latin typeface="Consolas" panose="020B0609020204030204" pitchFamily="49" charset="0"/>
+                <a:cs typeface="Consolas" panose="020B0609020204030204" pitchFamily="49" charset="0"/>
+              </a:rPr>
+              <a:t>    </a:t>
+            </a:r>
+            <a:r>
+              <a:rPr lang="en" sz="1800" b="1" noProof="1">
+                <a:solidFill>
+                  <a:srgbClr val="0000FF"/>
+                </a:solidFill>
+                <a:effectLst/>
+                <a:latin typeface="Consolas" panose="020B0609020204030204" pitchFamily="49" charset="0"/>
+                <a:cs typeface="Consolas" panose="020B0609020204030204" pitchFamily="49" charset="0"/>
+              </a:rPr>
+              <a:t>async</a:t>
+            </a:r>
+            <a:r>
+              <a:rPr lang="en" sz="1800" noProof="1">
+                <a:effectLst/>
+                <a:latin typeface="Consolas" panose="020B0609020204030204" pitchFamily="49" charset="0"/>
+                <a:cs typeface="Consolas" panose="020B0609020204030204" pitchFamily="49" charset="0"/>
+              </a:rPr>
+              <a:t> </a:t>
+            </a:r>
+            <a:r>
+              <a:rPr lang="en" sz="1800" b="1" noProof="1">
+                <a:solidFill>
+                  <a:srgbClr val="0000FF"/>
+                </a:solidFill>
+                <a:effectLst/>
+                <a:latin typeface="Consolas" panose="020B0609020204030204" pitchFamily="49" charset="0"/>
+                <a:cs typeface="Consolas" panose="020B0609020204030204" pitchFamily="49" charset="0"/>
+              </a:rPr>
+              <a:t>with</a:t>
+            </a:r>
+            <a:r>
+              <a:rPr lang="en" sz="1800" noProof="1">
+                <a:effectLst/>
+                <a:latin typeface="Consolas" panose="020B0609020204030204" pitchFamily="49" charset="0"/>
+                <a:cs typeface="Consolas" panose="020B0609020204030204" pitchFamily="49" charset="0"/>
+              </a:rPr>
+              <a:t> server:</a:t>
+            </a:r>
+            <a:br>
+              <a:rPr lang="en" sz="1800" noProof="1">
+                <a:effectLst/>
+                <a:latin typeface="Consolas" panose="020B0609020204030204" pitchFamily="49" charset="0"/>
+                <a:cs typeface="Consolas" panose="020B0609020204030204" pitchFamily="49" charset="0"/>
+              </a:rPr>
+            </a:br>
+            <a:r>
+              <a:rPr lang="en" sz="1800" noProof="1">
+                <a:effectLst/>
+                <a:latin typeface="Consolas" panose="020B0609020204030204" pitchFamily="49" charset="0"/>
+                <a:cs typeface="Consolas" panose="020B0609020204030204" pitchFamily="49" charset="0"/>
+              </a:rPr>
+              <a:t>        </a:t>
+            </a:r>
+            <a:r>
+              <a:rPr lang="en" sz="1800" b="1" noProof="1">
+                <a:solidFill>
+                  <a:srgbClr val="0000FF"/>
+                </a:solidFill>
+                <a:effectLst/>
+                <a:latin typeface="Consolas" panose="020B0609020204030204" pitchFamily="49" charset="0"/>
+                <a:cs typeface="Consolas" panose="020B0609020204030204" pitchFamily="49" charset="0"/>
+              </a:rPr>
+              <a:t>await</a:t>
+            </a:r>
+            <a:r>
+              <a:rPr lang="en" sz="1800" noProof="1">
+                <a:effectLst/>
+                <a:latin typeface="Consolas" panose="020B0609020204030204" pitchFamily="49" charset="0"/>
+                <a:cs typeface="Consolas" panose="020B0609020204030204" pitchFamily="49" charset="0"/>
+              </a:rPr>
+              <a:t> server.serve_forever()</a:t>
+            </a:r>
+            <a:br>
+              <a:rPr lang="en" sz="1800" noProof="1">
+                <a:effectLst/>
+                <a:latin typeface="Consolas" panose="020B0609020204030204" pitchFamily="49" charset="0"/>
+                <a:cs typeface="Consolas" panose="020B0609020204030204" pitchFamily="49" charset="0"/>
+              </a:rPr>
+            </a:br>
+            <a:br>
+              <a:rPr lang="en" sz="1800" noProof="1">
+                <a:effectLst/>
+                <a:latin typeface="Consolas" panose="020B0609020204030204" pitchFamily="49" charset="0"/>
+                <a:cs typeface="Consolas" panose="020B0609020204030204" pitchFamily="49" charset="0"/>
+              </a:rPr>
+            </a:br>
+            <a:r>
+              <a:rPr lang="en" sz="1800" noProof="1">
+                <a:effectLst/>
+                <a:latin typeface="Consolas" panose="020B0609020204030204" pitchFamily="49" charset="0"/>
+                <a:cs typeface="Consolas" panose="020B0609020204030204" pitchFamily="49" charset="0"/>
+              </a:rPr>
+              <a:t>asyncio.run( main(</a:t>
+            </a:r>
+            <a:r>
+              <a:rPr lang="en" sz="1800" b="1" noProof="1">
                 <a:solidFill>
                   <a:srgbClr val="C5060B"/>
                 </a:solidFill>
@@ -35308,100 +37457,18 @@
                 <a:latin typeface="Consolas" panose="020B0609020204030204" pitchFamily="49" charset="0"/>
                 <a:cs typeface="Consolas" panose="020B0609020204030204" pitchFamily="49" charset="0"/>
               </a:rPr>
-              <a:t>{addr}</a:t>
-            </a:r>
-            <a:r>
-              <a:rPr lang="en" sz="1600" noProof="1">
-                <a:solidFill>
-                  <a:srgbClr val="036A07"/>
-                </a:solidFill>
-                <a:effectLst/>
-                <a:latin typeface="Consolas" panose="020B0609020204030204" pitchFamily="49" charset="0"/>
-                <a:cs typeface="Consolas" panose="020B0609020204030204" pitchFamily="49" charset="0"/>
-              </a:rPr>
-              <a:t>"</a:t>
-            </a:r>
-            <a:r>
-              <a:rPr lang="en" sz="1600" noProof="1">
-                <a:effectLst/>
-                <a:latin typeface="Consolas" panose="020B0609020204030204" pitchFamily="49" charset="0"/>
-                <a:cs typeface="Consolas" panose="020B0609020204030204" pitchFamily="49" charset="0"/>
-              </a:rPr>
-              <a:t>)</a:t>
-            </a:r>
-            <a:br>
-              <a:rPr lang="en" sz="1600" noProof="1">
-                <a:effectLst/>
-                <a:latin typeface="Consolas" panose="020B0609020204030204" pitchFamily="49" charset="0"/>
-                <a:cs typeface="Consolas" panose="020B0609020204030204" pitchFamily="49" charset="0"/>
-              </a:rPr>
-            </a:br>
-            <a:r>
-              <a:rPr lang="en" sz="1600" noProof="1">
-                <a:effectLst/>
-                <a:latin typeface="Consolas" panose="020B0609020204030204" pitchFamily="49" charset="0"/>
-                <a:cs typeface="Consolas" panose="020B0609020204030204" pitchFamily="49" charset="0"/>
-              </a:rPr>
-              <a:t>            </a:t>
-            </a:r>
-            <a:r>
-              <a:rPr lang="en" sz="1600" b="1" noProof="1">
-                <a:solidFill>
-                  <a:srgbClr val="0000FF"/>
-                </a:solidFill>
-                <a:effectLst/>
-                <a:latin typeface="Consolas" panose="020B0609020204030204" pitchFamily="49" charset="0"/>
-                <a:cs typeface="Consolas" panose="020B0609020204030204" pitchFamily="49" charset="0"/>
-              </a:rPr>
-              <a:t>break</a:t>
-            </a:r>
-            <a:br>
-              <a:rPr lang="en" sz="1600" noProof="1">
-                <a:effectLst/>
-                <a:latin typeface="Consolas" panose="020B0609020204030204" pitchFamily="49" charset="0"/>
-                <a:cs typeface="Consolas" panose="020B0609020204030204" pitchFamily="49" charset="0"/>
-              </a:rPr>
-            </a:br>
-            <a:r>
-              <a:rPr lang="en" sz="1600" noProof="1">
-                <a:effectLst/>
-                <a:latin typeface="Consolas" panose="020B0609020204030204" pitchFamily="49" charset="0"/>
-                <a:cs typeface="Consolas" panose="020B0609020204030204" pitchFamily="49" charset="0"/>
-              </a:rPr>
-              <a:t>        </a:t>
-            </a:r>
-            <a:r>
-              <a:rPr lang="en" sz="1600" b="1" noProof="1">
-                <a:solidFill>
-                  <a:srgbClr val="3C4C72"/>
-                </a:solidFill>
-                <a:effectLst/>
-                <a:latin typeface="Consolas" panose="020B0609020204030204" pitchFamily="49" charset="0"/>
-                <a:cs typeface="Consolas" panose="020B0609020204030204" pitchFamily="49" charset="0"/>
-              </a:rPr>
-              <a:t>print</a:t>
-            </a:r>
-            <a:r>
-              <a:rPr lang="en" sz="1600" noProof="1">
-                <a:effectLst/>
-                <a:latin typeface="Consolas" panose="020B0609020204030204" pitchFamily="49" charset="0"/>
-                <a:cs typeface="Consolas" panose="020B0609020204030204" pitchFamily="49" charset="0"/>
-              </a:rPr>
-              <a:t>(f</a:t>
-            </a:r>
-            <a:r>
-              <a:rPr lang="en" sz="1600" noProof="1">
-                <a:solidFill>
-                  <a:srgbClr val="036A07"/>
-                </a:solidFill>
-                <a:effectLst/>
-                <a:latin typeface="Consolas" panose="020B0609020204030204" pitchFamily="49" charset="0"/>
-                <a:cs typeface="Consolas" panose="020B0609020204030204" pitchFamily="49" charset="0"/>
-              </a:rPr>
-              <a:t>"Received </a:t>
-            </a:r>
-            <a:r>
-              <a:rPr lang="en" sz="1600" b="1" noProof="1">
+              <a:t>HOST</a:t>
+            </a:r>
+            <a:r>
+              <a:rPr lang="en" sz="1800" noProof="1">
+                <a:effectLst/>
+                <a:latin typeface="Consolas" panose="020B0609020204030204" pitchFamily="49" charset="0"/>
+                <a:cs typeface="Consolas" panose="020B0609020204030204" pitchFamily="49" charset="0"/>
+              </a:rPr>
+              <a:t>, </a:t>
+            </a:r>
+            <a:r>
+              <a:rPr lang="en" sz="1800" b="1" noProof="1">
                 <a:solidFill>
                   <a:srgbClr val="C5060B"/>
                 </a:solidFill>
@@ -35409,1048 +37476,10 @@
                 <a:latin typeface="Consolas" panose="020B0609020204030204" pitchFamily="49" charset="0"/>
                 <a:cs typeface="Consolas" panose="020B0609020204030204" pitchFamily="49" charset="0"/>
               </a:rPr>
-              <a:t>{data}</a:t>
-            </a:r>
-            <a:r>
-              <a:rPr lang="en" sz="1600" noProof="1">
-                <a:solidFill>
-                  <a:srgbClr val="036A07"/>
-                </a:solidFill>
-                <a:effectLst/>
-                <a:latin typeface="Consolas" panose="020B0609020204030204" pitchFamily="49" charset="0"/>
-                <a:cs typeface="Consolas" panose="020B0609020204030204" pitchFamily="49" charset="0"/>
-              </a:rPr>
-              <a:t> fr </a:t>
-            </a:r>
-            <a:r>
-              <a:rPr lang="en" sz="1600" b="1" noProof="1">
-                <a:solidFill>
-                  <a:srgbClr val="C5060B"/>
-                </a:solidFill>
-                <a:effectLst/>
-                <a:latin typeface="Consolas" panose="020B0609020204030204" pitchFamily="49" charset="0"/>
-                <a:cs typeface="Consolas" panose="020B0609020204030204" pitchFamily="49" charset="0"/>
-              </a:rPr>
-              <a:t>{addr}</a:t>
-            </a:r>
-            <a:r>
-              <a:rPr lang="en" sz="1600" noProof="1">
-                <a:solidFill>
-                  <a:srgbClr val="036A07"/>
-                </a:solidFill>
-                <a:effectLst/>
-                <a:latin typeface="Consolas" panose="020B0609020204030204" pitchFamily="49" charset="0"/>
-                <a:cs typeface="Consolas" panose="020B0609020204030204" pitchFamily="49" charset="0"/>
-              </a:rPr>
-              <a:t>"</a:t>
-            </a:r>
-            <a:r>
-              <a:rPr lang="en" sz="1600" noProof="1">
-                <a:effectLst/>
-                <a:latin typeface="Consolas" panose="020B0609020204030204" pitchFamily="49" charset="0"/>
-                <a:cs typeface="Consolas" panose="020B0609020204030204" pitchFamily="49" charset="0"/>
-              </a:rPr>
-              <a:t>)</a:t>
-            </a:r>
-            <a:br>
-              <a:rPr lang="en" sz="1600" noProof="1">
-                <a:effectLst/>
-                <a:latin typeface="Consolas" panose="020B0609020204030204" pitchFamily="49" charset="0"/>
-                <a:cs typeface="Consolas" panose="020B0609020204030204" pitchFamily="49" charset="0"/>
-              </a:rPr>
-            </a:br>
-            <a:r>
-              <a:rPr lang="en" sz="1600" noProof="1">
-                <a:effectLst/>
-                <a:latin typeface="Consolas" panose="020B0609020204030204" pitchFamily="49" charset="0"/>
-                <a:cs typeface="Consolas" panose="020B0609020204030204" pitchFamily="49" charset="0"/>
-              </a:rPr>
-              <a:t>        </a:t>
-            </a:r>
-            <a:r>
-              <a:rPr lang="en" sz="1600" b="1" noProof="1">
-                <a:solidFill>
-                  <a:srgbClr val="0000FF"/>
-                </a:solidFill>
-                <a:effectLst/>
-                <a:latin typeface="Consolas" panose="020B0609020204030204" pitchFamily="49" charset="0"/>
-                <a:cs typeface="Consolas" panose="020B0609020204030204" pitchFamily="49" charset="0"/>
-              </a:rPr>
-              <a:t>if</a:t>
-            </a:r>
-            <a:r>
-              <a:rPr lang="en" sz="1600" noProof="1">
-                <a:effectLst/>
-                <a:latin typeface="Consolas" panose="020B0609020204030204" pitchFamily="49" charset="0"/>
-                <a:cs typeface="Consolas" panose="020B0609020204030204" pitchFamily="49" charset="0"/>
-              </a:rPr>
-              <a:t> </a:t>
-            </a:r>
-            <a:r>
-              <a:rPr lang="en" sz="1600" b="1" noProof="1">
-                <a:solidFill>
-                  <a:srgbClr val="0000FF"/>
-                </a:solidFill>
-                <a:effectLst/>
-                <a:latin typeface="Consolas" panose="020B0609020204030204" pitchFamily="49" charset="0"/>
-                <a:cs typeface="Consolas" panose="020B0609020204030204" pitchFamily="49" charset="0"/>
-              </a:rPr>
-              <a:t>not</a:t>
-            </a:r>
-            <a:r>
-              <a:rPr lang="en" sz="1600" noProof="1">
-                <a:effectLst/>
-                <a:latin typeface="Consolas" panose="020B0609020204030204" pitchFamily="49" charset="0"/>
-                <a:cs typeface="Consolas" panose="020B0609020204030204" pitchFamily="49" charset="0"/>
-              </a:rPr>
-              <a:t> data:</a:t>
-            </a:r>
-            <a:br>
-              <a:rPr lang="en" sz="1600" noProof="1">
-                <a:effectLst/>
-                <a:latin typeface="Consolas" panose="020B0609020204030204" pitchFamily="49" charset="0"/>
-                <a:cs typeface="Consolas" panose="020B0609020204030204" pitchFamily="49" charset="0"/>
-              </a:rPr>
-            </a:br>
-            <a:r>
-              <a:rPr lang="en" sz="1600" noProof="1">
-                <a:effectLst/>
-                <a:latin typeface="Consolas" panose="020B0609020204030204" pitchFamily="49" charset="0"/>
-                <a:cs typeface="Consolas" panose="020B0609020204030204" pitchFamily="49" charset="0"/>
-              </a:rPr>
-              <a:t>            </a:t>
-            </a:r>
-            <a:r>
-              <a:rPr lang="en" sz="1600" b="1" noProof="1">
-                <a:solidFill>
-                  <a:srgbClr val="0000FF"/>
-                </a:solidFill>
-                <a:effectLst/>
-                <a:latin typeface="Consolas" panose="020B0609020204030204" pitchFamily="49" charset="0"/>
-                <a:cs typeface="Consolas" panose="020B0609020204030204" pitchFamily="49" charset="0"/>
-              </a:rPr>
-              <a:t>break</a:t>
-            </a:r>
-            <a:br>
-              <a:rPr lang="en" sz="1600" noProof="1">
-                <a:effectLst/>
-                <a:latin typeface="Consolas" panose="020B0609020204030204" pitchFamily="49" charset="0"/>
-                <a:cs typeface="Consolas" panose="020B0609020204030204" pitchFamily="49" charset="0"/>
-              </a:rPr>
-            </a:br>
-            <a:r>
-              <a:rPr lang="en" sz="1600" noProof="1">
-                <a:effectLst/>
-                <a:latin typeface="Consolas" panose="020B0609020204030204" pitchFamily="49" charset="0"/>
-                <a:cs typeface="Consolas" panose="020B0609020204030204" pitchFamily="49" charset="0"/>
-              </a:rPr>
-              <a:t>        </a:t>
-            </a:r>
-            <a:r>
-              <a:rPr lang="en" sz="1600" noProof="1">
-                <a:solidFill>
-                  <a:srgbClr val="0066FF"/>
-                </a:solidFill>
-                <a:effectLst/>
-                <a:latin typeface="Consolas" panose="020B0609020204030204" pitchFamily="49" charset="0"/>
-                <a:cs typeface="Consolas" panose="020B0609020204030204" pitchFamily="49" charset="0"/>
-              </a:rPr>
-              <a:t># Process</a:t>
-            </a:r>
-            <a:br>
-              <a:rPr lang="en" sz="1600" noProof="1">
-                <a:solidFill>
-                  <a:srgbClr val="0066FF"/>
-                </a:solidFill>
-                <a:effectLst/>
-                <a:latin typeface="Consolas" panose="020B0609020204030204" pitchFamily="49" charset="0"/>
-                <a:cs typeface="Consolas" panose="020B0609020204030204" pitchFamily="49" charset="0"/>
-              </a:rPr>
-            </a:br>
-            <a:r>
-              <a:rPr lang="en" sz="1600" noProof="1">
-                <a:effectLst/>
-                <a:latin typeface="Consolas" panose="020B0609020204030204" pitchFamily="49" charset="0"/>
-                <a:cs typeface="Consolas" panose="020B0609020204030204" pitchFamily="49" charset="0"/>
-              </a:rPr>
-              <a:t>        </a:t>
-            </a:r>
-            <a:r>
-              <a:rPr lang="en" sz="1600" b="1" noProof="1">
-                <a:solidFill>
-                  <a:srgbClr val="0000FF"/>
-                </a:solidFill>
-                <a:effectLst/>
-                <a:latin typeface="Consolas" panose="020B0609020204030204" pitchFamily="49" charset="0"/>
-                <a:cs typeface="Consolas" panose="020B0609020204030204" pitchFamily="49" charset="0"/>
-              </a:rPr>
-              <a:t>if</a:t>
-            </a:r>
-            <a:r>
-              <a:rPr lang="en" sz="1600" noProof="1">
-                <a:effectLst/>
-                <a:latin typeface="Consolas" panose="020B0609020204030204" pitchFamily="49" charset="0"/>
-                <a:cs typeface="Consolas" panose="020B0609020204030204" pitchFamily="49" charset="0"/>
-              </a:rPr>
-              <a:t> data </a:t>
-            </a:r>
-            <a:r>
-              <a:rPr lang="en" sz="1600" b="1" noProof="1">
-                <a:solidFill>
-                  <a:srgbClr val="0000FF"/>
-                </a:solidFill>
-                <a:effectLst/>
-                <a:latin typeface="Consolas" panose="020B0609020204030204" pitchFamily="49" charset="0"/>
-                <a:cs typeface="Consolas" panose="020B0609020204030204" pitchFamily="49" charset="0"/>
-              </a:rPr>
-              <a:t>==</a:t>
-            </a:r>
-            <a:r>
-              <a:rPr lang="en" sz="1600" noProof="1">
-                <a:effectLst/>
-                <a:latin typeface="Consolas" panose="020B0609020204030204" pitchFamily="49" charset="0"/>
-                <a:cs typeface="Consolas" panose="020B0609020204030204" pitchFamily="49" charset="0"/>
-              </a:rPr>
-              <a:t> </a:t>
-            </a:r>
-            <a:r>
-              <a:rPr lang="en" sz="1600" b="1" noProof="1">
-                <a:solidFill>
-                  <a:srgbClr val="0000FF"/>
-                </a:solidFill>
-                <a:effectLst/>
-                <a:latin typeface="Consolas" panose="020B0609020204030204" pitchFamily="49" charset="0"/>
-                <a:cs typeface="Consolas" panose="020B0609020204030204" pitchFamily="49" charset="0"/>
-              </a:rPr>
-              <a:t>b</a:t>
-            </a:r>
-            <a:r>
-              <a:rPr lang="en" sz="1600" noProof="1">
-                <a:solidFill>
-                  <a:srgbClr val="036A07"/>
-                </a:solidFill>
-                <a:effectLst/>
-                <a:latin typeface="Consolas" panose="020B0609020204030204" pitchFamily="49" charset="0"/>
-                <a:cs typeface="Consolas" panose="020B0609020204030204" pitchFamily="49" charset="0"/>
-              </a:rPr>
-              <a:t>"close"</a:t>
-            </a:r>
-            <a:r>
-              <a:rPr lang="en" sz="1600" noProof="1">
-                <a:effectLst/>
-                <a:latin typeface="Consolas" panose="020B0609020204030204" pitchFamily="49" charset="0"/>
-                <a:cs typeface="Consolas" panose="020B0609020204030204" pitchFamily="49" charset="0"/>
-              </a:rPr>
-              <a:t>:</a:t>
-            </a:r>
-            <a:br>
-              <a:rPr lang="en" sz="1600" noProof="1">
-                <a:effectLst/>
-                <a:latin typeface="Consolas" panose="020B0609020204030204" pitchFamily="49" charset="0"/>
-                <a:cs typeface="Consolas" panose="020B0609020204030204" pitchFamily="49" charset="0"/>
-              </a:rPr>
-            </a:br>
-            <a:r>
-              <a:rPr lang="en" sz="1600" noProof="1">
-                <a:effectLst/>
-                <a:latin typeface="Consolas" panose="020B0609020204030204" pitchFamily="49" charset="0"/>
-                <a:cs typeface="Consolas" panose="020B0609020204030204" pitchFamily="49" charset="0"/>
-              </a:rPr>
-              <a:t>            </a:t>
-            </a:r>
-            <a:r>
-              <a:rPr lang="en" sz="1600" b="1" noProof="1">
-                <a:solidFill>
-                  <a:srgbClr val="0000FF"/>
-                </a:solidFill>
-                <a:effectLst/>
-                <a:latin typeface="Consolas" panose="020B0609020204030204" pitchFamily="49" charset="0"/>
-                <a:cs typeface="Consolas" panose="020B0609020204030204" pitchFamily="49" charset="0"/>
-              </a:rPr>
-              <a:t>break</a:t>
-            </a:r>
-            <a:br>
-              <a:rPr lang="en" sz="1600" noProof="1">
-                <a:effectLst/>
-                <a:latin typeface="Consolas" panose="020B0609020204030204" pitchFamily="49" charset="0"/>
-                <a:cs typeface="Consolas" panose="020B0609020204030204" pitchFamily="49" charset="0"/>
-              </a:rPr>
-            </a:br>
-            <a:r>
-              <a:rPr lang="en" sz="1600" noProof="1">
-                <a:effectLst/>
-                <a:latin typeface="Consolas" panose="020B0609020204030204" pitchFamily="49" charset="0"/>
-                <a:cs typeface="Consolas" panose="020B0609020204030204" pitchFamily="49" charset="0"/>
-              </a:rPr>
-              <a:t>        data </a:t>
-            </a:r>
-            <a:r>
-              <a:rPr lang="en" sz="1600" b="1" noProof="1">
-                <a:solidFill>
-                  <a:srgbClr val="0000FF"/>
-                </a:solidFill>
-                <a:effectLst/>
-                <a:latin typeface="Consolas" panose="020B0609020204030204" pitchFamily="49" charset="0"/>
-                <a:cs typeface="Consolas" panose="020B0609020204030204" pitchFamily="49" charset="0"/>
-              </a:rPr>
-              <a:t>=</a:t>
-            </a:r>
-            <a:r>
-              <a:rPr lang="en" sz="1600" noProof="1">
-                <a:effectLst/>
-                <a:latin typeface="Consolas" panose="020B0609020204030204" pitchFamily="49" charset="0"/>
-                <a:cs typeface="Consolas" panose="020B0609020204030204" pitchFamily="49" charset="0"/>
-              </a:rPr>
-              <a:t> data.upper()</a:t>
-            </a:r>
-            <a:br>
-              <a:rPr lang="en" sz="1600" noProof="1">
-                <a:effectLst/>
-                <a:latin typeface="Consolas" panose="020B0609020204030204" pitchFamily="49" charset="0"/>
-                <a:cs typeface="Consolas" panose="020B0609020204030204" pitchFamily="49" charset="0"/>
-              </a:rPr>
-            </a:br>
-            <a:r>
-              <a:rPr lang="en" sz="1600" noProof="1">
-                <a:effectLst/>
-                <a:latin typeface="Consolas" panose="020B0609020204030204" pitchFamily="49" charset="0"/>
-                <a:cs typeface="Consolas" panose="020B0609020204030204" pitchFamily="49" charset="0"/>
-              </a:rPr>
-              <a:t>        </a:t>
-            </a:r>
-            <a:r>
-              <a:rPr lang="en" sz="1600" noProof="1">
-                <a:solidFill>
-                  <a:srgbClr val="0066FF"/>
-                </a:solidFill>
-                <a:effectLst/>
-                <a:latin typeface="Consolas" panose="020B0609020204030204" pitchFamily="49" charset="0"/>
-                <a:cs typeface="Consolas" panose="020B0609020204030204" pitchFamily="49" charset="0"/>
-              </a:rPr>
-              <a:t># Send</a:t>
-            </a:r>
-            <a:br>
-              <a:rPr lang="en" sz="1600" noProof="1">
-                <a:solidFill>
-                  <a:srgbClr val="0066FF"/>
-                </a:solidFill>
-                <a:effectLst/>
-                <a:latin typeface="Consolas" panose="020B0609020204030204" pitchFamily="49" charset="0"/>
-                <a:cs typeface="Consolas" panose="020B0609020204030204" pitchFamily="49" charset="0"/>
-              </a:rPr>
-            </a:br>
-            <a:r>
-              <a:rPr lang="en" sz="1600" noProof="1">
-                <a:effectLst/>
-                <a:latin typeface="Consolas" panose="020B0609020204030204" pitchFamily="49" charset="0"/>
-                <a:cs typeface="Consolas" panose="020B0609020204030204" pitchFamily="49" charset="0"/>
-              </a:rPr>
-              <a:t>        </a:t>
-            </a:r>
-            <a:r>
-              <a:rPr lang="en" sz="1600" b="1" noProof="1">
-                <a:solidFill>
-                  <a:srgbClr val="3C4C72"/>
-                </a:solidFill>
-                <a:effectLst/>
-                <a:latin typeface="Consolas" panose="020B0609020204030204" pitchFamily="49" charset="0"/>
-                <a:cs typeface="Consolas" panose="020B0609020204030204" pitchFamily="49" charset="0"/>
-              </a:rPr>
-              <a:t>print</a:t>
-            </a:r>
-            <a:r>
-              <a:rPr lang="en" sz="1600" noProof="1">
-                <a:effectLst/>
-                <a:latin typeface="Consolas" panose="020B0609020204030204" pitchFamily="49" charset="0"/>
-                <a:cs typeface="Consolas" panose="020B0609020204030204" pitchFamily="49" charset="0"/>
-              </a:rPr>
-              <a:t>(f</a:t>
-            </a:r>
-            <a:r>
-              <a:rPr lang="en" sz="1600" noProof="1">
-                <a:solidFill>
-                  <a:srgbClr val="036A07"/>
-                </a:solidFill>
-                <a:effectLst/>
-                <a:latin typeface="Consolas" panose="020B0609020204030204" pitchFamily="49" charset="0"/>
-                <a:cs typeface="Consolas" panose="020B0609020204030204" pitchFamily="49" charset="0"/>
-              </a:rPr>
-              <a:t>"Send: </a:t>
-            </a:r>
-            <a:r>
-              <a:rPr lang="en" sz="1600" b="1" noProof="1">
-                <a:solidFill>
-                  <a:srgbClr val="C5060B"/>
-                </a:solidFill>
-                <a:effectLst/>
-                <a:latin typeface="Consolas" panose="020B0609020204030204" pitchFamily="49" charset="0"/>
-                <a:cs typeface="Consolas" panose="020B0609020204030204" pitchFamily="49" charset="0"/>
-              </a:rPr>
-              <a:t>{data}</a:t>
-            </a:r>
-            <a:r>
-              <a:rPr lang="en" sz="1600" noProof="1">
-                <a:solidFill>
-                  <a:srgbClr val="036A07"/>
-                </a:solidFill>
-                <a:effectLst/>
-                <a:latin typeface="Consolas" panose="020B0609020204030204" pitchFamily="49" charset="0"/>
-                <a:cs typeface="Consolas" panose="020B0609020204030204" pitchFamily="49" charset="0"/>
-              </a:rPr>
-              <a:t> to: </a:t>
-            </a:r>
-            <a:r>
-              <a:rPr lang="en" sz="1600" b="1" noProof="1">
-                <a:solidFill>
-                  <a:srgbClr val="C5060B"/>
-                </a:solidFill>
-                <a:effectLst/>
-                <a:latin typeface="Consolas" panose="020B0609020204030204" pitchFamily="49" charset="0"/>
-                <a:cs typeface="Consolas" panose="020B0609020204030204" pitchFamily="49" charset="0"/>
-              </a:rPr>
-              <a:t>{addr}</a:t>
-            </a:r>
-            <a:r>
-              <a:rPr lang="en" sz="1600" noProof="1">
-                <a:solidFill>
-                  <a:srgbClr val="036A07"/>
-                </a:solidFill>
-                <a:effectLst/>
-                <a:latin typeface="Consolas" panose="020B0609020204030204" pitchFamily="49" charset="0"/>
-                <a:cs typeface="Consolas" panose="020B0609020204030204" pitchFamily="49" charset="0"/>
-              </a:rPr>
-              <a:t>"</a:t>
-            </a:r>
-            <a:r>
-              <a:rPr lang="en" sz="1600" noProof="1">
-                <a:effectLst/>
-                <a:latin typeface="Consolas" panose="020B0609020204030204" pitchFamily="49" charset="0"/>
-                <a:cs typeface="Consolas" panose="020B0609020204030204" pitchFamily="49" charset="0"/>
-              </a:rPr>
-              <a:t>)</a:t>
-            </a:r>
-            <a:br>
-              <a:rPr lang="en" sz="1600" noProof="1">
-                <a:effectLst/>
-                <a:latin typeface="Consolas" panose="020B0609020204030204" pitchFamily="49" charset="0"/>
-                <a:cs typeface="Consolas" panose="020B0609020204030204" pitchFamily="49" charset="0"/>
-              </a:rPr>
-            </a:br>
-            <a:r>
-              <a:rPr lang="en" sz="1600" noProof="1">
-                <a:effectLst/>
-                <a:latin typeface="Consolas" panose="020B0609020204030204" pitchFamily="49" charset="0"/>
-                <a:cs typeface="Consolas" panose="020B0609020204030204" pitchFamily="49" charset="0"/>
-              </a:rPr>
-              <a:t>        </a:t>
-            </a:r>
-            <a:r>
-              <a:rPr lang="en" sz="1600" b="1" noProof="1">
-                <a:solidFill>
-                  <a:srgbClr val="0000FF"/>
-                </a:solidFill>
-                <a:effectLst/>
-                <a:latin typeface="Consolas" panose="020B0609020204030204" pitchFamily="49" charset="0"/>
-                <a:cs typeface="Consolas" panose="020B0609020204030204" pitchFamily="49" charset="0"/>
-              </a:rPr>
-              <a:t>try</a:t>
-            </a:r>
-            <a:r>
-              <a:rPr lang="en" sz="1600" noProof="1">
-                <a:effectLst/>
-                <a:latin typeface="Consolas" panose="020B0609020204030204" pitchFamily="49" charset="0"/>
-                <a:cs typeface="Consolas" panose="020B0609020204030204" pitchFamily="49" charset="0"/>
-              </a:rPr>
-              <a:t>:</a:t>
-            </a:r>
-            <a:br>
-              <a:rPr lang="en" sz="1600" noProof="1">
-                <a:effectLst/>
-                <a:latin typeface="Consolas" panose="020B0609020204030204" pitchFamily="49" charset="0"/>
-                <a:cs typeface="Consolas" panose="020B0609020204030204" pitchFamily="49" charset="0"/>
-              </a:rPr>
-            </a:br>
-            <a:r>
-              <a:rPr lang="en" sz="1600" noProof="1">
-                <a:effectLst/>
-                <a:latin typeface="Consolas" panose="020B0609020204030204" pitchFamily="49" charset="0"/>
-                <a:cs typeface="Consolas" panose="020B0609020204030204" pitchFamily="49" charset="0"/>
-              </a:rPr>
-              <a:t>            writer.write(data)  </a:t>
-            </a:r>
-            <a:r>
-              <a:rPr lang="en" sz="1600" noProof="1">
-                <a:solidFill>
-                  <a:srgbClr val="0066FF"/>
-                </a:solidFill>
-                <a:effectLst/>
-                <a:latin typeface="Consolas" panose="020B0609020204030204" pitchFamily="49" charset="0"/>
-                <a:cs typeface="Consolas" panose="020B0609020204030204" pitchFamily="49" charset="0"/>
-              </a:rPr>
-              <a:t># New</a:t>
-            </a:r>
-            <a:br>
-              <a:rPr lang="en" sz="1600" noProof="1">
-                <a:solidFill>
-                  <a:srgbClr val="0066FF"/>
-                </a:solidFill>
-                <a:effectLst/>
-                <a:latin typeface="Consolas" panose="020B0609020204030204" pitchFamily="49" charset="0"/>
-                <a:cs typeface="Consolas" panose="020B0609020204030204" pitchFamily="49" charset="0"/>
-              </a:rPr>
-            </a:br>
-            <a:r>
-              <a:rPr lang="en" sz="1600" noProof="1">
-                <a:effectLst/>
-                <a:latin typeface="Consolas" panose="020B0609020204030204" pitchFamily="49" charset="0"/>
-                <a:cs typeface="Consolas" panose="020B0609020204030204" pitchFamily="49" charset="0"/>
-              </a:rPr>
-              <a:t>            </a:t>
-            </a:r>
-            <a:r>
-              <a:rPr lang="en" sz="1600" b="1" noProof="1">
-                <a:solidFill>
-                  <a:srgbClr val="0000FF"/>
-                </a:solidFill>
-                <a:effectLst/>
-                <a:latin typeface="Consolas" panose="020B0609020204030204" pitchFamily="49" charset="0"/>
-                <a:cs typeface="Consolas" panose="020B0609020204030204" pitchFamily="49" charset="0"/>
-              </a:rPr>
-              <a:t>await</a:t>
-            </a:r>
-            <a:r>
-              <a:rPr lang="en" sz="1600" noProof="1">
-                <a:effectLst/>
-                <a:latin typeface="Consolas" panose="020B0609020204030204" pitchFamily="49" charset="0"/>
-                <a:cs typeface="Consolas" panose="020B0609020204030204" pitchFamily="49" charset="0"/>
-              </a:rPr>
-              <a:t> writer.drain()</a:t>
-            </a:r>
-            <a:br>
-              <a:rPr lang="en" sz="1600" noProof="1">
-                <a:effectLst/>
-                <a:latin typeface="Consolas" panose="020B0609020204030204" pitchFamily="49" charset="0"/>
-                <a:cs typeface="Consolas" panose="020B0609020204030204" pitchFamily="49" charset="0"/>
-              </a:rPr>
-            </a:br>
-            <a:r>
-              <a:rPr lang="en" sz="1600" noProof="1">
-                <a:effectLst/>
-                <a:latin typeface="Consolas" panose="020B0609020204030204" pitchFamily="49" charset="0"/>
-                <a:cs typeface="Consolas" panose="020B0609020204030204" pitchFamily="49" charset="0"/>
-              </a:rPr>
-              <a:t>        </a:t>
-            </a:r>
-            <a:r>
-              <a:rPr lang="en" sz="1600" b="1" noProof="1">
-                <a:solidFill>
-                  <a:srgbClr val="0000FF"/>
-                </a:solidFill>
-                <a:effectLst/>
-                <a:latin typeface="Consolas" panose="020B0609020204030204" pitchFamily="49" charset="0"/>
-                <a:cs typeface="Consolas" panose="020B0609020204030204" pitchFamily="49" charset="0"/>
-              </a:rPr>
-              <a:t>except</a:t>
-            </a:r>
-            <a:r>
-              <a:rPr lang="en" sz="1600" noProof="1">
-                <a:effectLst/>
-                <a:latin typeface="Consolas" panose="020B0609020204030204" pitchFamily="49" charset="0"/>
-                <a:cs typeface="Consolas" panose="020B0609020204030204" pitchFamily="49" charset="0"/>
-              </a:rPr>
-              <a:t> </a:t>
-            </a:r>
-            <a:r>
-              <a:rPr lang="en" sz="1600" b="1" noProof="1">
-                <a:solidFill>
-                  <a:srgbClr val="6D79DE"/>
-                </a:solidFill>
-                <a:effectLst/>
-                <a:latin typeface="Consolas" panose="020B0609020204030204" pitchFamily="49" charset="0"/>
-                <a:cs typeface="Consolas" panose="020B0609020204030204" pitchFamily="49" charset="0"/>
-              </a:rPr>
-              <a:t>ConnectionError</a:t>
-            </a:r>
-            <a:r>
-              <a:rPr lang="en" sz="1600" noProof="1">
-                <a:effectLst/>
-                <a:latin typeface="Consolas" panose="020B0609020204030204" pitchFamily="49" charset="0"/>
-                <a:cs typeface="Consolas" panose="020B0609020204030204" pitchFamily="49" charset="0"/>
-              </a:rPr>
-              <a:t>:</a:t>
-            </a:r>
-            <a:br>
-              <a:rPr lang="en" sz="1600" noProof="1">
-                <a:effectLst/>
-                <a:latin typeface="Consolas" panose="020B0609020204030204" pitchFamily="49" charset="0"/>
-                <a:cs typeface="Consolas" panose="020B0609020204030204" pitchFamily="49" charset="0"/>
-              </a:rPr>
-            </a:br>
-            <a:r>
-              <a:rPr lang="en" sz="1600" noProof="1">
-                <a:effectLst/>
-                <a:latin typeface="Consolas" panose="020B0609020204030204" pitchFamily="49" charset="0"/>
-                <a:cs typeface="Consolas" panose="020B0609020204030204" pitchFamily="49" charset="0"/>
-              </a:rPr>
-              <a:t>            </a:t>
-            </a:r>
-            <a:r>
-              <a:rPr lang="en" sz="1600" b="1" noProof="1">
-                <a:solidFill>
-                  <a:srgbClr val="3C4C72"/>
-                </a:solidFill>
-                <a:effectLst/>
-                <a:latin typeface="Consolas" panose="020B0609020204030204" pitchFamily="49" charset="0"/>
-                <a:cs typeface="Consolas" panose="020B0609020204030204" pitchFamily="49" charset="0"/>
-              </a:rPr>
-              <a:t>print</a:t>
-            </a:r>
-            <a:r>
-              <a:rPr lang="en" sz="1600" noProof="1">
-                <a:effectLst/>
-                <a:latin typeface="Consolas" panose="020B0609020204030204" pitchFamily="49" charset="0"/>
-                <a:cs typeface="Consolas" panose="020B0609020204030204" pitchFamily="49" charset="0"/>
-              </a:rPr>
-              <a:t>(f</a:t>
-            </a:r>
-            <a:r>
-              <a:rPr lang="en" sz="1600" noProof="1">
-                <a:solidFill>
-                  <a:srgbClr val="036A07"/>
-                </a:solidFill>
-                <a:effectLst/>
-                <a:latin typeface="Consolas" panose="020B0609020204030204" pitchFamily="49" charset="0"/>
-                <a:cs typeface="Consolas" panose="020B0609020204030204" pitchFamily="49" charset="0"/>
-              </a:rPr>
-              <a:t>"Client suddenly closed, cannot send"</a:t>
-            </a:r>
-            <a:r>
-              <a:rPr lang="en" sz="1600" noProof="1">
-                <a:effectLst/>
-                <a:latin typeface="Consolas" panose="020B0609020204030204" pitchFamily="49" charset="0"/>
-                <a:cs typeface="Consolas" panose="020B0609020204030204" pitchFamily="49" charset="0"/>
-              </a:rPr>
-              <a:t>)</a:t>
-            </a:r>
-            <a:br>
-              <a:rPr lang="en" sz="1600" noProof="1">
-                <a:effectLst/>
-                <a:latin typeface="Consolas" panose="020B0609020204030204" pitchFamily="49" charset="0"/>
-                <a:cs typeface="Consolas" panose="020B0609020204030204" pitchFamily="49" charset="0"/>
-              </a:rPr>
-            </a:br>
-            <a:r>
-              <a:rPr lang="en" sz="1600" noProof="1">
-                <a:effectLst/>
-                <a:latin typeface="Consolas" panose="020B0609020204030204" pitchFamily="49" charset="0"/>
-                <a:cs typeface="Consolas" panose="020B0609020204030204" pitchFamily="49" charset="0"/>
-              </a:rPr>
-              <a:t>            </a:t>
-            </a:r>
-            <a:r>
-              <a:rPr lang="en" sz="1600" b="1" noProof="1">
-                <a:solidFill>
-                  <a:srgbClr val="0000FF"/>
-                </a:solidFill>
-                <a:effectLst/>
-                <a:latin typeface="Consolas" panose="020B0609020204030204" pitchFamily="49" charset="0"/>
-                <a:cs typeface="Consolas" panose="020B0609020204030204" pitchFamily="49" charset="0"/>
-              </a:rPr>
-              <a:t>break</a:t>
-            </a:r>
-            <a:br>
-              <a:rPr lang="en" sz="1600" noProof="1">
-                <a:effectLst/>
-                <a:latin typeface="Consolas" panose="020B0609020204030204" pitchFamily="49" charset="0"/>
-                <a:cs typeface="Consolas" panose="020B0609020204030204" pitchFamily="49" charset="0"/>
-              </a:rPr>
-            </a:br>
-            <a:r>
-              <a:rPr lang="en" sz="1600" noProof="1">
-                <a:effectLst/>
-                <a:latin typeface="Consolas" panose="020B0609020204030204" pitchFamily="49" charset="0"/>
-                <a:cs typeface="Consolas" panose="020B0609020204030204" pitchFamily="49" charset="0"/>
-              </a:rPr>
-              <a:t>    writer.close()</a:t>
-            </a:r>
-            <a:br>
-              <a:rPr lang="en" sz="1600" noProof="1">
-                <a:effectLst/>
-                <a:latin typeface="Consolas" panose="020B0609020204030204" pitchFamily="49" charset="0"/>
-                <a:cs typeface="Consolas" panose="020B0609020204030204" pitchFamily="49" charset="0"/>
-              </a:rPr>
-            </a:br>
-            <a:r>
-              <a:rPr lang="en" sz="1600" noProof="1">
-                <a:effectLst/>
-                <a:latin typeface="Consolas" panose="020B0609020204030204" pitchFamily="49" charset="0"/>
-                <a:cs typeface="Consolas" panose="020B0609020204030204" pitchFamily="49" charset="0"/>
-              </a:rPr>
-              <a:t>    </a:t>
-            </a:r>
-            <a:r>
-              <a:rPr lang="en" sz="1600" b="1" noProof="1">
-                <a:solidFill>
-                  <a:srgbClr val="3C4C72"/>
-                </a:solidFill>
-                <a:effectLst/>
-                <a:latin typeface="Consolas" panose="020B0609020204030204" pitchFamily="49" charset="0"/>
-                <a:cs typeface="Consolas" panose="020B0609020204030204" pitchFamily="49" charset="0"/>
-              </a:rPr>
-              <a:t>print</a:t>
-            </a:r>
-            <a:r>
-              <a:rPr lang="en" sz="1600" noProof="1">
-                <a:effectLst/>
-                <a:latin typeface="Consolas" panose="020B0609020204030204" pitchFamily="49" charset="0"/>
-                <a:cs typeface="Consolas" panose="020B0609020204030204" pitchFamily="49" charset="0"/>
-              </a:rPr>
-              <a:t>(</a:t>
-            </a:r>
-            <a:r>
-              <a:rPr lang="en" sz="1600" noProof="1">
-                <a:solidFill>
-                  <a:srgbClr val="036A07"/>
-                </a:solidFill>
-                <a:effectLst/>
-                <a:latin typeface="Consolas" panose="020B0609020204030204" pitchFamily="49" charset="0"/>
-                <a:cs typeface="Consolas" panose="020B0609020204030204" pitchFamily="49" charset="0"/>
-              </a:rPr>
-              <a:t>"Disconnected by"</a:t>
-            </a:r>
-            <a:r>
-              <a:rPr lang="en" sz="1600" noProof="1">
-                <a:effectLst/>
-                <a:latin typeface="Consolas" panose="020B0609020204030204" pitchFamily="49" charset="0"/>
-                <a:cs typeface="Consolas" panose="020B0609020204030204" pitchFamily="49" charset="0"/>
-              </a:rPr>
-              <a:t>, addr)</a:t>
-            </a:r>
-            <a:br>
-              <a:rPr lang="en" sz="1600" noProof="1">
-                <a:effectLst/>
-                <a:latin typeface="Consolas" panose="020B0609020204030204" pitchFamily="49" charset="0"/>
-                <a:cs typeface="Consolas" panose="020B0609020204030204" pitchFamily="49" charset="0"/>
-              </a:rPr>
-            </a:br>
-            <a:br>
-              <a:rPr lang="en" sz="1600" noProof="1">
-                <a:effectLst/>
-                <a:latin typeface="Consolas" panose="020B0609020204030204" pitchFamily="49" charset="0"/>
-                <a:cs typeface="Consolas" panose="020B0609020204030204" pitchFamily="49" charset="0"/>
-              </a:rPr>
-            </a:br>
-            <a:br>
-              <a:rPr lang="en" sz="1600" noProof="1">
-                <a:effectLst/>
-                <a:latin typeface="Consolas" panose="020B0609020204030204" pitchFamily="49" charset="0"/>
-                <a:cs typeface="Consolas" panose="020B0609020204030204" pitchFamily="49" charset="0"/>
-              </a:rPr>
-            </a:br>
-            <a:r>
-              <a:rPr lang="en" sz="1600" b="1" noProof="1">
-                <a:solidFill>
-                  <a:srgbClr val="0000FF"/>
-                </a:solidFill>
-                <a:effectLst/>
-                <a:latin typeface="Consolas" panose="020B0609020204030204" pitchFamily="49" charset="0"/>
-                <a:cs typeface="Consolas" panose="020B0609020204030204" pitchFamily="49" charset="0"/>
-              </a:rPr>
-              <a:t>async</a:t>
-            </a:r>
-            <a:r>
-              <a:rPr lang="en" sz="1600" noProof="1">
-                <a:effectLst/>
-                <a:latin typeface="Consolas" panose="020B0609020204030204" pitchFamily="49" charset="0"/>
-                <a:cs typeface="Consolas" panose="020B0609020204030204" pitchFamily="49" charset="0"/>
-              </a:rPr>
-              <a:t> </a:t>
-            </a:r>
-            <a:r>
-              <a:rPr lang="en" sz="1600" b="1" noProof="1">
-                <a:solidFill>
-                  <a:srgbClr val="0000FF"/>
-                </a:solidFill>
-                <a:effectLst/>
-                <a:latin typeface="Consolas" panose="020B0609020204030204" pitchFamily="49" charset="0"/>
-                <a:cs typeface="Consolas" panose="020B0609020204030204" pitchFamily="49" charset="0"/>
-              </a:rPr>
-              <a:t>def</a:t>
-            </a:r>
-            <a:r>
-              <a:rPr lang="en" sz="1600" noProof="1">
-                <a:effectLst/>
-                <a:latin typeface="Consolas" panose="020B0609020204030204" pitchFamily="49" charset="0"/>
-                <a:cs typeface="Consolas" panose="020B0609020204030204" pitchFamily="49" charset="0"/>
-              </a:rPr>
-              <a:t> </a:t>
-            </a:r>
-            <a:r>
-              <a:rPr lang="en" sz="1600" b="1" noProof="1">
-                <a:solidFill>
-                  <a:srgbClr val="0000A2"/>
-                </a:solidFill>
-                <a:effectLst/>
-                <a:latin typeface="Consolas" panose="020B0609020204030204" pitchFamily="49" charset="0"/>
-                <a:cs typeface="Consolas" panose="020B0609020204030204" pitchFamily="49" charset="0"/>
-              </a:rPr>
-              <a:t>main</a:t>
-            </a:r>
-            <a:r>
-              <a:rPr lang="en" sz="1600" noProof="1">
-                <a:effectLst/>
-                <a:latin typeface="Consolas" panose="020B0609020204030204" pitchFamily="49" charset="0"/>
-                <a:cs typeface="Consolas" panose="020B0609020204030204" pitchFamily="49" charset="0"/>
-              </a:rPr>
-              <a:t>(host, port):</a:t>
-            </a:r>
-            <a:br>
-              <a:rPr lang="en" sz="1600" noProof="1">
-                <a:effectLst/>
-                <a:latin typeface="Consolas" panose="020B0609020204030204" pitchFamily="49" charset="0"/>
-                <a:cs typeface="Consolas" panose="020B0609020204030204" pitchFamily="49" charset="0"/>
-              </a:rPr>
-            </a:br>
-            <a:r>
-              <a:rPr lang="en" sz="1600" noProof="1">
-                <a:effectLst/>
-                <a:latin typeface="Consolas" panose="020B0609020204030204" pitchFamily="49" charset="0"/>
-                <a:cs typeface="Consolas" panose="020B0609020204030204" pitchFamily="49" charset="0"/>
-              </a:rPr>
-              <a:t>    server </a:t>
-            </a:r>
-            <a:r>
-              <a:rPr lang="en" sz="1600" b="1" noProof="1">
-                <a:solidFill>
-                  <a:srgbClr val="0000FF"/>
-                </a:solidFill>
-                <a:effectLst/>
-                <a:latin typeface="Consolas" panose="020B0609020204030204" pitchFamily="49" charset="0"/>
-                <a:cs typeface="Consolas" panose="020B0609020204030204" pitchFamily="49" charset="0"/>
-              </a:rPr>
-              <a:t>=</a:t>
-            </a:r>
-            <a:r>
-              <a:rPr lang="en" sz="1600" noProof="1">
-                <a:effectLst/>
-                <a:latin typeface="Consolas" panose="020B0609020204030204" pitchFamily="49" charset="0"/>
-                <a:cs typeface="Consolas" panose="020B0609020204030204" pitchFamily="49" charset="0"/>
-              </a:rPr>
-              <a:t> </a:t>
-            </a:r>
-            <a:r>
-              <a:rPr lang="en" sz="1600" b="1" noProof="1">
-                <a:solidFill>
-                  <a:srgbClr val="0000FF"/>
-                </a:solidFill>
-                <a:effectLst/>
-                <a:latin typeface="Consolas" panose="020B0609020204030204" pitchFamily="49" charset="0"/>
-                <a:cs typeface="Consolas" panose="020B0609020204030204" pitchFamily="49" charset="0"/>
-              </a:rPr>
-              <a:t>await</a:t>
-            </a:r>
-            <a:r>
-              <a:rPr lang="en" sz="1600" noProof="1">
-                <a:effectLst/>
-                <a:latin typeface="Consolas" panose="020B0609020204030204" pitchFamily="49" charset="0"/>
-                <a:cs typeface="Consolas" panose="020B0609020204030204" pitchFamily="49" charset="0"/>
-              </a:rPr>
-              <a:t> asyncio.start_server(handle_connection, host, port)</a:t>
-            </a:r>
-            <a:br>
-              <a:rPr lang="en" sz="1600" noProof="1">
-                <a:effectLst/>
-                <a:latin typeface="Consolas" panose="020B0609020204030204" pitchFamily="49" charset="0"/>
-                <a:cs typeface="Consolas" panose="020B0609020204030204" pitchFamily="49" charset="0"/>
-              </a:rPr>
-            </a:br>
-            <a:r>
-              <a:rPr lang="en" sz="1600" noProof="1">
-                <a:effectLst/>
-                <a:latin typeface="Consolas" panose="020B0609020204030204" pitchFamily="49" charset="0"/>
-                <a:cs typeface="Consolas" panose="020B0609020204030204" pitchFamily="49" charset="0"/>
-              </a:rPr>
-              <a:t>    </a:t>
-            </a:r>
-            <a:r>
-              <a:rPr lang="en" sz="1600" b="1" noProof="1">
-                <a:solidFill>
-                  <a:srgbClr val="3C4C72"/>
-                </a:solidFill>
-                <a:effectLst/>
-                <a:latin typeface="Consolas" panose="020B0609020204030204" pitchFamily="49" charset="0"/>
-                <a:cs typeface="Consolas" panose="020B0609020204030204" pitchFamily="49" charset="0"/>
-              </a:rPr>
-              <a:t>print</a:t>
-            </a:r>
-            <a:r>
-              <a:rPr lang="en" sz="1600" noProof="1">
-                <a:effectLst/>
-                <a:latin typeface="Consolas" panose="020B0609020204030204" pitchFamily="49" charset="0"/>
-                <a:cs typeface="Consolas" panose="020B0609020204030204" pitchFamily="49" charset="0"/>
-              </a:rPr>
-              <a:t>(f</a:t>
-            </a:r>
-            <a:r>
-              <a:rPr lang="en" sz="1600" noProof="1">
-                <a:solidFill>
-                  <a:srgbClr val="036A07"/>
-                </a:solidFill>
-                <a:effectLst/>
-                <a:latin typeface="Consolas" panose="020B0609020204030204" pitchFamily="49" charset="0"/>
-                <a:cs typeface="Consolas" panose="020B0609020204030204" pitchFamily="49" charset="0"/>
-              </a:rPr>
-              <a:t>"Start server..."</a:t>
-            </a:r>
-            <a:r>
-              <a:rPr lang="en" sz="1600" noProof="1">
-                <a:effectLst/>
-                <a:latin typeface="Consolas" panose="020B0609020204030204" pitchFamily="49" charset="0"/>
-                <a:cs typeface="Consolas" panose="020B0609020204030204" pitchFamily="49" charset="0"/>
-              </a:rPr>
-              <a:t>)</a:t>
-            </a:r>
-            <a:br>
-              <a:rPr lang="en" sz="1600" noProof="1">
-                <a:effectLst/>
-                <a:latin typeface="Consolas" panose="020B0609020204030204" pitchFamily="49" charset="0"/>
-                <a:cs typeface="Consolas" panose="020B0609020204030204" pitchFamily="49" charset="0"/>
-              </a:rPr>
-            </a:br>
-            <a:r>
-              <a:rPr lang="en" sz="1600" noProof="1">
-                <a:effectLst/>
-                <a:latin typeface="Consolas" panose="020B0609020204030204" pitchFamily="49" charset="0"/>
-                <a:cs typeface="Consolas" panose="020B0609020204030204" pitchFamily="49" charset="0"/>
-              </a:rPr>
-              <a:t>    </a:t>
-            </a:r>
-            <a:r>
-              <a:rPr lang="en" sz="1600" b="1" noProof="1">
-                <a:solidFill>
-                  <a:srgbClr val="0000FF"/>
-                </a:solidFill>
-                <a:effectLst/>
-                <a:latin typeface="Consolas" panose="020B0609020204030204" pitchFamily="49" charset="0"/>
-                <a:cs typeface="Consolas" panose="020B0609020204030204" pitchFamily="49" charset="0"/>
-              </a:rPr>
-              <a:t>async</a:t>
-            </a:r>
-            <a:r>
-              <a:rPr lang="en" sz="1600" noProof="1">
-                <a:effectLst/>
-                <a:latin typeface="Consolas" panose="020B0609020204030204" pitchFamily="49" charset="0"/>
-                <a:cs typeface="Consolas" panose="020B0609020204030204" pitchFamily="49" charset="0"/>
-              </a:rPr>
-              <a:t> </a:t>
-            </a:r>
-            <a:r>
-              <a:rPr lang="en" sz="1600" b="1" noProof="1">
-                <a:solidFill>
-                  <a:srgbClr val="0000FF"/>
-                </a:solidFill>
-                <a:effectLst/>
-                <a:latin typeface="Consolas" panose="020B0609020204030204" pitchFamily="49" charset="0"/>
-                <a:cs typeface="Consolas" panose="020B0609020204030204" pitchFamily="49" charset="0"/>
-              </a:rPr>
-              <a:t>with</a:t>
-            </a:r>
-            <a:r>
-              <a:rPr lang="en" sz="1600" noProof="1">
-                <a:effectLst/>
-                <a:latin typeface="Consolas" panose="020B0609020204030204" pitchFamily="49" charset="0"/>
-                <a:cs typeface="Consolas" panose="020B0609020204030204" pitchFamily="49" charset="0"/>
-              </a:rPr>
-              <a:t> server:</a:t>
-            </a:r>
-            <a:br>
-              <a:rPr lang="en" sz="1600" noProof="1">
-                <a:effectLst/>
-                <a:latin typeface="Consolas" panose="020B0609020204030204" pitchFamily="49" charset="0"/>
-                <a:cs typeface="Consolas" panose="020B0609020204030204" pitchFamily="49" charset="0"/>
-              </a:rPr>
-            </a:br>
-            <a:r>
-              <a:rPr lang="en" sz="1600" noProof="1">
-                <a:effectLst/>
-                <a:latin typeface="Consolas" panose="020B0609020204030204" pitchFamily="49" charset="0"/>
-                <a:cs typeface="Consolas" panose="020B0609020204030204" pitchFamily="49" charset="0"/>
-              </a:rPr>
-              <a:t>        </a:t>
-            </a:r>
-            <a:r>
-              <a:rPr lang="en" sz="1600" b="1" noProof="1">
-                <a:solidFill>
-                  <a:srgbClr val="0000FF"/>
-                </a:solidFill>
-                <a:effectLst/>
-                <a:latin typeface="Consolas" panose="020B0609020204030204" pitchFamily="49" charset="0"/>
-                <a:cs typeface="Consolas" panose="020B0609020204030204" pitchFamily="49" charset="0"/>
-              </a:rPr>
-              <a:t>await</a:t>
-            </a:r>
-            <a:r>
-              <a:rPr lang="en" sz="1600" noProof="1">
-                <a:effectLst/>
-                <a:latin typeface="Consolas" panose="020B0609020204030204" pitchFamily="49" charset="0"/>
-                <a:cs typeface="Consolas" panose="020B0609020204030204" pitchFamily="49" charset="0"/>
-              </a:rPr>
-              <a:t> server.serve_forever()</a:t>
-            </a:r>
-            <a:br>
-              <a:rPr lang="en" sz="1600" noProof="1">
-                <a:effectLst/>
-                <a:latin typeface="Consolas" panose="020B0609020204030204" pitchFamily="49" charset="0"/>
-                <a:cs typeface="Consolas" panose="020B0609020204030204" pitchFamily="49" charset="0"/>
-              </a:rPr>
-            </a:br>
-            <a:br>
-              <a:rPr lang="en" sz="1600" noProof="1">
-                <a:effectLst/>
-                <a:latin typeface="Consolas" panose="020B0609020204030204" pitchFamily="49" charset="0"/>
-                <a:cs typeface="Consolas" panose="020B0609020204030204" pitchFamily="49" charset="0"/>
-              </a:rPr>
-            </a:br>
-            <a:r>
-              <a:rPr lang="en" sz="1600" noProof="1">
-                <a:effectLst/>
-                <a:latin typeface="Consolas" panose="020B0609020204030204" pitchFamily="49" charset="0"/>
-                <a:cs typeface="Consolas" panose="020B0609020204030204" pitchFamily="49" charset="0"/>
-              </a:rPr>
-              <a:t>asyncio.run( main(</a:t>
-            </a:r>
-            <a:r>
-              <a:rPr lang="en" sz="1600" b="1" noProof="1">
-                <a:solidFill>
-                  <a:srgbClr val="C5060B"/>
-                </a:solidFill>
-                <a:effectLst/>
-                <a:latin typeface="Consolas" panose="020B0609020204030204" pitchFamily="49" charset="0"/>
-                <a:cs typeface="Consolas" panose="020B0609020204030204" pitchFamily="49" charset="0"/>
-              </a:rPr>
-              <a:t>HOST</a:t>
-            </a:r>
-            <a:r>
-              <a:rPr lang="en" sz="1600" noProof="1">
-                <a:effectLst/>
-                <a:latin typeface="Consolas" panose="020B0609020204030204" pitchFamily="49" charset="0"/>
-                <a:cs typeface="Consolas" panose="020B0609020204030204" pitchFamily="49" charset="0"/>
-              </a:rPr>
-              <a:t>, </a:t>
-            </a:r>
-            <a:r>
-              <a:rPr lang="en" sz="1600" b="1" noProof="1">
-                <a:solidFill>
-                  <a:srgbClr val="C5060B"/>
-                </a:solidFill>
-                <a:effectLst/>
-                <a:latin typeface="Consolas" panose="020B0609020204030204" pitchFamily="49" charset="0"/>
-                <a:cs typeface="Consolas" panose="020B0609020204030204" pitchFamily="49" charset="0"/>
-              </a:rPr>
               <a:t>PORT</a:t>
             </a:r>
             <a:r>
-              <a:rPr lang="en" sz="1600" noProof="1">
+              <a:rPr lang="en" sz="1800" noProof="1">
                 <a:effectLst/>
                 <a:latin typeface="Consolas" panose="020B0609020204030204" pitchFamily="49" charset="0"/>
                 <a:cs typeface="Consolas" panose="020B0609020204030204" pitchFamily="49" charset="0"/>
@@ -36458,23 +37487,226 @@
               <a:t>) )</a:t>
             </a:r>
             <a:br>
-              <a:rPr lang="en" sz="1600" noProof="1">
-                <a:effectLst/>
-                <a:latin typeface="Consolas" panose="020B0609020204030204" pitchFamily="49" charset="0"/>
-                <a:cs typeface="Consolas" panose="020B0609020204030204" pitchFamily="49" charset="0"/>
-              </a:rPr>
-            </a:br>
-            <a:endParaRPr lang="en" sz="1600" noProof="1">
+              <a:rPr lang="en" sz="1800" noProof="1">
+                <a:effectLst/>
+                <a:latin typeface="Consolas" panose="020B0609020204030204" pitchFamily="49" charset="0"/>
+                <a:cs typeface="Consolas" panose="020B0609020204030204" pitchFamily="49" charset="0"/>
+              </a:rPr>
+            </a:br>
+            <a:endParaRPr lang="en" sz="1800" noProof="1">
               <a:effectLst/>
               <a:latin typeface="Consolas" panose="020B0609020204030204" pitchFamily="49" charset="0"/>
               <a:cs typeface="Consolas" panose="020B0609020204030204" pitchFamily="49" charset="0"/>
             </a:endParaRPr>
           </a:p>
-          <a:p>
-            <a:endParaRPr lang="en" sz="1600" noProof="1">
-              <a:latin typeface="Consolas" panose="020B0609020204030204" pitchFamily="49" charset="0"/>
-              <a:cs typeface="Consolas" panose="020B0609020204030204" pitchFamily="49" charset="0"/>
-            </a:endParaRPr>
+        </p:txBody>
+      </p:sp>
+      <p:sp>
+        <p:nvSpPr>
+          <p:cNvPr id="2" name="Заголовок 1">
+            <a:extLst>
+              <a:ext uri="{FF2B5EF4-FFF2-40B4-BE49-F238E27FC236}">
+                <a16:creationId xmlns:a16="http://schemas.microsoft.com/office/drawing/2014/main" id="{F63EE9A6-9BBF-7F6B-8888-8330C89AC117}"/>
+              </a:ext>
+            </a:extLst>
+          </p:cNvPr>
+          <p:cNvSpPr>
+            <a:spLocks noGrp="1"/>
+          </p:cNvSpPr>
+          <p:nvPr>
+            <p:ph type="title"/>
+          </p:nvPr>
+        </p:nvSpPr>
+        <p:spPr>
+          <a:xfrm>
+            <a:off x="6802022" y="5900058"/>
+            <a:ext cx="4656248" cy="819642"/>
+          </a:xfrm>
+        </p:spPr>
+        <p:txBody>
+          <a:bodyPr>
+            <a:noAutofit/>
+          </a:bodyPr>
+          <a:lstStyle/>
+          <a:p>
+            <a:pPr>
+              <a:lnSpc>
+                <a:spcPct val="80000"/>
+              </a:lnSpc>
+            </a:pPr>
+            <a:r>
+              <a:rPr lang="en-US" sz="2800" noProof="1">
+                <a:cs typeface="Consolas" panose="020B0609020204030204" pitchFamily="49" charset="0"/>
+              </a:rPr>
+              <a:t>«</a:t>
+            </a:r>
+            <a:r>
+              <a:rPr lang="ru-RU" sz="2800" noProof="1">
+                <a:cs typeface="Consolas" panose="020B0609020204030204" pitchFamily="49" charset="0"/>
+              </a:rPr>
+              <a:t>Правильная</a:t>
+            </a:r>
+            <a:r>
+              <a:rPr lang="en-US" sz="2800" noProof="1">
+                <a:cs typeface="Consolas" panose="020B0609020204030204" pitchFamily="49" charset="0"/>
+              </a:rPr>
+              <a:t>» </a:t>
+            </a:r>
+            <a:r>
+              <a:rPr lang="ru-RU" sz="2800" noProof="1">
+                <a:effectLst/>
+                <a:cs typeface="Consolas" panose="020B0609020204030204" pitchFamily="49" charset="0"/>
+              </a:rPr>
+              <a:t>асинхронщина через </a:t>
+            </a:r>
+            <a:r>
+              <a:rPr lang="en-US" sz="2800" noProof="1">
+                <a:effectLst/>
+                <a:cs typeface="Consolas" panose="020B0609020204030204" pitchFamily="49" charset="0"/>
+              </a:rPr>
+              <a:t>asyncio</a:t>
+            </a:r>
+            <a:endParaRPr lang="ru-RU" sz="2800" dirty="0"/>
+          </a:p>
+        </p:txBody>
+      </p:sp>
+      <p:sp>
+        <p:nvSpPr>
+          <p:cNvPr id="7" name="TextBox 6">
+            <a:extLst>
+              <a:ext uri="{FF2B5EF4-FFF2-40B4-BE49-F238E27FC236}">
+                <a16:creationId xmlns:a16="http://schemas.microsoft.com/office/drawing/2014/main" id="{872F78A4-5EBF-FF30-D18E-56E451C0B913}"/>
+              </a:ext>
+            </a:extLst>
+          </p:cNvPr>
+          <p:cNvSpPr txBox="1"/>
+          <p:nvPr/>
+        </p:nvSpPr>
+        <p:spPr>
+          <a:xfrm>
+            <a:off x="6068292" y="2732452"/>
+            <a:ext cx="6123708" cy="2585323"/>
+          </a:xfrm>
+          <a:prstGeom prst="rect">
+            <a:avLst/>
+          </a:prstGeom>
+          <a:solidFill>
+            <a:schemeClr val="tx1"/>
+          </a:solidFill>
+        </p:spPr>
+        <p:txBody>
+          <a:bodyPr wrap="square">
+            <a:spAutoFit/>
+          </a:bodyPr>
+          <a:lstStyle/>
+          <a:p>
+            <a:pPr>
+              <a:buNone/>
+            </a:pPr>
+            <a:r>
+              <a:rPr lang="en" noProof="1">
+                <a:solidFill>
+                  <a:srgbClr val="2FFF12"/>
+                </a:solidFill>
+                <a:effectLst/>
+                <a:latin typeface="Consolas" panose="020B0609020204030204" pitchFamily="49" charset="0"/>
+                <a:cs typeface="Consolas" panose="020B0609020204030204" pitchFamily="49" charset="0"/>
+              </a:rPr>
+              <a:t>$ src/tcp_socket_server_6_asyncio.py </a:t>
+            </a:r>
+          </a:p>
+          <a:p>
+            <a:pPr>
+              <a:buNone/>
+            </a:pPr>
+            <a:r>
+              <a:rPr lang="en" noProof="1">
+                <a:solidFill>
+                  <a:srgbClr val="2FFF12"/>
+                </a:solidFill>
+                <a:effectLst/>
+                <a:latin typeface="Consolas" panose="020B0609020204030204" pitchFamily="49" charset="0"/>
+                <a:cs typeface="Consolas" panose="020B0609020204030204" pitchFamily="49" charset="0"/>
+              </a:rPr>
+              <a:t>Start server...</a:t>
+            </a:r>
+          </a:p>
+          <a:p>
+            <a:pPr>
+              <a:buNone/>
+            </a:pPr>
+            <a:r>
+              <a:rPr lang="en" noProof="1">
+                <a:solidFill>
+                  <a:srgbClr val="2FFF12"/>
+                </a:solidFill>
+                <a:effectLst/>
+                <a:latin typeface="Consolas" panose="020B0609020204030204" pitchFamily="49" charset="0"/>
+                <a:cs typeface="Consolas" panose="020B0609020204030204" pitchFamily="49" charset="0"/>
+              </a:rPr>
+              <a:t>Connected by ('::1', 63002, 0, 0)</a:t>
+            </a:r>
+          </a:p>
+          <a:p>
+            <a:pPr>
+              <a:buNone/>
+            </a:pPr>
+            <a:r>
+              <a:rPr lang="en" noProof="1">
+                <a:solidFill>
+                  <a:srgbClr val="2FFF12"/>
+                </a:solidFill>
+                <a:effectLst/>
+                <a:latin typeface="Consolas" panose="020B0609020204030204" pitchFamily="49" charset="0"/>
+                <a:cs typeface="Consolas" panose="020B0609020204030204" pitchFamily="49" charset="0"/>
+              </a:rPr>
+              <a:t>Received b'hello, world!\r\n' from: ('::1', 63002, 0, 0)</a:t>
+            </a:r>
+          </a:p>
+          <a:p>
+            <a:pPr>
+              <a:buNone/>
+            </a:pPr>
+            <a:r>
+              <a:rPr lang="en" noProof="1">
+                <a:solidFill>
+                  <a:srgbClr val="2FFF12"/>
+                </a:solidFill>
+                <a:effectLst/>
+                <a:latin typeface="Consolas" panose="020B0609020204030204" pitchFamily="49" charset="0"/>
+                <a:cs typeface="Consolas" panose="020B0609020204030204" pitchFamily="49" charset="0"/>
+              </a:rPr>
+              <a:t>Sending: b'HELLO, WORLD!\r\n' to: ('::1', 63002, 0, 0)</a:t>
+            </a:r>
+          </a:p>
+          <a:p>
+            <a:pPr>
+              <a:buNone/>
+            </a:pPr>
+            <a:r>
+              <a:rPr lang="en" noProof="1">
+                <a:solidFill>
+                  <a:srgbClr val="2FFF12"/>
+                </a:solidFill>
+                <a:effectLst/>
+                <a:latin typeface="Consolas" panose="020B0609020204030204" pitchFamily="49" charset="0"/>
+                <a:cs typeface="Consolas" panose="020B0609020204030204" pitchFamily="49" charset="0"/>
+              </a:rPr>
+              <a:t>Received b'' from: ('::1', 63002, 0, 0)</a:t>
+            </a:r>
+          </a:p>
+          <a:p>
+            <a:r>
+              <a:rPr lang="en" noProof="1">
+                <a:solidFill>
+                  <a:srgbClr val="2FFF12"/>
+                </a:solidFill>
+                <a:effectLst/>
+                <a:latin typeface="Consolas" panose="020B0609020204030204" pitchFamily="49" charset="0"/>
+                <a:cs typeface="Consolas" panose="020B0609020204030204" pitchFamily="49" charset="0"/>
+              </a:rPr>
+              <a:t>Disconnected by ('::1', 63002, 0, 0)</a:t>
+            </a:r>
           </a:p>
         </p:txBody>
       </p:sp>

--- a/Sockets.pptx
+++ b/Sockets.pptx
@@ -5,7 +5,7 @@
     <p:sldMasterId id="2147483648" r:id="rId1"/>
   </p:sldMasterIdLst>
   <p:notesMasterIdLst>
-    <p:notesMasterId r:id="rId40"/>
+    <p:notesMasterId r:id="rId41"/>
   </p:notesMasterIdLst>
   <p:sldIdLst>
     <p:sldId id="257" r:id="rId2"/>
@@ -41,11 +41,12 @@
     <p:sldId id="289" r:id="rId32"/>
     <p:sldId id="290" r:id="rId33"/>
     <p:sldId id="291" r:id="rId34"/>
-    <p:sldId id="293" r:id="rId35"/>
-    <p:sldId id="292" r:id="rId36"/>
-    <p:sldId id="295" r:id="rId37"/>
-    <p:sldId id="296" r:id="rId38"/>
-    <p:sldId id="294" r:id="rId39"/>
+    <p:sldId id="297" r:id="rId35"/>
+    <p:sldId id="293" r:id="rId36"/>
+    <p:sldId id="292" r:id="rId37"/>
+    <p:sldId id="295" r:id="rId38"/>
+    <p:sldId id="296" r:id="rId39"/>
+    <p:sldId id="294" r:id="rId40"/>
   </p:sldIdLst>
   <p:sldSz cx="12192000" cy="6858000"/>
   <p:notesSz cx="6858000" cy="9144000"/>
@@ -234,7 +235,7 @@
           <a:p>
             <a:fld id="{60C2344A-5F44-9247-953C-2A7A155124F0}" type="datetimeFigureOut">
               <a:rPr lang="ru-RU" smtClean="0"/>
-              <a:t>14.04.2025</a:t>
+              <a:t>21.04.2025</a:t>
             </a:fld>
             <a:endParaRPr lang="ru-RU"/>
           </a:p>
@@ -585,6 +586,174 @@
 </p:notes>
 </file>
 
+<file path=ppt/notesSlides/notesSlide10.xml><?xml version="1.0" encoding="utf-8"?>
+<p:notes xmlns:a="http://schemas.openxmlformats.org/drawingml/2006/main" xmlns:r="http://schemas.openxmlformats.org/officeDocument/2006/relationships" xmlns:p="http://schemas.openxmlformats.org/presentationml/2006/main">
+  <p:cSld>
+    <p:spTree>
+      <p:nvGrpSpPr>
+        <p:cNvPr id="1" name=""/>
+        <p:cNvGrpSpPr/>
+        <p:nvPr/>
+      </p:nvGrpSpPr>
+      <p:grpSpPr>
+        <a:xfrm>
+          <a:off x="0" y="0"/>
+          <a:ext cx="0" cy="0"/>
+          <a:chOff x="0" y="0"/>
+          <a:chExt cx="0" cy="0"/>
+        </a:xfrm>
+      </p:grpSpPr>
+      <p:sp>
+        <p:nvSpPr>
+          <p:cNvPr id="2" name="Образ слайда 1"/>
+          <p:cNvSpPr>
+            <a:spLocks noGrp="1" noRot="1" noChangeAspect="1"/>
+          </p:cNvSpPr>
+          <p:nvPr>
+            <p:ph type="sldImg"/>
+          </p:nvPr>
+        </p:nvSpPr>
+        <p:spPr/>
+      </p:sp>
+      <p:sp>
+        <p:nvSpPr>
+          <p:cNvPr id="3" name="Заметки 2"/>
+          <p:cNvSpPr>
+            <a:spLocks noGrp="1"/>
+          </p:cNvSpPr>
+          <p:nvPr>
+            <p:ph type="body" idx="1"/>
+          </p:nvPr>
+        </p:nvSpPr>
+        <p:spPr/>
+        <p:txBody>
+          <a:bodyPr/>
+          <a:lstStyle/>
+          <a:p>
+            <a:endParaRPr lang="ru-RU" dirty="0"/>
+          </a:p>
+        </p:txBody>
+      </p:sp>
+      <p:sp>
+        <p:nvSpPr>
+          <p:cNvPr id="4" name="Номер слайда 3"/>
+          <p:cNvSpPr>
+            <a:spLocks noGrp="1"/>
+          </p:cNvSpPr>
+          <p:nvPr>
+            <p:ph type="sldNum" sz="quarter" idx="5"/>
+          </p:nvPr>
+        </p:nvSpPr>
+        <p:spPr/>
+        <p:txBody>
+          <a:bodyPr/>
+          <a:lstStyle/>
+          <a:p>
+            <a:fld id="{EB626AB0-578F-5D43-B343-9F37168533C1}" type="slidenum">
+              <a:rPr lang="ru-RU" smtClean="0"/>
+              <a:t>36</a:t>
+            </a:fld>
+            <a:endParaRPr lang="ru-RU"/>
+          </a:p>
+        </p:txBody>
+      </p:sp>
+    </p:spTree>
+    <p:extLst>
+      <p:ext uri="{BB962C8B-B14F-4D97-AF65-F5344CB8AC3E}">
+        <p14:creationId xmlns:p14="http://schemas.microsoft.com/office/powerpoint/2010/main" val="1408570818"/>
+      </p:ext>
+    </p:extLst>
+  </p:cSld>
+  <p:clrMapOvr>
+    <a:masterClrMapping/>
+  </p:clrMapOvr>
+</p:notes>
+</file>
+
+<file path=ppt/notesSlides/notesSlide11.xml><?xml version="1.0" encoding="utf-8"?>
+<p:notes xmlns:a="http://schemas.openxmlformats.org/drawingml/2006/main" xmlns:r="http://schemas.openxmlformats.org/officeDocument/2006/relationships" xmlns:p="http://schemas.openxmlformats.org/presentationml/2006/main">
+  <p:cSld>
+    <p:spTree>
+      <p:nvGrpSpPr>
+        <p:cNvPr id="1" name=""/>
+        <p:cNvGrpSpPr/>
+        <p:nvPr/>
+      </p:nvGrpSpPr>
+      <p:grpSpPr>
+        <a:xfrm>
+          <a:off x="0" y="0"/>
+          <a:ext cx="0" cy="0"/>
+          <a:chOff x="0" y="0"/>
+          <a:chExt cx="0" cy="0"/>
+        </a:xfrm>
+      </p:grpSpPr>
+      <p:sp>
+        <p:nvSpPr>
+          <p:cNvPr id="2" name="Образ слайда 1"/>
+          <p:cNvSpPr>
+            <a:spLocks noGrp="1" noRot="1" noChangeAspect="1"/>
+          </p:cNvSpPr>
+          <p:nvPr>
+            <p:ph type="sldImg"/>
+          </p:nvPr>
+        </p:nvSpPr>
+        <p:spPr/>
+      </p:sp>
+      <p:sp>
+        <p:nvSpPr>
+          <p:cNvPr id="3" name="Заметки 2"/>
+          <p:cNvSpPr>
+            <a:spLocks noGrp="1"/>
+          </p:cNvSpPr>
+          <p:nvPr>
+            <p:ph type="body" idx="1"/>
+          </p:nvPr>
+        </p:nvSpPr>
+        <p:spPr/>
+        <p:txBody>
+          <a:bodyPr/>
+          <a:lstStyle/>
+          <a:p>
+            <a:endParaRPr lang="ru-RU" dirty="0"/>
+          </a:p>
+        </p:txBody>
+      </p:sp>
+      <p:sp>
+        <p:nvSpPr>
+          <p:cNvPr id="4" name="Номер слайда 3"/>
+          <p:cNvSpPr>
+            <a:spLocks noGrp="1"/>
+          </p:cNvSpPr>
+          <p:nvPr>
+            <p:ph type="sldNum" sz="quarter" idx="5"/>
+          </p:nvPr>
+        </p:nvSpPr>
+        <p:spPr/>
+        <p:txBody>
+          <a:bodyPr/>
+          <a:lstStyle/>
+          <a:p>
+            <a:fld id="{EB626AB0-578F-5D43-B343-9F37168533C1}" type="slidenum">
+              <a:rPr lang="ru-RU" smtClean="0"/>
+              <a:t>39</a:t>
+            </a:fld>
+            <a:endParaRPr lang="ru-RU"/>
+          </a:p>
+        </p:txBody>
+      </p:sp>
+    </p:spTree>
+    <p:extLst>
+      <p:ext uri="{BB962C8B-B14F-4D97-AF65-F5344CB8AC3E}">
+        <p14:creationId xmlns:p14="http://schemas.microsoft.com/office/powerpoint/2010/main" val="262181803"/>
+      </p:ext>
+    </p:extLst>
+  </p:cSld>
+  <p:clrMapOvr>
+    <a:masterClrMapping/>
+  </p:clrMapOvr>
+</p:notes>
+</file>
+
 <file path=ppt/notesSlides/notesSlide2.xml><?xml version="1.0" encoding="utf-8"?>
 <p:notes xmlns:a="http://schemas.openxmlformats.org/drawingml/2006/main" xmlns:r="http://schemas.openxmlformats.org/officeDocument/2006/relationships" xmlns:p="http://schemas.openxmlformats.org/presentationml/2006/main">
   <p:cSld>
@@ -1550,274 +1719,364 @@
           <a:bodyPr/>
           <a:lstStyle/>
           <a:p>
-            <a:pPr algn="l">
-              <a:spcBef>
-                <a:spcPts val="2400"/>
-              </a:spcBef>
+            <a:pPr>
               <a:buNone/>
             </a:pPr>
             <a:r>
-              <a:rPr lang="ru-RU" b="0" i="0" dirty="0">
-                <a:solidFill>
-                  <a:srgbClr val="333333"/>
-                </a:solidFill>
-                <a:effectLst/>
-                <a:latin typeface="-apple-system"/>
-              </a:rPr>
-              <a:t>Вот так нами был создан простой асинхронный серверный движок на </a:t>
-            </a:r>
-            <a:r>
-              <a:rPr lang="ru-RU" b="0" i="0" dirty="0" err="1">
-                <a:solidFill>
-                  <a:srgbClr val="333333"/>
-                </a:solidFill>
-                <a:effectLst/>
-                <a:latin typeface="-apple-system"/>
-              </a:rPr>
-              <a:t>колбеках</a:t>
-            </a:r>
-            <a:r>
-              <a:rPr lang="ru-RU" b="0" i="0" dirty="0">
-                <a:solidFill>
-                  <a:srgbClr val="333333"/>
-                </a:solidFill>
-                <a:effectLst/>
-                <a:latin typeface="-apple-system"/>
-              </a:rPr>
-              <a:t>. Данный движок позволяет нам вообще абстрагироваться от того, как реализована асинхронность. Мы просто пишем функции-обработчики для событий: </a:t>
-            </a:r>
-            <a:r>
-              <a:rPr lang="en" b="0" i="0" dirty="0">
-                <a:solidFill>
-                  <a:srgbClr val="333333"/>
-                </a:solidFill>
-                <a:effectLst/>
-                <a:latin typeface="-apple-system"/>
-              </a:rPr>
-              <a:t>connect, read, disconnect.</a:t>
-            </a:r>
-          </a:p>
-          <a:p>
-            <a:pPr algn="l">
-              <a:spcBef>
-                <a:spcPts val="1800"/>
-              </a:spcBef>
+              <a:rPr lang="ru-RU" b="1" dirty="0"/>
+              <a:t>🧩 Что такое “</a:t>
+            </a:r>
+            <a:r>
+              <a:rPr lang="en" b="1" dirty="0"/>
+              <a:t>triggered” </a:t>
+            </a:r>
+            <a:r>
+              <a:rPr lang="ru-RU" b="1" dirty="0"/>
+              <a:t>режимы?</a:t>
+            </a:r>
+          </a:p>
+          <a:p>
+            <a:pPr>
               <a:buNone/>
             </a:pPr>
-            <a:r>
-              <a:rPr lang="ru-RU" b="0" i="0" dirty="0">
-                <a:solidFill>
-                  <a:srgbClr val="333333"/>
-                </a:solidFill>
-                <a:effectLst/>
-                <a:latin typeface="-apple-system"/>
-              </a:rPr>
-              <a:t>Хотя данная система — уже большой прогресс, по сравнению с предыдущими версиями, но она все же не лишена серьезных недостатков. Во-первых, из </a:t>
-            </a:r>
-            <a:r>
-              <a:rPr lang="ru-RU" b="0" i="0" dirty="0" err="1">
-                <a:solidFill>
-                  <a:srgbClr val="333333"/>
-                </a:solidFill>
-                <a:effectLst/>
-                <a:latin typeface="-apple-system"/>
-              </a:rPr>
-              <a:t>колбеков</a:t>
-            </a:r>
-            <a:r>
-              <a:rPr lang="ru-RU" b="0" i="0" dirty="0">
-                <a:solidFill>
-                  <a:srgbClr val="333333"/>
-                </a:solidFill>
-                <a:effectLst/>
-                <a:latin typeface="-apple-system"/>
-              </a:rPr>
-              <a:t> нельзя вызывать блокирующие функции, кроме единственного вызова </a:t>
-            </a:r>
-            <a:r>
-              <a:rPr lang="en" b="0" i="0" dirty="0" err="1">
-                <a:solidFill>
-                  <a:srgbClr val="333333"/>
-                </a:solidFill>
-                <a:effectLst/>
-                <a:latin typeface="-apple-system"/>
-              </a:rPr>
-              <a:t>recv</a:t>
-            </a:r>
-            <a:r>
-              <a:rPr lang="en" b="0" i="0" dirty="0">
-                <a:solidFill>
-                  <a:srgbClr val="333333"/>
-                </a:solidFill>
-                <a:effectLst/>
-                <a:latin typeface="-apple-system"/>
-              </a:rPr>
-              <a:t>() </a:t>
-            </a:r>
-            <a:r>
-              <a:rPr lang="ru-RU" b="0" i="0" dirty="0">
-                <a:solidFill>
-                  <a:srgbClr val="333333"/>
-                </a:solidFill>
-                <a:effectLst/>
-                <a:latin typeface="-apple-system"/>
-              </a:rPr>
-              <a:t>в </a:t>
-            </a:r>
-            <a:r>
-              <a:rPr lang="en" b="0" i="0" dirty="0" err="1">
-                <a:solidFill>
-                  <a:srgbClr val="333333"/>
-                </a:solidFill>
-                <a:effectLst/>
-                <a:latin typeface="-apple-system"/>
-              </a:rPr>
-              <a:t>on_read</a:t>
-            </a:r>
-            <a:r>
-              <a:rPr lang="en" b="0" i="0" dirty="0">
-                <a:solidFill>
-                  <a:srgbClr val="333333"/>
-                </a:solidFill>
-                <a:effectLst/>
-                <a:latin typeface="-apple-system"/>
-              </a:rPr>
-              <a:t>, </a:t>
-            </a:r>
-            <a:r>
-              <a:rPr lang="ru-RU" b="0" i="0" dirty="0">
-                <a:solidFill>
-                  <a:srgbClr val="333333"/>
-                </a:solidFill>
-                <a:effectLst/>
-                <a:latin typeface="-apple-system"/>
-              </a:rPr>
-              <a:t>иначе все выполнение программы остановится.</a:t>
-            </a:r>
-          </a:p>
-          <a:p>
-            <a:pPr algn="l">
-              <a:spcBef>
-                <a:spcPts val="1800"/>
-              </a:spcBef>
+            <a:br>
+              <a:rPr lang="ru-RU" dirty="0"/>
+            </a:br>
+            <a:endParaRPr lang="ru-RU" dirty="0"/>
+          </a:p>
+          <a:p>
+            <a:pPr>
               <a:buNone/>
             </a:pPr>
             <a:r>
-              <a:rPr lang="ru-RU" b="0" i="0" dirty="0">
-                <a:solidFill>
-                  <a:srgbClr val="333333"/>
-                </a:solidFill>
-                <a:effectLst/>
-                <a:latin typeface="-apple-system"/>
-              </a:rPr>
-              <a:t>Во-вторых, если мы начинаем использовать колбеки, то рано или поздно мы начинаем использовать вложенные колбеки, а для них еще вложенные и так далее. Рано или поздно это приводит к такому явлению, как </a:t>
-            </a:r>
-            <a:r>
-              <a:rPr lang="en" b="0" i="1" dirty="0">
-                <a:solidFill>
-                  <a:srgbClr val="333333"/>
-                </a:solidFill>
-                <a:effectLst/>
-                <a:latin typeface="-apple-system"/>
-              </a:rPr>
-              <a:t>callback hell</a:t>
-            </a:r>
-            <a:r>
-              <a:rPr lang="en" b="0" i="0" dirty="0">
-                <a:solidFill>
-                  <a:srgbClr val="333333"/>
-                </a:solidFill>
-                <a:effectLst/>
-                <a:latin typeface="-apple-system"/>
-              </a:rPr>
-              <a:t>. </a:t>
-            </a:r>
-            <a:r>
-              <a:rPr lang="ru-RU" b="0" i="0" dirty="0">
-                <a:solidFill>
-                  <a:srgbClr val="333333"/>
-                </a:solidFill>
-                <a:effectLst/>
-                <a:latin typeface="-apple-system"/>
-              </a:rPr>
-              <a:t>Это когда код становится таким запутанным из-за многочисленных вложений, что проще застрелится, чем его поддерживать.</a:t>
-            </a:r>
-          </a:p>
-          <a:p>
-            <a:pPr algn="l">
-              <a:spcBef>
-                <a:spcPts val="1800"/>
-              </a:spcBef>
+              <a:rPr lang="ru-RU" dirty="0"/>
+              <a:t>Это способы уведомления о событиях в </a:t>
+            </a:r>
+            <a:r>
+              <a:rPr lang="en" dirty="0" err="1"/>
+              <a:t>epoll</a:t>
+            </a:r>
+            <a:r>
+              <a:rPr lang="en" dirty="0"/>
+              <a:t>.</a:t>
+            </a:r>
+          </a:p>
+          <a:p>
+            <a:pPr>
+              <a:buNone/>
             </a:pPr>
             <a:r>
-              <a:rPr lang="ru-RU" b="0" i="0" dirty="0">
-                <a:solidFill>
-                  <a:srgbClr val="333333"/>
-                </a:solidFill>
-                <a:effectLst/>
-                <a:latin typeface="-apple-system"/>
-              </a:rPr>
-              <a:t>Обе проблемы решаются переходом к сопрограммам (</a:t>
-            </a:r>
-            <a:r>
-              <a:rPr lang="en" b="0" i="0" dirty="0">
-                <a:solidFill>
-                  <a:srgbClr val="333333"/>
-                </a:solidFill>
-                <a:effectLst/>
-                <a:latin typeface="-apple-system"/>
-              </a:rPr>
-              <a:t>coroutines). </a:t>
-            </a:r>
-            <a:r>
-              <a:rPr lang="ru-RU" b="0" i="0" dirty="0">
-                <a:solidFill>
-                  <a:srgbClr val="333333"/>
-                </a:solidFill>
-                <a:effectLst/>
-                <a:latin typeface="-apple-system"/>
-              </a:rPr>
-              <a:t>Именно сопрограммы позволяют писать асинхронный код так, как будто он синхронный. То есть без </a:t>
-            </a:r>
-            <a:r>
-              <a:rPr lang="ru-RU" b="0" i="0" dirty="0" err="1">
-                <a:solidFill>
-                  <a:srgbClr val="333333"/>
-                </a:solidFill>
-                <a:effectLst/>
-                <a:latin typeface="-apple-system"/>
-              </a:rPr>
-              <a:t>колбеков</a:t>
-            </a:r>
-            <a:r>
-              <a:rPr lang="ru-RU" b="0" i="0" dirty="0">
-                <a:solidFill>
-                  <a:srgbClr val="333333"/>
-                </a:solidFill>
-                <a:effectLst/>
-                <a:latin typeface="-apple-system"/>
-              </a:rPr>
-              <a:t> и вложенных функций. Но прежде, чем начать, нелишним будет узнать, как в </a:t>
-            </a:r>
-            <a:r>
-              <a:rPr lang="en" b="0" i="0" dirty="0">
-                <a:solidFill>
-                  <a:srgbClr val="333333"/>
-                </a:solidFill>
-                <a:effectLst/>
-                <a:latin typeface="-apple-system"/>
-              </a:rPr>
-              <a:t>Python </a:t>
-            </a:r>
-            <a:r>
-              <a:rPr lang="ru-RU" b="0" i="0" dirty="0">
-                <a:solidFill>
-                  <a:srgbClr val="333333"/>
-                </a:solidFill>
-                <a:effectLst/>
-                <a:latin typeface="-apple-system"/>
-              </a:rPr>
-              <a:t>появились сопрограммы, и из чего они эволюционировали. Чем мы и займемся в следующий раз.</a:t>
+              <a:rPr lang="en" b="1" dirty="0"/>
+              <a:t>⚙️ Level-triggered (</a:t>
+            </a:r>
+            <a:r>
+              <a:rPr lang="ru-RU" b="1" dirty="0"/>
+              <a:t>уровневый режим) — </a:t>
+            </a:r>
+          </a:p>
+          <a:p>
+            <a:pPr>
+              <a:buNone/>
+            </a:pPr>
+            <a:r>
+              <a:rPr lang="ru-RU" b="1" dirty="0"/>
+              <a:t>по умолчанию</a:t>
+            </a:r>
+          </a:p>
+          <a:p>
+            <a:pPr>
+              <a:buFont typeface="Arial" panose="020B0604020202020204" pitchFamily="34" charset="0"/>
+              <a:buChar char="•"/>
+            </a:pPr>
+            <a:r>
+              <a:rPr lang="ru-RU" dirty="0"/>
+              <a:t>🔁 </a:t>
+            </a:r>
+            <a:r>
+              <a:rPr lang="ru-RU" b="1" dirty="0"/>
+              <a:t>Ты получаешь событие, пока оно актуально.</a:t>
+            </a:r>
+            <a:endParaRPr lang="ru-RU" dirty="0"/>
+          </a:p>
+          <a:p>
+            <a:pPr>
+              <a:buFont typeface="Arial" panose="020B0604020202020204" pitchFamily="34" charset="0"/>
+              <a:buChar char="•"/>
+            </a:pPr>
+            <a:r>
+              <a:rPr lang="ru-RU" dirty="0"/>
+              <a:t>Например: если в сокете есть данные, ты будешь получать уведомление </a:t>
+            </a:r>
+            <a:r>
+              <a:rPr lang="ru-RU" b="1" dirty="0"/>
+              <a:t>каждый раз</a:t>
+            </a:r>
+            <a:r>
+              <a:rPr lang="ru-RU" dirty="0"/>
+              <a:t>, когда вызываешь </a:t>
+            </a:r>
+            <a:r>
+              <a:rPr lang="en" dirty="0" err="1"/>
+              <a:t>epoll_wait</a:t>
+            </a:r>
+            <a:r>
+              <a:rPr lang="en" dirty="0"/>
+              <a:t>(), </a:t>
+            </a:r>
+            <a:r>
+              <a:rPr lang="ru-RU" b="1" dirty="0"/>
+              <a:t>пока данные не прочтёшь</a:t>
+            </a:r>
+            <a:r>
+              <a:rPr lang="ru-RU" dirty="0"/>
+              <a:t>.</a:t>
+            </a:r>
+          </a:p>
+          <a:p>
+            <a:pPr>
+              <a:buNone/>
+            </a:pPr>
+            <a:br>
+              <a:rPr lang="ru-RU" dirty="0"/>
+            </a:br>
+            <a:endParaRPr lang="ru-RU" dirty="0"/>
+          </a:p>
+          <a:p>
+            <a:pPr>
+              <a:buNone/>
+            </a:pPr>
+            <a:r>
+              <a:rPr lang="ru-RU" b="1" dirty="0"/>
+              <a:t>Плюсы:</a:t>
+            </a:r>
+            <a:endParaRPr lang="ru-RU" dirty="0"/>
+          </a:p>
+          <a:p>
+            <a:pPr>
+              <a:buFont typeface="Arial" panose="020B0604020202020204" pitchFamily="34" charset="0"/>
+              <a:buChar char="•"/>
+            </a:pPr>
+            <a:r>
+              <a:rPr lang="ru-RU" dirty="0"/>
+              <a:t>Простой и безопасный.</a:t>
+            </a:r>
+          </a:p>
+          <a:p>
+            <a:pPr>
+              <a:buFont typeface="Arial" panose="020B0604020202020204" pitchFamily="34" charset="0"/>
+              <a:buChar char="•"/>
+            </a:pPr>
+            <a:r>
+              <a:rPr lang="ru-RU" dirty="0"/>
+              <a:t>Подходит для большинства случаев.</a:t>
+            </a:r>
+          </a:p>
+          <a:p>
+            <a:pPr>
+              <a:buNone/>
+            </a:pPr>
+            <a:br>
+              <a:rPr lang="ru-RU" dirty="0"/>
+            </a:br>
+            <a:endParaRPr lang="ru-RU" dirty="0"/>
+          </a:p>
+          <a:p>
+            <a:pPr>
+              <a:buNone/>
+            </a:pPr>
+            <a:r>
+              <a:rPr lang="ru-RU" b="1" dirty="0"/>
+              <a:t>Минусы:</a:t>
+            </a:r>
+            <a:endParaRPr lang="ru-RU" dirty="0"/>
+          </a:p>
+          <a:p>
+            <a:pPr>
+              <a:buFont typeface="Arial" panose="020B0604020202020204" pitchFamily="34" charset="0"/>
+              <a:buChar char="•"/>
+            </a:pPr>
+            <a:r>
+              <a:rPr lang="ru-RU" dirty="0"/>
+              <a:t>Может приводить к лишним срабатываниям (повторные уведомления).</a:t>
+            </a:r>
+          </a:p>
+          <a:p>
+            <a:pPr>
+              <a:buNone/>
+            </a:pPr>
+            <a:r>
+              <a:rPr lang="ru-RU" b="1" dirty="0"/>
+              <a:t>⚡ </a:t>
+            </a:r>
+            <a:r>
+              <a:rPr lang="en" b="1" dirty="0"/>
+              <a:t>Edge-triggered (</a:t>
+            </a:r>
+            <a:r>
+              <a:rPr lang="ru-RU" b="1" dirty="0"/>
+              <a:t>по фронту / по краю)</a:t>
+            </a:r>
+          </a:p>
+          <a:p>
+            <a:pPr>
+              <a:buFont typeface="Arial" panose="020B0604020202020204" pitchFamily="34" charset="0"/>
+              <a:buChar char="•"/>
+            </a:pPr>
+            <a:r>
+              <a:rPr lang="ru-RU" dirty="0"/>
+              <a:t>🔔 Ты получаешь уведомление </a:t>
+            </a:r>
+            <a:r>
+              <a:rPr lang="ru-RU" b="1" dirty="0"/>
+              <a:t>один раз</a:t>
+            </a:r>
+            <a:r>
+              <a:rPr lang="ru-RU" dirty="0"/>
+              <a:t>, </a:t>
+            </a:r>
+            <a:r>
+              <a:rPr lang="ru-RU" b="1" dirty="0"/>
+              <a:t>когда состояние меняется</a:t>
+            </a:r>
+            <a:r>
+              <a:rPr lang="ru-RU" dirty="0"/>
+              <a:t>.</a:t>
+            </a:r>
+          </a:p>
+          <a:p>
+            <a:pPr>
+              <a:buFont typeface="Arial" panose="020B0604020202020204" pitchFamily="34" charset="0"/>
+              <a:buChar char="•"/>
+            </a:pPr>
+            <a:r>
+              <a:rPr lang="ru-RU" dirty="0"/>
+              <a:t>Например: как только появляются данные в сокете — ты получаешь уведомление. Но </a:t>
+            </a:r>
+            <a:r>
+              <a:rPr lang="ru-RU" b="1" dirty="0"/>
+              <a:t>если не прочтёшь все данные сразу</a:t>
+            </a:r>
+            <a:r>
+              <a:rPr lang="ru-RU" dirty="0"/>
+              <a:t>, второй раз уведомление </a:t>
+            </a:r>
+            <a:r>
+              <a:rPr lang="ru-RU" b="1" dirty="0"/>
+              <a:t>не придёт</a:t>
+            </a:r>
+            <a:r>
+              <a:rPr lang="ru-RU" dirty="0"/>
+              <a:t>, пока не появится </a:t>
+            </a:r>
+            <a:r>
+              <a:rPr lang="ru-RU" b="1" dirty="0"/>
+              <a:t>новая порция данных</a:t>
+            </a:r>
+            <a:r>
+              <a:rPr lang="ru-RU" dirty="0"/>
+              <a:t>.</a:t>
+            </a:r>
+          </a:p>
+          <a:p>
+            <a:pPr>
+              <a:buNone/>
+            </a:pPr>
+            <a:br>
+              <a:rPr lang="ru-RU" dirty="0"/>
+            </a:br>
+            <a:endParaRPr lang="ru-RU" dirty="0"/>
+          </a:p>
+          <a:p>
+            <a:pPr>
+              <a:buNone/>
+            </a:pPr>
+            <a:r>
+              <a:rPr lang="ru-RU" b="1" dirty="0"/>
+              <a:t>Плюсы:</a:t>
+            </a:r>
+            <a:endParaRPr lang="ru-RU" dirty="0"/>
+          </a:p>
+          <a:p>
+            <a:pPr>
+              <a:buFont typeface="Arial" panose="020B0604020202020204" pitchFamily="34" charset="0"/>
+              <a:buChar char="•"/>
+            </a:pPr>
+            <a:r>
+              <a:rPr lang="ru-RU" dirty="0"/>
+              <a:t>Высокая производительность, меньше системных вызовов.</a:t>
+            </a:r>
+          </a:p>
+          <a:p>
+            <a:pPr>
+              <a:buFont typeface="Arial" panose="020B0604020202020204" pitchFamily="34" charset="0"/>
+              <a:buChar char="•"/>
+            </a:pPr>
+            <a:r>
+              <a:rPr lang="ru-RU" dirty="0"/>
+              <a:t>Идеально для масштабируемых серверов.</a:t>
+            </a:r>
+          </a:p>
+          <a:p>
+            <a:pPr>
+              <a:buNone/>
+            </a:pPr>
+            <a:br>
+              <a:rPr lang="ru-RU" dirty="0"/>
+            </a:br>
+            <a:endParaRPr lang="ru-RU" dirty="0"/>
+          </a:p>
+          <a:p>
+            <a:pPr>
+              <a:buNone/>
+            </a:pPr>
+            <a:r>
+              <a:rPr lang="ru-RU" b="1" dirty="0"/>
+              <a:t>Минусы:</a:t>
+            </a:r>
+            <a:endParaRPr lang="ru-RU" dirty="0"/>
+          </a:p>
+          <a:p>
+            <a:pPr>
+              <a:buFont typeface="Arial" panose="020B0604020202020204" pitchFamily="34" charset="0"/>
+              <a:buChar char="•"/>
+            </a:pPr>
+            <a:r>
+              <a:rPr lang="ru-RU" dirty="0"/>
+              <a:t>Нужно </a:t>
+            </a:r>
+            <a:r>
+              <a:rPr lang="ru-RU" b="1" dirty="0"/>
+              <a:t>всегда читать/писать до конца</a:t>
+            </a:r>
+            <a:r>
+              <a:rPr lang="ru-RU" dirty="0"/>
+              <a:t> (пока </a:t>
+            </a:r>
+            <a:r>
+              <a:rPr lang="en" dirty="0" err="1"/>
+              <a:t>recv</a:t>
+            </a:r>
+            <a:r>
+              <a:rPr lang="en" dirty="0"/>
+              <a:t>() </a:t>
+            </a:r>
+            <a:r>
+              <a:rPr lang="ru-RU" dirty="0"/>
+              <a:t>не вернёт </a:t>
+            </a:r>
+            <a:r>
+              <a:rPr lang="en" dirty="0"/>
+              <a:t>EAGAIN).</a:t>
+            </a:r>
+          </a:p>
+          <a:p>
+            <a:pPr>
+              <a:buFont typeface="Arial" panose="020B0604020202020204" pitchFamily="34" charset="0"/>
+              <a:buChar char="•"/>
+            </a:pPr>
+            <a:r>
+              <a:rPr lang="ru-RU" dirty="0"/>
+              <a:t>Более сложная реализация.</a:t>
             </a:r>
           </a:p>
           <a:p>
@@ -1842,7 +2101,7 @@
           <a:p>
             <a:fld id="{EB626AB0-578F-5D43-B343-9F37168533C1}" type="slidenum">
               <a:rPr lang="ru-RU" smtClean="0"/>
-              <a:t>33</a:t>
+              <a:t>30</a:t>
             </a:fld>
             <a:endParaRPr lang="ru-RU"/>
           </a:p>
@@ -1851,7 +2110,7 @@
     </p:spTree>
     <p:extLst>
       <p:ext uri="{BB962C8B-B14F-4D97-AF65-F5344CB8AC3E}">
-        <p14:creationId xmlns:p14="http://schemas.microsoft.com/office/powerpoint/2010/main" val="2979616051"/>
+        <p14:creationId xmlns:p14="http://schemas.microsoft.com/office/powerpoint/2010/main" val="4174304219"/>
       </p:ext>
     </p:extLst>
   </p:cSld>
@@ -1905,6 +2164,217 @@
           <a:bodyPr/>
           <a:lstStyle/>
           <a:p>
+            <a:pPr algn="l">
+              <a:spcBef>
+                <a:spcPts val="2400"/>
+              </a:spcBef>
+              <a:buNone/>
+            </a:pPr>
+            <a:r>
+              <a:rPr lang="ru-RU" b="0" i="0" dirty="0">
+                <a:solidFill>
+                  <a:srgbClr val="333333"/>
+                </a:solidFill>
+                <a:effectLst/>
+                <a:latin typeface="-apple-system"/>
+              </a:rPr>
+              <a:t>Вот так нами был создан простой асинхронный серверный движок на колбеках. Данный движок позволяет нам вообще абстрагироваться от того, как реализована асинхронность. Мы просто пишем функции-обработчики для событий: </a:t>
+            </a:r>
+            <a:r>
+              <a:rPr lang="en" b="0" i="0" dirty="0">
+                <a:solidFill>
+                  <a:srgbClr val="333333"/>
+                </a:solidFill>
+                <a:effectLst/>
+                <a:latin typeface="-apple-system"/>
+              </a:rPr>
+              <a:t>connect, read, disconnect.</a:t>
+            </a:r>
+          </a:p>
+          <a:p>
+            <a:pPr algn="l">
+              <a:spcBef>
+                <a:spcPts val="1800"/>
+              </a:spcBef>
+              <a:buNone/>
+            </a:pPr>
+            <a:r>
+              <a:rPr lang="ru-RU" b="0" i="0" dirty="0">
+                <a:solidFill>
+                  <a:srgbClr val="333333"/>
+                </a:solidFill>
+                <a:effectLst/>
+                <a:latin typeface="-apple-system"/>
+              </a:rPr>
+              <a:t>Хотя данная система — уже большой прогресс, по сравнению с предыдущими версиями, но она все же не лишена серьезных недостатков. Во-первых, из колбеков нельзя вызывать блокирующие функции, кроме единственного вызова </a:t>
+            </a:r>
+            <a:r>
+              <a:rPr lang="en" b="0" i="0" dirty="0" err="1">
+                <a:solidFill>
+                  <a:srgbClr val="333333"/>
+                </a:solidFill>
+                <a:effectLst/>
+                <a:latin typeface="-apple-system"/>
+              </a:rPr>
+              <a:t>recv</a:t>
+            </a:r>
+            <a:r>
+              <a:rPr lang="en" b="0" i="0" dirty="0">
+                <a:solidFill>
+                  <a:srgbClr val="333333"/>
+                </a:solidFill>
+                <a:effectLst/>
+                <a:latin typeface="-apple-system"/>
+              </a:rPr>
+              <a:t>() </a:t>
+            </a:r>
+            <a:r>
+              <a:rPr lang="ru-RU" b="0" i="0" dirty="0">
+                <a:solidFill>
+                  <a:srgbClr val="333333"/>
+                </a:solidFill>
+                <a:effectLst/>
+                <a:latin typeface="-apple-system"/>
+              </a:rPr>
+              <a:t>в </a:t>
+            </a:r>
+            <a:r>
+              <a:rPr lang="en" b="0" i="0" dirty="0" err="1">
+                <a:solidFill>
+                  <a:srgbClr val="333333"/>
+                </a:solidFill>
+                <a:effectLst/>
+                <a:latin typeface="-apple-system"/>
+              </a:rPr>
+              <a:t>on_read</a:t>
+            </a:r>
+            <a:r>
+              <a:rPr lang="en" b="0" i="0" dirty="0">
+                <a:solidFill>
+                  <a:srgbClr val="333333"/>
+                </a:solidFill>
+                <a:effectLst/>
+                <a:latin typeface="-apple-system"/>
+              </a:rPr>
+              <a:t>, </a:t>
+            </a:r>
+            <a:r>
+              <a:rPr lang="ru-RU" b="0" i="0" dirty="0">
+                <a:solidFill>
+                  <a:srgbClr val="333333"/>
+                </a:solidFill>
+                <a:effectLst/>
+                <a:latin typeface="-apple-system"/>
+              </a:rPr>
+              <a:t>иначе все выполнение программы остановится.</a:t>
+            </a:r>
+          </a:p>
+          <a:p>
+            <a:pPr algn="l">
+              <a:spcBef>
+                <a:spcPts val="1800"/>
+              </a:spcBef>
+              <a:buNone/>
+            </a:pPr>
+            <a:r>
+              <a:rPr lang="ru-RU" b="0" i="0" dirty="0">
+                <a:solidFill>
+                  <a:srgbClr val="333333"/>
+                </a:solidFill>
+                <a:effectLst/>
+                <a:latin typeface="-apple-system"/>
+              </a:rPr>
+              <a:t>Во-вторых, если мы начинаем использовать колбеки, то рано или поздно мы начинаем использовать вложенные колбеки, а для них еще вложенные и так далее. Рано или поздно это приводит к такому явлению, как </a:t>
+            </a:r>
+            <a:r>
+              <a:rPr lang="en" b="0" i="1" dirty="0">
+                <a:solidFill>
+                  <a:srgbClr val="333333"/>
+                </a:solidFill>
+                <a:effectLst/>
+                <a:latin typeface="-apple-system"/>
+              </a:rPr>
+              <a:t>callback hell</a:t>
+            </a:r>
+            <a:r>
+              <a:rPr lang="en" b="0" i="0" dirty="0">
+                <a:solidFill>
+                  <a:srgbClr val="333333"/>
+                </a:solidFill>
+                <a:effectLst/>
+                <a:latin typeface="-apple-system"/>
+              </a:rPr>
+              <a:t>. </a:t>
+            </a:r>
+            <a:r>
+              <a:rPr lang="ru-RU" b="0" i="0" dirty="0">
+                <a:solidFill>
+                  <a:srgbClr val="333333"/>
+                </a:solidFill>
+                <a:effectLst/>
+                <a:latin typeface="-apple-system"/>
+              </a:rPr>
+              <a:t>Это когда код становится таким запутанным из-за многочисленных вложений, что проще застрелится, чем его поддерживать.</a:t>
+            </a:r>
+          </a:p>
+          <a:p>
+            <a:pPr algn="l">
+              <a:spcBef>
+                <a:spcPts val="1800"/>
+              </a:spcBef>
+            </a:pPr>
+            <a:r>
+              <a:rPr lang="ru-RU" b="0" i="0" dirty="0">
+                <a:solidFill>
+                  <a:srgbClr val="333333"/>
+                </a:solidFill>
+                <a:effectLst/>
+                <a:latin typeface="-apple-system"/>
+              </a:rPr>
+              <a:t>Обе проблемы решаются переходом к сопрограммам (</a:t>
+            </a:r>
+            <a:r>
+              <a:rPr lang="en" b="0" i="0" dirty="0">
+                <a:solidFill>
+                  <a:srgbClr val="333333"/>
+                </a:solidFill>
+                <a:effectLst/>
+                <a:latin typeface="-apple-system"/>
+              </a:rPr>
+              <a:t>coroutines). </a:t>
+            </a:r>
+            <a:r>
+              <a:rPr lang="ru-RU" b="0" i="0" dirty="0">
+                <a:solidFill>
+                  <a:srgbClr val="333333"/>
+                </a:solidFill>
+                <a:effectLst/>
+                <a:latin typeface="-apple-system"/>
+              </a:rPr>
+              <a:t>Именно сопрограммы позволяют писать асинхронный код так, как будто он синхронный. То есть без колбеков и вложенных функций. Но прежде, чем начать, нелишним будет узнать, как в </a:t>
+            </a:r>
+            <a:r>
+              <a:rPr lang="en" b="0" i="0" dirty="0">
+                <a:solidFill>
+                  <a:srgbClr val="333333"/>
+                </a:solidFill>
+                <a:effectLst/>
+                <a:latin typeface="-apple-system"/>
+              </a:rPr>
+              <a:t>Python </a:t>
+            </a:r>
+            <a:r>
+              <a:rPr lang="ru-RU" b="0" i="0" dirty="0">
+                <a:solidFill>
+                  <a:srgbClr val="333333"/>
+                </a:solidFill>
+                <a:effectLst/>
+                <a:latin typeface="-apple-system"/>
+              </a:rPr>
+              <a:t>появились сопрограммы, и из чего они эволюционировали. Чем мы и займемся в следующий раз.</a:t>
+            </a:r>
+          </a:p>
+          <a:p>
             <a:endParaRPr lang="ru-RU" dirty="0"/>
           </a:p>
         </p:txBody>
@@ -1926,7 +2396,7 @@
           <a:p>
             <a:fld id="{EB626AB0-578F-5D43-B343-9F37168533C1}" type="slidenum">
               <a:rPr lang="ru-RU" smtClean="0"/>
-              <a:t>35</a:t>
+              <a:t>33</a:t>
             </a:fld>
             <a:endParaRPr lang="ru-RU"/>
           </a:p>
@@ -1935,7 +2405,91 @@
     </p:spTree>
     <p:extLst>
       <p:ext uri="{BB962C8B-B14F-4D97-AF65-F5344CB8AC3E}">
-        <p14:creationId xmlns:p14="http://schemas.microsoft.com/office/powerpoint/2010/main" val="1408570818"/>
+        <p14:creationId xmlns:p14="http://schemas.microsoft.com/office/powerpoint/2010/main" val="2979616051"/>
+      </p:ext>
+    </p:extLst>
+  </p:cSld>
+  <p:clrMapOvr>
+    <a:masterClrMapping/>
+  </p:clrMapOvr>
+</p:notes>
+</file>
+
+<file path=ppt/notesSlides/notesSlide9.xml><?xml version="1.0" encoding="utf-8"?>
+<p:notes xmlns:a="http://schemas.openxmlformats.org/drawingml/2006/main" xmlns:r="http://schemas.openxmlformats.org/officeDocument/2006/relationships" xmlns:p="http://schemas.openxmlformats.org/presentationml/2006/main">
+  <p:cSld>
+    <p:spTree>
+      <p:nvGrpSpPr>
+        <p:cNvPr id="1" name=""/>
+        <p:cNvGrpSpPr/>
+        <p:nvPr/>
+      </p:nvGrpSpPr>
+      <p:grpSpPr>
+        <a:xfrm>
+          <a:off x="0" y="0"/>
+          <a:ext cx="0" cy="0"/>
+          <a:chOff x="0" y="0"/>
+          <a:chExt cx="0" cy="0"/>
+        </a:xfrm>
+      </p:grpSpPr>
+      <p:sp>
+        <p:nvSpPr>
+          <p:cNvPr id="2" name="Образ слайда 1"/>
+          <p:cNvSpPr>
+            <a:spLocks noGrp="1" noRot="1" noChangeAspect="1"/>
+          </p:cNvSpPr>
+          <p:nvPr>
+            <p:ph type="sldImg"/>
+          </p:nvPr>
+        </p:nvSpPr>
+        <p:spPr/>
+      </p:sp>
+      <p:sp>
+        <p:nvSpPr>
+          <p:cNvPr id="3" name="Заметки 2"/>
+          <p:cNvSpPr>
+            <a:spLocks noGrp="1"/>
+          </p:cNvSpPr>
+          <p:nvPr>
+            <p:ph type="body" idx="1"/>
+          </p:nvPr>
+        </p:nvSpPr>
+        <p:spPr/>
+        <p:txBody>
+          <a:bodyPr/>
+          <a:lstStyle/>
+          <a:p>
+            <a:endParaRPr lang="ru-RU" dirty="0"/>
+          </a:p>
+        </p:txBody>
+      </p:sp>
+      <p:sp>
+        <p:nvSpPr>
+          <p:cNvPr id="4" name="Номер слайда 3"/>
+          <p:cNvSpPr>
+            <a:spLocks noGrp="1"/>
+          </p:cNvSpPr>
+          <p:nvPr>
+            <p:ph type="sldNum" sz="quarter" idx="5"/>
+          </p:nvPr>
+        </p:nvSpPr>
+        <p:spPr/>
+        <p:txBody>
+          <a:bodyPr/>
+          <a:lstStyle/>
+          <a:p>
+            <a:fld id="{EB626AB0-578F-5D43-B343-9F37168533C1}" type="slidenum">
+              <a:rPr lang="ru-RU" smtClean="0"/>
+              <a:t>34</a:t>
+            </a:fld>
+            <a:endParaRPr lang="ru-RU"/>
+          </a:p>
+        </p:txBody>
+      </p:sp>
+    </p:spTree>
+    <p:extLst>
+      <p:ext uri="{BB962C8B-B14F-4D97-AF65-F5344CB8AC3E}">
+        <p14:creationId xmlns:p14="http://schemas.microsoft.com/office/powerpoint/2010/main" val="1115928453"/>
       </p:ext>
     </p:extLst>
   </p:cSld>
@@ -2092,7 +2646,7 @@
           <a:p>
             <a:fld id="{4121567C-448C-7948-ABE2-6D095D07F811}" type="datetimeFigureOut">
               <a:rPr lang="ru-RU" smtClean="0"/>
-              <a:t>14.04.2025</a:t>
+              <a:t>21.04.2025</a:t>
             </a:fld>
             <a:endParaRPr lang="ru-RU"/>
           </a:p>
@@ -2290,7 +2844,7 @@
           <a:p>
             <a:fld id="{4121567C-448C-7948-ABE2-6D095D07F811}" type="datetimeFigureOut">
               <a:rPr lang="ru-RU" smtClean="0"/>
-              <a:t>14.04.2025</a:t>
+              <a:t>21.04.2025</a:t>
             </a:fld>
             <a:endParaRPr lang="ru-RU"/>
           </a:p>
@@ -2498,7 +3052,7 @@
           <a:p>
             <a:fld id="{4121567C-448C-7948-ABE2-6D095D07F811}" type="datetimeFigureOut">
               <a:rPr lang="ru-RU" smtClean="0"/>
-              <a:t>14.04.2025</a:t>
+              <a:t>21.04.2025</a:t>
             </a:fld>
             <a:endParaRPr lang="ru-RU"/>
           </a:p>
@@ -2900,7 +3454,7 @@
           <a:p>
             <a:fld id="{4121567C-448C-7948-ABE2-6D095D07F811}" type="datetimeFigureOut">
               <a:rPr lang="ru-RU" smtClean="0"/>
-              <a:t>14.04.2025</a:t>
+              <a:t>21.04.2025</a:t>
             </a:fld>
             <a:endParaRPr lang="ru-RU"/>
           </a:p>
@@ -3165,7 +3719,7 @@
           <a:p>
             <a:fld id="{4121567C-448C-7948-ABE2-6D095D07F811}" type="datetimeFigureOut">
               <a:rPr lang="ru-RU" smtClean="0"/>
-              <a:t>14.04.2025</a:t>
+              <a:t>21.04.2025</a:t>
             </a:fld>
             <a:endParaRPr lang="ru-RU"/>
           </a:p>
@@ -3577,7 +4131,7 @@
           <a:p>
             <a:fld id="{4121567C-448C-7948-ABE2-6D095D07F811}" type="datetimeFigureOut">
               <a:rPr lang="ru-RU" smtClean="0"/>
-              <a:t>14.04.2025</a:t>
+              <a:t>21.04.2025</a:t>
             </a:fld>
             <a:endParaRPr lang="ru-RU"/>
           </a:p>
@@ -3718,7 +4272,7 @@
           <a:p>
             <a:fld id="{4121567C-448C-7948-ABE2-6D095D07F811}" type="datetimeFigureOut">
               <a:rPr lang="ru-RU" smtClean="0"/>
-              <a:t>14.04.2025</a:t>
+              <a:t>21.04.2025</a:t>
             </a:fld>
             <a:endParaRPr lang="ru-RU"/>
           </a:p>
@@ -3831,7 +4385,7 @@
           <a:p>
             <a:fld id="{4121567C-448C-7948-ABE2-6D095D07F811}" type="datetimeFigureOut">
               <a:rPr lang="ru-RU" smtClean="0"/>
-              <a:t>14.04.2025</a:t>
+              <a:t>21.04.2025</a:t>
             </a:fld>
             <a:endParaRPr lang="ru-RU"/>
           </a:p>
@@ -4142,7 +4696,7 @@
           <a:p>
             <a:fld id="{4121567C-448C-7948-ABE2-6D095D07F811}" type="datetimeFigureOut">
               <a:rPr lang="ru-RU" smtClean="0"/>
-              <a:t>14.04.2025</a:t>
+              <a:t>21.04.2025</a:t>
             </a:fld>
             <a:endParaRPr lang="ru-RU"/>
           </a:p>
@@ -4430,7 +4984,7 @@
           <a:p>
             <a:fld id="{4121567C-448C-7948-ABE2-6D095D07F811}" type="datetimeFigureOut">
               <a:rPr lang="ru-RU" smtClean="0"/>
-              <a:t>14.04.2025</a:t>
+              <a:t>21.04.2025</a:t>
             </a:fld>
             <a:endParaRPr lang="ru-RU"/>
           </a:p>
@@ -4671,7 +5225,7 @@
           <a:p>
             <a:fld id="{4121567C-448C-7948-ABE2-6D095D07F811}" type="datetimeFigureOut">
               <a:rPr lang="ru-RU" smtClean="0"/>
-              <a:t>14.04.2025</a:t>
+              <a:t>21.04.2025</a:t>
             </a:fld>
             <a:endParaRPr lang="ru-RU"/>
           </a:p>
@@ -5457,7 +6011,7 @@
           <a:blip r:embed="rId4">
             <a:extLst>
               <a:ext uri="{28A0092B-C50C-407E-A947-70E740481C1C}">
-                <a14:useLocalDpi xmlns:a14="http://schemas.microsoft.com/office/drawing/2010/main" val="0"/>
+                <a14:useLocalDpi xmlns:a14="http://schemas.microsoft.com/office/drawing/2010/main"/>
               </a:ext>
             </a:extLst>
           </a:blip>
@@ -5501,14 +6055,14 @@
           <p:nvPr/>
         </p:nvPicPr>
         <p:blipFill rotWithShape="1">
-          <a:blip r:embed="rId5">
+          <a:blip r:embed="rId5" cstate="screen">
             <a:extLst>
               <a:ext uri="{28A0092B-C50C-407E-A947-70E740481C1C}">
-                <a14:useLocalDpi xmlns:a14="http://schemas.microsoft.com/office/drawing/2010/main" val="0"/>
+                <a14:useLocalDpi xmlns:a14="http://schemas.microsoft.com/office/drawing/2010/main"/>
               </a:ext>
             </a:extLst>
           </a:blip>
-          <a:srcRect l="20000" r="19804" b="17582"/>
+          <a:srcRect/>
           <a:stretch/>
         </p:blipFill>
         <p:spPr bwMode="auto">
@@ -7682,7 +8236,7 @@
           <a:blip r:embed="rId2">
             <a:extLst>
               <a:ext uri="{28A0092B-C50C-407E-A947-70E740481C1C}">
-                <a14:useLocalDpi xmlns:a14="http://schemas.microsoft.com/office/drawing/2010/main" val="0"/>
+                <a14:useLocalDpi xmlns:a14="http://schemas.microsoft.com/office/drawing/2010/main"/>
               </a:ext>
             </a:extLst>
           </a:blip>
@@ -8770,10 +9324,10 @@
           <p:nvPr/>
         </p:nvPicPr>
         <p:blipFill rotWithShape="1">
-          <a:blip r:embed="rId2">
+          <a:blip r:embed="rId2" cstate="screen">
             <a:extLst>
               <a:ext uri="{28A0092B-C50C-407E-A947-70E740481C1C}">
-                <a14:useLocalDpi xmlns:a14="http://schemas.microsoft.com/office/drawing/2010/main" val="0"/>
+                <a14:useLocalDpi xmlns:a14="http://schemas.microsoft.com/office/drawing/2010/main"/>
               </a:ext>
             </a:extLst>
           </a:blip>
@@ -8966,6 +9520,9 @@
               <a:lnSpc>
                 <a:spcPct val="100000"/>
               </a:lnSpc>
+              <a:spcBef>
+                <a:spcPts val="500"/>
+              </a:spcBef>
             </a:pPr>
             <a:r>
               <a:rPr lang="en" sz="1800" dirty="0"/>
@@ -9426,7 +9983,7 @@
           <a:blip r:embed="rId2">
             <a:extLst>
               <a:ext uri="{28A0092B-C50C-407E-A947-70E740481C1C}">
-                <a14:useLocalDpi xmlns:a14="http://schemas.microsoft.com/office/drawing/2010/main" val="0"/>
+                <a14:useLocalDpi xmlns:a14="http://schemas.microsoft.com/office/drawing/2010/main"/>
               </a:ext>
             </a:extLst>
           </a:blip>
@@ -9824,25 +10381,25 @@
               </a:spcBef>
             </a:pPr>
             <a:r>
-              <a:rPr lang="ru-RU" sz="2000" noProof="1">
+              <a:rPr lang="ru-RU" sz="1800" noProof="1">
                 <a:latin typeface="Consolas" panose="020B0609020204030204" pitchFamily="49" charset="0"/>
                 <a:cs typeface="Consolas" panose="020B0609020204030204" pitchFamily="49" charset="0"/>
               </a:rPr>
               <a:t>buflen</a:t>
             </a:r>
             <a:r>
-              <a:rPr lang="en" sz="2000" dirty="0"/>
+              <a:rPr lang="en" sz="1800" dirty="0"/>
               <a:t> — </a:t>
             </a:r>
             <a:r>
-              <a:rPr lang="ru-RU" sz="2000" b="1" dirty="0"/>
+              <a:rPr lang="ru-RU" sz="1800" b="1" dirty="0"/>
               <a:t>максимальный размер получаемых данных</a:t>
             </a:r>
             <a:r>
-              <a:rPr lang="ru-RU" sz="2000" dirty="0"/>
+              <a:rPr lang="ru-RU" sz="1800" dirty="0"/>
               <a:t> в байтах.</a:t>
             </a:r>
-            <a:endParaRPr lang="en-US" sz="2000" dirty="0"/>
+            <a:endParaRPr lang="en-US" sz="1800" dirty="0"/>
           </a:p>
           <a:p>
             <a:pPr lvl="1">
@@ -10642,6 +11199,14 @@
             <a:endParaRPr lang="en-US" sz="2000" dirty="0"/>
           </a:p>
           <a:p>
+            <a:pPr>
+              <a:lnSpc>
+                <a:spcPct val="100000"/>
+              </a:lnSpc>
+              <a:spcBef>
+                <a:spcPts val="500"/>
+              </a:spcBef>
+            </a:pPr>
             <a:r>
               <a:rPr lang="en" sz="1800" dirty="0">
                 <a:latin typeface="Consolas" panose="020B0609020204030204" pitchFamily="49" charset="0"/>
@@ -10853,6 +11418,14 @@
             <a:endParaRPr lang="en-US" sz="2000" dirty="0"/>
           </a:p>
           <a:p>
+            <a:pPr>
+              <a:lnSpc>
+                <a:spcPct val="100000"/>
+              </a:lnSpc>
+              <a:spcBef>
+                <a:spcPts val="500"/>
+              </a:spcBef>
+            </a:pPr>
             <a:r>
               <a:rPr lang="en" sz="1800" dirty="0">
                 <a:latin typeface="Consolas" panose="020B0609020204030204" pitchFamily="49" charset="0"/>
@@ -12929,7 +13502,7 @@
           <a:blip r:embed="rId2">
             <a:extLst>
               <a:ext uri="{28A0092B-C50C-407E-A947-70E740481C1C}">
-                <a14:useLocalDpi xmlns:a14="http://schemas.microsoft.com/office/drawing/2010/main" val="0"/>
+                <a14:useLocalDpi xmlns:a14="http://schemas.microsoft.com/office/drawing/2010/main"/>
               </a:ext>
             </a:extLst>
           </a:blip>
@@ -14196,10 +14769,10 @@
           <p:nvPr/>
         </p:nvPicPr>
         <p:blipFill>
-          <a:blip r:embed="rId3">
+          <a:blip r:embed="rId3" cstate="screen">
             <a:extLst>
               <a:ext uri="{28A0092B-C50C-407E-A947-70E740481C1C}">
-                <a14:useLocalDpi xmlns:a14="http://schemas.microsoft.com/office/drawing/2010/main" val="0"/>
+                <a14:useLocalDpi xmlns:a14="http://schemas.microsoft.com/office/drawing/2010/main"/>
               </a:ext>
             </a:extLst>
           </a:blip>
@@ -14640,14 +15213,14 @@
           <p:nvPr/>
         </p:nvPicPr>
         <p:blipFill rotWithShape="1">
-          <a:blip r:embed="rId3">
+          <a:blip r:embed="rId3" cstate="screen">
             <a:extLst>
               <a:ext uri="{28A0092B-C50C-407E-A947-70E740481C1C}">
-                <a14:useLocalDpi xmlns:a14="http://schemas.microsoft.com/office/drawing/2010/main" val="0"/>
+                <a14:useLocalDpi xmlns:a14="http://schemas.microsoft.com/office/drawing/2010/main"/>
               </a:ext>
             </a:extLst>
           </a:blip>
-          <a:srcRect l="1731" t="7785" r="15687" b="8176"/>
+          <a:srcRect/>
           <a:stretch/>
         </p:blipFill>
         <p:spPr bwMode="auto">
@@ -15298,10 +15871,10 @@
           <p:nvPr/>
         </p:nvPicPr>
         <p:blipFill>
-          <a:blip r:embed="rId2">
+          <a:blip r:embed="rId2" cstate="screen">
             <a:extLst>
               <a:ext uri="{28A0092B-C50C-407E-A947-70E740481C1C}">
-                <a14:useLocalDpi xmlns:a14="http://schemas.microsoft.com/office/drawing/2010/main" val="0"/>
+                <a14:useLocalDpi xmlns:a14="http://schemas.microsoft.com/office/drawing/2010/main"/>
               </a:ext>
             </a:extLst>
           </a:blip>
@@ -17737,12 +18310,15 @@
               <a:buChar char="•"/>
             </a:pPr>
             <a:r>
-              <a:rPr lang="ru-RU" dirty="0" err="1"/>
-              <a:t>connect</a:t>
+              <a:rPr lang="ru-RU" noProof="1">
+                <a:latin typeface="Consolas" panose="020B0609020204030204" pitchFamily="49" charset="0"/>
+                <a:cs typeface="Consolas" panose="020B0609020204030204" pitchFamily="49" charset="0"/>
+              </a:rPr>
+              <a:t>connect()</a:t>
             </a:r>
             <a:r>
               <a:rPr lang="ru-RU" dirty="0"/>
-              <a:t>() устанавливает соединение с сервером.</a:t>
+              <a:t> устанавливает соединение с сервером.</a:t>
             </a:r>
           </a:p>
           <a:p>
@@ -17751,12 +18327,15 @@
               <a:buChar char="•"/>
             </a:pPr>
             <a:r>
-              <a:rPr lang="ru-RU" dirty="0" err="1"/>
-              <a:t>sendall</a:t>
+              <a:rPr lang="ru-RU" noProof="1">
+                <a:latin typeface="Consolas" panose="020B0609020204030204" pitchFamily="49" charset="0"/>
+                <a:cs typeface="Consolas" panose="020B0609020204030204" pitchFamily="49" charset="0"/>
+              </a:rPr>
+              <a:t>sendall()</a:t>
             </a:r>
             <a:r>
               <a:rPr lang="ru-RU" dirty="0"/>
-              <a:t>() отправляет данные серверу.</a:t>
+              <a:t> отправляет данные серверу.</a:t>
             </a:r>
           </a:p>
           <a:p>
@@ -17765,12 +18344,15 @@
               <a:buChar char="•"/>
             </a:pPr>
             <a:r>
-              <a:rPr lang="ru-RU" dirty="0" err="1"/>
-              <a:t>recv</a:t>
+              <a:rPr lang="ru-RU" noProof="1">
+                <a:latin typeface="Consolas" panose="020B0609020204030204" pitchFamily="49" charset="0"/>
+                <a:cs typeface="Consolas" panose="020B0609020204030204" pitchFamily="49" charset="0"/>
+              </a:rPr>
+              <a:t>recv()</a:t>
             </a:r>
             <a:r>
               <a:rPr lang="ru-RU" dirty="0"/>
-              <a:t>() получает данные от сервера.</a:t>
+              <a:t> получает данные от сервера.</a:t>
             </a:r>
           </a:p>
           <a:p>
@@ -17779,12 +18361,15 @@
               <a:buChar char="•"/>
             </a:pPr>
             <a:r>
-              <a:rPr lang="ru-RU" dirty="0" err="1"/>
-              <a:t>close</a:t>
+              <a:rPr lang="ru-RU" noProof="1">
+                <a:latin typeface="Consolas" panose="020B0609020204030204" pitchFamily="49" charset="0"/>
+                <a:cs typeface="Consolas" panose="020B0609020204030204" pitchFamily="49" charset="0"/>
+              </a:rPr>
+              <a:t>close()</a:t>
             </a:r>
             <a:r>
               <a:rPr lang="ru-RU" dirty="0"/>
-              <a:t>() закрывает соединение.</a:t>
+              <a:t> закрывает соединение.</a:t>
             </a:r>
           </a:p>
           <a:p>
@@ -17961,7 +18546,7 @@
           <p:nvPr>
             <p:extLst>
               <p:ext uri="{D42A27DB-BD31-4B8C-83A1-F6EECF244321}">
-                <p14:modId xmlns:p14="http://schemas.microsoft.com/office/powerpoint/2010/main" val="2765425993"/>
+                <p14:modId xmlns:p14="http://schemas.microsoft.com/office/powerpoint/2010/main" val="2805230265"/>
               </p:ext>
             </p:extLst>
           </p:nvPr>
@@ -18277,20 +18862,8 @@
                         <a:buNone/>
                       </a:pPr>
                       <a:r>
-                        <a:rPr lang="en" sz="1800" dirty="0" err="1"/>
-                        <a:t>setblocking</a:t>
-                      </a:r>
-                      <a:r>
-                        <a:rPr lang="en" sz="1800" dirty="0"/>
-                        <a:t>(False), </a:t>
-                      </a:r>
-                      <a:r>
-                        <a:rPr lang="en" sz="1800" dirty="0" err="1"/>
-                        <a:t>settimeout</a:t>
-                      </a:r>
-                      <a:r>
-                        <a:rPr lang="en" sz="1800" dirty="0"/>
-                        <a:t>(), asyncio</a:t>
+                        <a:rPr lang="en" sz="1800" noProof="1"/>
+                        <a:t>setblocking(False), settimeout(), asyncio</a:t>
                       </a:r>
                     </a:p>
                   </a:txBody>
@@ -18347,20 +18920,8 @@
                         <a:buNone/>
                       </a:pPr>
                       <a:r>
-                        <a:rPr lang="en" sz="1800" dirty="0" err="1"/>
-                        <a:t>setblocking</a:t>
-                      </a:r>
-                      <a:r>
-                        <a:rPr lang="en" sz="1800" dirty="0"/>
-                        <a:t>(False), </a:t>
-                      </a:r>
-                      <a:r>
-                        <a:rPr lang="en" sz="1800" dirty="0" err="1"/>
-                        <a:t>settimeout</a:t>
-                      </a:r>
-                      <a:r>
-                        <a:rPr lang="en" sz="1800" dirty="0"/>
-                        <a:t>(), select(), asyncio</a:t>
+                        <a:rPr lang="en" sz="1800" noProof="1"/>
+                        <a:t>setblocking(False), settimeout(), select(), asyncio</a:t>
                       </a:r>
                     </a:p>
                   </a:txBody>
@@ -18417,7 +18978,7 @@
                         <a:buNone/>
                       </a:pPr>
                       <a:r>
-                        <a:rPr lang="en" sz="1800"/>
+                        <a:rPr lang="en" sz="1800" noProof="1"/>
                         <a:t>setblocking(False), settimeout(), select(), asyncio</a:t>
                       </a:r>
                     </a:p>
@@ -18475,12 +19036,8 @@
                         <a:buNone/>
                       </a:pPr>
                       <a:r>
-                        <a:rPr lang="en" sz="1800" dirty="0" err="1"/>
-                        <a:t>setblocking</a:t>
-                      </a:r>
-                      <a:r>
-                        <a:rPr lang="en" sz="1800" dirty="0"/>
-                        <a:t>(False), select(), asyncio</a:t>
+                        <a:rPr lang="en" sz="1800" noProof="1"/>
+                        <a:t>setblocking(False), select(), asyncio</a:t>
                       </a:r>
                     </a:p>
                   </a:txBody>
@@ -18660,7 +19217,26 @@
                 <a:latin typeface="Consolas" panose="020B0609020204030204" pitchFamily="49" charset="0"/>
                 <a:cs typeface="Consolas" panose="020B0609020204030204" pitchFamily="49" charset="0"/>
               </a:rPr>
-              <a:t> socket.socket(socket.</a:t>
+              <a:t> </a:t>
+            </a:r>
+            <a:r>
+              <a:rPr lang="en" sz="1800" noProof="1">
+                <a:effectLst/>
+                <a:highlight>
+                  <a:srgbClr val="FFFF00"/>
+                </a:highlight>
+                <a:latin typeface="Consolas" panose="020B0609020204030204" pitchFamily="49" charset="0"/>
+                <a:cs typeface="Consolas" panose="020B0609020204030204" pitchFamily="49" charset="0"/>
+              </a:rPr>
+              <a:t>socket.socket</a:t>
+            </a:r>
+            <a:r>
+              <a:rPr lang="en" sz="1800" noProof="1">
+                <a:effectLst/>
+                <a:latin typeface="Consolas" panose="020B0609020204030204" pitchFamily="49" charset="0"/>
+                <a:cs typeface="Consolas" panose="020B0609020204030204" pitchFamily="49" charset="0"/>
+              </a:rPr>
+              <a:t>(socket.</a:t>
             </a:r>
             <a:r>
               <a:rPr lang="en" sz="1800" b="1" noProof="1">
@@ -18732,7 +19308,26 @@
                 <a:latin typeface="Consolas" panose="020B0609020204030204" pitchFamily="49" charset="0"/>
                 <a:cs typeface="Consolas" panose="020B0609020204030204" pitchFamily="49" charset="0"/>
               </a:rPr>
-              <a:t>    serv_sock.bind((</a:t>
+              <a:t>    </a:t>
+            </a:r>
+            <a:r>
+              <a:rPr lang="en" sz="1800" noProof="1">
+                <a:effectLst/>
+                <a:highlight>
+                  <a:srgbClr val="FFFF00"/>
+                </a:highlight>
+                <a:latin typeface="Consolas" panose="020B0609020204030204" pitchFamily="49" charset="0"/>
+                <a:cs typeface="Consolas" panose="020B0609020204030204" pitchFamily="49" charset="0"/>
+              </a:rPr>
+              <a:t>serv_sock.bind</a:t>
+            </a:r>
+            <a:r>
+              <a:rPr lang="en" sz="1800" noProof="1">
+                <a:effectLst/>
+                <a:latin typeface="Consolas" panose="020B0609020204030204" pitchFamily="49" charset="0"/>
+                <a:cs typeface="Consolas" panose="020B0609020204030204" pitchFamily="49" charset="0"/>
+              </a:rPr>
+              <a:t>((</a:t>
             </a:r>
             <a:r>
               <a:rPr lang="en" sz="1800" b="1" noProof="1">
@@ -18785,7 +19380,26 @@
                 <a:latin typeface="Consolas" panose="020B0609020204030204" pitchFamily="49" charset="0"/>
                 <a:cs typeface="Consolas" panose="020B0609020204030204" pitchFamily="49" charset="0"/>
               </a:rPr>
-              <a:t>    serv_sock.listen(</a:t>
+              <a:t>    </a:t>
+            </a:r>
+            <a:r>
+              <a:rPr lang="en" sz="1800" noProof="1">
+                <a:effectLst/>
+                <a:highlight>
+                  <a:srgbClr val="FFFF00"/>
+                </a:highlight>
+                <a:latin typeface="Consolas" panose="020B0609020204030204" pitchFamily="49" charset="0"/>
+                <a:cs typeface="Consolas" panose="020B0609020204030204" pitchFamily="49" charset="0"/>
+              </a:rPr>
+              <a:t>serv_sock.listen</a:t>
+            </a:r>
+            <a:r>
+              <a:rPr lang="en" sz="1800" noProof="1">
+                <a:effectLst/>
+                <a:latin typeface="Consolas" panose="020B0609020204030204" pitchFamily="49" charset="0"/>
+                <a:cs typeface="Consolas" panose="020B0609020204030204" pitchFamily="49" charset="0"/>
+              </a:rPr>
+              <a:t>(</a:t>
             </a:r>
             <a:r>
               <a:rPr lang="en" sz="1800" noProof="1">
@@ -18963,7 +19577,18 @@
                 <a:latin typeface="Consolas" panose="020B0609020204030204" pitchFamily="49" charset="0"/>
                 <a:cs typeface="Consolas" panose="020B0609020204030204" pitchFamily="49" charset="0"/>
               </a:rPr>
-              <a:t> serv_sock.accept()</a:t>
+              <a:t> </a:t>
+            </a:r>
+            <a:r>
+              <a:rPr lang="en" sz="1800" noProof="1">
+                <a:effectLst/>
+                <a:highlight>
+                  <a:srgbClr val="FFFF00"/>
+                </a:highlight>
+                <a:latin typeface="Consolas" panose="020B0609020204030204" pitchFamily="49" charset="0"/>
+                <a:cs typeface="Consolas" panose="020B0609020204030204" pitchFamily="49" charset="0"/>
+              </a:rPr>
+              <a:t>serv_sock.accept()</a:t>
             </a:r>
             <a:br>
               <a:rPr lang="en" sz="1800" noProof="1">
@@ -19200,7 +19825,26 @@
                 <a:latin typeface="Consolas" panose="020B0609020204030204" pitchFamily="49" charset="0"/>
                 <a:cs typeface="Consolas" panose="020B0609020204030204" pitchFamily="49" charset="0"/>
               </a:rPr>
-              <a:t> sock.recv(</a:t>
+              <a:t> </a:t>
+            </a:r>
+            <a:r>
+              <a:rPr lang="en" sz="1800" noProof="1">
+                <a:effectLst/>
+                <a:highlight>
+                  <a:srgbClr val="FFFF00"/>
+                </a:highlight>
+                <a:latin typeface="Consolas" panose="020B0609020204030204" pitchFamily="49" charset="0"/>
+                <a:cs typeface="Consolas" panose="020B0609020204030204" pitchFamily="49" charset="0"/>
+              </a:rPr>
+              <a:t>sock.recv</a:t>
+            </a:r>
+            <a:r>
+              <a:rPr lang="en" sz="1800" noProof="1">
+                <a:effectLst/>
+                <a:latin typeface="Consolas" panose="020B0609020204030204" pitchFamily="49" charset="0"/>
+                <a:cs typeface="Consolas" panose="020B0609020204030204" pitchFamily="49" charset="0"/>
+              </a:rPr>
+              <a:t>(</a:t>
             </a:r>
             <a:r>
               <a:rPr lang="en" sz="1800" noProof="1">
@@ -19657,7 +20301,26 @@
                 <a:latin typeface="Consolas" panose="020B0609020204030204" pitchFamily="49" charset="0"/>
                 <a:cs typeface="Consolas" panose="020B0609020204030204" pitchFamily="49" charset="0"/>
               </a:rPr>
-              <a:t>                    sock.sendall(data)</a:t>
+              <a:t>                    </a:t>
+            </a:r>
+            <a:r>
+              <a:rPr lang="en" sz="1800" noProof="1">
+                <a:effectLst/>
+                <a:highlight>
+                  <a:srgbClr val="FFFF00"/>
+                </a:highlight>
+                <a:latin typeface="Consolas" panose="020B0609020204030204" pitchFamily="49" charset="0"/>
+                <a:cs typeface="Consolas" panose="020B0609020204030204" pitchFamily="49" charset="0"/>
+              </a:rPr>
+              <a:t>sock.sendall</a:t>
+            </a:r>
+            <a:r>
+              <a:rPr lang="en" sz="1800" noProof="1">
+                <a:effectLst/>
+                <a:latin typeface="Consolas" panose="020B0609020204030204" pitchFamily="49" charset="0"/>
+                <a:cs typeface="Consolas" panose="020B0609020204030204" pitchFamily="49" charset="0"/>
+              </a:rPr>
+              <a:t>(data)</a:t>
             </a:r>
             <a:br>
               <a:rPr lang="en" sz="1800" noProof="1">
@@ -20229,9 +20892,6 @@
               <a:lnSpc>
                 <a:spcPct val="100000"/>
               </a:lnSpc>
-              <a:spcBef>
-                <a:spcPts val="0"/>
-              </a:spcBef>
             </a:pPr>
             <a:r>
               <a:rPr lang="ru-RU" sz="2000" b="1" dirty="0">
@@ -20353,10 +21013,10 @@
           <p:nvPr/>
         </p:nvPicPr>
         <p:blipFill rotWithShape="1">
-          <a:blip r:embed="rId2">
+          <a:blip r:embed="rId2" cstate="screen">
             <a:extLst>
               <a:ext uri="{28A0092B-C50C-407E-A947-70E740481C1C}">
-                <a14:useLocalDpi xmlns:a14="http://schemas.microsoft.com/office/drawing/2010/main" val="0"/>
+                <a14:useLocalDpi xmlns:a14="http://schemas.microsoft.com/office/drawing/2010/main"/>
               </a:ext>
             </a:extLst>
           </a:blip>
@@ -20365,8 +21025,8 @@
         </p:blipFill>
         <p:spPr bwMode="auto">
           <a:xfrm>
-            <a:off x="5816184" y="3416492"/>
-            <a:ext cx="6265888" cy="3441507"/>
+            <a:off x="6024880" y="3542855"/>
+            <a:ext cx="6128312" cy="3365944"/>
           </a:xfrm>
           <a:prstGeom prst="rect">
             <a:avLst/>
@@ -23755,7 +24415,25 @@
                 </a:solidFill>
                 <a:effectLst/>
               </a:rPr>
-              <a:t>Метод не заблокирует выполнение, даже если </a:t>
+              <a:t>Метод </a:t>
+            </a:r>
+            <a:r>
+              <a:rPr lang="ru-RU" sz="2000" b="0" i="0" u="sng" dirty="0">
+                <a:solidFill>
+                  <a:srgbClr val="333333"/>
+                </a:solidFill>
+                <a:effectLst/>
+              </a:rPr>
+              <a:t>не заблокирует выполнение</a:t>
+            </a:r>
+            <a:r>
+              <a:rPr lang="ru-RU" sz="2000" b="0" i="0" dirty="0">
+                <a:solidFill>
+                  <a:srgbClr val="333333"/>
+                </a:solidFill>
+                <a:effectLst/>
+              </a:rPr>
+              <a:t>, даже если </a:t>
             </a:r>
             <a:r>
               <a:rPr lang="en" sz="2000" b="0" i="0" noProof="1">
@@ -23842,7 +24520,25 @@
                 </a:solidFill>
                 <a:effectLst/>
               </a:rPr>
-              <a:t>Поэтому нам вообще не важно, блокирующие или неблокирующие сокеты мы используем.</a:t>
+              <a:t>Поэтому </a:t>
+            </a:r>
+            <a:r>
+              <a:rPr lang="ru-RU" sz="2000" b="0" i="0" u="sng" dirty="0">
+                <a:solidFill>
+                  <a:srgbClr val="333333"/>
+                </a:solidFill>
+                <a:effectLst/>
+              </a:rPr>
+              <a:t>нам вообще не важно, блокирующие или неблокирующие сокеты мы используем</a:t>
+            </a:r>
+            <a:r>
+              <a:rPr lang="ru-RU" sz="2000" b="0" i="0" dirty="0">
+                <a:solidFill>
+                  <a:srgbClr val="333333"/>
+                </a:solidFill>
+                <a:effectLst/>
+              </a:rPr>
+              <a:t>.</a:t>
             </a:r>
           </a:p>
           <a:p>
@@ -26432,7 +27128,7 @@
                 <a:effectLst/>
                 <a:cs typeface="Consolas" panose="020B0609020204030204" pitchFamily="49" charset="0"/>
               </a:rPr>
-              <a:t> Поэтому </a:t>
+              <a:t> Поэтому традиционное </a:t>
             </a:r>
             <a:r>
               <a:rPr lang="en-US" sz="2000" b="0" i="0" dirty="0">
@@ -26456,10 +27152,10 @@
                 <a:effectLst/>
                 <a:cs typeface="Consolas" panose="020B0609020204030204" pitchFamily="49" charset="0"/>
               </a:rPr>
-              <a:t> сокетов</a:t>
-            </a:r>
-            <a:r>
-              <a:rPr lang="en" sz="2000" b="0" i="0" dirty="0">
+              <a:t> сокетов называется сокетами Беркли (</a:t>
+            </a:r>
+            <a:r>
+              <a:rPr lang="en-US" sz="2000" b="0" i="0" dirty="0">
                 <a:solidFill>
                   <a:schemeClr val="accent5">
                     <a:lumMod val="75000"/>
@@ -26468,7 +27164,7 @@
                 <a:effectLst/>
                 <a:cs typeface="Consolas" panose="020B0609020204030204" pitchFamily="49" charset="0"/>
               </a:rPr>
-              <a:t>, </a:t>
+              <a:t>Berkley Sockets</a:t>
             </a:r>
             <a:r>
               <a:rPr lang="ru-RU" sz="2000" b="0" i="0" dirty="0">
@@ -26480,7 +27176,7 @@
                 <a:effectLst/>
                 <a:cs typeface="Consolas" panose="020B0609020204030204" pitchFamily="49" charset="0"/>
               </a:rPr>
-              <a:t>который мы будем тут рассматривать, и называется сокетами Беркли.</a:t>
+              <a:t>).</a:t>
             </a:r>
           </a:p>
           <a:p>
@@ -26792,14 +27488,14 @@
           <p:nvPr/>
         </p:nvPicPr>
         <p:blipFill rotWithShape="1">
-          <a:blip r:embed="rId3">
+          <a:blip r:embed="rId3" cstate="screen">
             <a:extLst>
               <a:ext uri="{28A0092B-C50C-407E-A947-70E740481C1C}">
-                <a14:useLocalDpi xmlns:a14="http://schemas.microsoft.com/office/drawing/2010/main" val="0"/>
+                <a14:useLocalDpi xmlns:a14="http://schemas.microsoft.com/office/drawing/2010/main"/>
               </a:ext>
             </a:extLst>
           </a:blip>
-          <a:srcRect l="12000" t="5253" r="11421" b="7111"/>
+          <a:srcRect/>
           <a:stretch/>
         </p:blipFill>
         <p:spPr bwMode="auto">
@@ -26837,10 +27533,10 @@
           <p:nvPr/>
         </p:nvPicPr>
         <p:blipFill>
-          <a:blip r:embed="rId4">
+          <a:blip r:embed="rId4" cstate="screen">
             <a:extLst>
               <a:ext uri="{28A0092B-C50C-407E-A947-70E740481C1C}">
-                <a14:useLocalDpi xmlns:a14="http://schemas.microsoft.com/office/drawing/2010/main" val="0"/>
+                <a14:useLocalDpi xmlns:a14="http://schemas.microsoft.com/office/drawing/2010/main"/>
               </a:ext>
             </a:extLst>
           </a:blip>
@@ -28976,30 +29672,33 @@
                 <a:latin typeface="Consolas" panose="020B0609020204030204" pitchFamily="49" charset="0"/>
                 <a:cs typeface="Consolas" panose="020B0609020204030204" pitchFamily="49" charset="0"/>
               </a:rPr>
-              <a:t>sel.register</a:t>
-            </a:r>
-            <a:r>
-              <a:rPr lang="en" sz="1800" noProof="1">
-                <a:effectLst/>
-                <a:latin typeface="Consolas" panose="020B0609020204030204" pitchFamily="49" charset="0"/>
-                <a:cs typeface="Consolas" panose="020B0609020204030204" pitchFamily="49" charset="0"/>
-              </a:rPr>
-              <a:t>(</a:t>
-            </a:r>
-            <a:br>
-              <a:rPr lang="en" sz="1800" noProof="1">
-                <a:effectLst/>
-                <a:latin typeface="Consolas" panose="020B0609020204030204" pitchFamily="49" charset="0"/>
-                <a:cs typeface="Consolas" panose="020B0609020204030204" pitchFamily="49" charset="0"/>
-              </a:rPr>
-            </a:br>
-            <a:r>
-              <a:rPr lang="en" sz="1800" noProof="1">
-                <a:effectLst/>
-                <a:latin typeface="Consolas" panose="020B0609020204030204" pitchFamily="49" charset="0"/>
-                <a:cs typeface="Consolas" panose="020B0609020204030204" pitchFamily="49" charset="0"/>
-              </a:rPr>
-              <a:t>                sock, selectors.</a:t>
+              <a:t>sel.register(</a:t>
+            </a:r>
+            <a:br>
+              <a:rPr lang="en" sz="1800" noProof="1">
+                <a:effectLst/>
+                <a:latin typeface="Consolas" panose="020B0609020204030204" pitchFamily="49" charset="0"/>
+                <a:cs typeface="Consolas" panose="020B0609020204030204" pitchFamily="49" charset="0"/>
+              </a:rPr>
+            </a:br>
+            <a:r>
+              <a:rPr lang="en" sz="1800" noProof="1">
+                <a:effectLst/>
+                <a:latin typeface="Consolas" panose="020B0609020204030204" pitchFamily="49" charset="0"/>
+                <a:cs typeface="Consolas" panose="020B0609020204030204" pitchFamily="49" charset="0"/>
+              </a:rPr>
+              <a:t>                </a:t>
+            </a:r>
+            <a:r>
+              <a:rPr lang="en" sz="1800" noProof="1">
+                <a:effectLst/>
+                <a:highlight>
+                  <a:srgbClr val="FFFF00"/>
+                </a:highlight>
+                <a:latin typeface="Consolas" panose="020B0609020204030204" pitchFamily="49" charset="0"/>
+                <a:cs typeface="Consolas" panose="020B0609020204030204" pitchFamily="49" charset="0"/>
+              </a:rPr>
+              <a:t>sock, selectors.</a:t>
             </a:r>
             <a:r>
               <a:rPr lang="en" sz="1800" b="1" noProof="1">
@@ -29007,6 +29706,9 @@
                   <a:srgbClr val="C5060B"/>
                 </a:solidFill>
                 <a:effectLst/>
+                <a:highlight>
+                  <a:srgbClr val="FFFF00"/>
+                </a:highlight>
                 <a:latin typeface="Consolas" panose="020B0609020204030204" pitchFamily="49" charset="0"/>
                 <a:cs typeface="Consolas" panose="020B0609020204030204" pitchFamily="49" charset="0"/>
               </a:rPr>
@@ -29015,6 +29717,9 @@
             <a:r>
               <a:rPr lang="en" sz="1800" noProof="1">
                 <a:effectLst/>
+                <a:highlight>
+                  <a:srgbClr val="FFFF00"/>
+                </a:highlight>
                 <a:latin typeface="Consolas" panose="020B0609020204030204" pitchFamily="49" charset="0"/>
                 <a:cs typeface="Consolas" panose="020B0609020204030204" pitchFamily="49" charset="0"/>
               </a:rPr>
@@ -29617,134 +30322,84 @@
                   <a:srgbClr val="0000A2"/>
                 </a:solidFill>
                 <a:effectLst/>
-                <a:latin typeface="Consolas" panose="020B0609020204030204" pitchFamily="49" charset="0"/>
-                <a:cs typeface="Consolas" panose="020B0609020204030204" pitchFamily="49" charset="0"/>
-              </a:rPr>
-              <a:t>on_accept_ready</a:t>
-            </a:r>
-            <a:r>
-              <a:rPr lang="en" sz="1800" noProof="1">
-                <a:effectLst/>
-                <a:latin typeface="Consolas" panose="020B0609020204030204" pitchFamily="49" charset="0"/>
-                <a:cs typeface="Consolas" panose="020B0609020204030204" pitchFamily="49" charset="0"/>
-              </a:rPr>
-              <a:t>(sel, serv_sock, mask):</a:t>
-            </a:r>
-            <a:br>
-              <a:rPr lang="en" sz="1800" noProof="1">
-                <a:effectLst/>
-                <a:latin typeface="Consolas" panose="020B0609020204030204" pitchFamily="49" charset="0"/>
-                <a:cs typeface="Consolas" panose="020B0609020204030204" pitchFamily="49" charset="0"/>
-              </a:rPr>
-            </a:br>
-            <a:r>
-              <a:rPr lang="en" sz="1800" noProof="1">
-                <a:effectLst/>
-                <a:latin typeface="Consolas" panose="020B0609020204030204" pitchFamily="49" charset="0"/>
-                <a:cs typeface="Consolas" panose="020B0609020204030204" pitchFamily="49" charset="0"/>
-              </a:rPr>
-              <a:t>    sock, addr </a:t>
-            </a:r>
-            <a:r>
-              <a:rPr lang="en" sz="1800" b="1" noProof="1">
-                <a:solidFill>
-                  <a:srgbClr val="0000FF"/>
-                </a:solidFill>
-                <a:effectLst/>
-                <a:latin typeface="Consolas" panose="020B0609020204030204" pitchFamily="49" charset="0"/>
-                <a:cs typeface="Consolas" panose="020B0609020204030204" pitchFamily="49" charset="0"/>
-              </a:rPr>
-              <a:t>=</a:t>
-            </a:r>
-            <a:r>
-              <a:rPr lang="en" sz="1800" noProof="1">
-                <a:effectLst/>
-                <a:latin typeface="Consolas" panose="020B0609020204030204" pitchFamily="49" charset="0"/>
-                <a:cs typeface="Consolas" panose="020B0609020204030204" pitchFamily="49" charset="0"/>
-              </a:rPr>
-              <a:t> serv_sock.accept()</a:t>
-            </a:r>
-            <a:br>
-              <a:rPr lang="en" sz="1800" noProof="1">
-                <a:solidFill>
-                  <a:srgbClr val="0066FF"/>
-                </a:solidFill>
-                <a:effectLst/>
-                <a:latin typeface="Consolas" panose="020B0609020204030204" pitchFamily="49" charset="0"/>
-                <a:cs typeface="Consolas" panose="020B0609020204030204" pitchFamily="49" charset="0"/>
-              </a:rPr>
-            </a:br>
-            <a:r>
-              <a:rPr lang="en" sz="1800" noProof="1">
-                <a:effectLst/>
-                <a:latin typeface="Consolas" panose="020B0609020204030204" pitchFamily="49" charset="0"/>
-                <a:cs typeface="Consolas" panose="020B0609020204030204" pitchFamily="49" charset="0"/>
-              </a:rPr>
-              <a:t>    </a:t>
-            </a:r>
-            <a:r>
-              <a:rPr lang="en" sz="1800" b="1" noProof="1">
-                <a:solidFill>
-                  <a:srgbClr val="3C4C72"/>
-                </a:solidFill>
-                <a:effectLst/>
-                <a:latin typeface="Consolas" panose="020B0609020204030204" pitchFamily="49" charset="0"/>
-                <a:cs typeface="Consolas" panose="020B0609020204030204" pitchFamily="49" charset="0"/>
-              </a:rPr>
-              <a:t>print</a:t>
-            </a:r>
-            <a:r>
-              <a:rPr lang="en" sz="1800" noProof="1">
-                <a:effectLst/>
-                <a:latin typeface="Consolas" panose="020B0609020204030204" pitchFamily="49" charset="0"/>
-                <a:cs typeface="Consolas" panose="020B0609020204030204" pitchFamily="49" charset="0"/>
-              </a:rPr>
-              <a:t>(</a:t>
-            </a:r>
-            <a:r>
-              <a:rPr lang="en" sz="1800" noProof="1">
-                <a:solidFill>
-                  <a:srgbClr val="036A07"/>
-                </a:solidFill>
-                <a:effectLst/>
-                <a:latin typeface="Consolas" panose="020B0609020204030204" pitchFamily="49" charset="0"/>
-                <a:cs typeface="Consolas" panose="020B0609020204030204" pitchFamily="49" charset="0"/>
-              </a:rPr>
-              <a:t>"Connected by"</a:t>
-            </a:r>
-            <a:r>
-              <a:rPr lang="en" sz="1800" noProof="1">
-                <a:effectLst/>
-                <a:latin typeface="Consolas" panose="020B0609020204030204" pitchFamily="49" charset="0"/>
-                <a:cs typeface="Consolas" panose="020B0609020204030204" pitchFamily="49" charset="0"/>
-              </a:rPr>
-              <a:t>, addr)</a:t>
-            </a:r>
-            <a:br>
-              <a:rPr lang="en" sz="1800" noProof="1">
-                <a:effectLst/>
-                <a:latin typeface="Consolas" panose="020B0609020204030204" pitchFamily="49" charset="0"/>
-                <a:cs typeface="Consolas" panose="020B0609020204030204" pitchFamily="49" charset="0"/>
-              </a:rPr>
-            </a:br>
-            <a:r>
-              <a:rPr lang="en" sz="1800" noProof="1">
-                <a:effectLst/>
-                <a:latin typeface="Consolas" panose="020B0609020204030204" pitchFamily="49" charset="0"/>
-                <a:cs typeface="Consolas" panose="020B0609020204030204" pitchFamily="49" charset="0"/>
-              </a:rPr>
-              <a:t>    </a:t>
-            </a:r>
-            <a:r>
-              <a:rPr lang="en" sz="1800" noProof="1">
-                <a:effectLst/>
                 <a:highlight>
                   <a:srgbClr val="FFFF00"/>
                 </a:highlight>
                 <a:latin typeface="Consolas" panose="020B0609020204030204" pitchFamily="49" charset="0"/>
                 <a:cs typeface="Consolas" panose="020B0609020204030204" pitchFamily="49" charset="0"/>
               </a:rPr>
-              <a:t>sel.register</a:t>
+              <a:t>on_accept_ready</a:t>
+            </a:r>
+            <a:r>
+              <a:rPr lang="en" sz="1800" noProof="1">
+                <a:effectLst/>
+                <a:latin typeface="Consolas" panose="020B0609020204030204" pitchFamily="49" charset="0"/>
+                <a:cs typeface="Consolas" panose="020B0609020204030204" pitchFamily="49" charset="0"/>
+              </a:rPr>
+              <a:t>(sel, serv_sock, mask):</a:t>
+            </a:r>
+            <a:br>
+              <a:rPr lang="en" sz="1800" noProof="1">
+                <a:effectLst/>
+                <a:latin typeface="Consolas" panose="020B0609020204030204" pitchFamily="49" charset="0"/>
+                <a:cs typeface="Consolas" panose="020B0609020204030204" pitchFamily="49" charset="0"/>
+              </a:rPr>
+            </a:br>
+            <a:r>
+              <a:rPr lang="en" sz="1800" noProof="1">
+                <a:effectLst/>
+                <a:latin typeface="Consolas" panose="020B0609020204030204" pitchFamily="49" charset="0"/>
+                <a:cs typeface="Consolas" panose="020B0609020204030204" pitchFamily="49" charset="0"/>
+              </a:rPr>
+              <a:t>    sock, addr </a:t>
+            </a:r>
+            <a:r>
+              <a:rPr lang="en" sz="1800" b="1" noProof="1">
+                <a:solidFill>
+                  <a:srgbClr val="0000FF"/>
+                </a:solidFill>
+                <a:effectLst/>
+                <a:latin typeface="Consolas" panose="020B0609020204030204" pitchFamily="49" charset="0"/>
+                <a:cs typeface="Consolas" panose="020B0609020204030204" pitchFamily="49" charset="0"/>
+              </a:rPr>
+              <a:t>=</a:t>
+            </a:r>
+            <a:r>
+              <a:rPr lang="en" sz="1800" noProof="1">
+                <a:effectLst/>
+                <a:latin typeface="Consolas" panose="020B0609020204030204" pitchFamily="49" charset="0"/>
+                <a:cs typeface="Consolas" panose="020B0609020204030204" pitchFamily="49" charset="0"/>
+              </a:rPr>
+              <a:t> serv_sock.accept()</a:t>
+            </a:r>
+            <a:br>
+              <a:rPr lang="en" sz="1800" noProof="1">
+                <a:solidFill>
+                  <a:srgbClr val="0066FF"/>
+                </a:solidFill>
+                <a:effectLst/>
+                <a:latin typeface="Consolas" panose="020B0609020204030204" pitchFamily="49" charset="0"/>
+                <a:cs typeface="Consolas" panose="020B0609020204030204" pitchFamily="49" charset="0"/>
+              </a:rPr>
+            </a:br>
+            <a:r>
+              <a:rPr lang="en" sz="1800" noProof="1">
+                <a:effectLst/>
+                <a:latin typeface="Consolas" panose="020B0609020204030204" pitchFamily="49" charset="0"/>
+                <a:cs typeface="Consolas" panose="020B0609020204030204" pitchFamily="49" charset="0"/>
+              </a:rPr>
+              <a:t>    </a:t>
+            </a:r>
+            <a:r>
+              <a:rPr lang="en" sz="1800" b="1" noProof="1">
+                <a:solidFill>
+                  <a:srgbClr val="3C4C72"/>
+                </a:solidFill>
+                <a:effectLst/>
+                <a:latin typeface="Consolas" panose="020B0609020204030204" pitchFamily="49" charset="0"/>
+                <a:cs typeface="Consolas" panose="020B0609020204030204" pitchFamily="49" charset="0"/>
+              </a:rPr>
+              <a:t>print</a:t>
             </a:r>
             <a:r>
               <a:rPr lang="en" sz="1800" noProof="1">
@@ -29754,54 +30409,39 @@
               </a:rPr>
               <a:t>(</a:t>
             </a:r>
-            <a:br>
-              <a:rPr lang="en" sz="1800" noProof="1">
-                <a:effectLst/>
-                <a:latin typeface="Consolas" panose="020B0609020204030204" pitchFamily="49" charset="0"/>
-                <a:cs typeface="Consolas" panose="020B0609020204030204" pitchFamily="49" charset="0"/>
-              </a:rPr>
-            </a:br>
-            <a:r>
-              <a:rPr lang="en" sz="1800" noProof="1">
-                <a:effectLst/>
-                <a:latin typeface="Consolas" panose="020B0609020204030204" pitchFamily="49" charset="0"/>
-                <a:cs typeface="Consolas" panose="020B0609020204030204" pitchFamily="49" charset="0"/>
-              </a:rPr>
-              <a:t>      sock, selectors.</a:t>
-            </a:r>
-            <a:r>
-              <a:rPr lang="en" sz="1800" b="1" noProof="1">
-                <a:solidFill>
-                  <a:srgbClr val="C5060B"/>
-                </a:solidFill>
-                <a:effectLst/>
-                <a:latin typeface="Consolas" panose="020B0609020204030204" pitchFamily="49" charset="0"/>
-                <a:cs typeface="Consolas" panose="020B0609020204030204" pitchFamily="49" charset="0"/>
-              </a:rPr>
-              <a:t>EVENT_READ</a:t>
-            </a:r>
-            <a:r>
-              <a:rPr lang="en" sz="1800" noProof="1">
-                <a:effectLst/>
-                <a:latin typeface="Consolas" panose="020B0609020204030204" pitchFamily="49" charset="0"/>
-                <a:cs typeface="Consolas" panose="020B0609020204030204" pitchFamily="49" charset="0"/>
-              </a:rPr>
-              <a:t>,</a:t>
-            </a:r>
-            <a:br>
-              <a:rPr lang="en" sz="1800" noProof="1">
-                <a:effectLst/>
-                <a:latin typeface="Consolas" panose="020B0609020204030204" pitchFamily="49" charset="0"/>
-                <a:cs typeface="Consolas" panose="020B0609020204030204" pitchFamily="49" charset="0"/>
-              </a:rPr>
-            </a:br>
-            <a:r>
-              <a:rPr lang="en" sz="1800" noProof="1">
-                <a:effectLst/>
-                <a:latin typeface="Consolas" panose="020B0609020204030204" pitchFamily="49" charset="0"/>
-                <a:cs typeface="Consolas" panose="020B0609020204030204" pitchFamily="49" charset="0"/>
-              </a:rPr>
-              <a:t>      </a:t>
+            <a:r>
+              <a:rPr lang="en" sz="1800" noProof="1">
+                <a:solidFill>
+                  <a:srgbClr val="036A07"/>
+                </a:solidFill>
+                <a:effectLst/>
+                <a:latin typeface="Consolas" panose="020B0609020204030204" pitchFamily="49" charset="0"/>
+                <a:cs typeface="Consolas" panose="020B0609020204030204" pitchFamily="49" charset="0"/>
+              </a:rPr>
+              <a:t>"Connected by"</a:t>
+            </a:r>
+            <a:r>
+              <a:rPr lang="en" sz="1800" noProof="1">
+                <a:effectLst/>
+                <a:latin typeface="Consolas" panose="020B0609020204030204" pitchFamily="49" charset="0"/>
+                <a:cs typeface="Consolas" panose="020B0609020204030204" pitchFamily="49" charset="0"/>
+              </a:rPr>
+              <a:t>, addr)</a:t>
+            </a:r>
+            <a:br>
+              <a:rPr lang="en" sz="1800" noProof="1">
+                <a:effectLst/>
+                <a:latin typeface="Consolas" panose="020B0609020204030204" pitchFamily="49" charset="0"/>
+                <a:cs typeface="Consolas" panose="020B0609020204030204" pitchFamily="49" charset="0"/>
+              </a:rPr>
+            </a:br>
+            <a:r>
+              <a:rPr lang="en" sz="1800" noProof="1">
+                <a:effectLst/>
+                <a:latin typeface="Consolas" panose="020B0609020204030204" pitchFamily="49" charset="0"/>
+                <a:cs typeface="Consolas" panose="020B0609020204030204" pitchFamily="49" charset="0"/>
+              </a:rPr>
+              <a:t>    </a:t>
             </a:r>
             <a:r>
               <a:rPr lang="en" sz="1800" noProof="1">
@@ -29812,6 +30452,74 @@
                 <a:latin typeface="Consolas" panose="020B0609020204030204" pitchFamily="49" charset="0"/>
                 <a:cs typeface="Consolas" panose="020B0609020204030204" pitchFamily="49" charset="0"/>
               </a:rPr>
+              <a:t>sel.register</a:t>
+            </a:r>
+            <a:r>
+              <a:rPr lang="en" sz="1800" noProof="1">
+                <a:effectLst/>
+                <a:latin typeface="Consolas" panose="020B0609020204030204" pitchFamily="49" charset="0"/>
+                <a:cs typeface="Consolas" panose="020B0609020204030204" pitchFamily="49" charset="0"/>
+              </a:rPr>
+              <a:t>(</a:t>
+            </a:r>
+            <a:br>
+              <a:rPr lang="en" sz="1800" noProof="1">
+                <a:effectLst/>
+                <a:latin typeface="Consolas" panose="020B0609020204030204" pitchFamily="49" charset="0"/>
+                <a:cs typeface="Consolas" panose="020B0609020204030204" pitchFamily="49" charset="0"/>
+              </a:rPr>
+            </a:br>
+            <a:r>
+              <a:rPr lang="en" sz="1800" noProof="1">
+                <a:effectLst/>
+                <a:latin typeface="Consolas" panose="020B0609020204030204" pitchFamily="49" charset="0"/>
+                <a:cs typeface="Consolas" panose="020B0609020204030204" pitchFamily="49" charset="0"/>
+              </a:rPr>
+              <a:t>      sock, selectors.</a:t>
+            </a:r>
+            <a:r>
+              <a:rPr lang="en" sz="1800" b="1" noProof="1">
+                <a:solidFill>
+                  <a:srgbClr val="C5060B"/>
+                </a:solidFill>
+                <a:effectLst/>
+                <a:latin typeface="Consolas" panose="020B0609020204030204" pitchFamily="49" charset="0"/>
+                <a:cs typeface="Consolas" panose="020B0609020204030204" pitchFamily="49" charset="0"/>
+              </a:rPr>
+              <a:t>EVENT_READ</a:t>
+            </a:r>
+            <a:r>
+              <a:rPr lang="en" sz="1800" noProof="1">
+                <a:effectLst/>
+                <a:latin typeface="Consolas" panose="020B0609020204030204" pitchFamily="49" charset="0"/>
+                <a:cs typeface="Consolas" panose="020B0609020204030204" pitchFamily="49" charset="0"/>
+              </a:rPr>
+              <a:t>,</a:t>
+            </a:r>
+            <a:br>
+              <a:rPr lang="en" sz="1800" noProof="1">
+                <a:effectLst/>
+                <a:latin typeface="Consolas" panose="020B0609020204030204" pitchFamily="49" charset="0"/>
+                <a:cs typeface="Consolas" panose="020B0609020204030204" pitchFamily="49" charset="0"/>
+              </a:rPr>
+            </a:br>
+            <a:r>
+              <a:rPr lang="en" sz="1800" noProof="1">
+                <a:effectLst/>
+                <a:latin typeface="Consolas" panose="020B0609020204030204" pitchFamily="49" charset="0"/>
+                <a:cs typeface="Consolas" panose="020B0609020204030204" pitchFamily="49" charset="0"/>
+              </a:rPr>
+              <a:t>      </a:t>
+            </a:r>
+            <a:r>
+              <a:rPr lang="en" sz="1800" noProof="1">
+                <a:effectLst/>
+                <a:highlight>
+                  <a:srgbClr val="FFFF00"/>
+                </a:highlight>
+                <a:latin typeface="Consolas" panose="020B0609020204030204" pitchFamily="49" charset="0"/>
+                <a:cs typeface="Consolas" panose="020B0609020204030204" pitchFamily="49" charset="0"/>
+              </a:rPr>
               <a:t>on_read_ready</a:t>
             </a:r>
             <a:r>
@@ -29861,6 +30569,9 @@
                   <a:srgbClr val="0000A2"/>
                 </a:solidFill>
                 <a:effectLst/>
+                <a:highlight>
+                  <a:srgbClr val="FFFF00"/>
+                </a:highlight>
                 <a:latin typeface="Consolas" panose="020B0609020204030204" pitchFamily="49" charset="0"/>
                 <a:cs typeface="Consolas" panose="020B0609020204030204" pitchFamily="49" charset="0"/>
               </a:rPr>
@@ -30848,6 +31559,1687 @@
           <p:cNvPr id="2" name="Заголовок 1">
             <a:extLst>
               <a:ext uri="{FF2B5EF4-FFF2-40B4-BE49-F238E27FC236}">
+                <a16:creationId xmlns:a16="http://schemas.microsoft.com/office/drawing/2014/main" id="{4A622E6F-F920-BC6A-88FA-B7E083F5A293}"/>
+              </a:ext>
+            </a:extLst>
+          </p:cNvPr>
+          <p:cNvSpPr>
+            <a:spLocks noGrp="1"/>
+          </p:cNvSpPr>
+          <p:nvPr>
+            <p:ph type="title"/>
+          </p:nvPr>
+        </p:nvSpPr>
+        <p:spPr>
+          <a:xfrm>
+            <a:off x="338470" y="135497"/>
+            <a:ext cx="11750749" cy="672579"/>
+          </a:xfrm>
+        </p:spPr>
+        <p:txBody>
+          <a:bodyPr>
+            <a:normAutofit fontScale="90000"/>
+          </a:bodyPr>
+          <a:lstStyle/>
+          <a:p>
+            <a:r>
+              <a:rPr lang="ru-RU" dirty="0"/>
+              <a:t>Генераторы в </a:t>
+            </a:r>
+            <a:r>
+              <a:rPr lang="en-US" dirty="0"/>
+              <a:t>python</a:t>
+            </a:r>
+            <a:r>
+              <a:rPr lang="ru-RU" dirty="0"/>
+              <a:t> / корутина</a:t>
+            </a:r>
+          </a:p>
+        </p:txBody>
+      </p:sp>
+      <p:sp>
+        <p:nvSpPr>
+          <p:cNvPr id="3" name="Объект 2">
+            <a:extLst>
+              <a:ext uri="{FF2B5EF4-FFF2-40B4-BE49-F238E27FC236}">
+                <a16:creationId xmlns:a16="http://schemas.microsoft.com/office/drawing/2014/main" id="{85AB9CA0-1216-3314-A18A-A2C9BCC830E6}"/>
+              </a:ext>
+            </a:extLst>
+          </p:cNvPr>
+          <p:cNvSpPr>
+            <a:spLocks noGrp="1"/>
+          </p:cNvSpPr>
+          <p:nvPr>
+            <p:ph idx="1"/>
+          </p:nvPr>
+        </p:nvSpPr>
+        <p:spPr>
+          <a:xfrm>
+            <a:off x="177213" y="786810"/>
+            <a:ext cx="5785881" cy="6049924"/>
+          </a:xfrm>
+          <a:solidFill>
+            <a:schemeClr val="bg1">
+              <a:lumMod val="95000"/>
+            </a:schemeClr>
+          </a:solidFill>
+        </p:spPr>
+        <p:txBody>
+          <a:bodyPr/>
+          <a:lstStyle/>
+          <a:p>
+            <a:pPr marL="0" indent="0">
+              <a:lnSpc>
+                <a:spcPct val="100000"/>
+              </a:lnSpc>
+              <a:spcBef>
+                <a:spcPts val="0"/>
+              </a:spcBef>
+              <a:buNone/>
+            </a:pPr>
+            <a:r>
+              <a:rPr lang="ru-RU" sz="2000" dirty="0"/>
+              <a:t>Генераторы — это функции, которые временно приостанавливаются с помощью </a:t>
+            </a:r>
+            <a:r>
+              <a:rPr lang="en" sz="2000" dirty="0">
+                <a:latin typeface="Consolas" panose="020B0609020204030204" pitchFamily="49" charset="0"/>
+                <a:cs typeface="Consolas" panose="020B0609020204030204" pitchFamily="49" charset="0"/>
+              </a:rPr>
+              <a:t>yield</a:t>
+            </a:r>
+            <a:r>
+              <a:rPr lang="en-US" sz="2000" dirty="0">
+                <a:latin typeface="Consolas" panose="020B0609020204030204" pitchFamily="49" charset="0"/>
+                <a:cs typeface="Consolas" panose="020B0609020204030204" pitchFamily="49" charset="0"/>
+              </a:rPr>
+              <a:t>:</a:t>
+            </a:r>
+            <a:endParaRPr lang="en-US" sz="2000" dirty="0"/>
+          </a:p>
+          <a:p>
+            <a:pPr marL="0" indent="0">
+              <a:lnSpc>
+                <a:spcPct val="95000"/>
+              </a:lnSpc>
+              <a:spcBef>
+                <a:spcPts val="500"/>
+              </a:spcBef>
+              <a:buNone/>
+            </a:pPr>
+            <a:r>
+              <a:rPr lang="en" sz="1750" b="1" dirty="0">
+                <a:solidFill>
+                  <a:srgbClr val="0000FF"/>
+                </a:solidFill>
+                <a:effectLst/>
+                <a:latin typeface="Consolas" panose="020B0609020204030204" pitchFamily="49" charset="0"/>
+                <a:cs typeface="Consolas" panose="020B0609020204030204" pitchFamily="49" charset="0"/>
+              </a:rPr>
+              <a:t>def</a:t>
+            </a:r>
+            <a:r>
+              <a:rPr lang="en" sz="1750" dirty="0">
+                <a:effectLst/>
+                <a:latin typeface="Consolas" panose="020B0609020204030204" pitchFamily="49" charset="0"/>
+                <a:cs typeface="Consolas" panose="020B0609020204030204" pitchFamily="49" charset="0"/>
+              </a:rPr>
+              <a:t> </a:t>
+            </a:r>
+            <a:r>
+              <a:rPr lang="en" sz="1750" b="1" dirty="0">
+                <a:solidFill>
+                  <a:srgbClr val="0000A2"/>
+                </a:solidFill>
+                <a:effectLst/>
+                <a:latin typeface="Consolas" panose="020B0609020204030204" pitchFamily="49" charset="0"/>
+                <a:cs typeface="Consolas" panose="020B0609020204030204" pitchFamily="49" charset="0"/>
+              </a:rPr>
+              <a:t>counter</a:t>
+            </a:r>
+            <a:r>
+              <a:rPr lang="en" sz="1750" dirty="0">
+                <a:effectLst/>
+                <a:latin typeface="Consolas" panose="020B0609020204030204" pitchFamily="49" charset="0"/>
+                <a:cs typeface="Consolas" panose="020B0609020204030204" pitchFamily="49" charset="0"/>
+              </a:rPr>
+              <a:t>():</a:t>
+            </a:r>
+            <a:br>
+              <a:rPr lang="en" sz="1750" dirty="0">
+                <a:effectLst/>
+                <a:latin typeface="Consolas" panose="020B0609020204030204" pitchFamily="49" charset="0"/>
+                <a:cs typeface="Consolas" panose="020B0609020204030204" pitchFamily="49" charset="0"/>
+              </a:rPr>
+            </a:br>
+            <a:r>
+              <a:rPr lang="en" sz="1750" dirty="0">
+                <a:effectLst/>
+                <a:latin typeface="Consolas" panose="020B0609020204030204" pitchFamily="49" charset="0"/>
+                <a:cs typeface="Consolas" panose="020B0609020204030204" pitchFamily="49" charset="0"/>
+              </a:rPr>
+              <a:t>    </a:t>
+            </a:r>
+            <a:r>
+              <a:rPr lang="en" sz="1750" b="1" dirty="0">
+                <a:solidFill>
+                  <a:srgbClr val="0000FF"/>
+                </a:solidFill>
+                <a:effectLst/>
+                <a:latin typeface="Consolas" panose="020B0609020204030204" pitchFamily="49" charset="0"/>
+                <a:cs typeface="Consolas" panose="020B0609020204030204" pitchFamily="49" charset="0"/>
+              </a:rPr>
+              <a:t>yield</a:t>
+            </a:r>
+            <a:r>
+              <a:rPr lang="en" sz="1750" dirty="0">
+                <a:effectLst/>
+                <a:latin typeface="Consolas" panose="020B0609020204030204" pitchFamily="49" charset="0"/>
+                <a:cs typeface="Consolas" panose="020B0609020204030204" pitchFamily="49" charset="0"/>
+              </a:rPr>
+              <a:t> </a:t>
+            </a:r>
+            <a:r>
+              <a:rPr lang="en" sz="1750" dirty="0">
+                <a:solidFill>
+                  <a:srgbClr val="0000CD"/>
+                </a:solidFill>
+                <a:effectLst/>
+                <a:latin typeface="Consolas" panose="020B0609020204030204" pitchFamily="49" charset="0"/>
+                <a:cs typeface="Consolas" panose="020B0609020204030204" pitchFamily="49" charset="0"/>
+              </a:rPr>
+              <a:t>1</a:t>
+            </a:r>
+            <a:br>
+              <a:rPr lang="en" sz="1750" dirty="0">
+                <a:effectLst/>
+                <a:latin typeface="Consolas" panose="020B0609020204030204" pitchFamily="49" charset="0"/>
+                <a:cs typeface="Consolas" panose="020B0609020204030204" pitchFamily="49" charset="0"/>
+              </a:rPr>
+            </a:br>
+            <a:r>
+              <a:rPr lang="en" sz="1750" dirty="0">
+                <a:effectLst/>
+                <a:latin typeface="Consolas" panose="020B0609020204030204" pitchFamily="49" charset="0"/>
+                <a:cs typeface="Consolas" panose="020B0609020204030204" pitchFamily="49" charset="0"/>
+              </a:rPr>
+              <a:t>    </a:t>
+            </a:r>
+            <a:r>
+              <a:rPr lang="en" sz="1750" b="1" dirty="0">
+                <a:solidFill>
+                  <a:srgbClr val="0000FF"/>
+                </a:solidFill>
+                <a:effectLst/>
+                <a:latin typeface="Consolas" panose="020B0609020204030204" pitchFamily="49" charset="0"/>
+                <a:cs typeface="Consolas" panose="020B0609020204030204" pitchFamily="49" charset="0"/>
+              </a:rPr>
+              <a:t>yield</a:t>
+            </a:r>
+            <a:r>
+              <a:rPr lang="en" sz="1750" dirty="0">
+                <a:effectLst/>
+                <a:latin typeface="Consolas" panose="020B0609020204030204" pitchFamily="49" charset="0"/>
+                <a:cs typeface="Consolas" panose="020B0609020204030204" pitchFamily="49" charset="0"/>
+              </a:rPr>
+              <a:t> </a:t>
+            </a:r>
+            <a:r>
+              <a:rPr lang="en" sz="1750" dirty="0">
+                <a:solidFill>
+                  <a:srgbClr val="0000CD"/>
+                </a:solidFill>
+                <a:effectLst/>
+                <a:latin typeface="Consolas" panose="020B0609020204030204" pitchFamily="49" charset="0"/>
+                <a:cs typeface="Consolas" panose="020B0609020204030204" pitchFamily="49" charset="0"/>
+              </a:rPr>
+              <a:t>2</a:t>
+            </a:r>
+            <a:br>
+              <a:rPr lang="en" sz="1750" dirty="0">
+                <a:effectLst/>
+                <a:latin typeface="Consolas" panose="020B0609020204030204" pitchFamily="49" charset="0"/>
+                <a:cs typeface="Consolas" panose="020B0609020204030204" pitchFamily="49" charset="0"/>
+              </a:rPr>
+            </a:br>
+            <a:r>
+              <a:rPr lang="en" sz="1750" dirty="0">
+                <a:effectLst/>
+                <a:latin typeface="Consolas" panose="020B0609020204030204" pitchFamily="49" charset="0"/>
+                <a:cs typeface="Consolas" panose="020B0609020204030204" pitchFamily="49" charset="0"/>
+              </a:rPr>
+              <a:t>    </a:t>
+            </a:r>
+            <a:r>
+              <a:rPr lang="en" sz="1750" b="1" dirty="0">
+                <a:solidFill>
+                  <a:srgbClr val="0000FF"/>
+                </a:solidFill>
+                <a:effectLst/>
+                <a:latin typeface="Consolas" panose="020B0609020204030204" pitchFamily="49" charset="0"/>
+                <a:cs typeface="Consolas" panose="020B0609020204030204" pitchFamily="49" charset="0"/>
+              </a:rPr>
+              <a:t>yield</a:t>
+            </a:r>
+            <a:r>
+              <a:rPr lang="en" sz="1750" dirty="0">
+                <a:effectLst/>
+                <a:latin typeface="Consolas" panose="020B0609020204030204" pitchFamily="49" charset="0"/>
+                <a:cs typeface="Consolas" panose="020B0609020204030204" pitchFamily="49" charset="0"/>
+              </a:rPr>
+              <a:t> </a:t>
+            </a:r>
+            <a:r>
+              <a:rPr lang="en" sz="1750" dirty="0">
+                <a:solidFill>
+                  <a:srgbClr val="0000CD"/>
+                </a:solidFill>
+                <a:effectLst/>
+                <a:latin typeface="Consolas" panose="020B0609020204030204" pitchFamily="49" charset="0"/>
+                <a:cs typeface="Consolas" panose="020B0609020204030204" pitchFamily="49" charset="0"/>
+              </a:rPr>
+              <a:t>3</a:t>
+            </a:r>
+            <a:br>
+              <a:rPr lang="en" sz="1750" dirty="0">
+                <a:effectLst/>
+                <a:latin typeface="Consolas" panose="020B0609020204030204" pitchFamily="49" charset="0"/>
+                <a:cs typeface="Consolas" panose="020B0609020204030204" pitchFamily="49" charset="0"/>
+              </a:rPr>
+            </a:br>
+            <a:r>
+              <a:rPr lang="ru-RU" sz="1750" dirty="0">
+                <a:solidFill>
+                  <a:srgbClr val="0066FF"/>
+                </a:solidFill>
+                <a:effectLst/>
+                <a:latin typeface="Consolas" panose="020B0609020204030204" pitchFamily="49" charset="0"/>
+                <a:cs typeface="Consolas" panose="020B0609020204030204" pitchFamily="49" charset="0"/>
+              </a:rPr>
+              <a:t># Можно использовать в циклах</a:t>
+            </a:r>
+            <a:br>
+              <a:rPr lang="en" sz="1750" dirty="0">
+                <a:effectLst/>
+                <a:latin typeface="Consolas" panose="020B0609020204030204" pitchFamily="49" charset="0"/>
+                <a:cs typeface="Consolas" panose="020B0609020204030204" pitchFamily="49" charset="0"/>
+              </a:rPr>
+            </a:br>
+            <a:r>
+              <a:rPr lang="en" sz="1750" b="1" dirty="0">
+                <a:solidFill>
+                  <a:srgbClr val="0000FF"/>
+                </a:solidFill>
+                <a:effectLst/>
+                <a:latin typeface="Consolas" panose="020B0609020204030204" pitchFamily="49" charset="0"/>
+                <a:cs typeface="Consolas" panose="020B0609020204030204" pitchFamily="49" charset="0"/>
+              </a:rPr>
+              <a:t>for</a:t>
+            </a:r>
+            <a:r>
+              <a:rPr lang="en" sz="1750" dirty="0">
+                <a:effectLst/>
+                <a:latin typeface="Consolas" panose="020B0609020204030204" pitchFamily="49" charset="0"/>
+                <a:cs typeface="Consolas" panose="020B0609020204030204" pitchFamily="49" charset="0"/>
+              </a:rPr>
+              <a:t> a </a:t>
+            </a:r>
+            <a:r>
+              <a:rPr lang="en" sz="1750" b="1" dirty="0">
+                <a:solidFill>
+                  <a:srgbClr val="0000FF"/>
+                </a:solidFill>
+                <a:effectLst/>
+                <a:latin typeface="Consolas" panose="020B0609020204030204" pitchFamily="49" charset="0"/>
+                <a:cs typeface="Consolas" panose="020B0609020204030204" pitchFamily="49" charset="0"/>
+              </a:rPr>
+              <a:t>in</a:t>
+            </a:r>
+            <a:r>
+              <a:rPr lang="en" sz="1750" dirty="0">
+                <a:effectLst/>
+                <a:latin typeface="Consolas" panose="020B0609020204030204" pitchFamily="49" charset="0"/>
+                <a:cs typeface="Consolas" panose="020B0609020204030204" pitchFamily="49" charset="0"/>
+              </a:rPr>
+              <a:t> counter():</a:t>
+            </a:r>
+            <a:br>
+              <a:rPr lang="en" sz="1750" dirty="0">
+                <a:effectLst/>
+                <a:latin typeface="Consolas" panose="020B0609020204030204" pitchFamily="49" charset="0"/>
+                <a:cs typeface="Consolas" panose="020B0609020204030204" pitchFamily="49" charset="0"/>
+              </a:rPr>
+            </a:br>
+            <a:r>
+              <a:rPr lang="en" sz="1750" dirty="0">
+                <a:effectLst/>
+                <a:latin typeface="Consolas" panose="020B0609020204030204" pitchFamily="49" charset="0"/>
+                <a:cs typeface="Consolas" panose="020B0609020204030204" pitchFamily="49" charset="0"/>
+              </a:rPr>
+              <a:t>    </a:t>
+            </a:r>
+            <a:r>
+              <a:rPr lang="en" sz="1750" b="1" dirty="0">
+                <a:solidFill>
+                  <a:srgbClr val="3C4C72"/>
+                </a:solidFill>
+                <a:effectLst/>
+                <a:latin typeface="Consolas" panose="020B0609020204030204" pitchFamily="49" charset="0"/>
+                <a:cs typeface="Consolas" panose="020B0609020204030204" pitchFamily="49" charset="0"/>
+              </a:rPr>
+              <a:t>print</a:t>
+            </a:r>
+            <a:r>
+              <a:rPr lang="en" sz="1750" dirty="0">
+                <a:effectLst/>
+                <a:latin typeface="Consolas" panose="020B0609020204030204" pitchFamily="49" charset="0"/>
+                <a:cs typeface="Consolas" panose="020B0609020204030204" pitchFamily="49" charset="0"/>
+              </a:rPr>
+              <a:t>(a)</a:t>
+            </a:r>
+            <a:br>
+              <a:rPr lang="en" sz="1750" dirty="0">
+                <a:effectLst/>
+                <a:latin typeface="Consolas" panose="020B0609020204030204" pitchFamily="49" charset="0"/>
+                <a:cs typeface="Consolas" panose="020B0609020204030204" pitchFamily="49" charset="0"/>
+              </a:rPr>
+            </a:br>
+            <a:br>
+              <a:rPr lang="en" sz="1750" dirty="0">
+                <a:effectLst/>
+                <a:latin typeface="Consolas" panose="020B0609020204030204" pitchFamily="49" charset="0"/>
+                <a:cs typeface="Consolas" panose="020B0609020204030204" pitchFamily="49" charset="0"/>
+              </a:rPr>
+            </a:br>
+            <a:r>
+              <a:rPr lang="ru-RU" sz="1750" dirty="0">
+                <a:solidFill>
+                  <a:srgbClr val="0066FF"/>
+                </a:solidFill>
+                <a:effectLst/>
+                <a:cs typeface="Consolas" panose="020B0609020204030204" pitchFamily="49" charset="0"/>
+              </a:rPr>
+              <a:t># Можно использовать с вызовом .</a:t>
+            </a:r>
+            <a:r>
+              <a:rPr lang="en" sz="1750" dirty="0">
+                <a:solidFill>
+                  <a:srgbClr val="0066FF"/>
+                </a:solidFill>
+                <a:effectLst/>
+                <a:cs typeface="Consolas" panose="020B0609020204030204" pitchFamily="49" charset="0"/>
+              </a:rPr>
+              <a:t>next</a:t>
+            </a:r>
+            <a:br>
+              <a:rPr lang="en" sz="1750" dirty="0">
+                <a:solidFill>
+                  <a:srgbClr val="0066FF"/>
+                </a:solidFill>
+                <a:effectLst/>
+                <a:cs typeface="Consolas" panose="020B0609020204030204" pitchFamily="49" charset="0"/>
+              </a:rPr>
+            </a:br>
+            <a:r>
+              <a:rPr lang="en" sz="1750" dirty="0">
+                <a:solidFill>
+                  <a:srgbClr val="0066FF"/>
+                </a:solidFill>
+                <a:effectLst/>
+                <a:cs typeface="Consolas" panose="020B0609020204030204" pitchFamily="49" charset="0"/>
+              </a:rPr>
+              <a:t># </a:t>
+            </a:r>
+            <a:r>
+              <a:rPr lang="ru-RU" sz="1750" dirty="0">
+                <a:solidFill>
+                  <a:srgbClr val="0066FF"/>
+                </a:solidFill>
+                <a:effectLst/>
+                <a:cs typeface="Consolas" panose="020B0609020204030204" pitchFamily="49" charset="0"/>
+              </a:rPr>
+              <a:t>При каждом </a:t>
+            </a:r>
+            <a:r>
+              <a:rPr lang="en" sz="1750" dirty="0">
+                <a:solidFill>
+                  <a:srgbClr val="0066FF"/>
+                </a:solidFill>
+                <a:effectLst/>
+                <a:cs typeface="Consolas" panose="020B0609020204030204" pitchFamily="49" charset="0"/>
+              </a:rPr>
+              <a:t>next() </a:t>
+            </a:r>
+            <a:r>
+              <a:rPr lang="ru-RU" sz="1750" dirty="0">
+                <a:solidFill>
+                  <a:srgbClr val="0066FF"/>
+                </a:solidFill>
+                <a:effectLst/>
+                <a:cs typeface="Consolas" panose="020B0609020204030204" pitchFamily="49" charset="0"/>
+              </a:rPr>
+              <a:t>генератор возобновляется</a:t>
+            </a:r>
+            <a:r>
+              <a:rPr lang="ru-RU" sz="1750" dirty="0">
+                <a:solidFill>
+                  <a:srgbClr val="0066FF"/>
+                </a:solidFill>
+                <a:cs typeface="Consolas" panose="020B0609020204030204" pitchFamily="49" charset="0"/>
+              </a:rPr>
+              <a:t> </a:t>
+            </a:r>
+            <a:r>
+              <a:rPr lang="ru-RU" sz="1750" dirty="0">
+                <a:solidFill>
+                  <a:srgbClr val="0066FF"/>
+                </a:solidFill>
+                <a:effectLst/>
+                <a:cs typeface="Consolas" panose="020B0609020204030204" pitchFamily="49" charset="0"/>
+              </a:rPr>
+              <a:t>с места последнего </a:t>
+            </a:r>
+            <a:r>
+              <a:rPr lang="en" sz="1750" dirty="0">
+                <a:solidFill>
+                  <a:srgbClr val="0066FF"/>
+                </a:solidFill>
+                <a:effectLst/>
+                <a:cs typeface="Consolas" panose="020B0609020204030204" pitchFamily="49" charset="0"/>
+              </a:rPr>
+              <a:t>yield. </a:t>
+            </a:r>
+            <a:br>
+              <a:rPr lang="en" sz="1750" dirty="0">
+                <a:solidFill>
+                  <a:srgbClr val="0066FF"/>
+                </a:solidFill>
+                <a:effectLst/>
+                <a:cs typeface="Consolas" panose="020B0609020204030204" pitchFamily="49" charset="0"/>
+              </a:rPr>
+            </a:br>
+            <a:r>
+              <a:rPr lang="en" sz="1750" dirty="0">
+                <a:solidFill>
+                  <a:srgbClr val="0066FF"/>
+                </a:solidFill>
+                <a:effectLst/>
+                <a:cs typeface="Consolas" panose="020B0609020204030204" pitchFamily="49" charset="0"/>
+              </a:rPr>
+              <a:t># </a:t>
+            </a:r>
+            <a:r>
+              <a:rPr lang="ru-RU" sz="1750" dirty="0">
+                <a:solidFill>
+                  <a:srgbClr val="0066FF"/>
+                </a:solidFill>
+                <a:effectLst/>
+                <a:cs typeface="Consolas" panose="020B0609020204030204" pitchFamily="49" charset="0"/>
+              </a:rPr>
+              <a:t>Когда значения заканчиваются — возбуждается </a:t>
+            </a:r>
+            <a:r>
+              <a:rPr lang="en" sz="1750" dirty="0">
+                <a:solidFill>
+                  <a:srgbClr val="0066FF"/>
+                </a:solidFill>
+                <a:effectLst/>
+                <a:cs typeface="Consolas" panose="020B0609020204030204" pitchFamily="49" charset="0"/>
+              </a:rPr>
+              <a:t>StopIteration</a:t>
+            </a:r>
+            <a:br>
+              <a:rPr lang="en" sz="1750" dirty="0">
+                <a:solidFill>
+                  <a:srgbClr val="0066FF"/>
+                </a:solidFill>
+                <a:effectLst/>
+                <a:latin typeface="Consolas" panose="020B0609020204030204" pitchFamily="49" charset="0"/>
+                <a:cs typeface="Consolas" panose="020B0609020204030204" pitchFamily="49" charset="0"/>
+              </a:rPr>
+            </a:br>
+            <a:r>
+              <a:rPr lang="en" sz="1750" b="1" dirty="0">
+                <a:solidFill>
+                  <a:srgbClr val="3C4C72"/>
+                </a:solidFill>
+                <a:effectLst/>
+                <a:latin typeface="Consolas" panose="020B0609020204030204" pitchFamily="49" charset="0"/>
+                <a:cs typeface="Consolas" panose="020B0609020204030204" pitchFamily="49" charset="0"/>
+              </a:rPr>
+              <a:t>print</a:t>
+            </a:r>
+            <a:r>
+              <a:rPr lang="en" sz="1750" dirty="0">
+                <a:solidFill>
+                  <a:srgbClr val="000000"/>
+                </a:solidFill>
+                <a:effectLst/>
+                <a:latin typeface="Consolas" panose="020B0609020204030204" pitchFamily="49" charset="0"/>
+                <a:cs typeface="Consolas" panose="020B0609020204030204" pitchFamily="49" charset="0"/>
+              </a:rPr>
+              <a:t>(</a:t>
+            </a:r>
+            <a:r>
+              <a:rPr lang="en" sz="1750" dirty="0">
+                <a:solidFill>
+                  <a:srgbClr val="036A07"/>
+                </a:solidFill>
+                <a:effectLst/>
+                <a:latin typeface="Consolas" panose="020B0609020204030204" pitchFamily="49" charset="0"/>
+                <a:cs typeface="Consolas" panose="020B0609020204030204" pitchFamily="49" charset="0"/>
+              </a:rPr>
+              <a:t>'counter gen with next'</a:t>
+            </a:r>
+            <a:r>
+              <a:rPr lang="en" sz="1750" dirty="0">
+                <a:solidFill>
+                  <a:srgbClr val="000000"/>
+                </a:solidFill>
+                <a:effectLst/>
+                <a:latin typeface="Consolas" panose="020B0609020204030204" pitchFamily="49" charset="0"/>
+                <a:cs typeface="Consolas" panose="020B0609020204030204" pitchFamily="49" charset="0"/>
+              </a:rPr>
+              <a:t>)</a:t>
+            </a:r>
+            <a:br>
+              <a:rPr lang="en" sz="1750" dirty="0">
+                <a:solidFill>
+                  <a:srgbClr val="000000"/>
+                </a:solidFill>
+                <a:effectLst/>
+                <a:latin typeface="Consolas" panose="020B0609020204030204" pitchFamily="49" charset="0"/>
+                <a:cs typeface="Consolas" panose="020B0609020204030204" pitchFamily="49" charset="0"/>
+              </a:rPr>
+            </a:br>
+            <a:r>
+              <a:rPr lang="en" sz="1750" dirty="0">
+                <a:solidFill>
+                  <a:srgbClr val="000000"/>
+                </a:solidFill>
+                <a:effectLst/>
+                <a:latin typeface="Consolas" panose="020B0609020204030204" pitchFamily="49" charset="0"/>
+                <a:cs typeface="Consolas" panose="020B0609020204030204" pitchFamily="49" charset="0"/>
+              </a:rPr>
+              <a:t>gen </a:t>
+            </a:r>
+            <a:r>
+              <a:rPr lang="en" sz="1750" b="1" dirty="0">
+                <a:solidFill>
+                  <a:srgbClr val="0000FF"/>
+                </a:solidFill>
+                <a:effectLst/>
+                <a:latin typeface="Consolas" panose="020B0609020204030204" pitchFamily="49" charset="0"/>
+                <a:cs typeface="Consolas" panose="020B0609020204030204" pitchFamily="49" charset="0"/>
+              </a:rPr>
+              <a:t>=</a:t>
+            </a:r>
+            <a:r>
+              <a:rPr lang="en" sz="1750" dirty="0">
+                <a:solidFill>
+                  <a:srgbClr val="000000"/>
+                </a:solidFill>
+                <a:effectLst/>
+                <a:latin typeface="Consolas" panose="020B0609020204030204" pitchFamily="49" charset="0"/>
+                <a:cs typeface="Consolas" panose="020B0609020204030204" pitchFamily="49" charset="0"/>
+              </a:rPr>
+              <a:t> counter()</a:t>
+            </a:r>
+            <a:br>
+              <a:rPr lang="en" sz="1750" dirty="0">
+                <a:solidFill>
+                  <a:srgbClr val="000000"/>
+                </a:solidFill>
+                <a:effectLst/>
+                <a:latin typeface="Consolas" panose="020B0609020204030204" pitchFamily="49" charset="0"/>
+                <a:cs typeface="Consolas" panose="020B0609020204030204" pitchFamily="49" charset="0"/>
+              </a:rPr>
+            </a:br>
+            <a:r>
+              <a:rPr lang="en" sz="1750" b="1" dirty="0">
+                <a:solidFill>
+                  <a:srgbClr val="0000FF"/>
+                </a:solidFill>
+                <a:effectLst/>
+                <a:latin typeface="Consolas" panose="020B0609020204030204" pitchFamily="49" charset="0"/>
+                <a:cs typeface="Consolas" panose="020B0609020204030204" pitchFamily="49" charset="0"/>
+              </a:rPr>
+              <a:t>while</a:t>
+            </a:r>
+            <a:r>
+              <a:rPr lang="en" sz="1750" dirty="0">
+                <a:effectLst/>
+                <a:latin typeface="Consolas" panose="020B0609020204030204" pitchFamily="49" charset="0"/>
+                <a:cs typeface="Consolas" panose="020B0609020204030204" pitchFamily="49" charset="0"/>
+              </a:rPr>
+              <a:t> </a:t>
+            </a:r>
+            <a:r>
+              <a:rPr lang="en" sz="1750" b="1" dirty="0">
+                <a:solidFill>
+                  <a:srgbClr val="585CF6"/>
+                </a:solidFill>
+                <a:effectLst/>
+                <a:latin typeface="Consolas" panose="020B0609020204030204" pitchFamily="49" charset="0"/>
+                <a:cs typeface="Consolas" panose="020B0609020204030204" pitchFamily="49" charset="0"/>
+              </a:rPr>
+              <a:t>True</a:t>
+            </a:r>
+            <a:r>
+              <a:rPr lang="en" sz="1750" dirty="0">
+                <a:effectLst/>
+                <a:latin typeface="Consolas" panose="020B0609020204030204" pitchFamily="49" charset="0"/>
+                <a:cs typeface="Consolas" panose="020B0609020204030204" pitchFamily="49" charset="0"/>
+              </a:rPr>
+              <a:t>:</a:t>
+            </a:r>
+            <a:br>
+              <a:rPr lang="en" sz="1750" dirty="0">
+                <a:effectLst/>
+                <a:latin typeface="Consolas" panose="020B0609020204030204" pitchFamily="49" charset="0"/>
+                <a:cs typeface="Consolas" panose="020B0609020204030204" pitchFamily="49" charset="0"/>
+              </a:rPr>
+            </a:br>
+            <a:r>
+              <a:rPr lang="en" sz="1750" dirty="0">
+                <a:effectLst/>
+                <a:latin typeface="Consolas" panose="020B0609020204030204" pitchFamily="49" charset="0"/>
+                <a:cs typeface="Consolas" panose="020B0609020204030204" pitchFamily="49" charset="0"/>
+              </a:rPr>
+              <a:t>    </a:t>
+            </a:r>
+            <a:r>
+              <a:rPr lang="en" sz="1750" b="1" dirty="0">
+                <a:solidFill>
+                  <a:srgbClr val="0000FF"/>
+                </a:solidFill>
+                <a:effectLst/>
+                <a:latin typeface="Consolas" panose="020B0609020204030204" pitchFamily="49" charset="0"/>
+                <a:cs typeface="Consolas" panose="020B0609020204030204" pitchFamily="49" charset="0"/>
+              </a:rPr>
+              <a:t>try</a:t>
+            </a:r>
+            <a:r>
+              <a:rPr lang="en" sz="1750" dirty="0">
+                <a:effectLst/>
+                <a:latin typeface="Consolas" panose="020B0609020204030204" pitchFamily="49" charset="0"/>
+                <a:cs typeface="Consolas" panose="020B0609020204030204" pitchFamily="49" charset="0"/>
+              </a:rPr>
+              <a:t>:</a:t>
+            </a:r>
+            <a:br>
+              <a:rPr lang="en" sz="1750" dirty="0">
+                <a:effectLst/>
+                <a:latin typeface="Consolas" panose="020B0609020204030204" pitchFamily="49" charset="0"/>
+                <a:cs typeface="Consolas" panose="020B0609020204030204" pitchFamily="49" charset="0"/>
+              </a:rPr>
+            </a:br>
+            <a:r>
+              <a:rPr lang="en" sz="1750" dirty="0">
+                <a:effectLst/>
+                <a:latin typeface="Consolas" panose="020B0609020204030204" pitchFamily="49" charset="0"/>
+                <a:cs typeface="Consolas" panose="020B0609020204030204" pitchFamily="49" charset="0"/>
+              </a:rPr>
+              <a:t>        value </a:t>
+            </a:r>
+            <a:r>
+              <a:rPr lang="en" sz="1750" b="1" dirty="0">
+                <a:solidFill>
+                  <a:srgbClr val="0000FF"/>
+                </a:solidFill>
+                <a:effectLst/>
+                <a:latin typeface="Consolas" panose="020B0609020204030204" pitchFamily="49" charset="0"/>
+                <a:cs typeface="Consolas" panose="020B0609020204030204" pitchFamily="49" charset="0"/>
+              </a:rPr>
+              <a:t>=</a:t>
+            </a:r>
+            <a:r>
+              <a:rPr lang="en" sz="1750" dirty="0">
+                <a:effectLst/>
+                <a:latin typeface="Consolas" panose="020B0609020204030204" pitchFamily="49" charset="0"/>
+                <a:cs typeface="Consolas" panose="020B0609020204030204" pitchFamily="49" charset="0"/>
+              </a:rPr>
+              <a:t> </a:t>
+            </a:r>
+            <a:r>
+              <a:rPr lang="en" sz="1750" b="1" dirty="0">
+                <a:solidFill>
+                  <a:srgbClr val="3C4C72"/>
+                </a:solidFill>
+                <a:effectLst/>
+                <a:latin typeface="Consolas" panose="020B0609020204030204" pitchFamily="49" charset="0"/>
+                <a:cs typeface="Consolas" panose="020B0609020204030204" pitchFamily="49" charset="0"/>
+              </a:rPr>
+              <a:t>next</a:t>
+            </a:r>
+            <a:r>
+              <a:rPr lang="en" sz="1750" dirty="0">
+                <a:effectLst/>
+                <a:latin typeface="Consolas" panose="020B0609020204030204" pitchFamily="49" charset="0"/>
+                <a:cs typeface="Consolas" panose="020B0609020204030204" pitchFamily="49" charset="0"/>
+              </a:rPr>
+              <a:t>(gen)</a:t>
+            </a:r>
+            <a:br>
+              <a:rPr lang="en" sz="1750" dirty="0">
+                <a:effectLst/>
+                <a:latin typeface="Consolas" panose="020B0609020204030204" pitchFamily="49" charset="0"/>
+                <a:cs typeface="Consolas" panose="020B0609020204030204" pitchFamily="49" charset="0"/>
+              </a:rPr>
+            </a:br>
+            <a:r>
+              <a:rPr lang="en" sz="1750" dirty="0">
+                <a:effectLst/>
+                <a:latin typeface="Consolas" panose="020B0609020204030204" pitchFamily="49" charset="0"/>
+                <a:cs typeface="Consolas" panose="020B0609020204030204" pitchFamily="49" charset="0"/>
+              </a:rPr>
+              <a:t>        </a:t>
+            </a:r>
+            <a:r>
+              <a:rPr lang="en" sz="1750" b="1" dirty="0">
+                <a:solidFill>
+                  <a:srgbClr val="3C4C72"/>
+                </a:solidFill>
+                <a:effectLst/>
+                <a:latin typeface="Consolas" panose="020B0609020204030204" pitchFamily="49" charset="0"/>
+                <a:cs typeface="Consolas" panose="020B0609020204030204" pitchFamily="49" charset="0"/>
+              </a:rPr>
+              <a:t>print</a:t>
+            </a:r>
+            <a:r>
+              <a:rPr lang="en" sz="1750" dirty="0">
+                <a:effectLst/>
+                <a:latin typeface="Consolas" panose="020B0609020204030204" pitchFamily="49" charset="0"/>
+                <a:cs typeface="Consolas" panose="020B0609020204030204" pitchFamily="49" charset="0"/>
+              </a:rPr>
+              <a:t>(value)</a:t>
+            </a:r>
+            <a:br>
+              <a:rPr lang="en" sz="1750" dirty="0">
+                <a:effectLst/>
+                <a:latin typeface="Consolas" panose="020B0609020204030204" pitchFamily="49" charset="0"/>
+                <a:cs typeface="Consolas" panose="020B0609020204030204" pitchFamily="49" charset="0"/>
+              </a:rPr>
+            </a:br>
+            <a:r>
+              <a:rPr lang="en" sz="1750" dirty="0">
+                <a:effectLst/>
+                <a:latin typeface="Consolas" panose="020B0609020204030204" pitchFamily="49" charset="0"/>
+                <a:cs typeface="Consolas" panose="020B0609020204030204" pitchFamily="49" charset="0"/>
+              </a:rPr>
+              <a:t>    </a:t>
+            </a:r>
+            <a:r>
+              <a:rPr lang="en" sz="1750" b="1" dirty="0">
+                <a:solidFill>
+                  <a:srgbClr val="0000FF"/>
+                </a:solidFill>
+                <a:effectLst/>
+                <a:latin typeface="Consolas" panose="020B0609020204030204" pitchFamily="49" charset="0"/>
+                <a:cs typeface="Consolas" panose="020B0609020204030204" pitchFamily="49" charset="0"/>
+              </a:rPr>
+              <a:t>except</a:t>
+            </a:r>
+            <a:r>
+              <a:rPr lang="en" sz="1750" dirty="0">
+                <a:effectLst/>
+                <a:latin typeface="Consolas" panose="020B0609020204030204" pitchFamily="49" charset="0"/>
+                <a:cs typeface="Consolas" panose="020B0609020204030204" pitchFamily="49" charset="0"/>
+              </a:rPr>
+              <a:t> </a:t>
+            </a:r>
+            <a:r>
+              <a:rPr lang="en" sz="1750" b="1" dirty="0">
+                <a:solidFill>
+                  <a:srgbClr val="6D79DE"/>
+                </a:solidFill>
+                <a:effectLst/>
+                <a:latin typeface="Consolas" panose="020B0609020204030204" pitchFamily="49" charset="0"/>
+                <a:cs typeface="Consolas" panose="020B0609020204030204" pitchFamily="49" charset="0"/>
+              </a:rPr>
+              <a:t>StopIteration</a:t>
+            </a:r>
+            <a:r>
+              <a:rPr lang="en" sz="1750" dirty="0">
+                <a:effectLst/>
+                <a:latin typeface="Consolas" panose="020B0609020204030204" pitchFamily="49" charset="0"/>
+                <a:cs typeface="Consolas" panose="020B0609020204030204" pitchFamily="49" charset="0"/>
+              </a:rPr>
+              <a:t>:</a:t>
+            </a:r>
+            <a:br>
+              <a:rPr lang="en" sz="1750" dirty="0">
+                <a:effectLst/>
+                <a:latin typeface="Consolas" panose="020B0609020204030204" pitchFamily="49" charset="0"/>
+                <a:cs typeface="Consolas" panose="020B0609020204030204" pitchFamily="49" charset="0"/>
+              </a:rPr>
+            </a:br>
+            <a:r>
+              <a:rPr lang="en" sz="1750" dirty="0">
+                <a:effectLst/>
+                <a:latin typeface="Consolas" panose="020B0609020204030204" pitchFamily="49" charset="0"/>
+                <a:cs typeface="Consolas" panose="020B0609020204030204" pitchFamily="49" charset="0"/>
+              </a:rPr>
+              <a:t>        </a:t>
+            </a:r>
+            <a:r>
+              <a:rPr lang="en" sz="1750" b="1" dirty="0">
+                <a:solidFill>
+                  <a:srgbClr val="0000FF"/>
+                </a:solidFill>
+                <a:effectLst/>
+                <a:latin typeface="Consolas" panose="020B0609020204030204" pitchFamily="49" charset="0"/>
+                <a:cs typeface="Consolas" panose="020B0609020204030204" pitchFamily="49" charset="0"/>
+              </a:rPr>
+              <a:t>break</a:t>
+            </a:r>
+            <a:endParaRPr lang="en" sz="1750" dirty="0">
+              <a:effectLst/>
+              <a:latin typeface="Consolas" panose="020B0609020204030204" pitchFamily="49" charset="0"/>
+              <a:cs typeface="Consolas" panose="020B0609020204030204" pitchFamily="49" charset="0"/>
+            </a:endParaRPr>
+          </a:p>
+        </p:txBody>
+      </p:sp>
+      <p:sp>
+        <p:nvSpPr>
+          <p:cNvPr id="4" name="Объект 2">
+            <a:extLst>
+              <a:ext uri="{FF2B5EF4-FFF2-40B4-BE49-F238E27FC236}">
+                <a16:creationId xmlns:a16="http://schemas.microsoft.com/office/drawing/2014/main" id="{603EE805-43BC-36DC-6CE1-13E40427C2DF}"/>
+              </a:ext>
+            </a:extLst>
+          </p:cNvPr>
+          <p:cNvSpPr txBox="1">
+            <a:spLocks/>
+          </p:cNvSpPr>
+          <p:nvPr/>
+        </p:nvSpPr>
+        <p:spPr>
+          <a:xfrm>
+            <a:off x="6096000" y="765549"/>
+            <a:ext cx="5993219" cy="6049924"/>
+          </a:xfrm>
+          <a:prstGeom prst="rect">
+            <a:avLst/>
+          </a:prstGeom>
+          <a:solidFill>
+            <a:schemeClr val="bg1">
+              <a:lumMod val="95000"/>
+            </a:schemeClr>
+          </a:solidFill>
+        </p:spPr>
+        <p:txBody>
+          <a:bodyPr vert="horz" lIns="91440" tIns="45720" rIns="91440" bIns="45720" rtlCol="0">
+            <a:noAutofit/>
+          </a:bodyPr>
+          <a:lstStyle>
+            <a:lvl1pPr marL="228600" indent="-228600" algn="l" defTabSz="914400" rtl="0" eaLnBrk="1" latinLnBrk="0" hangingPunct="1">
+              <a:lnSpc>
+                <a:spcPct val="90000"/>
+              </a:lnSpc>
+              <a:spcBef>
+                <a:spcPts val="1000"/>
+              </a:spcBef>
+              <a:buFont typeface="Arial" panose="020B0604020202020204" pitchFamily="34" charset="0"/>
+              <a:buChar char="•"/>
+              <a:defRPr sz="2800" kern="1200">
+                <a:solidFill>
+                  <a:schemeClr val="tx1"/>
+                </a:solidFill>
+                <a:latin typeface="+mn-lt"/>
+                <a:ea typeface="+mn-ea"/>
+                <a:cs typeface="+mn-cs"/>
+              </a:defRPr>
+            </a:lvl1pPr>
+            <a:lvl2pPr marL="685800" indent="-228600" algn="l" defTabSz="914400" rtl="0" eaLnBrk="1" latinLnBrk="0" hangingPunct="1">
+              <a:lnSpc>
+                <a:spcPct val="90000"/>
+              </a:lnSpc>
+              <a:spcBef>
+                <a:spcPts val="500"/>
+              </a:spcBef>
+              <a:buFont typeface="Arial" panose="020B0604020202020204" pitchFamily="34" charset="0"/>
+              <a:buChar char="•"/>
+              <a:defRPr sz="2400" kern="1200">
+                <a:solidFill>
+                  <a:schemeClr val="tx1"/>
+                </a:solidFill>
+                <a:latin typeface="+mn-lt"/>
+                <a:ea typeface="+mn-ea"/>
+                <a:cs typeface="+mn-cs"/>
+              </a:defRPr>
+            </a:lvl2pPr>
+            <a:lvl3pPr marL="1143000" indent="-228600" algn="l" defTabSz="914400" rtl="0" eaLnBrk="1" latinLnBrk="0" hangingPunct="1">
+              <a:lnSpc>
+                <a:spcPct val="90000"/>
+              </a:lnSpc>
+              <a:spcBef>
+                <a:spcPts val="500"/>
+              </a:spcBef>
+              <a:buFont typeface="Arial" panose="020B0604020202020204" pitchFamily="34" charset="0"/>
+              <a:buChar char="•"/>
+              <a:defRPr sz="2000" kern="1200">
+                <a:solidFill>
+                  <a:schemeClr val="tx1"/>
+                </a:solidFill>
+                <a:latin typeface="+mn-lt"/>
+                <a:ea typeface="+mn-ea"/>
+                <a:cs typeface="+mn-cs"/>
+              </a:defRPr>
+            </a:lvl3pPr>
+            <a:lvl4pPr marL="1600200" indent="-228600" algn="l" defTabSz="914400" rtl="0" eaLnBrk="1" latinLnBrk="0" hangingPunct="1">
+              <a:lnSpc>
+                <a:spcPct val="90000"/>
+              </a:lnSpc>
+              <a:spcBef>
+                <a:spcPts val="500"/>
+              </a:spcBef>
+              <a:buFont typeface="Arial" panose="020B0604020202020204" pitchFamily="34" charset="0"/>
+              <a:buChar char="•"/>
+              <a:defRPr sz="1800" kern="1200">
+                <a:solidFill>
+                  <a:schemeClr val="tx1"/>
+                </a:solidFill>
+                <a:latin typeface="+mn-lt"/>
+                <a:ea typeface="+mn-ea"/>
+                <a:cs typeface="+mn-cs"/>
+              </a:defRPr>
+            </a:lvl4pPr>
+            <a:lvl5pPr marL="2057400" indent="-228600" algn="l" defTabSz="914400" rtl="0" eaLnBrk="1" latinLnBrk="0" hangingPunct="1">
+              <a:lnSpc>
+                <a:spcPct val="90000"/>
+              </a:lnSpc>
+              <a:spcBef>
+                <a:spcPts val="500"/>
+              </a:spcBef>
+              <a:buFont typeface="Arial" panose="020B0604020202020204" pitchFamily="34" charset="0"/>
+              <a:buChar char="•"/>
+              <a:defRPr sz="1800" kern="1200">
+                <a:solidFill>
+                  <a:schemeClr val="tx1"/>
+                </a:solidFill>
+                <a:latin typeface="+mn-lt"/>
+                <a:ea typeface="+mn-ea"/>
+                <a:cs typeface="+mn-cs"/>
+              </a:defRPr>
+            </a:lvl5pPr>
+            <a:lvl6pPr marL="2514600" indent="-228600" algn="l" defTabSz="914400" rtl="0" eaLnBrk="1" latinLnBrk="0" hangingPunct="1">
+              <a:lnSpc>
+                <a:spcPct val="90000"/>
+              </a:lnSpc>
+              <a:spcBef>
+                <a:spcPts val="500"/>
+              </a:spcBef>
+              <a:buFont typeface="Arial" panose="020B0604020202020204" pitchFamily="34" charset="0"/>
+              <a:buChar char="•"/>
+              <a:defRPr sz="1800" kern="1200">
+                <a:solidFill>
+                  <a:schemeClr val="tx1"/>
+                </a:solidFill>
+                <a:latin typeface="+mn-lt"/>
+                <a:ea typeface="+mn-ea"/>
+                <a:cs typeface="+mn-cs"/>
+              </a:defRPr>
+            </a:lvl6pPr>
+            <a:lvl7pPr marL="2971800" indent="-228600" algn="l" defTabSz="914400" rtl="0" eaLnBrk="1" latinLnBrk="0" hangingPunct="1">
+              <a:lnSpc>
+                <a:spcPct val="90000"/>
+              </a:lnSpc>
+              <a:spcBef>
+                <a:spcPts val="500"/>
+              </a:spcBef>
+              <a:buFont typeface="Arial" panose="020B0604020202020204" pitchFamily="34" charset="0"/>
+              <a:buChar char="•"/>
+              <a:defRPr sz="1800" kern="1200">
+                <a:solidFill>
+                  <a:schemeClr val="tx1"/>
+                </a:solidFill>
+                <a:latin typeface="+mn-lt"/>
+                <a:ea typeface="+mn-ea"/>
+                <a:cs typeface="+mn-cs"/>
+              </a:defRPr>
+            </a:lvl7pPr>
+            <a:lvl8pPr marL="3429000" indent="-228600" algn="l" defTabSz="914400" rtl="0" eaLnBrk="1" latinLnBrk="0" hangingPunct="1">
+              <a:lnSpc>
+                <a:spcPct val="90000"/>
+              </a:lnSpc>
+              <a:spcBef>
+                <a:spcPts val="500"/>
+              </a:spcBef>
+              <a:buFont typeface="Arial" panose="020B0604020202020204" pitchFamily="34" charset="0"/>
+              <a:buChar char="•"/>
+              <a:defRPr sz="1800" kern="1200">
+                <a:solidFill>
+                  <a:schemeClr val="tx1"/>
+                </a:solidFill>
+                <a:latin typeface="+mn-lt"/>
+                <a:ea typeface="+mn-ea"/>
+                <a:cs typeface="+mn-cs"/>
+              </a:defRPr>
+            </a:lvl8pPr>
+            <a:lvl9pPr marL="3886200" indent="-228600" algn="l" defTabSz="914400" rtl="0" eaLnBrk="1" latinLnBrk="0" hangingPunct="1">
+              <a:lnSpc>
+                <a:spcPct val="90000"/>
+              </a:lnSpc>
+              <a:spcBef>
+                <a:spcPts val="500"/>
+              </a:spcBef>
+              <a:buFont typeface="Arial" panose="020B0604020202020204" pitchFamily="34" charset="0"/>
+              <a:buChar char="•"/>
+              <a:defRPr sz="1800" kern="1200">
+                <a:solidFill>
+                  <a:schemeClr val="tx1"/>
+                </a:solidFill>
+                <a:latin typeface="+mn-lt"/>
+                <a:ea typeface="+mn-ea"/>
+                <a:cs typeface="+mn-cs"/>
+              </a:defRPr>
+            </a:lvl9pPr>
+          </a:lstStyle>
+          <a:p>
+            <a:pPr marL="0" indent="0">
+              <a:lnSpc>
+                <a:spcPct val="100000"/>
+              </a:lnSpc>
+              <a:buNone/>
+            </a:pPr>
+            <a:r>
+              <a:rPr lang="en" sz="2000" dirty="0">
+                <a:latin typeface="Consolas" panose="020B0609020204030204" pitchFamily="49" charset="0"/>
+                <a:cs typeface="Consolas" panose="020B0609020204030204" pitchFamily="49" charset="0"/>
+              </a:rPr>
+              <a:t>yield from</a:t>
+            </a:r>
+            <a:r>
+              <a:rPr lang="en" sz="2000" dirty="0"/>
+              <a:t> — </a:t>
+            </a:r>
+            <a:r>
+              <a:rPr lang="ru-RU" sz="2000" dirty="0"/>
+              <a:t>делегирует управление другому генератору.</a:t>
+            </a:r>
+            <a:endParaRPr lang="en-US" sz="2000" dirty="0"/>
+          </a:p>
+          <a:p>
+            <a:pPr>
+              <a:lnSpc>
+                <a:spcPct val="100000"/>
+              </a:lnSpc>
+              <a:spcBef>
+                <a:spcPts val="0"/>
+              </a:spcBef>
+              <a:buFont typeface="Arial" panose="020B0604020202020204" pitchFamily="34" charset="0"/>
+              <a:buChar char="•"/>
+            </a:pPr>
+            <a:r>
+              <a:rPr lang="en" sz="1800" dirty="0"/>
+              <a:t>yield from </a:t>
+            </a:r>
+            <a:r>
+              <a:rPr lang="ru-RU" sz="1800" dirty="0"/>
+              <a:t>пробрасывает значения из вложенного генератора напрямую</a:t>
+            </a:r>
+          </a:p>
+          <a:p>
+            <a:pPr>
+              <a:lnSpc>
+                <a:spcPct val="100000"/>
+              </a:lnSpc>
+              <a:spcBef>
+                <a:spcPts val="0"/>
+              </a:spcBef>
+              <a:buFont typeface="Arial" panose="020B0604020202020204" pitchFamily="34" charset="0"/>
+              <a:buChar char="•"/>
+            </a:pPr>
+            <a:r>
+              <a:rPr lang="ru-RU" sz="1800" dirty="0"/>
+              <a:t>Упрощает вложенные конструкции и делегирует итерацию</a:t>
+            </a:r>
+          </a:p>
+          <a:p>
+            <a:pPr marL="0" indent="0">
+              <a:lnSpc>
+                <a:spcPct val="100000"/>
+              </a:lnSpc>
+              <a:buNone/>
+            </a:pPr>
+            <a:r>
+              <a:rPr lang="ru-RU" sz="1800" noProof="1">
+                <a:solidFill>
+                  <a:srgbClr val="0066FF"/>
+                </a:solidFill>
+                <a:effectLst/>
+                <a:latin typeface="Consolas" panose="020B0609020204030204" pitchFamily="49" charset="0"/>
+                <a:cs typeface="Consolas" panose="020B0609020204030204" pitchFamily="49" charset="0"/>
+              </a:rPr>
+              <a:t># вложенный генератор</a:t>
+            </a:r>
+            <a:endParaRPr lang="en-US" sz="1800" b="1" noProof="1">
+              <a:solidFill>
+                <a:srgbClr val="0000FF"/>
+              </a:solidFill>
+              <a:effectLst/>
+              <a:latin typeface="Consolas" panose="020B0609020204030204" pitchFamily="49" charset="0"/>
+              <a:cs typeface="Consolas" panose="020B0609020204030204" pitchFamily="49" charset="0"/>
+            </a:endParaRPr>
+          </a:p>
+          <a:p>
+            <a:pPr marL="0" indent="0">
+              <a:lnSpc>
+                <a:spcPct val="100000"/>
+              </a:lnSpc>
+              <a:spcBef>
+                <a:spcPts val="0"/>
+              </a:spcBef>
+              <a:buNone/>
+            </a:pPr>
+            <a:r>
+              <a:rPr lang="ru-RU" sz="1800" b="1" noProof="1">
+                <a:solidFill>
+                  <a:srgbClr val="0000FF"/>
+                </a:solidFill>
+                <a:effectLst/>
+                <a:latin typeface="Consolas" panose="020B0609020204030204" pitchFamily="49" charset="0"/>
+                <a:cs typeface="Consolas" panose="020B0609020204030204" pitchFamily="49" charset="0"/>
+              </a:rPr>
+              <a:t>def</a:t>
+            </a:r>
+            <a:r>
+              <a:rPr lang="ru-RU" sz="1800" noProof="1">
+                <a:effectLst/>
+                <a:latin typeface="Consolas" panose="020B0609020204030204" pitchFamily="49" charset="0"/>
+                <a:cs typeface="Consolas" panose="020B0609020204030204" pitchFamily="49" charset="0"/>
+              </a:rPr>
+              <a:t> </a:t>
+            </a:r>
+            <a:r>
+              <a:rPr lang="ru-RU" sz="1800" b="1" noProof="1">
+                <a:solidFill>
+                  <a:srgbClr val="0000A2"/>
+                </a:solidFill>
+                <a:effectLst/>
+                <a:latin typeface="Consolas" panose="020B0609020204030204" pitchFamily="49" charset="0"/>
+                <a:cs typeface="Consolas" panose="020B0609020204030204" pitchFamily="49" charset="0"/>
+              </a:rPr>
+              <a:t>subgen</a:t>
+            </a:r>
+            <a:r>
+              <a:rPr lang="ru-RU" sz="1800" noProof="1">
+                <a:effectLst/>
+                <a:latin typeface="Consolas" panose="020B0609020204030204" pitchFamily="49" charset="0"/>
+                <a:cs typeface="Consolas" panose="020B0609020204030204" pitchFamily="49" charset="0"/>
+              </a:rPr>
+              <a:t>():</a:t>
+            </a:r>
+            <a:br>
+              <a:rPr lang="ru-RU" sz="1800" noProof="1">
+                <a:effectLst/>
+                <a:latin typeface="Consolas" panose="020B0609020204030204" pitchFamily="49" charset="0"/>
+                <a:cs typeface="Consolas" panose="020B0609020204030204" pitchFamily="49" charset="0"/>
+              </a:rPr>
+            </a:br>
+            <a:r>
+              <a:rPr lang="ru-RU" sz="1800" noProof="1">
+                <a:effectLst/>
+                <a:latin typeface="Consolas" panose="020B0609020204030204" pitchFamily="49" charset="0"/>
+                <a:cs typeface="Consolas" panose="020B0609020204030204" pitchFamily="49" charset="0"/>
+              </a:rPr>
+              <a:t>    </a:t>
+            </a:r>
+            <a:r>
+              <a:rPr lang="ru-RU" sz="1800" b="1" noProof="1">
+                <a:solidFill>
+                  <a:srgbClr val="0000FF"/>
+                </a:solidFill>
+                <a:effectLst/>
+                <a:latin typeface="Consolas" panose="020B0609020204030204" pitchFamily="49" charset="0"/>
+                <a:cs typeface="Consolas" panose="020B0609020204030204" pitchFamily="49" charset="0"/>
+              </a:rPr>
+              <a:t>yield</a:t>
+            </a:r>
+            <a:r>
+              <a:rPr lang="ru-RU" sz="1800" noProof="1">
+                <a:effectLst/>
+                <a:latin typeface="Consolas" panose="020B0609020204030204" pitchFamily="49" charset="0"/>
+                <a:cs typeface="Consolas" panose="020B0609020204030204" pitchFamily="49" charset="0"/>
+              </a:rPr>
+              <a:t> </a:t>
+            </a:r>
+            <a:r>
+              <a:rPr lang="ru-RU" sz="1800" noProof="1">
+                <a:solidFill>
+                  <a:srgbClr val="036A07"/>
+                </a:solidFill>
+                <a:effectLst/>
+                <a:latin typeface="Consolas" panose="020B0609020204030204" pitchFamily="49" charset="0"/>
+                <a:cs typeface="Consolas" panose="020B0609020204030204" pitchFamily="49" charset="0"/>
+              </a:rPr>
+              <a:t>'A'</a:t>
+            </a:r>
+            <a:br>
+              <a:rPr lang="ru-RU" sz="1800" noProof="1">
+                <a:effectLst/>
+                <a:latin typeface="Consolas" panose="020B0609020204030204" pitchFamily="49" charset="0"/>
+                <a:cs typeface="Consolas" panose="020B0609020204030204" pitchFamily="49" charset="0"/>
+              </a:rPr>
+            </a:br>
+            <a:r>
+              <a:rPr lang="ru-RU" sz="1800" noProof="1">
+                <a:effectLst/>
+                <a:latin typeface="Consolas" panose="020B0609020204030204" pitchFamily="49" charset="0"/>
+                <a:cs typeface="Consolas" panose="020B0609020204030204" pitchFamily="49" charset="0"/>
+              </a:rPr>
+              <a:t>    </a:t>
+            </a:r>
+            <a:r>
+              <a:rPr lang="ru-RU" sz="1800" b="1" noProof="1">
+                <a:solidFill>
+                  <a:srgbClr val="0000FF"/>
+                </a:solidFill>
+                <a:effectLst/>
+                <a:latin typeface="Consolas" panose="020B0609020204030204" pitchFamily="49" charset="0"/>
+                <a:cs typeface="Consolas" panose="020B0609020204030204" pitchFamily="49" charset="0"/>
+              </a:rPr>
+              <a:t>yield</a:t>
+            </a:r>
+            <a:r>
+              <a:rPr lang="ru-RU" sz="1800" noProof="1">
+                <a:effectLst/>
+                <a:latin typeface="Consolas" panose="020B0609020204030204" pitchFamily="49" charset="0"/>
+                <a:cs typeface="Consolas" panose="020B0609020204030204" pitchFamily="49" charset="0"/>
+              </a:rPr>
+              <a:t> </a:t>
+            </a:r>
+            <a:r>
+              <a:rPr lang="ru-RU" sz="1800" noProof="1">
+                <a:solidFill>
+                  <a:srgbClr val="036A07"/>
+                </a:solidFill>
+                <a:effectLst/>
+                <a:latin typeface="Consolas" panose="020B0609020204030204" pitchFamily="49" charset="0"/>
+                <a:cs typeface="Consolas" panose="020B0609020204030204" pitchFamily="49" charset="0"/>
+              </a:rPr>
+              <a:t>'B'</a:t>
+            </a:r>
+            <a:br>
+              <a:rPr lang="ru-RU" sz="1800" noProof="1">
+                <a:effectLst/>
+                <a:latin typeface="Consolas" panose="020B0609020204030204" pitchFamily="49" charset="0"/>
+                <a:cs typeface="Consolas" panose="020B0609020204030204" pitchFamily="49" charset="0"/>
+              </a:rPr>
+            </a:br>
+            <a:br>
+              <a:rPr lang="ru-RU" sz="1800" noProof="1">
+                <a:effectLst/>
+                <a:latin typeface="Consolas" panose="020B0609020204030204" pitchFamily="49" charset="0"/>
+                <a:cs typeface="Consolas" panose="020B0609020204030204" pitchFamily="49" charset="0"/>
+              </a:rPr>
+            </a:br>
+            <a:r>
+              <a:rPr lang="ru-RU" sz="1800" noProof="1">
+                <a:solidFill>
+                  <a:srgbClr val="0066FF"/>
+                </a:solidFill>
+                <a:effectLst/>
+                <a:latin typeface="Consolas" panose="020B0609020204030204" pitchFamily="49" charset="0"/>
+                <a:cs typeface="Consolas" panose="020B0609020204030204" pitchFamily="49" charset="0"/>
+              </a:rPr>
+              <a:t># внешний генератор — делегирует управление другому генератору</a:t>
+            </a:r>
+            <a:br>
+              <a:rPr lang="ru-RU" sz="1800" noProof="1">
+                <a:solidFill>
+                  <a:srgbClr val="0066FF"/>
+                </a:solidFill>
+                <a:effectLst/>
+                <a:latin typeface="Consolas" panose="020B0609020204030204" pitchFamily="49" charset="0"/>
+                <a:cs typeface="Consolas" panose="020B0609020204030204" pitchFamily="49" charset="0"/>
+              </a:rPr>
+            </a:br>
+            <a:r>
+              <a:rPr lang="ru-RU" sz="1800" b="1" noProof="1">
+                <a:solidFill>
+                  <a:srgbClr val="0000FF"/>
+                </a:solidFill>
+                <a:effectLst/>
+                <a:latin typeface="Consolas" panose="020B0609020204030204" pitchFamily="49" charset="0"/>
+                <a:cs typeface="Consolas" panose="020B0609020204030204" pitchFamily="49" charset="0"/>
+              </a:rPr>
+              <a:t>def</a:t>
+            </a:r>
+            <a:r>
+              <a:rPr lang="ru-RU" sz="1800" noProof="1">
+                <a:effectLst/>
+                <a:latin typeface="Consolas" panose="020B0609020204030204" pitchFamily="49" charset="0"/>
+                <a:cs typeface="Consolas" panose="020B0609020204030204" pitchFamily="49" charset="0"/>
+              </a:rPr>
+              <a:t> </a:t>
+            </a:r>
+            <a:r>
+              <a:rPr lang="ru-RU" sz="1800" b="1" noProof="1">
+                <a:solidFill>
+                  <a:srgbClr val="0000A2"/>
+                </a:solidFill>
+                <a:effectLst/>
+                <a:latin typeface="Consolas" panose="020B0609020204030204" pitchFamily="49" charset="0"/>
+                <a:cs typeface="Consolas" panose="020B0609020204030204" pitchFamily="49" charset="0"/>
+              </a:rPr>
+              <a:t>wrapper</a:t>
+            </a:r>
+            <a:r>
+              <a:rPr lang="ru-RU" sz="1800" noProof="1">
+                <a:effectLst/>
+                <a:latin typeface="Consolas" panose="020B0609020204030204" pitchFamily="49" charset="0"/>
+                <a:cs typeface="Consolas" panose="020B0609020204030204" pitchFamily="49" charset="0"/>
+              </a:rPr>
+              <a:t>():</a:t>
+            </a:r>
+            <a:br>
+              <a:rPr lang="ru-RU" sz="1800" noProof="1">
+                <a:effectLst/>
+                <a:latin typeface="Consolas" panose="020B0609020204030204" pitchFamily="49" charset="0"/>
+                <a:cs typeface="Consolas" panose="020B0609020204030204" pitchFamily="49" charset="0"/>
+              </a:rPr>
+            </a:br>
+            <a:r>
+              <a:rPr lang="ru-RU" sz="1800" noProof="1">
+                <a:effectLst/>
+                <a:latin typeface="Consolas" panose="020B0609020204030204" pitchFamily="49" charset="0"/>
+                <a:cs typeface="Consolas" panose="020B0609020204030204" pitchFamily="49" charset="0"/>
+              </a:rPr>
+              <a:t>    </a:t>
+            </a:r>
+            <a:r>
+              <a:rPr lang="ru-RU" sz="1800" b="1" noProof="1">
+                <a:solidFill>
+                  <a:srgbClr val="0000FF"/>
+                </a:solidFill>
+                <a:effectLst/>
+                <a:latin typeface="Consolas" panose="020B0609020204030204" pitchFamily="49" charset="0"/>
+                <a:cs typeface="Consolas" panose="020B0609020204030204" pitchFamily="49" charset="0"/>
+              </a:rPr>
+              <a:t>yield</a:t>
+            </a:r>
+            <a:r>
+              <a:rPr lang="ru-RU" sz="1800" noProof="1">
+                <a:effectLst/>
+                <a:latin typeface="Consolas" panose="020B0609020204030204" pitchFamily="49" charset="0"/>
+                <a:cs typeface="Consolas" panose="020B0609020204030204" pitchFamily="49" charset="0"/>
+              </a:rPr>
+              <a:t> </a:t>
+            </a:r>
+            <a:r>
+              <a:rPr lang="ru-RU" sz="1800" noProof="1">
+                <a:solidFill>
+                  <a:srgbClr val="0000CD"/>
+                </a:solidFill>
+                <a:effectLst/>
+                <a:latin typeface="Consolas" panose="020B0609020204030204" pitchFamily="49" charset="0"/>
+                <a:cs typeface="Consolas" panose="020B0609020204030204" pitchFamily="49" charset="0"/>
+              </a:rPr>
+              <a:t>1</a:t>
+            </a:r>
+            <a:br>
+              <a:rPr lang="ru-RU" sz="1800" noProof="1">
+                <a:effectLst/>
+                <a:latin typeface="Consolas" panose="020B0609020204030204" pitchFamily="49" charset="0"/>
+                <a:cs typeface="Consolas" panose="020B0609020204030204" pitchFamily="49" charset="0"/>
+              </a:rPr>
+            </a:br>
+            <a:r>
+              <a:rPr lang="ru-RU" sz="1800" noProof="1">
+                <a:effectLst/>
+                <a:latin typeface="Consolas" panose="020B0609020204030204" pitchFamily="49" charset="0"/>
+                <a:cs typeface="Consolas" panose="020B0609020204030204" pitchFamily="49" charset="0"/>
+              </a:rPr>
+              <a:t>    </a:t>
+            </a:r>
+            <a:r>
+              <a:rPr lang="ru-RU" sz="1800" b="1" noProof="1">
+                <a:solidFill>
+                  <a:srgbClr val="0000FF"/>
+                </a:solidFill>
+                <a:effectLst/>
+                <a:latin typeface="Consolas" panose="020B0609020204030204" pitchFamily="49" charset="0"/>
+                <a:cs typeface="Consolas" panose="020B0609020204030204" pitchFamily="49" charset="0"/>
+              </a:rPr>
+              <a:t>yield from</a:t>
+            </a:r>
+            <a:r>
+              <a:rPr lang="ru-RU" sz="1800" noProof="1">
+                <a:effectLst/>
+                <a:latin typeface="Consolas" panose="020B0609020204030204" pitchFamily="49" charset="0"/>
+                <a:cs typeface="Consolas" panose="020B0609020204030204" pitchFamily="49" charset="0"/>
+              </a:rPr>
+              <a:t> subgen()</a:t>
+            </a:r>
+            <a:br>
+              <a:rPr lang="ru-RU" sz="1800" noProof="1">
+                <a:effectLst/>
+                <a:latin typeface="Consolas" panose="020B0609020204030204" pitchFamily="49" charset="0"/>
+                <a:cs typeface="Consolas" panose="020B0609020204030204" pitchFamily="49" charset="0"/>
+              </a:rPr>
+            </a:br>
+            <a:r>
+              <a:rPr lang="ru-RU" sz="1800" noProof="1">
+                <a:effectLst/>
+                <a:latin typeface="Consolas" panose="020B0609020204030204" pitchFamily="49" charset="0"/>
+                <a:cs typeface="Consolas" panose="020B0609020204030204" pitchFamily="49" charset="0"/>
+              </a:rPr>
+              <a:t>    </a:t>
+            </a:r>
+            <a:r>
+              <a:rPr lang="ru-RU" sz="1800" b="1" noProof="1">
+                <a:solidFill>
+                  <a:srgbClr val="0000FF"/>
+                </a:solidFill>
+                <a:effectLst/>
+                <a:latin typeface="Consolas" panose="020B0609020204030204" pitchFamily="49" charset="0"/>
+                <a:cs typeface="Consolas" panose="020B0609020204030204" pitchFamily="49" charset="0"/>
+              </a:rPr>
+              <a:t>yield</a:t>
+            </a:r>
+            <a:r>
+              <a:rPr lang="ru-RU" sz="1800" noProof="1">
+                <a:effectLst/>
+                <a:latin typeface="Consolas" panose="020B0609020204030204" pitchFamily="49" charset="0"/>
+                <a:cs typeface="Consolas" panose="020B0609020204030204" pitchFamily="49" charset="0"/>
+              </a:rPr>
+              <a:t> </a:t>
+            </a:r>
+            <a:r>
+              <a:rPr lang="ru-RU" sz="1800" noProof="1">
+                <a:solidFill>
+                  <a:srgbClr val="0000CD"/>
+                </a:solidFill>
+                <a:effectLst/>
+                <a:latin typeface="Consolas" panose="020B0609020204030204" pitchFamily="49" charset="0"/>
+                <a:cs typeface="Consolas" panose="020B0609020204030204" pitchFamily="49" charset="0"/>
+              </a:rPr>
+              <a:t>2</a:t>
+            </a:r>
+            <a:br>
+              <a:rPr lang="ru-RU" sz="1800" noProof="1">
+                <a:effectLst/>
+                <a:latin typeface="Consolas" panose="020B0609020204030204" pitchFamily="49" charset="0"/>
+                <a:cs typeface="Consolas" panose="020B0609020204030204" pitchFamily="49" charset="0"/>
+              </a:rPr>
+            </a:br>
+            <a:br>
+              <a:rPr lang="ru-RU" sz="1800" noProof="1">
+                <a:effectLst/>
+                <a:latin typeface="Consolas" panose="020B0609020204030204" pitchFamily="49" charset="0"/>
+                <a:cs typeface="Consolas" panose="020B0609020204030204" pitchFamily="49" charset="0"/>
+              </a:rPr>
+            </a:br>
+            <a:r>
+              <a:rPr lang="ru-RU" sz="1800" b="1" noProof="1">
+                <a:solidFill>
+                  <a:srgbClr val="3C4C72"/>
+                </a:solidFill>
+                <a:effectLst/>
+                <a:latin typeface="Consolas" panose="020B0609020204030204" pitchFamily="49" charset="0"/>
+                <a:cs typeface="Consolas" panose="020B0609020204030204" pitchFamily="49" charset="0"/>
+              </a:rPr>
+              <a:t>print</a:t>
+            </a:r>
+            <a:r>
+              <a:rPr lang="ru-RU" sz="1800" noProof="1">
+                <a:effectLst/>
+                <a:latin typeface="Consolas" panose="020B0609020204030204" pitchFamily="49" charset="0"/>
+                <a:cs typeface="Consolas" panose="020B0609020204030204" pitchFamily="49" charset="0"/>
+              </a:rPr>
+              <a:t>(</a:t>
+            </a:r>
+            <a:r>
+              <a:rPr lang="ru-RU" sz="1800" noProof="1">
+                <a:solidFill>
+                  <a:srgbClr val="036A07"/>
+                </a:solidFill>
+                <a:effectLst/>
+                <a:latin typeface="Consolas" panose="020B0609020204030204" pitchFamily="49" charset="0"/>
+                <a:cs typeface="Consolas" panose="020B0609020204030204" pitchFamily="49" charset="0"/>
+              </a:rPr>
+              <a:t>'wrapper gen'</a:t>
+            </a:r>
+            <a:r>
+              <a:rPr lang="ru-RU" sz="1800" noProof="1">
+                <a:effectLst/>
+                <a:latin typeface="Consolas" panose="020B0609020204030204" pitchFamily="49" charset="0"/>
+                <a:cs typeface="Consolas" panose="020B0609020204030204" pitchFamily="49" charset="0"/>
+              </a:rPr>
+              <a:t>)</a:t>
+            </a:r>
+            <a:br>
+              <a:rPr lang="ru-RU" sz="1800" noProof="1">
+                <a:effectLst/>
+                <a:latin typeface="Consolas" panose="020B0609020204030204" pitchFamily="49" charset="0"/>
+                <a:cs typeface="Consolas" panose="020B0609020204030204" pitchFamily="49" charset="0"/>
+              </a:rPr>
+            </a:br>
+            <a:r>
+              <a:rPr lang="ru-RU" sz="1800" b="1" noProof="1">
+                <a:solidFill>
+                  <a:srgbClr val="0000FF"/>
+                </a:solidFill>
+                <a:effectLst/>
+                <a:latin typeface="Consolas" panose="020B0609020204030204" pitchFamily="49" charset="0"/>
+                <a:cs typeface="Consolas" panose="020B0609020204030204" pitchFamily="49" charset="0"/>
+              </a:rPr>
+              <a:t>for</a:t>
+            </a:r>
+            <a:r>
+              <a:rPr lang="ru-RU" sz="1800" noProof="1">
+                <a:effectLst/>
+                <a:latin typeface="Consolas" panose="020B0609020204030204" pitchFamily="49" charset="0"/>
+                <a:cs typeface="Consolas" panose="020B0609020204030204" pitchFamily="49" charset="0"/>
+              </a:rPr>
+              <a:t> a </a:t>
+            </a:r>
+            <a:r>
+              <a:rPr lang="ru-RU" sz="1800" b="1" noProof="1">
+                <a:solidFill>
+                  <a:srgbClr val="0000FF"/>
+                </a:solidFill>
+                <a:effectLst/>
+                <a:latin typeface="Consolas" panose="020B0609020204030204" pitchFamily="49" charset="0"/>
+                <a:cs typeface="Consolas" panose="020B0609020204030204" pitchFamily="49" charset="0"/>
+              </a:rPr>
+              <a:t>in</a:t>
+            </a:r>
+            <a:r>
+              <a:rPr lang="ru-RU" sz="1800" noProof="1">
+                <a:effectLst/>
+                <a:latin typeface="Consolas" panose="020B0609020204030204" pitchFamily="49" charset="0"/>
+                <a:cs typeface="Consolas" panose="020B0609020204030204" pitchFamily="49" charset="0"/>
+              </a:rPr>
+              <a:t> wrapper():</a:t>
+            </a:r>
+            <a:br>
+              <a:rPr lang="ru-RU" sz="1800" noProof="1">
+                <a:effectLst/>
+                <a:latin typeface="Consolas" panose="020B0609020204030204" pitchFamily="49" charset="0"/>
+                <a:cs typeface="Consolas" panose="020B0609020204030204" pitchFamily="49" charset="0"/>
+              </a:rPr>
+            </a:br>
+            <a:r>
+              <a:rPr lang="ru-RU" sz="1800" noProof="1">
+                <a:effectLst/>
+                <a:latin typeface="Consolas" panose="020B0609020204030204" pitchFamily="49" charset="0"/>
+                <a:cs typeface="Consolas" panose="020B0609020204030204" pitchFamily="49" charset="0"/>
+              </a:rPr>
+              <a:t>    </a:t>
+            </a:r>
+            <a:r>
+              <a:rPr lang="ru-RU" sz="1800" b="1" noProof="1">
+                <a:solidFill>
+                  <a:srgbClr val="3C4C72"/>
+                </a:solidFill>
+                <a:effectLst/>
+                <a:latin typeface="Consolas" panose="020B0609020204030204" pitchFamily="49" charset="0"/>
+                <a:cs typeface="Consolas" panose="020B0609020204030204" pitchFamily="49" charset="0"/>
+              </a:rPr>
+              <a:t>print</a:t>
+            </a:r>
+            <a:r>
+              <a:rPr lang="ru-RU" sz="1800" noProof="1">
+                <a:effectLst/>
+                <a:latin typeface="Consolas" panose="020B0609020204030204" pitchFamily="49" charset="0"/>
+                <a:cs typeface="Consolas" panose="020B0609020204030204" pitchFamily="49" charset="0"/>
+              </a:rPr>
+              <a:t>(a)</a:t>
+            </a:r>
+            <a:br>
+              <a:rPr lang="ru-RU" sz="1800" noProof="1">
+                <a:effectLst/>
+                <a:latin typeface="Consolas" panose="020B0609020204030204" pitchFamily="49" charset="0"/>
+                <a:cs typeface="Consolas" panose="020B0609020204030204" pitchFamily="49" charset="0"/>
+              </a:rPr>
+            </a:br>
+            <a:endParaRPr lang="ru-RU" sz="1800" noProof="1">
+              <a:effectLst/>
+              <a:latin typeface="Consolas" panose="020B0609020204030204" pitchFamily="49" charset="0"/>
+              <a:cs typeface="Consolas" panose="020B0609020204030204" pitchFamily="49" charset="0"/>
+            </a:endParaRPr>
+          </a:p>
+        </p:txBody>
+      </p:sp>
+    </p:spTree>
+    <p:extLst>
+      <p:ext uri="{BB962C8B-B14F-4D97-AF65-F5344CB8AC3E}">
+        <p14:creationId xmlns:p14="http://schemas.microsoft.com/office/powerpoint/2010/main" val="3486969136"/>
+      </p:ext>
+    </p:extLst>
+  </p:cSld>
+  <p:clrMapOvr>
+    <a:masterClrMapping/>
+  </p:clrMapOvr>
+</p:sld>
+</file>
+
+<file path=ppt/slides/slide35.xml><?xml version="1.0" encoding="utf-8"?>
+<p:sld xmlns:a="http://schemas.openxmlformats.org/drawingml/2006/main" xmlns:r="http://schemas.openxmlformats.org/officeDocument/2006/relationships" xmlns:p="http://schemas.openxmlformats.org/presentationml/2006/main">
+  <p:cSld>
+    <p:spTree>
+      <p:nvGrpSpPr>
+        <p:cNvPr id="1" name=""/>
+        <p:cNvGrpSpPr/>
+        <p:nvPr/>
+      </p:nvGrpSpPr>
+      <p:grpSpPr>
+        <a:xfrm>
+          <a:off x="0" y="0"/>
+          <a:ext cx="0" cy="0"/>
+          <a:chOff x="0" y="0"/>
+          <a:chExt cx="0" cy="0"/>
+        </a:xfrm>
+      </p:grpSpPr>
+      <p:sp>
+        <p:nvSpPr>
+          <p:cNvPr id="2" name="Заголовок 1">
+            <a:extLst>
+              <a:ext uri="{FF2B5EF4-FFF2-40B4-BE49-F238E27FC236}">
                 <a16:creationId xmlns:a16="http://schemas.microsoft.com/office/drawing/2014/main" id="{ACCD3D62-25FD-1BDF-9344-7BCC86BDB67B}"/>
               </a:ext>
             </a:extLst>
@@ -30890,8 +33282,8 @@
         </p:nvSpPr>
         <p:spPr>
           <a:xfrm>
-            <a:off x="838200" y="1169233"/>
-            <a:ext cx="6812280" cy="5561351"/>
+            <a:off x="520995" y="1169233"/>
+            <a:ext cx="7129485" cy="5561351"/>
           </a:xfrm>
         </p:spPr>
         <p:txBody>
@@ -30910,29 +33302,8 @@
                   <a:srgbClr val="333333"/>
                 </a:solidFill>
                 <a:effectLst/>
-                <a:latin typeface="-apple-system"/>
-              </a:rPr>
-              <a:t>Она лучше асинхронности на </a:t>
-            </a:r>
-            <a:r>
-              <a:rPr lang="ru-RU" sz="2000" b="0" i="0" dirty="0" err="1">
-                <a:solidFill>
-                  <a:srgbClr val="333333"/>
-                </a:solidFill>
-                <a:effectLst/>
-                <a:latin typeface="-apple-system"/>
-              </a:rPr>
-              <a:t>колбеках</a:t>
-            </a:r>
-            <a:r>
-              <a:rPr lang="ru-RU" sz="2000" b="0" i="0" dirty="0">
-                <a:solidFill>
-                  <a:srgbClr val="333333"/>
-                </a:solidFill>
-                <a:effectLst/>
-                <a:latin typeface="-apple-system"/>
-              </a:rPr>
-              <a:t> тем, что:</a:t>
+              </a:rPr>
+              <a:t>Она лучше асинхронности на колбеках тем, что:</a:t>
             </a:r>
           </a:p>
           <a:p>
@@ -30949,7 +33320,6 @@
                   <a:srgbClr val="333333"/>
                 </a:solidFill>
                 <a:effectLst/>
-                <a:latin typeface="-apple-system"/>
               </a:rPr>
               <a:t>В сопрограммах можно выполнять несколько блокирующих функций при чем для разных сокетов, так как </a:t>
             </a:r>
@@ -30959,9 +33329,19 @@
                   <a:srgbClr val="333333"/>
                 </a:solidFill>
                 <a:effectLst/>
-                <a:latin typeface="-apple-system"/>
-              </a:rPr>
-              <a:t>yield </a:t>
+                <a:latin typeface="Consolas" panose="020B0609020204030204" pitchFamily="49" charset="0"/>
+                <a:cs typeface="Consolas" panose="020B0609020204030204" pitchFamily="49" charset="0"/>
+              </a:rPr>
+              <a:t>yield</a:t>
+            </a:r>
+            <a:r>
+              <a:rPr lang="en" sz="2000" b="0" i="0" dirty="0">
+                <a:solidFill>
+                  <a:srgbClr val="333333"/>
+                </a:solidFill>
+                <a:effectLst/>
+              </a:rPr>
+              <a:t> </a:t>
             </a:r>
             <a:r>
               <a:rPr lang="ru-RU" sz="2000" b="0" i="0" dirty="0">
@@ -30969,39 +33349,28 @@
                   <a:srgbClr val="333333"/>
                 </a:solidFill>
                 <a:effectLst/>
-                <a:latin typeface="-apple-system"/>
-              </a:rPr>
-              <a:t>можно вызывать несколько раз и из разных мест; в </a:t>
-            </a:r>
-            <a:r>
-              <a:rPr lang="ru-RU" sz="2000" b="0" i="0" dirty="0" err="1">
+              </a:rPr>
+              <a:t>можно вызывать несколько раз и из разных мест; в колбеке может быть только один блокирующий вызов перед вызовом инструкции </a:t>
+            </a:r>
+            <a:r>
+              <a:rPr lang="en" sz="2000" b="0" i="0" dirty="0">
                 <a:solidFill>
                   <a:srgbClr val="333333"/>
                 </a:solidFill>
                 <a:effectLst/>
-                <a:latin typeface="-apple-system"/>
-              </a:rPr>
-              <a:t>колбеке</a:t>
-            </a:r>
-            <a:r>
-              <a:rPr lang="ru-RU" sz="2000" b="0" i="0" dirty="0">
+                <a:latin typeface="Consolas" panose="020B0609020204030204" pitchFamily="49" charset="0"/>
+                <a:cs typeface="Consolas" panose="020B0609020204030204" pitchFamily="49" charset="0"/>
+              </a:rPr>
+              <a:t>return</a:t>
+            </a:r>
+            <a:r>
+              <a:rPr lang="en" sz="2000" b="0" i="0" dirty="0">
                 <a:solidFill>
                   <a:srgbClr val="333333"/>
                 </a:solidFill>
                 <a:effectLst/>
-                <a:latin typeface="-apple-system"/>
-              </a:rPr>
-              <a:t> может быть только один блокирующий вызов перед вызовом инструкции </a:t>
-            </a:r>
-            <a:r>
-              <a:rPr lang="en" sz="2000" b="0" i="0" dirty="0">
-                <a:solidFill>
-                  <a:srgbClr val="333333"/>
-                </a:solidFill>
-                <a:effectLst/>
-                <a:latin typeface="-apple-system"/>
-              </a:rPr>
-              <a:t>return;</a:t>
+              </a:rPr>
+              <a:t>;</a:t>
             </a:r>
           </a:p>
           <a:p>
@@ -31013,114 +33382,60 @@
               <a:buChar char="•"/>
             </a:pPr>
             <a:r>
+              <a:rPr lang="ru-RU" sz="2000" b="1" i="0" dirty="0">
+                <a:solidFill>
+                  <a:srgbClr val="333333"/>
+                </a:solidFill>
+                <a:effectLst/>
+              </a:rPr>
+              <a:t>для каждого блокирующего вызова нужен свой колбек, что в реальных программах приводит к неразберихе из-за большой вложенности колбеков друг в друга, известной как </a:t>
+            </a:r>
+            <a:r>
+              <a:rPr lang="en" sz="2000" b="1" i="1" dirty="0">
+                <a:solidFill>
+                  <a:srgbClr val="333333"/>
+                </a:solidFill>
+                <a:effectLst/>
+              </a:rPr>
+              <a:t>callback hell</a:t>
+            </a:r>
+            <a:r>
+              <a:rPr lang="en" sz="2000" b="0" i="0" dirty="0">
+                <a:solidFill>
+                  <a:srgbClr val="333333"/>
+                </a:solidFill>
+                <a:effectLst/>
+              </a:rPr>
+              <a:t>; </a:t>
+            </a:r>
+            <a:r>
               <a:rPr lang="ru-RU" sz="2000" b="0" i="0" dirty="0">
                 <a:solidFill>
                   <a:srgbClr val="333333"/>
                 </a:solidFill>
                 <a:effectLst/>
-                <a:latin typeface="-apple-system"/>
-              </a:rPr>
-              <a:t>для каждого блокирующего вызова нужен свой </a:t>
-            </a:r>
-            <a:r>
-              <a:rPr lang="ru-RU" sz="2000" b="0" i="0" dirty="0" err="1">
+              </a:rPr>
+              <a:t>такой код тяжело понять и сложно поддерживать; напротив, асинхронный код выглядит так же, как и синхронный, за исключением добавления </a:t>
+            </a:r>
+            <a:r>
+              <a:rPr lang="en" sz="2000" b="0" i="0" dirty="0">
                 <a:solidFill>
                   <a:srgbClr val="333333"/>
                 </a:solidFill>
                 <a:effectLst/>
-                <a:latin typeface="-apple-system"/>
-              </a:rPr>
-              <a:t>колбек</a:t>
-            </a:r>
-            <a:r>
-              <a:rPr lang="ru-RU" sz="2000" b="0" i="0" dirty="0">
+                <a:latin typeface="Consolas" panose="020B0609020204030204" pitchFamily="49" charset="0"/>
+                <a:cs typeface="Consolas" panose="020B0609020204030204" pitchFamily="49" charset="0"/>
+              </a:rPr>
+              <a:t>yield</a:t>
+            </a:r>
+            <a:r>
+              <a:rPr lang="en" sz="2000" b="0" i="0" dirty="0">
                 <a:solidFill>
                   <a:srgbClr val="333333"/>
                 </a:solidFill>
                 <a:effectLst/>
-                <a:latin typeface="-apple-system"/>
-              </a:rPr>
-              <a:t>, что в реальных программах приводит к неразберихе из-за большой вложенности </a:t>
-            </a:r>
-            <a:r>
-              <a:rPr lang="ru-RU" sz="2000" b="0" i="0" dirty="0" err="1">
-                <a:solidFill>
-                  <a:srgbClr val="333333"/>
-                </a:solidFill>
-                <a:effectLst/>
-                <a:latin typeface="-apple-system"/>
-              </a:rPr>
-              <a:t>колбеков</a:t>
-            </a:r>
-            <a:r>
-              <a:rPr lang="ru-RU" sz="2000" b="0" i="0" dirty="0">
-                <a:solidFill>
-                  <a:srgbClr val="333333"/>
-                </a:solidFill>
-                <a:effectLst/>
-                <a:latin typeface="-apple-system"/>
-              </a:rPr>
-              <a:t> друг в друга, известной как </a:t>
-            </a:r>
-            <a:r>
-              <a:rPr lang="en" sz="2000" b="0" i="1" dirty="0">
-                <a:solidFill>
-                  <a:srgbClr val="333333"/>
-                </a:solidFill>
-                <a:effectLst/>
-                <a:latin typeface="-apple-system"/>
-              </a:rPr>
-              <a:t>callback hell</a:t>
-            </a:r>
-            <a:r>
-              <a:rPr lang="en" sz="2000" b="0" i="0" dirty="0">
-                <a:solidFill>
-                  <a:srgbClr val="333333"/>
-                </a:solidFill>
-                <a:effectLst/>
-                <a:latin typeface="-apple-system"/>
-              </a:rPr>
-              <a:t>; </a:t>
-            </a:r>
-            <a:r>
-              <a:rPr lang="ru-RU" sz="2000" b="0" i="0" dirty="0">
-                <a:solidFill>
-                  <a:srgbClr val="333333"/>
-                </a:solidFill>
-                <a:effectLst/>
-                <a:latin typeface="-apple-system"/>
-              </a:rPr>
-              <a:t>такой код тяжело понять и сложно поддерживать; напротив, асинхронный код выглядит так же, как и синхронный, за исключением добавления </a:t>
-            </a:r>
-            <a:r>
-              <a:rPr lang="en" sz="2000" b="0" i="0" dirty="0">
-                <a:solidFill>
-                  <a:srgbClr val="333333"/>
-                </a:solidFill>
-                <a:effectLst/>
-                <a:latin typeface="-apple-system"/>
-              </a:rPr>
-              <a:t>yield (</a:t>
-            </a:r>
-            <a:r>
-              <a:rPr lang="ru-RU" sz="2000" b="0" i="0" dirty="0">
-                <a:solidFill>
-                  <a:srgbClr val="333333"/>
-                </a:solidFill>
-                <a:effectLst/>
-                <a:latin typeface="-apple-system"/>
-              </a:rPr>
-              <a:t>позже он заменится на более подходящий тут </a:t>
-            </a:r>
-            <a:r>
-              <a:rPr lang="en" sz="2000" b="0" i="0" dirty="0">
-                <a:solidFill>
-                  <a:srgbClr val="333333"/>
-                </a:solidFill>
-                <a:effectLst/>
-                <a:latin typeface="-apple-system"/>
-              </a:rPr>
-              <a:t>await);</a:t>
+              </a:rPr>
+              <a:t>;</a:t>
             </a:r>
           </a:p>
           <a:p>
@@ -31137,19 +33452,17 @@
                   <a:srgbClr val="333333"/>
                 </a:solidFill>
                 <a:effectLst/>
-                <a:latin typeface="-apple-system"/>
-              </a:rPr>
-              <a:t>возможность использования исключений в сопрограммах так же, как в синхронных программах; колбеки вызываются из основного цикла движка, а значит, и исключения из </a:t>
-            </a:r>
-            <a:r>
-              <a:rPr lang="ru-RU" sz="2000" b="0" i="0" dirty="0" err="1">
+              </a:rPr>
+              <a:t>возможность использования исключений в сопрограммах так же, как в синхронных программах; колбеки вызываются из основного цикла движка, а значит, и </a:t>
+            </a:r>
+            <a:r>
+              <a:rPr lang="ru-RU" sz="2000" b="1" i="0" dirty="0">
                 <a:solidFill>
                   <a:srgbClr val="333333"/>
                 </a:solidFill>
                 <a:effectLst/>
-                <a:latin typeface="-apple-system"/>
-              </a:rPr>
-              <a:t>колбеков</a:t>
+              </a:rPr>
+              <a:t>исключения из колбеков будут подниматься прямо в движок</a:t>
             </a:r>
             <a:r>
               <a:rPr lang="ru-RU" sz="2000" b="0" i="0" dirty="0">
@@ -31157,9 +33470,8 @@
                   <a:srgbClr val="333333"/>
                 </a:solidFill>
                 <a:effectLst/>
-                <a:latin typeface="-apple-system"/>
-              </a:rPr>
-              <a:t> будут подниматься прямо в движок, где мы их обработать не можем.</a:t>
+              </a:rPr>
+              <a:t>, где мы их обработать не можем.</a:t>
             </a:r>
             <a:br>
               <a:rPr lang="en" sz="2000" dirty="0"/>
@@ -31186,7 +33498,7 @@
           <a:blip r:embed="rId2">
             <a:extLst>
               <a:ext uri="{28A0092B-C50C-407E-A947-70E740481C1C}">
-                <a14:useLocalDpi xmlns:a14="http://schemas.microsoft.com/office/drawing/2010/main" val="0"/>
+                <a14:useLocalDpi xmlns:a14="http://schemas.microsoft.com/office/drawing/2010/main"/>
               </a:ext>
             </a:extLst>
           </a:blip>
@@ -31229,7 +33541,7 @@
         </p:nvSpPr>
         <p:spPr>
           <a:xfrm>
-            <a:off x="7767588" y="728342"/>
+            <a:off x="7767588" y="675179"/>
             <a:ext cx="4181380" cy="2031325"/>
           </a:xfrm>
           <a:prstGeom prst="rect">
@@ -31314,7 +33626,7 @@
 </p:sld>
 </file>
 
-<file path=ppt/slides/slide35.xml><?xml version="1.0" encoding="utf-8"?>
+<file path=ppt/slides/slide36.xml><?xml version="1.0" encoding="utf-8"?>
 <p:sld xmlns:a="http://schemas.openxmlformats.org/drawingml/2006/main" xmlns:r="http://schemas.openxmlformats.org/officeDocument/2006/relationships" xmlns:p="http://schemas.openxmlformats.org/presentationml/2006/main">
   <p:cSld>
     <p:spTree>
@@ -34640,7 +36952,7 @@
 </p:sld>
 </file>
 
-<file path=ppt/slides/slide36.xml><?xml version="1.0" encoding="utf-8"?>
+<file path=ppt/slides/slide37.xml><?xml version="1.0" encoding="utf-8"?>
 <p:sld xmlns:a="http://schemas.openxmlformats.org/drawingml/2006/main" xmlns:r="http://schemas.openxmlformats.org/officeDocument/2006/relationships" xmlns:p="http://schemas.openxmlformats.org/presentationml/2006/main">
   <p:cSld>
     <p:spTree>
@@ -34880,7 +37192,23 @@
             </a:r>
             <a:r>
               <a:rPr lang="ru-RU" sz="2000" dirty="0"/>
-              <a:t>говорит “подожди результат, не блокируя всё приложение”.</a:t>
+              <a:t>говорит </a:t>
+            </a:r>
+            <a:r>
+              <a:rPr lang="en-US" sz="2000" dirty="0"/>
+              <a:t>«</a:t>
+            </a:r>
+            <a:r>
+              <a:rPr lang="ru-RU" sz="2000" dirty="0"/>
+              <a:t>подожди результат, не блокируя всё приложение</a:t>
+            </a:r>
+            <a:r>
+              <a:rPr lang="en-US" sz="2000" dirty="0"/>
+              <a:t>»</a:t>
+            </a:r>
+            <a:r>
+              <a:rPr lang="ru-RU" sz="2000" dirty="0"/>
+              <a:t>.</a:t>
             </a:r>
           </a:p>
           <a:p>
@@ -35157,10 +37485,10 @@
           <p:nvPr/>
         </p:nvPicPr>
         <p:blipFill rotWithShape="1">
-          <a:blip r:embed="rId2">
+          <a:blip r:embed="rId2" cstate="screen">
             <a:extLst>
               <a:ext uri="{28A0092B-C50C-407E-A947-70E740481C1C}">
-                <a14:useLocalDpi xmlns:a14="http://schemas.microsoft.com/office/drawing/2010/main" val="0"/>
+                <a14:useLocalDpi xmlns:a14="http://schemas.microsoft.com/office/drawing/2010/main"/>
               </a:ext>
             </a:extLst>
           </a:blip>
@@ -35169,8 +37497,8 @@
         </p:blipFill>
         <p:spPr bwMode="auto">
           <a:xfrm>
-            <a:off x="7979229" y="4660032"/>
-            <a:ext cx="4212771" cy="2197968"/>
+            <a:off x="7489373" y="4404455"/>
+            <a:ext cx="4702627" cy="2453545"/>
           </a:xfrm>
           <a:prstGeom prst="rect">
             <a:avLst/>
@@ -35200,7 +37528,7 @@
 </p:sld>
 </file>
 
-<file path=ppt/slides/slide37.xml><?xml version="1.0" encoding="utf-8"?>
+<file path=ppt/slides/slide38.xml><?xml version="1.0" encoding="utf-8"?>
 <p:sld xmlns:a="http://schemas.openxmlformats.org/drawingml/2006/main" xmlns:r="http://schemas.openxmlformats.org/officeDocument/2006/relationships" xmlns:p="http://schemas.openxmlformats.org/presentationml/2006/main">
   <p:cSld>
     <p:spTree>
@@ -35390,7 +37718,10 @@
               <a:t>Запускает корутину до первого </a:t>
             </a:r>
             <a:r>
-              <a:rPr lang="en" sz="2000" dirty="0"/>
+              <a:rPr lang="en" sz="2000" dirty="0">
+                <a:latin typeface="Consolas" panose="020B0609020204030204" pitchFamily="49" charset="0"/>
+                <a:cs typeface="Consolas" panose="020B0609020204030204" pitchFamily="49" charset="0"/>
+              </a:rPr>
               <a:t>await</a:t>
             </a:r>
           </a:p>
@@ -35440,6 +37771,14 @@
             <a:r>
               <a:rPr lang="ru-RU" sz="2000" dirty="0"/>
               <a:t>Как только результат готов — продолжает выполнение</a:t>
+            </a:r>
+            <a:r>
+              <a:rPr lang="en-US" sz="2000" dirty="0"/>
+              <a:t> </a:t>
+            </a:r>
+            <a:r>
+              <a:rPr lang="ru-RU" sz="2000" dirty="0"/>
+              <a:t>прерванной корутины</a:t>
             </a:r>
           </a:p>
           <a:p>
@@ -35796,7 +38135,7 @@
           <a:blip r:embed="rId2">
             <a:extLst>
               <a:ext uri="{28A0092B-C50C-407E-A947-70E740481C1C}">
-                <a14:useLocalDpi xmlns:a14="http://schemas.microsoft.com/office/drawing/2010/main" val="0"/>
+                <a14:useLocalDpi xmlns:a14="http://schemas.microsoft.com/office/drawing/2010/main"/>
               </a:ext>
             </a:extLst>
           </a:blip>
@@ -35838,7 +38177,7 @@
 </p:sld>
 </file>
 
-<file path=ppt/slides/slide38.xml><?xml version="1.0" encoding="utf-8"?>
+<file path=ppt/slides/slide39.xml><?xml version="1.0" encoding="utf-8"?>
 <p:sld xmlns:a="http://schemas.openxmlformats.org/drawingml/2006/main" xmlns:r="http://schemas.openxmlformats.org/officeDocument/2006/relationships" xmlns:p="http://schemas.openxmlformats.org/presentationml/2006/main">
   <p:cSld>
     <p:spTree>
@@ -36338,6 +38677,9 @@
                   <a:srgbClr val="0000FF"/>
                 </a:solidFill>
                 <a:effectLst/>
+                <a:highlight>
+                  <a:srgbClr val="FFFF00"/>
+                </a:highlight>
                 <a:latin typeface="Consolas" panose="020B0609020204030204" pitchFamily="49" charset="0"/>
                 <a:cs typeface="Consolas" panose="020B0609020204030204" pitchFamily="49" charset="0"/>
               </a:rPr>
@@ -36346,10 +38688,21 @@
             <a:r>
               <a:rPr lang="en" sz="1800" noProof="1">
                 <a:effectLst/>
-                <a:latin typeface="Consolas" panose="020B0609020204030204" pitchFamily="49" charset="0"/>
-                <a:cs typeface="Consolas" panose="020B0609020204030204" pitchFamily="49" charset="0"/>
-              </a:rPr>
-              <a:t> reader.read(</a:t>
+                <a:highlight>
+                  <a:srgbClr val="FFFF00"/>
+                </a:highlight>
+                <a:latin typeface="Consolas" panose="020B0609020204030204" pitchFamily="49" charset="0"/>
+                <a:cs typeface="Consolas" panose="020B0609020204030204" pitchFamily="49" charset="0"/>
+              </a:rPr>
+              <a:t> reader.read</a:t>
+            </a:r>
+            <a:r>
+              <a:rPr lang="en" sz="1800" noProof="1">
+                <a:effectLst/>
+                <a:latin typeface="Consolas" panose="020B0609020204030204" pitchFamily="49" charset="0"/>
+                <a:cs typeface="Consolas" panose="020B0609020204030204" pitchFamily="49" charset="0"/>
+              </a:rPr>
+              <a:t>(</a:t>
             </a:r>
             <a:r>
               <a:rPr lang="en" sz="1800" noProof="1">
@@ -37021,6 +39374,9 @@
                   <a:srgbClr val="0000FF"/>
                 </a:solidFill>
                 <a:effectLst/>
+                <a:highlight>
+                  <a:srgbClr val="FFFF00"/>
+                </a:highlight>
                 <a:latin typeface="Consolas" panose="020B0609020204030204" pitchFamily="49" charset="0"/>
                 <a:cs typeface="Consolas" panose="020B0609020204030204" pitchFamily="49" charset="0"/>
               </a:rPr>
@@ -37029,10 +39385,21 @@
             <a:r>
               <a:rPr lang="en" sz="1800" noProof="1">
                 <a:effectLst/>
-                <a:latin typeface="Consolas" panose="020B0609020204030204" pitchFamily="49" charset="0"/>
-                <a:cs typeface="Consolas" panose="020B0609020204030204" pitchFamily="49" charset="0"/>
-              </a:rPr>
-              <a:t> writer.drain()</a:t>
+                <a:highlight>
+                  <a:srgbClr val="FFFF00"/>
+                </a:highlight>
+                <a:latin typeface="Consolas" panose="020B0609020204030204" pitchFamily="49" charset="0"/>
+                <a:cs typeface="Consolas" panose="020B0609020204030204" pitchFamily="49" charset="0"/>
+              </a:rPr>
+              <a:t> writer.drain</a:t>
+            </a:r>
+            <a:r>
+              <a:rPr lang="en" sz="1800" noProof="1">
+                <a:effectLst/>
+                <a:latin typeface="Consolas" panose="020B0609020204030204" pitchFamily="49" charset="0"/>
+                <a:cs typeface="Consolas" panose="020B0609020204030204" pitchFamily="49" charset="0"/>
+              </a:rPr>
+              <a:t>()</a:t>
             </a:r>
             <a:br>
               <a:rPr lang="en" sz="1800" noProof="1">
@@ -37243,6 +39610,9 @@
                   <a:srgbClr val="0000FF"/>
                 </a:solidFill>
                 <a:effectLst/>
+                <a:highlight>
+                  <a:srgbClr val="FFFF00"/>
+                </a:highlight>
                 <a:latin typeface="Consolas" panose="020B0609020204030204" pitchFamily="49" charset="0"/>
                 <a:cs typeface="Consolas" panose="020B0609020204030204" pitchFamily="49" charset="0"/>
               </a:rPr>
@@ -37251,10 +39621,21 @@
             <a:r>
               <a:rPr lang="en" sz="1800" noProof="1">
                 <a:effectLst/>
-                <a:latin typeface="Consolas" panose="020B0609020204030204" pitchFamily="49" charset="0"/>
-                <a:cs typeface="Consolas" panose="020B0609020204030204" pitchFamily="49" charset="0"/>
-              </a:rPr>
-              <a:t> asyncio.start_server(</a:t>
+                <a:highlight>
+                  <a:srgbClr val="FFFF00"/>
+                </a:highlight>
+                <a:latin typeface="Consolas" panose="020B0609020204030204" pitchFamily="49" charset="0"/>
+                <a:cs typeface="Consolas" panose="020B0609020204030204" pitchFamily="49" charset="0"/>
+              </a:rPr>
+              <a:t> asyncio.start_server</a:t>
+            </a:r>
+            <a:r>
+              <a:rPr lang="en" sz="1800" noProof="1">
+                <a:effectLst/>
+                <a:latin typeface="Consolas" panose="020B0609020204030204" pitchFamily="49" charset="0"/>
+                <a:cs typeface="Consolas" panose="020B0609020204030204" pitchFamily="49" charset="0"/>
+              </a:rPr>
+              <a:t>(</a:t>
             </a:r>
             <a:br>
               <a:rPr lang="en" sz="1800" noProof="1">
@@ -37413,6 +39794,9 @@
                   <a:srgbClr val="0000FF"/>
                 </a:solidFill>
                 <a:effectLst/>
+                <a:highlight>
+                  <a:srgbClr val="FFFF00"/>
+                </a:highlight>
                 <a:latin typeface="Consolas" panose="020B0609020204030204" pitchFamily="49" charset="0"/>
                 <a:cs typeface="Consolas" panose="020B0609020204030204" pitchFamily="49" charset="0"/>
               </a:rPr>
@@ -37421,10 +39805,21 @@
             <a:r>
               <a:rPr lang="en" sz="1800" noProof="1">
                 <a:effectLst/>
-                <a:latin typeface="Consolas" panose="020B0609020204030204" pitchFamily="49" charset="0"/>
-                <a:cs typeface="Consolas" panose="020B0609020204030204" pitchFamily="49" charset="0"/>
-              </a:rPr>
-              <a:t> server.serve_forever()</a:t>
+                <a:highlight>
+                  <a:srgbClr val="FFFF00"/>
+                </a:highlight>
+                <a:latin typeface="Consolas" panose="020B0609020204030204" pitchFamily="49" charset="0"/>
+                <a:cs typeface="Consolas" panose="020B0609020204030204" pitchFamily="49" charset="0"/>
+              </a:rPr>
+              <a:t> server.serve_forever</a:t>
+            </a:r>
+            <a:r>
+              <a:rPr lang="en" sz="1800" noProof="1">
+                <a:effectLst/>
+                <a:latin typeface="Consolas" panose="020B0609020204030204" pitchFamily="49" charset="0"/>
+                <a:cs typeface="Consolas" panose="020B0609020204030204" pitchFamily="49" charset="0"/>
+              </a:rPr>
+              <a:t>()</a:t>
             </a:r>
             <a:br>
               <a:rPr lang="en" sz="1800" noProof="1">
@@ -37519,7 +39914,7 @@
         </p:nvSpPr>
         <p:spPr>
           <a:xfrm>
-            <a:off x="6802022" y="5900058"/>
+            <a:off x="6188149" y="3669896"/>
             <a:ext cx="4656248" cy="819642"/>
           </a:xfrm>
         </p:spPr>
@@ -37584,8 +39979,8 @@
         </p:nvSpPr>
         <p:spPr>
           <a:xfrm>
-            <a:off x="6068292" y="2732452"/>
-            <a:ext cx="6123708" cy="2585323"/>
+            <a:off x="6188149" y="4634183"/>
+            <a:ext cx="6003851" cy="2031325"/>
           </a:xfrm>
           <a:prstGeom prst="rect">
             <a:avLst/>
@@ -37660,7 +40055,7 @@
                 <a:latin typeface="Consolas" panose="020B0609020204030204" pitchFamily="49" charset="0"/>
                 <a:cs typeface="Consolas" panose="020B0609020204030204" pitchFamily="49" charset="0"/>
               </a:rPr>
-              <a:t>Received b'hello, world!\r\n' from: ('::1', 63002, 0, 0)</a:t>
+              <a:t>Received b'hello, world!' from: ('::1', 63002)</a:t>
             </a:r>
           </a:p>
           <a:p>
@@ -37676,7 +40071,7 @@
                 <a:latin typeface="Consolas" panose="020B0609020204030204" pitchFamily="49" charset="0"/>
                 <a:cs typeface="Consolas" panose="020B0609020204030204" pitchFamily="49" charset="0"/>
               </a:rPr>
-              <a:t>Sending: b'HELLO, WORLD!\r\n' to: ('::1', 63002, 0, 0)</a:t>
+              <a:t>Sending: b'HELLO, WORLD!' to: ('::1', 63002)</a:t>
             </a:r>
           </a:p>
           <a:p>
@@ -38160,10 +40555,10 @@
           <p:nvPr/>
         </p:nvPicPr>
         <p:blipFill rotWithShape="1">
-          <a:blip r:embed="rId2">
+          <a:blip r:embed="rId2" cstate="screen">
             <a:extLst>
               <a:ext uri="{28A0092B-C50C-407E-A947-70E740481C1C}">
-                <a14:useLocalDpi xmlns:a14="http://schemas.microsoft.com/office/drawing/2010/main" val="0"/>
+                <a14:useLocalDpi xmlns:a14="http://schemas.microsoft.com/office/drawing/2010/main"/>
               </a:ext>
             </a:extLst>
           </a:blip>
@@ -38238,7 +40633,7 @@
         </p:nvSpPr>
         <p:spPr>
           <a:xfrm>
-            <a:off x="838200" y="114908"/>
+            <a:off x="383514" y="135004"/>
             <a:ext cx="10515600" cy="745287"/>
           </a:xfrm>
         </p:spPr>
@@ -38289,7 +40684,7 @@
         <p:spPr>
           <a:xfrm>
             <a:off x="341644" y="880291"/>
-            <a:ext cx="8932985" cy="2666777"/>
+            <a:ext cx="8911213" cy="2666777"/>
           </a:xfrm>
         </p:spPr>
         <p:txBody>
@@ -38801,8 +41196,8 @@
         </p:nvSpPr>
         <p:spPr>
           <a:xfrm>
-            <a:off x="9606229" y="1132985"/>
-            <a:ext cx="2585771" cy="2246769"/>
+            <a:off x="9252857" y="1038107"/>
+            <a:ext cx="2939143" cy="2554545"/>
           </a:xfrm>
           <a:prstGeom prst="rect">
             <a:avLst/>
@@ -38824,62 +41219,62 @@
               <a:buNone/>
             </a:pPr>
             <a:r>
-              <a:rPr lang="ru-RU" sz="1400" b="1" dirty="0"/>
+              <a:rPr lang="ru-RU" sz="1600" b="1" dirty="0"/>
               <a:t>Доступны ли файл-сокеты (</a:t>
             </a:r>
             <a:r>
-              <a:rPr lang="en" sz="1400" b="1" dirty="0"/>
+              <a:rPr lang="en" sz="1600" b="1" dirty="0"/>
               <a:t>UNIX-</a:t>
             </a:r>
             <a:r>
-              <a:rPr lang="ru-RU" sz="1400" b="1" dirty="0"/>
+              <a:rPr lang="ru-RU" sz="1600" b="1" dirty="0"/>
               <a:t>сокеты) в </a:t>
             </a:r>
             <a:r>
-              <a:rPr lang="en" sz="1400" b="1" dirty="0"/>
+              <a:rPr lang="en" sz="1600" b="1" dirty="0"/>
               <a:t>Windows?</a:t>
             </a:r>
-            <a:endParaRPr lang="en" sz="1400" dirty="0"/>
-          </a:p>
-          <a:p>
-            <a:r>
-              <a:rPr lang="ru-RU" sz="1400" dirty="0"/>
+            <a:endParaRPr lang="en" sz="1600" dirty="0"/>
+          </a:p>
+          <a:p>
+            <a:r>
+              <a:rPr lang="ru-RU" sz="1600" dirty="0"/>
               <a:t>Традиционно файл-сокеты (</a:t>
             </a:r>
             <a:r>
-              <a:rPr lang="en" sz="1400" dirty="0"/>
+              <a:rPr lang="en" sz="1600" dirty="0"/>
               <a:t>UNIX domain sockets, AF_UNIX) </a:t>
             </a:r>
             <a:r>
-              <a:rPr lang="ru-RU" sz="1400" dirty="0"/>
+              <a:rPr lang="ru-RU" sz="1600" dirty="0"/>
               <a:t>были недоступны в </a:t>
             </a:r>
             <a:r>
-              <a:rPr lang="en" sz="1400" dirty="0"/>
+              <a:rPr lang="en" sz="1600" dirty="0"/>
               <a:t>Windows, </a:t>
             </a:r>
             <a:r>
-              <a:rPr lang="ru-RU" sz="1400" dirty="0"/>
+              <a:rPr lang="ru-RU" sz="1600" dirty="0"/>
               <a:t>но ситуация изменилась в </a:t>
             </a:r>
             <a:r>
-              <a:rPr lang="en" sz="1400" dirty="0"/>
+              <a:rPr lang="en" sz="1600" dirty="0"/>
               <a:t>Windows 10 (</a:t>
             </a:r>
             <a:r>
-              <a:rPr lang="ru-RU" sz="1400" dirty="0"/>
+              <a:rPr lang="ru-RU" sz="1600" dirty="0"/>
               <a:t>с версии 1809) и </a:t>
             </a:r>
             <a:r>
-              <a:rPr lang="en" sz="1400" dirty="0"/>
+              <a:rPr lang="en" sz="1600" dirty="0"/>
               <a:t>Windows Server 2019, </a:t>
             </a:r>
             <a:r>
-              <a:rPr lang="ru-RU" sz="1400" dirty="0"/>
+              <a:rPr lang="ru-RU" sz="1600" dirty="0"/>
               <a:t>где была добавлена поддержка </a:t>
             </a:r>
             <a:r>
-              <a:rPr lang="en" sz="1400" dirty="0"/>
+              <a:rPr lang="en" sz="1600" dirty="0"/>
               <a:t>AF_UNIX.</a:t>
             </a:r>
           </a:p>
@@ -39146,14 +41541,14 @@
           <p:nvPr/>
         </p:nvPicPr>
         <p:blipFill rotWithShape="1">
-          <a:blip r:embed="rId2">
+          <a:blip r:embed="rId2" cstate="screen">
             <a:extLst>
               <a:ext uri="{28A0092B-C50C-407E-A947-70E740481C1C}">
-                <a14:useLocalDpi xmlns:a14="http://schemas.microsoft.com/office/drawing/2010/main" val="0"/>
+                <a14:useLocalDpi xmlns:a14="http://schemas.microsoft.com/office/drawing/2010/main"/>
               </a:ext>
             </a:extLst>
           </a:blip>
-          <a:srcRect l="494" t="4156" r="1759" b="16053"/>
+          <a:srcRect/>
           <a:stretch/>
         </p:blipFill>
         <p:spPr bwMode="auto">
@@ -40733,10 +43128,10 @@
           <p:nvPr/>
         </p:nvPicPr>
         <p:blipFill rotWithShape="1">
-          <a:blip r:embed="rId2">
+          <a:blip r:embed="rId2" cstate="screen">
             <a:extLst>
               <a:ext uri="{28A0092B-C50C-407E-A947-70E740481C1C}">
-                <a14:useLocalDpi xmlns:a14="http://schemas.microsoft.com/office/drawing/2010/main" val="0"/>
+                <a14:useLocalDpi xmlns:a14="http://schemas.microsoft.com/office/drawing/2010/main"/>
               </a:ext>
             </a:extLst>
           </a:blip>

--- a/Sockets.pptx
+++ b/Sockets.pptx
@@ -5,7 +5,7 @@
     <p:sldMasterId id="2147483648" r:id="rId1"/>
   </p:sldMasterIdLst>
   <p:notesMasterIdLst>
-    <p:notesMasterId r:id="rId41"/>
+    <p:notesMasterId r:id="rId43"/>
   </p:notesMasterIdLst>
   <p:sldIdLst>
     <p:sldId id="257" r:id="rId2"/>
@@ -47,6 +47,8 @@
     <p:sldId id="295" r:id="rId38"/>
     <p:sldId id="296" r:id="rId39"/>
     <p:sldId id="294" r:id="rId40"/>
+    <p:sldId id="298" r:id="rId41"/>
+    <p:sldId id="299" r:id="rId42"/>
   </p:sldIdLst>
   <p:sldSz cx="12192000" cy="6858000"/>
   <p:notesSz cx="6858000" cy="9144000"/>
@@ -40598,6 +40600,1720 @@
 </p:sld>
 </file>
 
+<file path=ppt/slides/slide40.xml><?xml version="1.0" encoding="utf-8"?>
+<p:sld xmlns:a="http://schemas.openxmlformats.org/drawingml/2006/main" xmlns:r="http://schemas.openxmlformats.org/officeDocument/2006/relationships" xmlns:p="http://schemas.openxmlformats.org/presentationml/2006/main">
+  <p:cSld>
+    <p:spTree>
+      <p:nvGrpSpPr>
+        <p:cNvPr id="1" name=""/>
+        <p:cNvGrpSpPr/>
+        <p:nvPr/>
+      </p:nvGrpSpPr>
+      <p:grpSpPr>
+        <a:xfrm>
+          <a:off x="0" y="0"/>
+          <a:ext cx="0" cy="0"/>
+          <a:chOff x="0" y="0"/>
+          <a:chExt cx="0" cy="0"/>
+        </a:xfrm>
+      </p:grpSpPr>
+      <p:sp>
+        <p:nvSpPr>
+          <p:cNvPr id="2" name="Заголовок 1">
+            <a:extLst>
+              <a:ext uri="{FF2B5EF4-FFF2-40B4-BE49-F238E27FC236}">
+                <a16:creationId xmlns:a16="http://schemas.microsoft.com/office/drawing/2014/main" id="{D960F4E1-1E1E-CE74-63A1-C8BA26407F87}"/>
+              </a:ext>
+            </a:extLst>
+          </p:cNvPr>
+          <p:cNvSpPr>
+            <a:spLocks noGrp="1"/>
+          </p:cNvSpPr>
+          <p:nvPr>
+            <p:ph type="title"/>
+          </p:nvPr>
+        </p:nvSpPr>
+        <p:spPr>
+          <a:xfrm>
+            <a:off x="838200" y="185246"/>
+            <a:ext cx="10515600" cy="729155"/>
+          </a:xfrm>
+        </p:spPr>
+        <p:txBody>
+          <a:bodyPr>
+            <a:normAutofit/>
+          </a:bodyPr>
+          <a:lstStyle/>
+          <a:p>
+            <a:r>
+              <a:rPr lang="en" dirty="0"/>
+              <a:t>Raw-</a:t>
+            </a:r>
+            <a:r>
+              <a:rPr lang="ru-RU" dirty="0"/>
+              <a:t>сокеты и сетевые снифферы</a:t>
+            </a:r>
+          </a:p>
+        </p:txBody>
+      </p:sp>
+      <p:sp>
+        <p:nvSpPr>
+          <p:cNvPr id="3" name="Объект 2">
+            <a:extLst>
+              <a:ext uri="{FF2B5EF4-FFF2-40B4-BE49-F238E27FC236}">
+                <a16:creationId xmlns:a16="http://schemas.microsoft.com/office/drawing/2014/main" id="{7262351F-26C1-B9E3-DA8C-AC2D55AEBEBD}"/>
+              </a:ext>
+            </a:extLst>
+          </p:cNvPr>
+          <p:cNvSpPr>
+            <a:spLocks noGrp="1"/>
+          </p:cNvSpPr>
+          <p:nvPr>
+            <p:ph idx="1"/>
+          </p:nvPr>
+        </p:nvSpPr>
+        <p:spPr>
+          <a:xfrm>
+            <a:off x="838200" y="914401"/>
+            <a:ext cx="10515600" cy="3147236"/>
+          </a:xfrm>
+        </p:spPr>
+        <p:txBody>
+          <a:bodyPr/>
+          <a:lstStyle/>
+          <a:p>
+            <a:pPr marL="0" indent="0">
+              <a:buNone/>
+            </a:pPr>
+            <a:r>
+              <a:rPr lang="en" sz="2000" dirty="0"/>
+              <a:t>Raw-</a:t>
+            </a:r>
+            <a:r>
+              <a:rPr lang="ru-RU" sz="2000" dirty="0"/>
+              <a:t>сокет — это тип сокета, который предоставляет </a:t>
+            </a:r>
+            <a:r>
+              <a:rPr lang="ru-RU" sz="2000" b="1" dirty="0"/>
+              <a:t>необработанный доступ к </a:t>
+            </a:r>
+            <a:r>
+              <a:rPr lang="en" sz="2000" b="1" dirty="0"/>
+              <a:t>IP-</a:t>
+            </a:r>
+            <a:r>
+              <a:rPr lang="ru-RU" sz="2000" b="1" dirty="0"/>
+              <a:t>пакетам</a:t>
+            </a:r>
+            <a:r>
+              <a:rPr lang="ru-RU" sz="2000" dirty="0"/>
+              <a:t>.</a:t>
+            </a:r>
+            <a:br>
+              <a:rPr lang="en-US" sz="2000" dirty="0"/>
+            </a:br>
+            <a:r>
+              <a:rPr lang="ru-RU" sz="2000" dirty="0"/>
+              <a:t>Он позволяет напрямую отправлять и получать пакеты на уровне сетевой или транспортной модели </a:t>
+            </a:r>
+            <a:r>
+              <a:rPr lang="en" sz="2000" dirty="0"/>
+              <a:t>OSI. </a:t>
+            </a:r>
+            <a:endParaRPr lang="ru-RU" sz="2000" dirty="0"/>
+          </a:p>
+          <a:p>
+            <a:pPr marL="0" indent="0">
+              <a:buNone/>
+            </a:pPr>
+            <a:r>
+              <a:rPr lang="ru-RU" sz="1800" dirty="0"/>
+              <a:t>В отличие от </a:t>
+            </a:r>
+            <a:r>
+              <a:rPr lang="en" sz="1800" dirty="0"/>
+              <a:t>SOCK_STREAM (TCP) </a:t>
+            </a:r>
+            <a:r>
+              <a:rPr lang="ru-RU" sz="1800" dirty="0"/>
+              <a:t>или </a:t>
+            </a:r>
+            <a:r>
+              <a:rPr lang="en" sz="1800" dirty="0"/>
+              <a:t>SOCK_DGRAM (UDP), raw-</a:t>
+            </a:r>
+            <a:r>
+              <a:rPr lang="ru-RU" sz="1800" dirty="0"/>
+              <a:t>сокеты позволяют работать с заголовками пакетов вручную.</a:t>
+            </a:r>
+          </a:p>
+          <a:p>
+            <a:pPr marL="0" indent="0">
+              <a:buNone/>
+            </a:pPr>
+            <a:r>
+              <a:rPr lang="ru-RU" sz="1800" dirty="0"/>
+              <a:t>Только </a:t>
+            </a:r>
+            <a:r>
+              <a:rPr lang="en" sz="1800" dirty="0"/>
+              <a:t>root </a:t>
+            </a:r>
+            <a:r>
+              <a:rPr lang="ru-RU" sz="1800" dirty="0"/>
+              <a:t>может создавать </a:t>
+            </a:r>
+            <a:r>
+              <a:rPr lang="en" sz="1800" dirty="0"/>
+              <a:t>raw-</a:t>
+            </a:r>
+            <a:r>
+              <a:rPr lang="ru-RU" sz="1800" dirty="0"/>
+              <a:t>сокеты, т.к. они могут использоваться для:</a:t>
+            </a:r>
+          </a:p>
+          <a:p>
+            <a:pPr>
+              <a:lnSpc>
+                <a:spcPct val="100000"/>
+              </a:lnSpc>
+              <a:spcBef>
+                <a:spcPts val="0"/>
+              </a:spcBef>
+            </a:pPr>
+            <a:r>
+              <a:rPr lang="ru-RU" sz="1800" dirty="0"/>
+              <a:t>создания собственных протоколов,</a:t>
+            </a:r>
+          </a:p>
+          <a:p>
+            <a:pPr>
+              <a:lnSpc>
+                <a:spcPct val="100000"/>
+              </a:lnSpc>
+              <a:spcBef>
+                <a:spcPts val="0"/>
+              </a:spcBef>
+            </a:pPr>
+            <a:r>
+              <a:rPr lang="ru-RU" sz="1800" dirty="0"/>
+              <a:t>сниффинга,</a:t>
+            </a:r>
+          </a:p>
+          <a:p>
+            <a:pPr>
+              <a:lnSpc>
+                <a:spcPct val="100000"/>
+              </a:lnSpc>
+              <a:spcBef>
+                <a:spcPts val="0"/>
+              </a:spcBef>
+            </a:pPr>
+            <a:r>
+              <a:rPr lang="ru-RU" sz="1800" dirty="0"/>
+              <a:t>флуда и </a:t>
+            </a:r>
+            <a:r>
+              <a:rPr lang="en" sz="1800" dirty="0"/>
+              <a:t>DoS-</a:t>
+            </a:r>
+            <a:r>
+              <a:rPr lang="ru-RU" sz="1800" dirty="0"/>
+              <a:t>атак.</a:t>
+            </a:r>
+          </a:p>
+          <a:p>
+            <a:pPr marL="0" indent="0">
+              <a:buNone/>
+            </a:pPr>
+            <a:r>
+              <a:rPr lang="ru-RU" sz="1800" dirty="0"/>
+              <a:t>Простейший сниффер </a:t>
+            </a:r>
+            <a:r>
+              <a:rPr lang="en" sz="1800" dirty="0"/>
+              <a:t>IP-</a:t>
+            </a:r>
+            <a:r>
+              <a:rPr lang="ru-RU" sz="1800" dirty="0"/>
+              <a:t>пакетов (</a:t>
+            </a:r>
+            <a:r>
+              <a:rPr lang="en" sz="1800" dirty="0"/>
+              <a:t>Linux/macOS)</a:t>
+            </a:r>
+            <a:r>
+              <a:rPr lang="en-US" sz="1800" dirty="0"/>
+              <a:t>:</a:t>
+            </a:r>
+            <a:endParaRPr lang="en" sz="1800" dirty="0"/>
+          </a:p>
+        </p:txBody>
+      </p:sp>
+      <p:sp>
+        <p:nvSpPr>
+          <p:cNvPr id="7" name="TextBox 6">
+            <a:extLst>
+              <a:ext uri="{FF2B5EF4-FFF2-40B4-BE49-F238E27FC236}">
+                <a16:creationId xmlns:a16="http://schemas.microsoft.com/office/drawing/2014/main" id="{26E30383-74FE-7CE4-7696-F9514E0EEAE0}"/>
+              </a:ext>
+            </a:extLst>
+          </p:cNvPr>
+          <p:cNvSpPr txBox="1"/>
+          <p:nvPr/>
+        </p:nvSpPr>
+        <p:spPr>
+          <a:xfrm>
+            <a:off x="838201" y="4029740"/>
+            <a:ext cx="10515599" cy="1754326"/>
+          </a:xfrm>
+          <a:prstGeom prst="rect">
+            <a:avLst/>
+          </a:prstGeom>
+          <a:solidFill>
+            <a:schemeClr val="bg1">
+              <a:lumMod val="95000"/>
+            </a:schemeClr>
+          </a:solidFill>
+        </p:spPr>
+        <p:txBody>
+          <a:bodyPr wrap="square">
+            <a:spAutoFit/>
+          </a:bodyPr>
+          <a:lstStyle/>
+          <a:p>
+            <a:r>
+              <a:rPr lang="ru-RU" b="1" noProof="1">
+                <a:solidFill>
+                  <a:srgbClr val="0C450D"/>
+                </a:solidFill>
+                <a:effectLst/>
+                <a:latin typeface="Consolas" panose="020B0609020204030204" pitchFamily="49" charset="0"/>
+                <a:cs typeface="Consolas" panose="020B0609020204030204" pitchFamily="49" charset="0"/>
+              </a:rPr>
+              <a:t>import</a:t>
+            </a:r>
+            <a:r>
+              <a:rPr lang="ru-RU" noProof="1">
+                <a:effectLst/>
+                <a:latin typeface="Consolas" panose="020B0609020204030204" pitchFamily="49" charset="0"/>
+                <a:cs typeface="Consolas" panose="020B0609020204030204" pitchFamily="49" charset="0"/>
+              </a:rPr>
+              <a:t> socket</a:t>
+            </a:r>
+            <a:br>
+              <a:rPr lang="ru-RU" noProof="1">
+                <a:effectLst/>
+                <a:latin typeface="Consolas" panose="020B0609020204030204" pitchFamily="49" charset="0"/>
+                <a:cs typeface="Consolas" panose="020B0609020204030204" pitchFamily="49" charset="0"/>
+              </a:rPr>
+            </a:br>
+            <a:r>
+              <a:rPr lang="ru-RU" noProof="1">
+                <a:solidFill>
+                  <a:srgbClr val="0066FF"/>
+                </a:solidFill>
+                <a:effectLst/>
+                <a:latin typeface="Consolas" panose="020B0609020204030204" pitchFamily="49" charset="0"/>
+                <a:cs typeface="Consolas" panose="020B0609020204030204" pitchFamily="49" charset="0"/>
+              </a:rPr>
+              <a:t># Создаём raw-сокет</a:t>
+            </a:r>
+            <a:br>
+              <a:rPr lang="ru-RU" noProof="1">
+                <a:solidFill>
+                  <a:srgbClr val="0066FF"/>
+                </a:solidFill>
+                <a:effectLst/>
+                <a:latin typeface="Consolas" panose="020B0609020204030204" pitchFamily="49" charset="0"/>
+                <a:cs typeface="Consolas" panose="020B0609020204030204" pitchFamily="49" charset="0"/>
+              </a:rPr>
+            </a:br>
+            <a:r>
+              <a:rPr lang="ru-RU" noProof="1">
+                <a:effectLst/>
+                <a:latin typeface="Consolas" panose="020B0609020204030204" pitchFamily="49" charset="0"/>
+                <a:cs typeface="Consolas" panose="020B0609020204030204" pitchFamily="49" charset="0"/>
+              </a:rPr>
+              <a:t>s </a:t>
+            </a:r>
+            <a:r>
+              <a:rPr lang="ru-RU" b="1" noProof="1">
+                <a:solidFill>
+                  <a:srgbClr val="0000FF"/>
+                </a:solidFill>
+                <a:effectLst/>
+                <a:latin typeface="Consolas" panose="020B0609020204030204" pitchFamily="49" charset="0"/>
+                <a:cs typeface="Consolas" panose="020B0609020204030204" pitchFamily="49" charset="0"/>
+              </a:rPr>
+              <a:t>=</a:t>
+            </a:r>
+            <a:r>
+              <a:rPr lang="ru-RU" noProof="1">
+                <a:effectLst/>
+                <a:latin typeface="Consolas" panose="020B0609020204030204" pitchFamily="49" charset="0"/>
+                <a:cs typeface="Consolas" panose="020B0609020204030204" pitchFamily="49" charset="0"/>
+              </a:rPr>
+              <a:t> socket.socket(socket.</a:t>
+            </a:r>
+            <a:r>
+              <a:rPr lang="ru-RU" b="1" noProof="1">
+                <a:solidFill>
+                  <a:srgbClr val="C5060B"/>
+                </a:solidFill>
+                <a:effectLst/>
+                <a:latin typeface="Consolas" panose="020B0609020204030204" pitchFamily="49" charset="0"/>
+                <a:cs typeface="Consolas" panose="020B0609020204030204" pitchFamily="49" charset="0"/>
+              </a:rPr>
+              <a:t>AF_INET</a:t>
+            </a:r>
+            <a:r>
+              <a:rPr lang="ru-RU" noProof="1">
+                <a:effectLst/>
+                <a:latin typeface="Consolas" panose="020B0609020204030204" pitchFamily="49" charset="0"/>
+                <a:cs typeface="Consolas" panose="020B0609020204030204" pitchFamily="49" charset="0"/>
+              </a:rPr>
+              <a:t>, socket.</a:t>
+            </a:r>
+            <a:r>
+              <a:rPr lang="ru-RU" b="1" noProof="1">
+                <a:solidFill>
+                  <a:srgbClr val="C5060B"/>
+                </a:solidFill>
+                <a:effectLst/>
+                <a:latin typeface="Consolas" panose="020B0609020204030204" pitchFamily="49" charset="0"/>
+                <a:cs typeface="Consolas" panose="020B0609020204030204" pitchFamily="49" charset="0"/>
+              </a:rPr>
+              <a:t>SOCK_RAW</a:t>
+            </a:r>
+            <a:r>
+              <a:rPr lang="ru-RU" noProof="1">
+                <a:effectLst/>
+                <a:latin typeface="Consolas" panose="020B0609020204030204" pitchFamily="49" charset="0"/>
+                <a:cs typeface="Consolas" panose="020B0609020204030204" pitchFamily="49" charset="0"/>
+              </a:rPr>
+              <a:t>, socket.</a:t>
+            </a:r>
+            <a:r>
+              <a:rPr lang="ru-RU" b="1" noProof="1">
+                <a:solidFill>
+                  <a:srgbClr val="C5060B"/>
+                </a:solidFill>
+                <a:effectLst/>
+                <a:latin typeface="Consolas" panose="020B0609020204030204" pitchFamily="49" charset="0"/>
+                <a:cs typeface="Consolas" panose="020B0609020204030204" pitchFamily="49" charset="0"/>
+              </a:rPr>
+              <a:t>IPPROTO_TCP</a:t>
+            </a:r>
+            <a:r>
+              <a:rPr lang="ru-RU" noProof="1">
+                <a:effectLst/>
+                <a:latin typeface="Consolas" panose="020B0609020204030204" pitchFamily="49" charset="0"/>
+                <a:cs typeface="Consolas" panose="020B0609020204030204" pitchFamily="49" charset="0"/>
+              </a:rPr>
+              <a:t>)</a:t>
+            </a:r>
+            <a:br>
+              <a:rPr lang="ru-RU" noProof="1">
+                <a:effectLst/>
+                <a:latin typeface="Consolas" panose="020B0609020204030204" pitchFamily="49" charset="0"/>
+                <a:cs typeface="Consolas" panose="020B0609020204030204" pitchFamily="49" charset="0"/>
+              </a:rPr>
+            </a:br>
+            <a:r>
+              <a:rPr lang="ru-RU" b="1" noProof="1">
+                <a:solidFill>
+                  <a:srgbClr val="0000FF"/>
+                </a:solidFill>
+                <a:effectLst/>
+                <a:latin typeface="Consolas" panose="020B0609020204030204" pitchFamily="49" charset="0"/>
+                <a:cs typeface="Consolas" panose="020B0609020204030204" pitchFamily="49" charset="0"/>
+              </a:rPr>
+              <a:t>while</a:t>
+            </a:r>
+            <a:r>
+              <a:rPr lang="ru-RU" noProof="1">
+                <a:effectLst/>
+                <a:latin typeface="Consolas" panose="020B0609020204030204" pitchFamily="49" charset="0"/>
+                <a:cs typeface="Consolas" panose="020B0609020204030204" pitchFamily="49" charset="0"/>
+              </a:rPr>
+              <a:t> </a:t>
+            </a:r>
+            <a:r>
+              <a:rPr lang="ru-RU" b="1" noProof="1">
+                <a:solidFill>
+                  <a:srgbClr val="585CF6"/>
+                </a:solidFill>
+                <a:effectLst/>
+                <a:latin typeface="Consolas" panose="020B0609020204030204" pitchFamily="49" charset="0"/>
+                <a:cs typeface="Consolas" panose="020B0609020204030204" pitchFamily="49" charset="0"/>
+              </a:rPr>
+              <a:t>True</a:t>
+            </a:r>
+            <a:r>
+              <a:rPr lang="ru-RU" noProof="1">
+                <a:effectLst/>
+                <a:latin typeface="Consolas" panose="020B0609020204030204" pitchFamily="49" charset="0"/>
+                <a:cs typeface="Consolas" panose="020B0609020204030204" pitchFamily="49" charset="0"/>
+              </a:rPr>
+              <a:t>:</a:t>
+            </a:r>
+            <a:br>
+              <a:rPr lang="ru-RU" noProof="1">
+                <a:effectLst/>
+                <a:latin typeface="Consolas" panose="020B0609020204030204" pitchFamily="49" charset="0"/>
+                <a:cs typeface="Consolas" panose="020B0609020204030204" pitchFamily="49" charset="0"/>
+              </a:rPr>
+            </a:br>
+            <a:r>
+              <a:rPr lang="ru-RU" noProof="1">
+                <a:effectLst/>
+                <a:latin typeface="Consolas" panose="020B0609020204030204" pitchFamily="49" charset="0"/>
+                <a:cs typeface="Consolas" panose="020B0609020204030204" pitchFamily="49" charset="0"/>
+              </a:rPr>
+              <a:t>    packet </a:t>
+            </a:r>
+            <a:r>
+              <a:rPr lang="ru-RU" b="1" noProof="1">
+                <a:solidFill>
+                  <a:srgbClr val="0000FF"/>
+                </a:solidFill>
+                <a:effectLst/>
+                <a:latin typeface="Consolas" panose="020B0609020204030204" pitchFamily="49" charset="0"/>
+                <a:cs typeface="Consolas" panose="020B0609020204030204" pitchFamily="49" charset="0"/>
+              </a:rPr>
+              <a:t>=</a:t>
+            </a:r>
+            <a:r>
+              <a:rPr lang="ru-RU" noProof="1">
+                <a:effectLst/>
+                <a:latin typeface="Consolas" panose="020B0609020204030204" pitchFamily="49" charset="0"/>
+                <a:cs typeface="Consolas" panose="020B0609020204030204" pitchFamily="49" charset="0"/>
+              </a:rPr>
+              <a:t> s.recvfrom(</a:t>
+            </a:r>
+            <a:r>
+              <a:rPr lang="ru-RU" noProof="1">
+                <a:solidFill>
+                  <a:srgbClr val="0000CD"/>
+                </a:solidFill>
+                <a:effectLst/>
+                <a:latin typeface="Consolas" panose="020B0609020204030204" pitchFamily="49" charset="0"/>
+                <a:cs typeface="Consolas" panose="020B0609020204030204" pitchFamily="49" charset="0"/>
+              </a:rPr>
+              <a:t>65565</a:t>
+            </a:r>
+            <a:r>
+              <a:rPr lang="ru-RU" noProof="1">
+                <a:effectLst/>
+                <a:latin typeface="Consolas" panose="020B0609020204030204" pitchFamily="49" charset="0"/>
+                <a:cs typeface="Consolas" panose="020B0609020204030204" pitchFamily="49" charset="0"/>
+              </a:rPr>
+              <a:t>)[</a:t>
+            </a:r>
+            <a:r>
+              <a:rPr lang="ru-RU" noProof="1">
+                <a:solidFill>
+                  <a:srgbClr val="0000CD"/>
+                </a:solidFill>
+                <a:effectLst/>
+                <a:latin typeface="Consolas" panose="020B0609020204030204" pitchFamily="49" charset="0"/>
+                <a:cs typeface="Consolas" panose="020B0609020204030204" pitchFamily="49" charset="0"/>
+              </a:rPr>
+              <a:t>0</a:t>
+            </a:r>
+            <a:r>
+              <a:rPr lang="ru-RU" noProof="1">
+                <a:effectLst/>
+                <a:latin typeface="Consolas" panose="020B0609020204030204" pitchFamily="49" charset="0"/>
+                <a:cs typeface="Consolas" panose="020B0609020204030204" pitchFamily="49" charset="0"/>
+              </a:rPr>
+              <a:t>]  </a:t>
+            </a:r>
+            <a:r>
+              <a:rPr lang="ru-RU" noProof="1">
+                <a:solidFill>
+                  <a:srgbClr val="0066FF"/>
+                </a:solidFill>
+                <a:effectLst/>
+                <a:latin typeface="Consolas" panose="020B0609020204030204" pitchFamily="49" charset="0"/>
+                <a:cs typeface="Consolas" panose="020B0609020204030204" pitchFamily="49" charset="0"/>
+              </a:rPr>
+              <a:t># Получаем "сырой" пакет</a:t>
+            </a:r>
+            <a:br>
+              <a:rPr lang="ru-RU" noProof="1">
+                <a:solidFill>
+                  <a:srgbClr val="0066FF"/>
+                </a:solidFill>
+                <a:effectLst/>
+                <a:latin typeface="Consolas" panose="020B0609020204030204" pitchFamily="49" charset="0"/>
+                <a:cs typeface="Consolas" panose="020B0609020204030204" pitchFamily="49" charset="0"/>
+              </a:rPr>
+            </a:br>
+            <a:r>
+              <a:rPr lang="ru-RU" noProof="1">
+                <a:effectLst/>
+                <a:latin typeface="Consolas" panose="020B0609020204030204" pitchFamily="49" charset="0"/>
+                <a:cs typeface="Consolas" panose="020B0609020204030204" pitchFamily="49" charset="0"/>
+              </a:rPr>
+              <a:t>    </a:t>
+            </a:r>
+            <a:r>
+              <a:rPr lang="ru-RU" b="1" noProof="1">
+                <a:solidFill>
+                  <a:srgbClr val="3C4C72"/>
+                </a:solidFill>
+                <a:effectLst/>
+                <a:latin typeface="Consolas" panose="020B0609020204030204" pitchFamily="49" charset="0"/>
+                <a:cs typeface="Consolas" panose="020B0609020204030204" pitchFamily="49" charset="0"/>
+              </a:rPr>
+              <a:t>print</a:t>
+            </a:r>
+            <a:r>
+              <a:rPr lang="ru-RU" noProof="1">
+                <a:effectLst/>
+                <a:latin typeface="Consolas" panose="020B0609020204030204" pitchFamily="49" charset="0"/>
+                <a:cs typeface="Consolas" panose="020B0609020204030204" pitchFamily="49" charset="0"/>
+              </a:rPr>
+              <a:t>(f</a:t>
+            </a:r>
+            <a:r>
+              <a:rPr lang="ru-RU" noProof="1">
+                <a:solidFill>
+                  <a:srgbClr val="036A07"/>
+                </a:solidFill>
+                <a:effectLst/>
+                <a:latin typeface="Consolas" panose="020B0609020204030204" pitchFamily="49" charset="0"/>
+                <a:cs typeface="Consolas" panose="020B0609020204030204" pitchFamily="49" charset="0"/>
+              </a:rPr>
+              <a:t>"Received {len(packet)} bytes: {packet[:20].hex()}"</a:t>
+            </a:r>
+            <a:r>
+              <a:rPr lang="ru-RU" noProof="1">
+                <a:effectLst/>
+                <a:latin typeface="Consolas" panose="020B0609020204030204" pitchFamily="49" charset="0"/>
+                <a:cs typeface="Consolas" panose="020B0609020204030204" pitchFamily="49" charset="0"/>
+              </a:rPr>
+              <a:t>)</a:t>
+            </a:r>
+          </a:p>
+        </p:txBody>
+      </p:sp>
+      <p:sp>
+        <p:nvSpPr>
+          <p:cNvPr id="9" name="TextBox 8">
+            <a:extLst>
+              <a:ext uri="{FF2B5EF4-FFF2-40B4-BE49-F238E27FC236}">
+                <a16:creationId xmlns:a16="http://schemas.microsoft.com/office/drawing/2014/main" id="{AC82D6FF-9C0B-31BC-E3A0-F467A4BD1B22}"/>
+              </a:ext>
+            </a:extLst>
+          </p:cNvPr>
+          <p:cNvSpPr txBox="1"/>
+          <p:nvPr/>
+        </p:nvSpPr>
+        <p:spPr>
+          <a:xfrm>
+            <a:off x="762886" y="5891558"/>
+            <a:ext cx="10294974" cy="923330"/>
+          </a:xfrm>
+          <a:prstGeom prst="rect">
+            <a:avLst/>
+          </a:prstGeom>
+          <a:noFill/>
+        </p:spPr>
+        <p:txBody>
+          <a:bodyPr wrap="square">
+            <a:spAutoFit/>
+          </a:bodyPr>
+          <a:lstStyle/>
+          <a:p>
+            <a:pPr marL="285750" indent="-285750">
+              <a:buFont typeface="Arial" panose="020B0604020202020204" pitchFamily="34" charset="0"/>
+              <a:buChar char="•"/>
+            </a:pPr>
+            <a:r>
+              <a:rPr lang="ru-RU" dirty="0"/>
+              <a:t>работает только от </a:t>
+            </a:r>
+            <a:r>
+              <a:rPr lang="en" dirty="0"/>
+              <a:t>root (</a:t>
+            </a:r>
+            <a:r>
+              <a:rPr lang="ru-RU" dirty="0"/>
+              <a:t>или с </a:t>
+            </a:r>
+            <a:r>
+              <a:rPr lang="en" dirty="0" err="1"/>
+              <a:t>sudo</a:t>
+            </a:r>
+            <a:r>
+              <a:rPr lang="en" dirty="0"/>
+              <a:t>),</a:t>
+            </a:r>
+            <a:endParaRPr lang="ru-RU" dirty="0"/>
+          </a:p>
+          <a:p>
+            <a:pPr marL="285750" indent="-285750">
+              <a:buFont typeface="Arial" panose="020B0604020202020204" pitchFamily="34" charset="0"/>
+              <a:buChar char="•"/>
+            </a:pPr>
+            <a:r>
+              <a:rPr lang="ru-RU" dirty="0"/>
+              <a:t>получает </a:t>
+            </a:r>
+            <a:r>
+              <a:rPr lang="ru-RU" b="1" dirty="0"/>
+              <a:t>весь </a:t>
+            </a:r>
+            <a:r>
+              <a:rPr lang="en" b="1" dirty="0"/>
+              <a:t>IP-</a:t>
+            </a:r>
+            <a:r>
+              <a:rPr lang="ru-RU" b="1" dirty="0"/>
+              <a:t>трафик</a:t>
+            </a:r>
+            <a:r>
+              <a:rPr lang="ru-RU" dirty="0"/>
+              <a:t>, проходящий через интерфейс (в данном случае — </a:t>
+            </a:r>
+            <a:r>
+              <a:rPr lang="en" dirty="0"/>
+              <a:t>TCP),</a:t>
+            </a:r>
+            <a:endParaRPr lang="ru-RU" dirty="0"/>
+          </a:p>
+          <a:p>
+            <a:pPr marL="285750" indent="-285750">
+              <a:buFont typeface="Arial" panose="020B0604020202020204" pitchFamily="34" charset="0"/>
+              <a:buChar char="•"/>
+            </a:pPr>
+            <a:r>
+              <a:rPr lang="ru-RU" dirty="0"/>
+              <a:t>не показывает полезные данные сразу — нужно </a:t>
+            </a:r>
+            <a:r>
+              <a:rPr lang="ru-RU" b="1" dirty="0"/>
+              <a:t>разбирать вручную</a:t>
+            </a:r>
+            <a:r>
+              <a:rPr lang="ru-RU" dirty="0"/>
+              <a:t> </a:t>
+            </a:r>
+            <a:r>
+              <a:rPr lang="en" dirty="0"/>
+              <a:t>IP- </a:t>
+            </a:r>
+            <a:r>
+              <a:rPr lang="ru-RU" dirty="0"/>
+              <a:t>и </a:t>
+            </a:r>
+            <a:r>
+              <a:rPr lang="en" dirty="0"/>
+              <a:t>TCP-</a:t>
+            </a:r>
+            <a:r>
+              <a:rPr lang="ru-RU" dirty="0"/>
+              <a:t>заголовки.</a:t>
+            </a:r>
+          </a:p>
+        </p:txBody>
+      </p:sp>
+    </p:spTree>
+    <p:extLst>
+      <p:ext uri="{BB962C8B-B14F-4D97-AF65-F5344CB8AC3E}">
+        <p14:creationId xmlns:p14="http://schemas.microsoft.com/office/powerpoint/2010/main" val="3667767859"/>
+      </p:ext>
+    </p:extLst>
+  </p:cSld>
+  <p:clrMapOvr>
+    <a:masterClrMapping/>
+  </p:clrMapOvr>
+</p:sld>
+</file>
+
+<file path=ppt/slides/slide41.xml><?xml version="1.0" encoding="utf-8"?>
+<p:sld xmlns:a="http://schemas.openxmlformats.org/drawingml/2006/main" xmlns:r="http://schemas.openxmlformats.org/officeDocument/2006/relationships" xmlns:p="http://schemas.openxmlformats.org/presentationml/2006/main">
+  <p:cSld>
+    <p:spTree>
+      <p:nvGrpSpPr>
+        <p:cNvPr id="1" name=""/>
+        <p:cNvGrpSpPr/>
+        <p:nvPr/>
+      </p:nvGrpSpPr>
+      <p:grpSpPr>
+        <a:xfrm>
+          <a:off x="0" y="0"/>
+          <a:ext cx="0" cy="0"/>
+          <a:chOff x="0" y="0"/>
+          <a:chExt cx="0" cy="0"/>
+        </a:xfrm>
+      </p:grpSpPr>
+      <p:sp>
+        <p:nvSpPr>
+          <p:cNvPr id="2" name="Заголовок 1">
+            <a:extLst>
+              <a:ext uri="{FF2B5EF4-FFF2-40B4-BE49-F238E27FC236}">
+                <a16:creationId xmlns:a16="http://schemas.microsoft.com/office/drawing/2014/main" id="{05A542BE-2818-E1EC-6BCD-B4B563D30EF6}"/>
+              </a:ext>
+            </a:extLst>
+          </p:cNvPr>
+          <p:cNvSpPr>
+            <a:spLocks noGrp="1"/>
+          </p:cNvSpPr>
+          <p:nvPr>
+            <p:ph type="title"/>
+          </p:nvPr>
+        </p:nvSpPr>
+        <p:spPr/>
+        <p:txBody>
+          <a:bodyPr>
+            <a:normAutofit/>
+          </a:bodyPr>
+          <a:lstStyle/>
+          <a:p>
+            <a:r>
+              <a:rPr lang="ru-RU" dirty="0"/>
+              <a:t>Пример: Разбор </a:t>
+            </a:r>
+            <a:r>
+              <a:rPr lang="en" dirty="0"/>
+              <a:t>IP </a:t>
+            </a:r>
+            <a:r>
+              <a:rPr lang="ru-RU" dirty="0"/>
+              <a:t>и </a:t>
+            </a:r>
+            <a:r>
+              <a:rPr lang="en" dirty="0"/>
+              <a:t>TCP-</a:t>
+            </a:r>
+            <a:r>
+              <a:rPr lang="ru-RU" dirty="0"/>
+              <a:t>заголовков</a:t>
+            </a:r>
+          </a:p>
+        </p:txBody>
+      </p:sp>
+      <p:sp>
+        <p:nvSpPr>
+          <p:cNvPr id="3" name="Объект 2">
+            <a:extLst>
+              <a:ext uri="{FF2B5EF4-FFF2-40B4-BE49-F238E27FC236}">
+                <a16:creationId xmlns:a16="http://schemas.microsoft.com/office/drawing/2014/main" id="{2B560669-435A-8CDA-9577-0106E83DFFD3}"/>
+              </a:ext>
+            </a:extLst>
+          </p:cNvPr>
+          <p:cNvSpPr>
+            <a:spLocks noGrp="1"/>
+          </p:cNvSpPr>
+          <p:nvPr>
+            <p:ph idx="1"/>
+          </p:nvPr>
+        </p:nvSpPr>
+        <p:spPr/>
+        <p:txBody>
+          <a:bodyPr/>
+          <a:lstStyle/>
+          <a:p>
+            <a:pPr marL="0" indent="0">
+              <a:buNone/>
+            </a:pPr>
+            <a:r>
+              <a:rPr lang="en" sz="1800" b="1" noProof="1">
+                <a:solidFill>
+                  <a:srgbClr val="0C450D"/>
+                </a:solidFill>
+                <a:effectLst/>
+                <a:latin typeface="Consolas" panose="020B0609020204030204" pitchFamily="49" charset="0"/>
+                <a:cs typeface="Consolas" panose="020B0609020204030204" pitchFamily="49" charset="0"/>
+              </a:rPr>
+              <a:t>import</a:t>
+            </a:r>
+            <a:r>
+              <a:rPr lang="en" sz="1800" noProof="1">
+                <a:effectLst/>
+                <a:latin typeface="Consolas" panose="020B0609020204030204" pitchFamily="49" charset="0"/>
+                <a:cs typeface="Consolas" panose="020B0609020204030204" pitchFamily="49" charset="0"/>
+              </a:rPr>
+              <a:t> socket</a:t>
+            </a:r>
+            <a:br>
+              <a:rPr lang="en" sz="1800" noProof="1">
+                <a:effectLst/>
+                <a:latin typeface="Consolas" panose="020B0609020204030204" pitchFamily="49" charset="0"/>
+                <a:cs typeface="Consolas" panose="020B0609020204030204" pitchFamily="49" charset="0"/>
+              </a:rPr>
+            </a:br>
+            <a:r>
+              <a:rPr lang="en" sz="1800" b="1" noProof="1">
+                <a:solidFill>
+                  <a:srgbClr val="0C450D"/>
+                </a:solidFill>
+                <a:effectLst/>
+                <a:latin typeface="Consolas" panose="020B0609020204030204" pitchFamily="49" charset="0"/>
+                <a:cs typeface="Consolas" panose="020B0609020204030204" pitchFamily="49" charset="0"/>
+              </a:rPr>
+              <a:t>import</a:t>
+            </a:r>
+            <a:r>
+              <a:rPr lang="en" sz="1800" noProof="1">
+                <a:effectLst/>
+                <a:latin typeface="Consolas" panose="020B0609020204030204" pitchFamily="49" charset="0"/>
+                <a:cs typeface="Consolas" panose="020B0609020204030204" pitchFamily="49" charset="0"/>
+              </a:rPr>
+              <a:t> struct</a:t>
+            </a:r>
+            <a:br>
+              <a:rPr lang="en" sz="1800" noProof="1">
+                <a:effectLst/>
+                <a:latin typeface="Consolas" panose="020B0609020204030204" pitchFamily="49" charset="0"/>
+                <a:cs typeface="Consolas" panose="020B0609020204030204" pitchFamily="49" charset="0"/>
+              </a:rPr>
+            </a:br>
+            <a:br>
+              <a:rPr lang="en" sz="1800" noProof="1">
+                <a:effectLst/>
+                <a:latin typeface="Consolas" panose="020B0609020204030204" pitchFamily="49" charset="0"/>
+                <a:cs typeface="Consolas" panose="020B0609020204030204" pitchFamily="49" charset="0"/>
+              </a:rPr>
+            </a:br>
+            <a:r>
+              <a:rPr lang="en" sz="1800" noProof="1">
+                <a:effectLst/>
+                <a:latin typeface="Consolas" panose="020B0609020204030204" pitchFamily="49" charset="0"/>
+                <a:cs typeface="Consolas" panose="020B0609020204030204" pitchFamily="49" charset="0"/>
+              </a:rPr>
+              <a:t>s </a:t>
+            </a:r>
+            <a:r>
+              <a:rPr lang="en" sz="1800" b="1" noProof="1">
+                <a:solidFill>
+                  <a:srgbClr val="0000FF"/>
+                </a:solidFill>
+                <a:effectLst/>
+                <a:latin typeface="Consolas" panose="020B0609020204030204" pitchFamily="49" charset="0"/>
+                <a:cs typeface="Consolas" panose="020B0609020204030204" pitchFamily="49" charset="0"/>
+              </a:rPr>
+              <a:t>=</a:t>
+            </a:r>
+            <a:r>
+              <a:rPr lang="en" sz="1800" noProof="1">
+                <a:effectLst/>
+                <a:latin typeface="Consolas" panose="020B0609020204030204" pitchFamily="49" charset="0"/>
+                <a:cs typeface="Consolas" panose="020B0609020204030204" pitchFamily="49" charset="0"/>
+              </a:rPr>
+              <a:t> socket.socket(socket.</a:t>
+            </a:r>
+            <a:r>
+              <a:rPr lang="en" sz="1800" b="1" noProof="1">
+                <a:solidFill>
+                  <a:srgbClr val="C5060B"/>
+                </a:solidFill>
+                <a:effectLst/>
+                <a:latin typeface="Consolas" panose="020B0609020204030204" pitchFamily="49" charset="0"/>
+                <a:cs typeface="Consolas" panose="020B0609020204030204" pitchFamily="49" charset="0"/>
+              </a:rPr>
+              <a:t>AF_INET</a:t>
+            </a:r>
+            <a:r>
+              <a:rPr lang="en" sz="1800" noProof="1">
+                <a:effectLst/>
+                <a:latin typeface="Consolas" panose="020B0609020204030204" pitchFamily="49" charset="0"/>
+                <a:cs typeface="Consolas" panose="020B0609020204030204" pitchFamily="49" charset="0"/>
+              </a:rPr>
+              <a:t>, socket.</a:t>
+            </a:r>
+            <a:r>
+              <a:rPr lang="en" sz="1800" b="1" noProof="1">
+                <a:solidFill>
+                  <a:srgbClr val="C5060B"/>
+                </a:solidFill>
+                <a:effectLst/>
+                <a:latin typeface="Consolas" panose="020B0609020204030204" pitchFamily="49" charset="0"/>
+                <a:cs typeface="Consolas" panose="020B0609020204030204" pitchFamily="49" charset="0"/>
+              </a:rPr>
+              <a:t>SOCK_RAW</a:t>
+            </a:r>
+            <a:r>
+              <a:rPr lang="en" sz="1800" noProof="1">
+                <a:effectLst/>
+                <a:latin typeface="Consolas" panose="020B0609020204030204" pitchFamily="49" charset="0"/>
+                <a:cs typeface="Consolas" panose="020B0609020204030204" pitchFamily="49" charset="0"/>
+              </a:rPr>
+              <a:t>, socket.</a:t>
+            </a:r>
+            <a:r>
+              <a:rPr lang="en" sz="1800" b="1" noProof="1">
+                <a:solidFill>
+                  <a:srgbClr val="C5060B"/>
+                </a:solidFill>
+                <a:effectLst/>
+                <a:latin typeface="Consolas" panose="020B0609020204030204" pitchFamily="49" charset="0"/>
+                <a:cs typeface="Consolas" panose="020B0609020204030204" pitchFamily="49" charset="0"/>
+              </a:rPr>
+              <a:t>IPPROTO_TCP</a:t>
+            </a:r>
+            <a:r>
+              <a:rPr lang="en" sz="1800" noProof="1">
+                <a:effectLst/>
+                <a:latin typeface="Consolas" panose="020B0609020204030204" pitchFamily="49" charset="0"/>
+                <a:cs typeface="Consolas" panose="020B0609020204030204" pitchFamily="49" charset="0"/>
+              </a:rPr>
+              <a:t>)</a:t>
+            </a:r>
+            <a:br>
+              <a:rPr lang="en" sz="1800" noProof="1">
+                <a:effectLst/>
+                <a:latin typeface="Consolas" panose="020B0609020204030204" pitchFamily="49" charset="0"/>
+                <a:cs typeface="Consolas" panose="020B0609020204030204" pitchFamily="49" charset="0"/>
+              </a:rPr>
+            </a:br>
+            <a:br>
+              <a:rPr lang="en" sz="1800" noProof="1">
+                <a:effectLst/>
+                <a:latin typeface="Consolas" panose="020B0609020204030204" pitchFamily="49" charset="0"/>
+                <a:cs typeface="Consolas" panose="020B0609020204030204" pitchFamily="49" charset="0"/>
+              </a:rPr>
+            </a:br>
+            <a:r>
+              <a:rPr lang="en" sz="1800" b="1" noProof="1">
+                <a:solidFill>
+                  <a:srgbClr val="0000FF"/>
+                </a:solidFill>
+                <a:effectLst/>
+                <a:latin typeface="Consolas" panose="020B0609020204030204" pitchFamily="49" charset="0"/>
+                <a:cs typeface="Consolas" panose="020B0609020204030204" pitchFamily="49" charset="0"/>
+              </a:rPr>
+              <a:t>def</a:t>
+            </a:r>
+            <a:r>
+              <a:rPr lang="en" sz="1800" noProof="1">
+                <a:effectLst/>
+                <a:latin typeface="Consolas" panose="020B0609020204030204" pitchFamily="49" charset="0"/>
+                <a:cs typeface="Consolas" panose="020B0609020204030204" pitchFamily="49" charset="0"/>
+              </a:rPr>
+              <a:t> </a:t>
+            </a:r>
+            <a:r>
+              <a:rPr lang="en" sz="1800" b="1" noProof="1">
+                <a:solidFill>
+                  <a:srgbClr val="0000A2"/>
+                </a:solidFill>
+                <a:effectLst/>
+                <a:latin typeface="Consolas" panose="020B0609020204030204" pitchFamily="49" charset="0"/>
+                <a:cs typeface="Consolas" panose="020B0609020204030204" pitchFamily="49" charset="0"/>
+              </a:rPr>
+              <a:t>parse_ip_header</a:t>
+            </a:r>
+            <a:r>
+              <a:rPr lang="en" sz="1800" noProof="1">
+                <a:effectLst/>
+                <a:latin typeface="Consolas" panose="020B0609020204030204" pitchFamily="49" charset="0"/>
+                <a:cs typeface="Consolas" panose="020B0609020204030204" pitchFamily="49" charset="0"/>
+              </a:rPr>
+              <a:t>(data):</a:t>
+            </a:r>
+            <a:br>
+              <a:rPr lang="en" sz="1800" noProof="1">
+                <a:effectLst/>
+                <a:latin typeface="Consolas" panose="020B0609020204030204" pitchFamily="49" charset="0"/>
+                <a:cs typeface="Consolas" panose="020B0609020204030204" pitchFamily="49" charset="0"/>
+              </a:rPr>
+            </a:br>
+            <a:r>
+              <a:rPr lang="en" sz="1800" noProof="1">
+                <a:effectLst/>
+                <a:latin typeface="Consolas" panose="020B0609020204030204" pitchFamily="49" charset="0"/>
+                <a:cs typeface="Consolas" panose="020B0609020204030204" pitchFamily="49" charset="0"/>
+              </a:rPr>
+              <a:t>    unpacked </a:t>
+            </a:r>
+            <a:r>
+              <a:rPr lang="en" sz="1800" b="1" noProof="1">
+                <a:solidFill>
+                  <a:srgbClr val="0000FF"/>
+                </a:solidFill>
+                <a:effectLst/>
+                <a:latin typeface="Consolas" panose="020B0609020204030204" pitchFamily="49" charset="0"/>
+                <a:cs typeface="Consolas" panose="020B0609020204030204" pitchFamily="49" charset="0"/>
+              </a:rPr>
+              <a:t>=</a:t>
+            </a:r>
+            <a:r>
+              <a:rPr lang="en" sz="1800" noProof="1">
+                <a:effectLst/>
+                <a:latin typeface="Consolas" panose="020B0609020204030204" pitchFamily="49" charset="0"/>
+                <a:cs typeface="Consolas" panose="020B0609020204030204" pitchFamily="49" charset="0"/>
+              </a:rPr>
+              <a:t> struct.unpack(</a:t>
+            </a:r>
+            <a:r>
+              <a:rPr lang="en" sz="1800" noProof="1">
+                <a:solidFill>
+                  <a:srgbClr val="036A07"/>
+                </a:solidFill>
+                <a:effectLst/>
+                <a:latin typeface="Consolas" panose="020B0609020204030204" pitchFamily="49" charset="0"/>
+                <a:cs typeface="Consolas" panose="020B0609020204030204" pitchFamily="49" charset="0"/>
+              </a:rPr>
+              <a:t>"!BBHHHBBH4s4s"</a:t>
+            </a:r>
+            <a:r>
+              <a:rPr lang="en" sz="1800" noProof="1">
+                <a:effectLst/>
+                <a:latin typeface="Consolas" panose="020B0609020204030204" pitchFamily="49" charset="0"/>
+                <a:cs typeface="Consolas" panose="020B0609020204030204" pitchFamily="49" charset="0"/>
+              </a:rPr>
+              <a:t>, data[:</a:t>
+            </a:r>
+            <a:r>
+              <a:rPr lang="en" sz="1800" noProof="1">
+                <a:solidFill>
+                  <a:srgbClr val="0000CD"/>
+                </a:solidFill>
+                <a:effectLst/>
+                <a:latin typeface="Consolas" panose="020B0609020204030204" pitchFamily="49" charset="0"/>
+                <a:cs typeface="Consolas" panose="020B0609020204030204" pitchFamily="49" charset="0"/>
+              </a:rPr>
+              <a:t>20</a:t>
+            </a:r>
+            <a:r>
+              <a:rPr lang="en" sz="1800" noProof="1">
+                <a:effectLst/>
+                <a:latin typeface="Consolas" panose="020B0609020204030204" pitchFamily="49" charset="0"/>
+                <a:cs typeface="Consolas" panose="020B0609020204030204" pitchFamily="49" charset="0"/>
+              </a:rPr>
+              <a:t>])</a:t>
+            </a:r>
+            <a:br>
+              <a:rPr lang="en" sz="1800" noProof="1">
+                <a:effectLst/>
+                <a:latin typeface="Consolas" panose="020B0609020204030204" pitchFamily="49" charset="0"/>
+                <a:cs typeface="Consolas" panose="020B0609020204030204" pitchFamily="49" charset="0"/>
+              </a:rPr>
+            </a:br>
+            <a:r>
+              <a:rPr lang="en" sz="1800" noProof="1">
+                <a:effectLst/>
+                <a:latin typeface="Consolas" panose="020B0609020204030204" pitchFamily="49" charset="0"/>
+                <a:cs typeface="Consolas" panose="020B0609020204030204" pitchFamily="49" charset="0"/>
+              </a:rPr>
+              <a:t>    </a:t>
+            </a:r>
+            <a:r>
+              <a:rPr lang="en" sz="1800" b="1" noProof="1">
+                <a:solidFill>
+                  <a:srgbClr val="0000FF"/>
+                </a:solidFill>
+                <a:effectLst/>
+                <a:latin typeface="Consolas" panose="020B0609020204030204" pitchFamily="49" charset="0"/>
+                <a:cs typeface="Consolas" panose="020B0609020204030204" pitchFamily="49" charset="0"/>
+              </a:rPr>
+              <a:t>return</a:t>
+            </a:r>
+            <a:r>
+              <a:rPr lang="en" sz="1800" noProof="1">
+                <a:effectLst/>
+                <a:latin typeface="Consolas" panose="020B0609020204030204" pitchFamily="49" charset="0"/>
+                <a:cs typeface="Consolas" panose="020B0609020204030204" pitchFamily="49" charset="0"/>
+              </a:rPr>
+              <a:t> {</a:t>
+            </a:r>
+            <a:br>
+              <a:rPr lang="en" sz="1800" noProof="1">
+                <a:effectLst/>
+                <a:latin typeface="Consolas" panose="020B0609020204030204" pitchFamily="49" charset="0"/>
+                <a:cs typeface="Consolas" panose="020B0609020204030204" pitchFamily="49" charset="0"/>
+              </a:rPr>
+            </a:br>
+            <a:r>
+              <a:rPr lang="en" sz="1800" noProof="1">
+                <a:effectLst/>
+                <a:latin typeface="Consolas" panose="020B0609020204030204" pitchFamily="49" charset="0"/>
+                <a:cs typeface="Consolas" panose="020B0609020204030204" pitchFamily="49" charset="0"/>
+              </a:rPr>
+              <a:t>        </a:t>
+            </a:r>
+            <a:r>
+              <a:rPr lang="en" sz="1800" noProof="1">
+                <a:solidFill>
+                  <a:srgbClr val="036A07"/>
+                </a:solidFill>
+                <a:effectLst/>
+                <a:latin typeface="Consolas" panose="020B0609020204030204" pitchFamily="49" charset="0"/>
+                <a:cs typeface="Consolas" panose="020B0609020204030204" pitchFamily="49" charset="0"/>
+              </a:rPr>
+              <a:t>"version"</a:t>
+            </a:r>
+            <a:r>
+              <a:rPr lang="en" sz="1800" noProof="1">
+                <a:effectLst/>
+                <a:latin typeface="Consolas" panose="020B0609020204030204" pitchFamily="49" charset="0"/>
+                <a:cs typeface="Consolas" panose="020B0609020204030204" pitchFamily="49" charset="0"/>
+              </a:rPr>
+              <a:t>: unpacked[</a:t>
+            </a:r>
+            <a:r>
+              <a:rPr lang="en" sz="1800" noProof="1">
+                <a:solidFill>
+                  <a:srgbClr val="0000CD"/>
+                </a:solidFill>
+                <a:effectLst/>
+                <a:latin typeface="Consolas" panose="020B0609020204030204" pitchFamily="49" charset="0"/>
+                <a:cs typeface="Consolas" panose="020B0609020204030204" pitchFamily="49" charset="0"/>
+              </a:rPr>
+              <a:t>0</a:t>
+            </a:r>
+            <a:r>
+              <a:rPr lang="en" sz="1800" noProof="1">
+                <a:effectLst/>
+                <a:latin typeface="Consolas" panose="020B0609020204030204" pitchFamily="49" charset="0"/>
+                <a:cs typeface="Consolas" panose="020B0609020204030204" pitchFamily="49" charset="0"/>
+              </a:rPr>
+              <a:t>] </a:t>
+            </a:r>
+            <a:r>
+              <a:rPr lang="en" sz="1800" b="1" noProof="1">
+                <a:solidFill>
+                  <a:srgbClr val="0000FF"/>
+                </a:solidFill>
+                <a:effectLst/>
+                <a:latin typeface="Consolas" panose="020B0609020204030204" pitchFamily="49" charset="0"/>
+                <a:cs typeface="Consolas" panose="020B0609020204030204" pitchFamily="49" charset="0"/>
+              </a:rPr>
+              <a:t>&gt;&gt;</a:t>
+            </a:r>
+            <a:r>
+              <a:rPr lang="en" sz="1800" noProof="1">
+                <a:effectLst/>
+                <a:latin typeface="Consolas" panose="020B0609020204030204" pitchFamily="49" charset="0"/>
+                <a:cs typeface="Consolas" panose="020B0609020204030204" pitchFamily="49" charset="0"/>
+              </a:rPr>
+              <a:t> </a:t>
+            </a:r>
+            <a:r>
+              <a:rPr lang="en" sz="1800" noProof="1">
+                <a:solidFill>
+                  <a:srgbClr val="0000CD"/>
+                </a:solidFill>
+                <a:effectLst/>
+                <a:latin typeface="Consolas" panose="020B0609020204030204" pitchFamily="49" charset="0"/>
+                <a:cs typeface="Consolas" panose="020B0609020204030204" pitchFamily="49" charset="0"/>
+              </a:rPr>
+              <a:t>4</a:t>
+            </a:r>
+            <a:r>
+              <a:rPr lang="en" sz="1800" noProof="1">
+                <a:effectLst/>
+                <a:latin typeface="Consolas" panose="020B0609020204030204" pitchFamily="49" charset="0"/>
+                <a:cs typeface="Consolas" panose="020B0609020204030204" pitchFamily="49" charset="0"/>
+              </a:rPr>
+              <a:t>,</a:t>
+            </a:r>
+            <a:br>
+              <a:rPr lang="en" sz="1800" noProof="1">
+                <a:effectLst/>
+                <a:latin typeface="Consolas" panose="020B0609020204030204" pitchFamily="49" charset="0"/>
+                <a:cs typeface="Consolas" panose="020B0609020204030204" pitchFamily="49" charset="0"/>
+              </a:rPr>
+            </a:br>
+            <a:r>
+              <a:rPr lang="en" sz="1800" noProof="1">
+                <a:effectLst/>
+                <a:latin typeface="Consolas" panose="020B0609020204030204" pitchFamily="49" charset="0"/>
+                <a:cs typeface="Consolas" panose="020B0609020204030204" pitchFamily="49" charset="0"/>
+              </a:rPr>
+              <a:t>        </a:t>
+            </a:r>
+            <a:r>
+              <a:rPr lang="en" sz="1800" noProof="1">
+                <a:solidFill>
+                  <a:srgbClr val="036A07"/>
+                </a:solidFill>
+                <a:effectLst/>
+                <a:latin typeface="Consolas" panose="020B0609020204030204" pitchFamily="49" charset="0"/>
+                <a:cs typeface="Consolas" panose="020B0609020204030204" pitchFamily="49" charset="0"/>
+              </a:rPr>
+              <a:t>"ihl"</a:t>
+            </a:r>
+            <a:r>
+              <a:rPr lang="en" sz="1800" noProof="1">
+                <a:effectLst/>
+                <a:latin typeface="Consolas" panose="020B0609020204030204" pitchFamily="49" charset="0"/>
+                <a:cs typeface="Consolas" panose="020B0609020204030204" pitchFamily="49" charset="0"/>
+              </a:rPr>
+              <a:t>: unpacked[</a:t>
+            </a:r>
+            <a:r>
+              <a:rPr lang="en" sz="1800" noProof="1">
+                <a:solidFill>
+                  <a:srgbClr val="0000CD"/>
+                </a:solidFill>
+                <a:effectLst/>
+                <a:latin typeface="Consolas" panose="020B0609020204030204" pitchFamily="49" charset="0"/>
+                <a:cs typeface="Consolas" panose="020B0609020204030204" pitchFamily="49" charset="0"/>
+              </a:rPr>
+              <a:t>0</a:t>
+            </a:r>
+            <a:r>
+              <a:rPr lang="en" sz="1800" noProof="1">
+                <a:effectLst/>
+                <a:latin typeface="Consolas" panose="020B0609020204030204" pitchFamily="49" charset="0"/>
+                <a:cs typeface="Consolas" panose="020B0609020204030204" pitchFamily="49" charset="0"/>
+              </a:rPr>
+              <a:t>] </a:t>
+            </a:r>
+            <a:r>
+              <a:rPr lang="en" sz="1800" b="1" noProof="1">
+                <a:solidFill>
+                  <a:srgbClr val="0000FF"/>
+                </a:solidFill>
+                <a:effectLst/>
+                <a:latin typeface="Consolas" panose="020B0609020204030204" pitchFamily="49" charset="0"/>
+                <a:cs typeface="Consolas" panose="020B0609020204030204" pitchFamily="49" charset="0"/>
+              </a:rPr>
+              <a:t>&amp;</a:t>
+            </a:r>
+            <a:r>
+              <a:rPr lang="en" sz="1800" noProof="1">
+                <a:effectLst/>
+                <a:latin typeface="Consolas" panose="020B0609020204030204" pitchFamily="49" charset="0"/>
+                <a:cs typeface="Consolas" panose="020B0609020204030204" pitchFamily="49" charset="0"/>
+              </a:rPr>
+              <a:t> </a:t>
+            </a:r>
+            <a:r>
+              <a:rPr lang="en" sz="1800" noProof="1">
+                <a:solidFill>
+                  <a:srgbClr val="0000CD"/>
+                </a:solidFill>
+                <a:effectLst/>
+                <a:latin typeface="Consolas" panose="020B0609020204030204" pitchFamily="49" charset="0"/>
+                <a:cs typeface="Consolas" panose="020B0609020204030204" pitchFamily="49" charset="0"/>
+              </a:rPr>
+              <a:t>0xF</a:t>
+            </a:r>
+            <a:r>
+              <a:rPr lang="en" sz="1800" noProof="1">
+                <a:effectLst/>
+                <a:latin typeface="Consolas" panose="020B0609020204030204" pitchFamily="49" charset="0"/>
+                <a:cs typeface="Consolas" panose="020B0609020204030204" pitchFamily="49" charset="0"/>
+              </a:rPr>
+              <a:t>,</a:t>
+            </a:r>
+            <a:br>
+              <a:rPr lang="en" sz="1800" noProof="1">
+                <a:effectLst/>
+                <a:latin typeface="Consolas" panose="020B0609020204030204" pitchFamily="49" charset="0"/>
+                <a:cs typeface="Consolas" panose="020B0609020204030204" pitchFamily="49" charset="0"/>
+              </a:rPr>
+            </a:br>
+            <a:r>
+              <a:rPr lang="en" sz="1800" noProof="1">
+                <a:effectLst/>
+                <a:latin typeface="Consolas" panose="020B0609020204030204" pitchFamily="49" charset="0"/>
+                <a:cs typeface="Consolas" panose="020B0609020204030204" pitchFamily="49" charset="0"/>
+              </a:rPr>
+              <a:t>        </a:t>
+            </a:r>
+            <a:r>
+              <a:rPr lang="en" sz="1800" noProof="1">
+                <a:solidFill>
+                  <a:srgbClr val="036A07"/>
+                </a:solidFill>
+                <a:effectLst/>
+                <a:latin typeface="Consolas" panose="020B0609020204030204" pitchFamily="49" charset="0"/>
+                <a:cs typeface="Consolas" panose="020B0609020204030204" pitchFamily="49" charset="0"/>
+              </a:rPr>
+              <a:t>"total_length"</a:t>
+            </a:r>
+            <a:r>
+              <a:rPr lang="en" sz="1800" noProof="1">
+                <a:effectLst/>
+                <a:latin typeface="Consolas" panose="020B0609020204030204" pitchFamily="49" charset="0"/>
+                <a:cs typeface="Consolas" panose="020B0609020204030204" pitchFamily="49" charset="0"/>
+              </a:rPr>
+              <a:t>: unpacked[</a:t>
+            </a:r>
+            <a:r>
+              <a:rPr lang="en" sz="1800" noProof="1">
+                <a:solidFill>
+                  <a:srgbClr val="0000CD"/>
+                </a:solidFill>
+                <a:effectLst/>
+                <a:latin typeface="Consolas" panose="020B0609020204030204" pitchFamily="49" charset="0"/>
+                <a:cs typeface="Consolas" panose="020B0609020204030204" pitchFamily="49" charset="0"/>
+              </a:rPr>
+              <a:t>2</a:t>
+            </a:r>
+            <a:r>
+              <a:rPr lang="en" sz="1800" noProof="1">
+                <a:effectLst/>
+                <a:latin typeface="Consolas" panose="020B0609020204030204" pitchFamily="49" charset="0"/>
+                <a:cs typeface="Consolas" panose="020B0609020204030204" pitchFamily="49" charset="0"/>
+              </a:rPr>
+              <a:t>],</a:t>
+            </a:r>
+            <a:br>
+              <a:rPr lang="en" sz="1800" noProof="1">
+                <a:effectLst/>
+                <a:latin typeface="Consolas" panose="020B0609020204030204" pitchFamily="49" charset="0"/>
+                <a:cs typeface="Consolas" panose="020B0609020204030204" pitchFamily="49" charset="0"/>
+              </a:rPr>
+            </a:br>
+            <a:r>
+              <a:rPr lang="en" sz="1800" noProof="1">
+                <a:effectLst/>
+                <a:latin typeface="Consolas" panose="020B0609020204030204" pitchFamily="49" charset="0"/>
+                <a:cs typeface="Consolas" panose="020B0609020204030204" pitchFamily="49" charset="0"/>
+              </a:rPr>
+              <a:t>        </a:t>
+            </a:r>
+            <a:r>
+              <a:rPr lang="en" sz="1800" noProof="1">
+                <a:solidFill>
+                  <a:srgbClr val="036A07"/>
+                </a:solidFill>
+                <a:effectLst/>
+                <a:latin typeface="Consolas" panose="020B0609020204030204" pitchFamily="49" charset="0"/>
+                <a:cs typeface="Consolas" panose="020B0609020204030204" pitchFamily="49" charset="0"/>
+              </a:rPr>
+              <a:t>"src"</a:t>
+            </a:r>
+            <a:r>
+              <a:rPr lang="en" sz="1800" noProof="1">
+                <a:effectLst/>
+                <a:latin typeface="Consolas" panose="020B0609020204030204" pitchFamily="49" charset="0"/>
+                <a:cs typeface="Consolas" panose="020B0609020204030204" pitchFamily="49" charset="0"/>
+              </a:rPr>
+              <a:t>: socket.inet_ntoa(unpacked[</a:t>
+            </a:r>
+            <a:r>
+              <a:rPr lang="en" sz="1800" noProof="1">
+                <a:solidFill>
+                  <a:srgbClr val="0000CD"/>
+                </a:solidFill>
+                <a:effectLst/>
+                <a:latin typeface="Consolas" panose="020B0609020204030204" pitchFamily="49" charset="0"/>
+                <a:cs typeface="Consolas" panose="020B0609020204030204" pitchFamily="49" charset="0"/>
+              </a:rPr>
+              <a:t>8</a:t>
+            </a:r>
+            <a:r>
+              <a:rPr lang="en" sz="1800" noProof="1">
+                <a:effectLst/>
+                <a:latin typeface="Consolas" panose="020B0609020204030204" pitchFamily="49" charset="0"/>
+                <a:cs typeface="Consolas" panose="020B0609020204030204" pitchFamily="49" charset="0"/>
+              </a:rPr>
+              <a:t>]),</a:t>
+            </a:r>
+            <a:br>
+              <a:rPr lang="en" sz="1800" noProof="1">
+                <a:effectLst/>
+                <a:latin typeface="Consolas" panose="020B0609020204030204" pitchFamily="49" charset="0"/>
+                <a:cs typeface="Consolas" panose="020B0609020204030204" pitchFamily="49" charset="0"/>
+              </a:rPr>
+            </a:br>
+            <a:r>
+              <a:rPr lang="en" sz="1800" noProof="1">
+                <a:effectLst/>
+                <a:latin typeface="Consolas" panose="020B0609020204030204" pitchFamily="49" charset="0"/>
+                <a:cs typeface="Consolas" panose="020B0609020204030204" pitchFamily="49" charset="0"/>
+              </a:rPr>
+              <a:t>        </a:t>
+            </a:r>
+            <a:r>
+              <a:rPr lang="en" sz="1800" noProof="1">
+                <a:solidFill>
+                  <a:srgbClr val="036A07"/>
+                </a:solidFill>
+                <a:effectLst/>
+                <a:latin typeface="Consolas" panose="020B0609020204030204" pitchFamily="49" charset="0"/>
+                <a:cs typeface="Consolas" panose="020B0609020204030204" pitchFamily="49" charset="0"/>
+              </a:rPr>
+              <a:t>"dst"</a:t>
+            </a:r>
+            <a:r>
+              <a:rPr lang="en" sz="1800" noProof="1">
+                <a:effectLst/>
+                <a:latin typeface="Consolas" panose="020B0609020204030204" pitchFamily="49" charset="0"/>
+                <a:cs typeface="Consolas" panose="020B0609020204030204" pitchFamily="49" charset="0"/>
+              </a:rPr>
+              <a:t>: socket.inet_ntoa(unpacked[</a:t>
+            </a:r>
+            <a:r>
+              <a:rPr lang="en" sz="1800" noProof="1">
+                <a:solidFill>
+                  <a:srgbClr val="0000CD"/>
+                </a:solidFill>
+                <a:effectLst/>
+                <a:latin typeface="Consolas" panose="020B0609020204030204" pitchFamily="49" charset="0"/>
+                <a:cs typeface="Consolas" panose="020B0609020204030204" pitchFamily="49" charset="0"/>
+              </a:rPr>
+              <a:t>9</a:t>
+            </a:r>
+            <a:r>
+              <a:rPr lang="en" sz="1800" noProof="1">
+                <a:effectLst/>
+                <a:latin typeface="Consolas" panose="020B0609020204030204" pitchFamily="49" charset="0"/>
+                <a:cs typeface="Consolas" panose="020B0609020204030204" pitchFamily="49" charset="0"/>
+              </a:rPr>
+              <a:t>]),</a:t>
+            </a:r>
+            <a:br>
+              <a:rPr lang="en" sz="1800" noProof="1">
+                <a:effectLst/>
+                <a:latin typeface="Consolas" panose="020B0609020204030204" pitchFamily="49" charset="0"/>
+                <a:cs typeface="Consolas" panose="020B0609020204030204" pitchFamily="49" charset="0"/>
+              </a:rPr>
+            </a:br>
+            <a:r>
+              <a:rPr lang="en" sz="1800" noProof="1">
+                <a:effectLst/>
+                <a:latin typeface="Consolas" panose="020B0609020204030204" pitchFamily="49" charset="0"/>
+                <a:cs typeface="Consolas" panose="020B0609020204030204" pitchFamily="49" charset="0"/>
+              </a:rPr>
+              <a:t>    }</a:t>
+            </a:r>
+            <a:br>
+              <a:rPr lang="en" sz="1800" noProof="1">
+                <a:effectLst/>
+                <a:latin typeface="Consolas" panose="020B0609020204030204" pitchFamily="49" charset="0"/>
+                <a:cs typeface="Consolas" panose="020B0609020204030204" pitchFamily="49" charset="0"/>
+              </a:rPr>
+            </a:br>
+            <a:br>
+              <a:rPr lang="en" sz="1800" noProof="1">
+                <a:effectLst/>
+                <a:latin typeface="Consolas" panose="020B0609020204030204" pitchFamily="49" charset="0"/>
+                <a:cs typeface="Consolas" panose="020B0609020204030204" pitchFamily="49" charset="0"/>
+              </a:rPr>
+            </a:br>
+            <a:r>
+              <a:rPr lang="en" sz="1800" b="1" noProof="1">
+                <a:solidFill>
+                  <a:srgbClr val="0000FF"/>
+                </a:solidFill>
+                <a:effectLst/>
+                <a:latin typeface="Consolas" panose="020B0609020204030204" pitchFamily="49" charset="0"/>
+                <a:cs typeface="Consolas" panose="020B0609020204030204" pitchFamily="49" charset="0"/>
+              </a:rPr>
+              <a:t>while</a:t>
+            </a:r>
+            <a:r>
+              <a:rPr lang="en" sz="1800" noProof="1">
+                <a:effectLst/>
+                <a:latin typeface="Consolas" panose="020B0609020204030204" pitchFamily="49" charset="0"/>
+                <a:cs typeface="Consolas" panose="020B0609020204030204" pitchFamily="49" charset="0"/>
+              </a:rPr>
+              <a:t> </a:t>
+            </a:r>
+            <a:r>
+              <a:rPr lang="en" sz="1800" b="1" noProof="1">
+                <a:solidFill>
+                  <a:srgbClr val="585CF6"/>
+                </a:solidFill>
+                <a:effectLst/>
+                <a:latin typeface="Consolas" panose="020B0609020204030204" pitchFamily="49" charset="0"/>
+                <a:cs typeface="Consolas" panose="020B0609020204030204" pitchFamily="49" charset="0"/>
+              </a:rPr>
+              <a:t>True</a:t>
+            </a:r>
+            <a:r>
+              <a:rPr lang="en" sz="1800" noProof="1">
+                <a:effectLst/>
+                <a:latin typeface="Consolas" panose="020B0609020204030204" pitchFamily="49" charset="0"/>
+                <a:cs typeface="Consolas" panose="020B0609020204030204" pitchFamily="49" charset="0"/>
+              </a:rPr>
+              <a:t>:</a:t>
+            </a:r>
+            <a:br>
+              <a:rPr lang="en" sz="1800" noProof="1">
+                <a:effectLst/>
+                <a:latin typeface="Consolas" panose="020B0609020204030204" pitchFamily="49" charset="0"/>
+                <a:cs typeface="Consolas" panose="020B0609020204030204" pitchFamily="49" charset="0"/>
+              </a:rPr>
+            </a:br>
+            <a:r>
+              <a:rPr lang="en" sz="1800" noProof="1">
+                <a:effectLst/>
+                <a:latin typeface="Consolas" panose="020B0609020204030204" pitchFamily="49" charset="0"/>
+                <a:cs typeface="Consolas" panose="020B0609020204030204" pitchFamily="49" charset="0"/>
+              </a:rPr>
+              <a:t>    packet </a:t>
+            </a:r>
+            <a:r>
+              <a:rPr lang="en" sz="1800" b="1" noProof="1">
+                <a:solidFill>
+                  <a:srgbClr val="0000FF"/>
+                </a:solidFill>
+                <a:effectLst/>
+                <a:latin typeface="Consolas" panose="020B0609020204030204" pitchFamily="49" charset="0"/>
+                <a:cs typeface="Consolas" panose="020B0609020204030204" pitchFamily="49" charset="0"/>
+              </a:rPr>
+              <a:t>=</a:t>
+            </a:r>
+            <a:r>
+              <a:rPr lang="en" sz="1800" noProof="1">
+                <a:effectLst/>
+                <a:latin typeface="Consolas" panose="020B0609020204030204" pitchFamily="49" charset="0"/>
+                <a:cs typeface="Consolas" panose="020B0609020204030204" pitchFamily="49" charset="0"/>
+              </a:rPr>
+              <a:t> s.recvfrom(</a:t>
+            </a:r>
+            <a:r>
+              <a:rPr lang="en" sz="1800" noProof="1">
+                <a:solidFill>
+                  <a:srgbClr val="0000CD"/>
+                </a:solidFill>
+                <a:effectLst/>
+                <a:latin typeface="Consolas" panose="020B0609020204030204" pitchFamily="49" charset="0"/>
+                <a:cs typeface="Consolas" panose="020B0609020204030204" pitchFamily="49" charset="0"/>
+              </a:rPr>
+              <a:t>65535</a:t>
+            </a:r>
+            <a:r>
+              <a:rPr lang="en" sz="1800" noProof="1">
+                <a:effectLst/>
+                <a:latin typeface="Consolas" panose="020B0609020204030204" pitchFamily="49" charset="0"/>
+                <a:cs typeface="Consolas" panose="020B0609020204030204" pitchFamily="49" charset="0"/>
+              </a:rPr>
+              <a:t>)[</a:t>
+            </a:r>
+            <a:r>
+              <a:rPr lang="en" sz="1800" noProof="1">
+                <a:solidFill>
+                  <a:srgbClr val="0000CD"/>
+                </a:solidFill>
+                <a:effectLst/>
+                <a:latin typeface="Consolas" panose="020B0609020204030204" pitchFamily="49" charset="0"/>
+                <a:cs typeface="Consolas" panose="020B0609020204030204" pitchFamily="49" charset="0"/>
+              </a:rPr>
+              <a:t>0</a:t>
+            </a:r>
+            <a:r>
+              <a:rPr lang="en" sz="1800" noProof="1">
+                <a:effectLst/>
+                <a:latin typeface="Consolas" panose="020B0609020204030204" pitchFamily="49" charset="0"/>
+                <a:cs typeface="Consolas" panose="020B0609020204030204" pitchFamily="49" charset="0"/>
+              </a:rPr>
+              <a:t>]</a:t>
+            </a:r>
+            <a:br>
+              <a:rPr lang="en" sz="1800" noProof="1">
+                <a:effectLst/>
+                <a:latin typeface="Consolas" panose="020B0609020204030204" pitchFamily="49" charset="0"/>
+                <a:cs typeface="Consolas" panose="020B0609020204030204" pitchFamily="49" charset="0"/>
+              </a:rPr>
+            </a:br>
+            <a:r>
+              <a:rPr lang="en" sz="1800" noProof="1">
+                <a:effectLst/>
+                <a:latin typeface="Consolas" panose="020B0609020204030204" pitchFamily="49" charset="0"/>
+                <a:cs typeface="Consolas" panose="020B0609020204030204" pitchFamily="49" charset="0"/>
+              </a:rPr>
+              <a:t>    ip </a:t>
+            </a:r>
+            <a:r>
+              <a:rPr lang="en" sz="1800" b="1" noProof="1">
+                <a:solidFill>
+                  <a:srgbClr val="0000FF"/>
+                </a:solidFill>
+                <a:effectLst/>
+                <a:latin typeface="Consolas" panose="020B0609020204030204" pitchFamily="49" charset="0"/>
+                <a:cs typeface="Consolas" panose="020B0609020204030204" pitchFamily="49" charset="0"/>
+              </a:rPr>
+              <a:t>=</a:t>
+            </a:r>
+            <a:r>
+              <a:rPr lang="en" sz="1800" noProof="1">
+                <a:effectLst/>
+                <a:latin typeface="Consolas" panose="020B0609020204030204" pitchFamily="49" charset="0"/>
+                <a:cs typeface="Consolas" panose="020B0609020204030204" pitchFamily="49" charset="0"/>
+              </a:rPr>
+              <a:t> parse_ip_header(packet)</a:t>
+            </a:r>
+            <a:br>
+              <a:rPr lang="en" sz="1800" noProof="1">
+                <a:effectLst/>
+                <a:latin typeface="Consolas" panose="020B0609020204030204" pitchFamily="49" charset="0"/>
+                <a:cs typeface="Consolas" panose="020B0609020204030204" pitchFamily="49" charset="0"/>
+              </a:rPr>
+            </a:br>
+            <a:r>
+              <a:rPr lang="en" sz="1800" noProof="1">
+                <a:effectLst/>
+                <a:latin typeface="Consolas" panose="020B0609020204030204" pitchFamily="49" charset="0"/>
+                <a:cs typeface="Consolas" panose="020B0609020204030204" pitchFamily="49" charset="0"/>
+              </a:rPr>
+              <a:t>    </a:t>
+            </a:r>
+            <a:r>
+              <a:rPr lang="en" sz="1800" b="1" noProof="1">
+                <a:solidFill>
+                  <a:srgbClr val="3C4C72"/>
+                </a:solidFill>
+                <a:effectLst/>
+                <a:latin typeface="Consolas" panose="020B0609020204030204" pitchFamily="49" charset="0"/>
+                <a:cs typeface="Consolas" panose="020B0609020204030204" pitchFamily="49" charset="0"/>
+              </a:rPr>
+              <a:t>print</a:t>
+            </a:r>
+            <a:r>
+              <a:rPr lang="en" sz="1800" noProof="1">
+                <a:effectLst/>
+                <a:latin typeface="Consolas" panose="020B0609020204030204" pitchFamily="49" charset="0"/>
+                <a:cs typeface="Consolas" panose="020B0609020204030204" pitchFamily="49" charset="0"/>
+              </a:rPr>
+              <a:t>(f</a:t>
+            </a:r>
+            <a:r>
+              <a:rPr lang="en" sz="1800" noProof="1">
+                <a:solidFill>
+                  <a:srgbClr val="036A07"/>
+                </a:solidFill>
+                <a:effectLst/>
+                <a:latin typeface="Consolas" panose="020B0609020204030204" pitchFamily="49" charset="0"/>
+                <a:cs typeface="Consolas" panose="020B0609020204030204" pitchFamily="49" charset="0"/>
+              </a:rPr>
+              <a:t>"{ip['src']} -&gt; {ip['dst']} ({ip['total_length']} bytes)"</a:t>
+            </a:r>
+            <a:r>
+              <a:rPr lang="en" sz="1800" noProof="1">
+                <a:effectLst/>
+                <a:latin typeface="Consolas" panose="020B0609020204030204" pitchFamily="49" charset="0"/>
+                <a:cs typeface="Consolas" panose="020B0609020204030204" pitchFamily="49" charset="0"/>
+              </a:rPr>
+              <a:t>)</a:t>
+            </a:r>
+          </a:p>
+          <a:p>
+            <a:pPr marL="0" indent="0">
+              <a:buNone/>
+            </a:pPr>
+            <a:endParaRPr lang="en" sz="1800" noProof="1">
+              <a:latin typeface="Consolas" panose="020B0609020204030204" pitchFamily="49" charset="0"/>
+              <a:cs typeface="Consolas" panose="020B0609020204030204" pitchFamily="49" charset="0"/>
+            </a:endParaRPr>
+          </a:p>
+        </p:txBody>
+      </p:sp>
+    </p:spTree>
+    <p:extLst>
+      <p:ext uri="{BB962C8B-B14F-4D97-AF65-F5344CB8AC3E}">
+        <p14:creationId xmlns:p14="http://schemas.microsoft.com/office/powerpoint/2010/main" val="738777495"/>
+      </p:ext>
+    </p:extLst>
+  </p:cSld>
+  <p:clrMapOvr>
+    <a:masterClrMapping/>
+  </p:clrMapOvr>
+</p:sld>
+</file>
+
 <file path=ppt/slides/slide5.xml><?xml version="1.0" encoding="utf-8"?>
 <p:sld xmlns:a="http://schemas.openxmlformats.org/drawingml/2006/main" xmlns:r="http://schemas.openxmlformats.org/officeDocument/2006/relationships" xmlns:p="http://schemas.openxmlformats.org/presentationml/2006/main">
   <p:cSld>
